--- a/extending-vs-code.pptx
+++ b/extending-vs-code.pptx
@@ -5,7 +5,7 @@
     <p:sldMasterId id="2147483648" r:id="rId1"/>
   </p:sldMasterIdLst>
   <p:notesMasterIdLst>
-    <p:notesMasterId r:id="rId21"/>
+    <p:notesMasterId r:id="rId15"/>
   </p:notesMasterIdLst>
   <p:sldIdLst>
     <p:sldId id="258" r:id="rId2"/>
@@ -14,19 +14,13 @@
     <p:sldId id="260" r:id="rId5"/>
     <p:sldId id="261" r:id="rId6"/>
     <p:sldId id="274" r:id="rId7"/>
-    <p:sldId id="262" r:id="rId8"/>
-    <p:sldId id="266" r:id="rId9"/>
-    <p:sldId id="269" r:id="rId10"/>
-    <p:sldId id="271" r:id="rId11"/>
-    <p:sldId id="272" r:id="rId12"/>
-    <p:sldId id="273" r:id="rId13"/>
-    <p:sldId id="275" r:id="rId14"/>
-    <p:sldId id="281" r:id="rId15"/>
-    <p:sldId id="276" r:id="rId16"/>
-    <p:sldId id="277" r:id="rId17"/>
-    <p:sldId id="278" r:id="rId18"/>
-    <p:sldId id="279" r:id="rId19"/>
-    <p:sldId id="280" r:id="rId20"/>
+    <p:sldId id="266" r:id="rId8"/>
+    <p:sldId id="281" r:id="rId9"/>
+    <p:sldId id="275" r:id="rId10"/>
+    <p:sldId id="278" r:id="rId11"/>
+    <p:sldId id="277" r:id="rId12"/>
+    <p:sldId id="279" r:id="rId13"/>
+    <p:sldId id="280" r:id="rId14"/>
   </p:sldIdLst>
   <p:sldSz cx="12192000" cy="6858000"/>
   <p:notesSz cx="6858000" cy="9144000"/>
@@ -215,7 +209,7 @@
           <a:p>
             <a:fld id="{99C4D036-BDB5-5848-925A-7211684DC976}" type="datetimeFigureOut">
               <a:rPr lang="en-US" smtClean="0"/>
-              <a:t>4/18/17</a:t>
+              <a:t>4/23/17</a:t>
             </a:fld>
             <a:endParaRPr lang="en-US"/>
           </a:p>
@@ -614,7 +608,7 @@
           <a:p>
             <a:fld id="{6BBEF6B5-29B0-3843-BC6B-0F62F44C2C43}" type="datetimeFigureOut">
               <a:rPr lang="en-US" smtClean="0"/>
-              <a:t>4/18/17</a:t>
+              <a:t>4/23/17</a:t>
             </a:fld>
             <a:endParaRPr lang="en-US"/>
           </a:p>
@@ -784,7 +778,7 @@
           <a:p>
             <a:fld id="{6BBEF6B5-29B0-3843-BC6B-0F62F44C2C43}" type="datetimeFigureOut">
               <a:rPr lang="en-US" smtClean="0"/>
-              <a:t>4/18/17</a:t>
+              <a:t>4/23/17</a:t>
             </a:fld>
             <a:endParaRPr lang="en-US"/>
           </a:p>
@@ -964,7 +958,7 @@
           <a:p>
             <a:fld id="{6BBEF6B5-29B0-3843-BC6B-0F62F44C2C43}" type="datetimeFigureOut">
               <a:rPr lang="en-US" smtClean="0"/>
-              <a:t>4/18/17</a:t>
+              <a:t>4/23/17</a:t>
             </a:fld>
             <a:endParaRPr lang="en-US"/>
           </a:p>
@@ -1134,7 +1128,7 @@
           <a:p>
             <a:fld id="{6BBEF6B5-29B0-3843-BC6B-0F62F44C2C43}" type="datetimeFigureOut">
               <a:rPr lang="en-US" smtClean="0"/>
-              <a:t>4/18/17</a:t>
+              <a:t>4/23/17</a:t>
             </a:fld>
             <a:endParaRPr lang="en-US"/>
           </a:p>
@@ -1380,7 +1374,7 @@
           <a:p>
             <a:fld id="{6BBEF6B5-29B0-3843-BC6B-0F62F44C2C43}" type="datetimeFigureOut">
               <a:rPr lang="en-US" smtClean="0"/>
-              <a:t>4/18/17</a:t>
+              <a:t>4/23/17</a:t>
             </a:fld>
             <a:endParaRPr lang="en-US"/>
           </a:p>
@@ -1612,7 +1606,7 @@
           <a:p>
             <a:fld id="{6BBEF6B5-29B0-3843-BC6B-0F62F44C2C43}" type="datetimeFigureOut">
               <a:rPr lang="en-US" smtClean="0"/>
-              <a:t>4/18/17</a:t>
+              <a:t>4/23/17</a:t>
             </a:fld>
             <a:endParaRPr lang="en-US"/>
           </a:p>
@@ -1979,7 +1973,7 @@
           <a:p>
             <a:fld id="{6BBEF6B5-29B0-3843-BC6B-0F62F44C2C43}" type="datetimeFigureOut">
               <a:rPr lang="en-US" smtClean="0"/>
-              <a:t>4/18/17</a:t>
+              <a:t>4/23/17</a:t>
             </a:fld>
             <a:endParaRPr lang="en-US"/>
           </a:p>
@@ -2097,7 +2091,7 @@
           <a:p>
             <a:fld id="{6BBEF6B5-29B0-3843-BC6B-0F62F44C2C43}" type="datetimeFigureOut">
               <a:rPr lang="en-US" smtClean="0"/>
-              <a:t>4/18/17</a:t>
+              <a:t>4/23/17</a:t>
             </a:fld>
             <a:endParaRPr lang="en-US"/>
           </a:p>
@@ -2192,7 +2186,7 @@
           <a:p>
             <a:fld id="{6BBEF6B5-29B0-3843-BC6B-0F62F44C2C43}" type="datetimeFigureOut">
               <a:rPr lang="en-US" smtClean="0"/>
-              <a:t>4/18/17</a:t>
+              <a:t>4/23/17</a:t>
             </a:fld>
             <a:endParaRPr lang="en-US"/>
           </a:p>
@@ -2469,7 +2463,7 @@
           <a:p>
             <a:fld id="{6BBEF6B5-29B0-3843-BC6B-0F62F44C2C43}" type="datetimeFigureOut">
               <a:rPr lang="en-US" smtClean="0"/>
-              <a:t>4/18/17</a:t>
+              <a:t>4/23/17</a:t>
             </a:fld>
             <a:endParaRPr lang="en-US"/>
           </a:p>
@@ -2722,7 +2716,7 @@
           <a:p>
             <a:fld id="{6BBEF6B5-29B0-3843-BC6B-0F62F44C2C43}" type="datetimeFigureOut">
               <a:rPr lang="en-US" smtClean="0"/>
-              <a:t>4/18/17</a:t>
+              <a:t>4/23/17</a:t>
             </a:fld>
             <a:endParaRPr lang="en-US"/>
           </a:p>
@@ -2935,7 +2929,7 @@
           <a:p>
             <a:fld id="{6BBEF6B5-29B0-3843-BC6B-0F62F44C2C43}" type="datetimeFigureOut">
               <a:rPr lang="en-US" smtClean="0"/>
-              <a:t>4/18/17</a:t>
+              <a:t>4/23/17</a:t>
             </a:fld>
             <a:endParaRPr lang="en-US"/>
           </a:p>
@@ -3435,33 +3429,9 @@
           <a:chExt cx="0" cy="0"/>
         </a:xfrm>
       </p:grpSpPr>
-      <p:pic>
-        <p:nvPicPr>
-          <p:cNvPr id="5" name="Picture 4"/>
-          <p:cNvPicPr>
-            <a:picLocks noChangeAspect="1"/>
-          </p:cNvPicPr>
-          <p:nvPr/>
-        </p:nvPicPr>
-        <p:blipFill>
-          <a:blip r:embed="rId2"/>
-          <a:stretch>
-            <a:fillRect/>
-          </a:stretch>
-        </p:blipFill>
-        <p:spPr>
-          <a:xfrm>
-            <a:off x="421253" y="1706590"/>
-            <a:ext cx="8343900" cy="4876800"/>
-          </a:xfrm>
-          <a:prstGeom prst="rect">
-            <a:avLst/>
-          </a:prstGeom>
-        </p:spPr>
-      </p:pic>
-      <p:sp>
-        <p:nvSpPr>
-          <p:cNvPr id="2" name="Title 1"/>
+      <p:sp>
+        <p:nvSpPr>
+          <p:cNvPr id="4" name="Title 3"/>
           <p:cNvSpPr>
             <a:spLocks noGrp="1"/>
           </p:cNvSpPr>
@@ -3475,77 +3445,45 @@
           <a:lstStyle/>
           <a:p>
             <a:r>
-              <a:rPr lang="en-US" b="1" dirty="0" err="1" smtClean="0">
-                <a:solidFill>
-                  <a:schemeClr val="accent6"/>
-                </a:solidFill>
-              </a:rPr>
-              <a:t>yo</a:t>
-            </a:r>
-            <a:r>
-              <a:rPr lang="en-US" b="1" dirty="0" smtClean="0">
-                <a:solidFill>
-                  <a:schemeClr val="accent6"/>
-                </a:solidFill>
-              </a:rPr>
-              <a:t> code</a:t>
-            </a:r>
-            <a:r>
               <a:rPr lang="en-US" dirty="0" smtClean="0"/>
-              <a:t> the extension’s skeleton</a:t>
+              <a:t>commands</a:t>
             </a:r>
             <a:endParaRPr lang="en-US" dirty="0"/>
           </a:p>
         </p:txBody>
       </p:sp>
-      <p:pic>
-        <p:nvPicPr>
-          <p:cNvPr id="7" name="Picture 6"/>
-          <p:cNvPicPr>
-            <a:picLocks noChangeAspect="1"/>
-          </p:cNvPicPr>
-          <p:nvPr/>
-        </p:nvPicPr>
-        <p:blipFill>
-          <a:blip r:embed="rId3">
-            <a:extLst>
-              <a:ext uri="{28A0092B-C50C-407E-A947-70E740481C1C}">
-                <a14:useLocalDpi xmlns:a14="http://schemas.microsoft.com/office/drawing/2010/main" val="0"/>
-              </a:ext>
-            </a:extLst>
-          </a:blip>
-          <a:stretch>
-            <a:fillRect/>
-          </a:stretch>
-        </p:blipFill>
-        <p:spPr>
-          <a:xfrm rot="331634">
-            <a:off x="3777504" y="2643284"/>
-            <a:ext cx="7338612" cy="5727157"/>
-          </a:xfrm>
-          <a:prstGeom prst="rect">
-            <a:avLst/>
-          </a:prstGeom>
-        </p:spPr>
-      </p:pic>
+      <p:sp>
+        <p:nvSpPr>
+          <p:cNvPr id="5" name="Text Placeholder 4"/>
+          <p:cNvSpPr>
+            <a:spLocks noGrp="1"/>
+          </p:cNvSpPr>
+          <p:nvPr>
+            <p:ph type="body" idx="1"/>
+          </p:nvPr>
+        </p:nvSpPr>
+        <p:spPr/>
+        <p:txBody>
+          <a:bodyPr/>
+          <a:lstStyle/>
+          <a:p>
+            <a:endParaRPr lang="en-US" dirty="0" smtClean="0"/>
+          </a:p>
+        </p:txBody>
+      </p:sp>
     </p:spTree>
     <p:extLst>
       <p:ext uri="{BB962C8B-B14F-4D97-AF65-F5344CB8AC3E}">
-        <p14:creationId xmlns:p14="http://schemas.microsoft.com/office/powerpoint/2010/main" val="452475316"/>
+        <p14:creationId xmlns:p14="http://schemas.microsoft.com/office/powerpoint/2010/main" val="244165674"/>
       </p:ext>
     </p:extLst>
   </p:cSld>
   <p:clrMapOvr>
     <a:masterClrMapping/>
   </p:clrMapOvr>
-  <mc:AlternateContent xmlns:mc="http://schemas.openxmlformats.org/markup-compatibility/2006" xmlns:p14="http://schemas.microsoft.com/office/powerpoint/2010/main">
-    <mc:Choice Requires="p14">
-      <p:transition p14:dur="0"/>
-    </mc:Choice>
-    <mc:Fallback xmlns="">
-      <p:transition/>
-    </mc:Fallback>
-  </mc:AlternateContent>
+  <p:transition spd="slow">
+    <p:push/>
+  </p:transition>
   <p:timing>
     <p:tnLst>
       <p:par>
@@ -3573,33 +3511,9 @@
           <a:chExt cx="0" cy="0"/>
         </a:xfrm>
       </p:grpSpPr>
-      <p:pic>
-        <p:nvPicPr>
-          <p:cNvPr id="5" name="Picture 4"/>
-          <p:cNvPicPr>
-            <a:picLocks noChangeAspect="1"/>
-          </p:cNvPicPr>
-          <p:nvPr/>
-        </p:nvPicPr>
-        <p:blipFill>
-          <a:blip r:embed="rId2"/>
-          <a:stretch>
-            <a:fillRect/>
-          </a:stretch>
-        </p:blipFill>
-        <p:spPr>
-          <a:xfrm>
-            <a:off x="457833" y="1690688"/>
-            <a:ext cx="8350250" cy="4857750"/>
-          </a:xfrm>
-          <a:prstGeom prst="rect">
-            <a:avLst/>
-          </a:prstGeom>
-        </p:spPr>
-      </p:pic>
-      <p:sp>
-        <p:nvSpPr>
-          <p:cNvPr id="2" name="Title 1"/>
+      <p:sp>
+        <p:nvSpPr>
+          <p:cNvPr id="4" name="Title 3"/>
           <p:cNvSpPr>
             <a:spLocks noGrp="1"/>
           </p:cNvSpPr>
@@ -3613,77 +3527,45 @@
           <a:lstStyle/>
           <a:p>
             <a:r>
-              <a:rPr lang="en-US" b="1" dirty="0" err="1" smtClean="0">
-                <a:solidFill>
-                  <a:schemeClr val="accent6"/>
-                </a:solidFill>
-              </a:rPr>
-              <a:t>yo</a:t>
-            </a:r>
-            <a:r>
-              <a:rPr lang="en-US" b="1" dirty="0" smtClean="0">
-                <a:solidFill>
-                  <a:schemeClr val="accent6"/>
-                </a:solidFill>
-              </a:rPr>
-              <a:t> code</a:t>
-            </a:r>
-            <a:r>
               <a:rPr lang="en-US" dirty="0" smtClean="0"/>
-              <a:t> the extension’s skeleton</a:t>
+              <a:t>user experience</a:t>
             </a:r>
             <a:endParaRPr lang="en-US" dirty="0"/>
           </a:p>
         </p:txBody>
       </p:sp>
-      <p:pic>
-        <p:nvPicPr>
-          <p:cNvPr id="7" name="Picture 6"/>
-          <p:cNvPicPr>
-            <a:picLocks noChangeAspect="1"/>
-          </p:cNvPicPr>
-          <p:nvPr/>
-        </p:nvPicPr>
-        <p:blipFill>
-          <a:blip r:embed="rId3">
-            <a:extLst>
-              <a:ext uri="{28A0092B-C50C-407E-A947-70E740481C1C}">
-                <a14:useLocalDpi xmlns:a14="http://schemas.microsoft.com/office/drawing/2010/main" val="0"/>
-              </a:ext>
-            </a:extLst>
-          </a:blip>
-          <a:stretch>
-            <a:fillRect/>
-          </a:stretch>
-        </p:blipFill>
-        <p:spPr>
-          <a:xfrm rot="331634">
-            <a:off x="3602575" y="2643284"/>
-            <a:ext cx="7338612" cy="5727157"/>
-          </a:xfrm>
-          <a:prstGeom prst="rect">
-            <a:avLst/>
-          </a:prstGeom>
-        </p:spPr>
-      </p:pic>
+      <p:sp>
+        <p:nvSpPr>
+          <p:cNvPr id="5" name="Text Placeholder 4"/>
+          <p:cNvSpPr>
+            <a:spLocks noGrp="1"/>
+          </p:cNvSpPr>
+          <p:nvPr>
+            <p:ph type="body" idx="1"/>
+          </p:nvPr>
+        </p:nvSpPr>
+        <p:spPr/>
+        <p:txBody>
+          <a:bodyPr/>
+          <a:lstStyle/>
+          <a:p>
+            <a:endParaRPr lang="en-US" dirty="0" smtClean="0"/>
+          </a:p>
+        </p:txBody>
+      </p:sp>
     </p:spTree>
     <p:extLst>
       <p:ext uri="{BB962C8B-B14F-4D97-AF65-F5344CB8AC3E}">
-        <p14:creationId xmlns:p14="http://schemas.microsoft.com/office/powerpoint/2010/main" val="1500834759"/>
+        <p14:creationId xmlns:p14="http://schemas.microsoft.com/office/powerpoint/2010/main" val="804474398"/>
       </p:ext>
     </p:extLst>
   </p:cSld>
   <p:clrMapOvr>
     <a:masterClrMapping/>
   </p:clrMapOvr>
-  <mc:AlternateContent xmlns:mc="http://schemas.openxmlformats.org/markup-compatibility/2006" xmlns:p14="http://schemas.microsoft.com/office/powerpoint/2010/main">
-    <mc:Choice Requires="p14">
-      <p:transition p14:dur="0"/>
-    </mc:Choice>
-    <mc:Fallback xmlns="">
-      <p:transition/>
-    </mc:Fallback>
-  </mc:AlternateContent>
+  <p:transition spd="slow">
+    <p:push/>
+  </p:transition>
   <p:timing>
     <p:tnLst>
       <p:par>
@@ -3711,33 +3593,9 @@
           <a:chExt cx="0" cy="0"/>
         </a:xfrm>
       </p:grpSpPr>
-      <p:pic>
-        <p:nvPicPr>
-          <p:cNvPr id="5" name="Picture 4"/>
-          <p:cNvPicPr>
-            <a:picLocks noChangeAspect="1"/>
-          </p:cNvPicPr>
-          <p:nvPr/>
-        </p:nvPicPr>
-        <p:blipFill>
-          <a:blip r:embed="rId2"/>
-          <a:stretch>
-            <a:fillRect/>
-          </a:stretch>
-        </p:blipFill>
-        <p:spPr>
-          <a:xfrm>
-            <a:off x="511756" y="1734420"/>
-            <a:ext cx="8178800" cy="4749800"/>
-          </a:xfrm>
-          <a:prstGeom prst="rect">
-            <a:avLst/>
-          </a:prstGeom>
-        </p:spPr>
-      </p:pic>
-      <p:sp>
-        <p:nvSpPr>
-          <p:cNvPr id="2" name="Title 1"/>
+      <p:sp>
+        <p:nvSpPr>
+          <p:cNvPr id="4" name="Title 3"/>
           <p:cNvSpPr>
             <a:spLocks noGrp="1"/>
           </p:cNvSpPr>
@@ -3751,787 +3609,8 @@
           <a:lstStyle/>
           <a:p>
             <a:r>
-              <a:rPr lang="en-US" b="1" dirty="0" err="1" smtClean="0">
-                <a:solidFill>
-                  <a:schemeClr val="accent6"/>
-                </a:solidFill>
-              </a:rPr>
-              <a:t>yo</a:t>
-            </a:r>
-            <a:r>
-              <a:rPr lang="en-US" b="1" dirty="0" smtClean="0">
-                <a:solidFill>
-                  <a:schemeClr val="accent6"/>
-                </a:solidFill>
-              </a:rPr>
-              <a:t> code</a:t>
-            </a:r>
-            <a:r>
               <a:rPr lang="en-US" dirty="0" smtClean="0"/>
-              <a:t> the extension’s skeleton</a:t>
-            </a:r>
-            <a:endParaRPr lang="en-US" dirty="0"/>
-          </a:p>
-        </p:txBody>
-      </p:sp>
-      <p:pic>
-        <p:nvPicPr>
-          <p:cNvPr id="7" name="Picture 6"/>
-          <p:cNvPicPr>
-            <a:picLocks noChangeAspect="1"/>
-          </p:cNvPicPr>
-          <p:nvPr/>
-        </p:nvPicPr>
-        <p:blipFill>
-          <a:blip r:embed="rId3">
-            <a:extLst>
-              <a:ext uri="{28A0092B-C50C-407E-A947-70E740481C1C}">
-                <a14:useLocalDpi xmlns:a14="http://schemas.microsoft.com/office/drawing/2010/main" val="0"/>
-              </a:ext>
-            </a:extLst>
-          </a:blip>
-          <a:stretch>
-            <a:fillRect/>
-          </a:stretch>
-        </p:blipFill>
-        <p:spPr>
-          <a:xfrm rot="331634">
-            <a:off x="3499215" y="2643284"/>
-            <a:ext cx="7338612" cy="5727157"/>
-          </a:xfrm>
-          <a:prstGeom prst="rect">
-            <a:avLst/>
-          </a:prstGeom>
-        </p:spPr>
-      </p:pic>
-    </p:spTree>
-    <p:extLst>
-      <p:ext uri="{BB962C8B-B14F-4D97-AF65-F5344CB8AC3E}">
-        <p14:creationId xmlns:p14="http://schemas.microsoft.com/office/powerpoint/2010/main" val="782948434"/>
-      </p:ext>
-    </p:extLst>
-  </p:cSld>
-  <p:clrMapOvr>
-    <a:masterClrMapping/>
-  </p:clrMapOvr>
-  <mc:AlternateContent xmlns:mc="http://schemas.openxmlformats.org/markup-compatibility/2006" xmlns:p14="http://schemas.microsoft.com/office/powerpoint/2010/main">
-    <mc:Choice Requires="p14">
-      <p:transition p14:dur="0"/>
-    </mc:Choice>
-    <mc:Fallback xmlns="">
-      <p:transition/>
-    </mc:Fallback>
-  </mc:AlternateContent>
-  <p:timing>
-    <p:tnLst>
-      <p:par>
-        <p:cTn id="1" dur="indefinite" restart="never" nodeType="tmRoot">
-          <p:childTnLst>
-            <p:seq concurrent="1" nextAc="seek">
-              <p:cTn id="2" dur="indefinite" nodeType="mainSeq">
-                <p:childTnLst>
-                  <p:par>
-                    <p:cTn id="3" fill="hold">
-                      <p:stCondLst>
-                        <p:cond delay="indefinite"/>
-                      </p:stCondLst>
-                      <p:childTnLst>
-                        <p:par>
-                          <p:cTn id="4" fill="hold">
-                            <p:stCondLst>
-                              <p:cond delay="0"/>
-                            </p:stCondLst>
-                            <p:childTnLst>
-                              <p:par>
-                                <p:cTn id="5" presetID="2" presetClass="exit" presetSubtype="8" fill="hold" grpId="0" nodeType="clickEffect">
-                                  <p:stCondLst>
-                                    <p:cond delay="0"/>
-                                  </p:stCondLst>
-                                  <p:childTnLst>
-                                    <p:anim calcmode="lin" valueType="num">
-                                      <p:cBhvr additive="base">
-                                        <p:cTn id="6" dur="250"/>
-                                        <p:tgtEl>
-                                          <p:spTgt spid="2"/>
-                                        </p:tgtEl>
-                                        <p:attrNameLst>
-                                          <p:attrName>ppt_x</p:attrName>
-                                        </p:attrNameLst>
-                                      </p:cBhvr>
-                                      <p:tavLst>
-                                        <p:tav tm="0">
-                                          <p:val>
-                                            <p:strVal val="ppt_x"/>
-                                          </p:val>
-                                        </p:tav>
-                                        <p:tav tm="100000">
-                                          <p:val>
-                                            <p:strVal val="0-ppt_w/2"/>
-                                          </p:val>
-                                        </p:tav>
-                                      </p:tavLst>
-                                    </p:anim>
-                                    <p:anim calcmode="lin" valueType="num">
-                                      <p:cBhvr additive="base">
-                                        <p:cTn id="7" dur="250"/>
-                                        <p:tgtEl>
-                                          <p:spTgt spid="2"/>
-                                        </p:tgtEl>
-                                        <p:attrNameLst>
-                                          <p:attrName>ppt_y</p:attrName>
-                                        </p:attrNameLst>
-                                      </p:cBhvr>
-                                      <p:tavLst>
-                                        <p:tav tm="0">
-                                          <p:val>
-                                            <p:strVal val="ppt_y"/>
-                                          </p:val>
-                                        </p:tav>
-                                        <p:tav tm="100000">
-                                          <p:val>
-                                            <p:strVal val="ppt_y"/>
-                                          </p:val>
-                                        </p:tav>
-                                      </p:tavLst>
-                                    </p:anim>
-                                    <p:set>
-                                      <p:cBhvr>
-                                        <p:cTn id="8" dur="1" fill="hold">
-                                          <p:stCondLst>
-                                            <p:cond delay="249"/>
-                                          </p:stCondLst>
-                                        </p:cTn>
-                                        <p:tgtEl>
-                                          <p:spTgt spid="2"/>
-                                        </p:tgtEl>
-                                        <p:attrNameLst>
-                                          <p:attrName>style.visibility</p:attrName>
-                                        </p:attrNameLst>
-                                      </p:cBhvr>
-                                      <p:to>
-                                        <p:strVal val="hidden"/>
-                                      </p:to>
-                                    </p:set>
-                                  </p:childTnLst>
-                                </p:cTn>
-                              </p:par>
-                            </p:childTnLst>
-                          </p:cTn>
-                        </p:par>
-                        <p:par>
-                          <p:cTn id="9" fill="hold">
-                            <p:stCondLst>
-                              <p:cond delay="250"/>
-                            </p:stCondLst>
-                            <p:childTnLst>
-                              <p:par>
-                                <p:cTn id="10" presetID="2" presetClass="exit" presetSubtype="8" fill="hold" nodeType="afterEffect">
-                                  <p:stCondLst>
-                                    <p:cond delay="0"/>
-                                  </p:stCondLst>
-                                  <p:childTnLst>
-                                    <p:anim calcmode="lin" valueType="num">
-                                      <p:cBhvr additive="base">
-                                        <p:cTn id="11" dur="250"/>
-                                        <p:tgtEl>
-                                          <p:spTgt spid="5"/>
-                                        </p:tgtEl>
-                                        <p:attrNameLst>
-                                          <p:attrName>ppt_x</p:attrName>
-                                        </p:attrNameLst>
-                                      </p:cBhvr>
-                                      <p:tavLst>
-                                        <p:tav tm="0">
-                                          <p:val>
-                                            <p:strVal val="ppt_x"/>
-                                          </p:val>
-                                        </p:tav>
-                                        <p:tav tm="100000">
-                                          <p:val>
-                                            <p:strVal val="0-ppt_w/2"/>
-                                          </p:val>
-                                        </p:tav>
-                                      </p:tavLst>
-                                    </p:anim>
-                                    <p:anim calcmode="lin" valueType="num">
-                                      <p:cBhvr additive="base">
-                                        <p:cTn id="12" dur="250"/>
-                                        <p:tgtEl>
-                                          <p:spTgt spid="5"/>
-                                        </p:tgtEl>
-                                        <p:attrNameLst>
-                                          <p:attrName>ppt_y</p:attrName>
-                                        </p:attrNameLst>
-                                      </p:cBhvr>
-                                      <p:tavLst>
-                                        <p:tav tm="0">
-                                          <p:val>
-                                            <p:strVal val="ppt_y"/>
-                                          </p:val>
-                                        </p:tav>
-                                        <p:tav tm="100000">
-                                          <p:val>
-                                            <p:strVal val="ppt_y"/>
-                                          </p:val>
-                                        </p:tav>
-                                      </p:tavLst>
-                                    </p:anim>
-                                    <p:set>
-                                      <p:cBhvr>
-                                        <p:cTn id="13" dur="1" fill="hold">
-                                          <p:stCondLst>
-                                            <p:cond delay="249"/>
-                                          </p:stCondLst>
-                                        </p:cTn>
-                                        <p:tgtEl>
-                                          <p:spTgt spid="5"/>
-                                        </p:tgtEl>
-                                        <p:attrNameLst>
-                                          <p:attrName>style.visibility</p:attrName>
-                                        </p:attrNameLst>
-                                      </p:cBhvr>
-                                      <p:to>
-                                        <p:strVal val="hidden"/>
-                                      </p:to>
-                                    </p:set>
-                                  </p:childTnLst>
-                                </p:cTn>
-                              </p:par>
-                            </p:childTnLst>
-                          </p:cTn>
-                        </p:par>
-                        <p:par>
-                          <p:cTn id="14" fill="hold">
-                            <p:stCondLst>
-                              <p:cond delay="500"/>
-                            </p:stCondLst>
-                            <p:childTnLst>
-                              <p:par>
-                                <p:cTn id="15" presetID="2" presetClass="exit" presetSubtype="8" fill="hold" nodeType="afterEffect">
-                                  <p:stCondLst>
-                                    <p:cond delay="0"/>
-                                  </p:stCondLst>
-                                  <p:childTnLst>
-                                    <p:anim calcmode="lin" valueType="num">
-                                      <p:cBhvr additive="base">
-                                        <p:cTn id="16" dur="250"/>
-                                        <p:tgtEl>
-                                          <p:spTgt spid="7"/>
-                                        </p:tgtEl>
-                                        <p:attrNameLst>
-                                          <p:attrName>ppt_x</p:attrName>
-                                        </p:attrNameLst>
-                                      </p:cBhvr>
-                                      <p:tavLst>
-                                        <p:tav tm="0">
-                                          <p:val>
-                                            <p:strVal val="ppt_x"/>
-                                          </p:val>
-                                        </p:tav>
-                                        <p:tav tm="100000">
-                                          <p:val>
-                                            <p:strVal val="0-ppt_w/2"/>
-                                          </p:val>
-                                        </p:tav>
-                                      </p:tavLst>
-                                    </p:anim>
-                                    <p:anim calcmode="lin" valueType="num">
-                                      <p:cBhvr additive="base">
-                                        <p:cTn id="17" dur="250"/>
-                                        <p:tgtEl>
-                                          <p:spTgt spid="7"/>
-                                        </p:tgtEl>
-                                        <p:attrNameLst>
-                                          <p:attrName>ppt_y</p:attrName>
-                                        </p:attrNameLst>
-                                      </p:cBhvr>
-                                      <p:tavLst>
-                                        <p:tav tm="0">
-                                          <p:val>
-                                            <p:strVal val="ppt_y"/>
-                                          </p:val>
-                                        </p:tav>
-                                        <p:tav tm="100000">
-                                          <p:val>
-                                            <p:strVal val="ppt_y"/>
-                                          </p:val>
-                                        </p:tav>
-                                      </p:tavLst>
-                                    </p:anim>
-                                    <p:set>
-                                      <p:cBhvr>
-                                        <p:cTn id="18" dur="1" fill="hold">
-                                          <p:stCondLst>
-                                            <p:cond delay="249"/>
-                                          </p:stCondLst>
-                                        </p:cTn>
-                                        <p:tgtEl>
-                                          <p:spTgt spid="7"/>
-                                        </p:tgtEl>
-                                        <p:attrNameLst>
-                                          <p:attrName>style.visibility</p:attrName>
-                                        </p:attrNameLst>
-                                      </p:cBhvr>
-                                      <p:to>
-                                        <p:strVal val="hidden"/>
-                                      </p:to>
-                                    </p:set>
-                                  </p:childTnLst>
-                                </p:cTn>
-                              </p:par>
-                            </p:childTnLst>
-                          </p:cTn>
-                        </p:par>
-                      </p:childTnLst>
-                    </p:cTn>
-                  </p:par>
-                </p:childTnLst>
-              </p:cTn>
-              <p:prevCondLst>
-                <p:cond evt="onPrev" delay="0">
-                  <p:tgtEl>
-                    <p:sldTgt/>
-                  </p:tgtEl>
-                </p:cond>
-              </p:prevCondLst>
-              <p:nextCondLst>
-                <p:cond evt="onNext" delay="0">
-                  <p:tgtEl>
-                    <p:sldTgt/>
-                  </p:tgtEl>
-                </p:cond>
-              </p:nextCondLst>
-            </p:seq>
-          </p:childTnLst>
-        </p:cTn>
-      </p:par>
-    </p:tnLst>
-    <p:bldLst>
-      <p:bldP spid="2" grpId="0"/>
-    </p:bldLst>
-  </p:timing>
-</p:sld>
-</file>
-
-<file path=ppt/slides/slide13.xml><?xml version="1.0" encoding="utf-8"?>
-<p:sld xmlns:a="http://schemas.openxmlformats.org/drawingml/2006/main" xmlns:r="http://schemas.openxmlformats.org/officeDocument/2006/relationships" xmlns:p="http://schemas.openxmlformats.org/presentationml/2006/main">
-  <p:cSld>
-    <p:spTree>
-      <p:nvGrpSpPr>
-        <p:cNvPr id="1" name=""/>
-        <p:cNvGrpSpPr/>
-        <p:nvPr/>
-      </p:nvGrpSpPr>
-      <p:grpSpPr>
-        <a:xfrm>
-          <a:off x="0" y="0"/>
-          <a:ext cx="0" cy="0"/>
-          <a:chOff x="0" y="0"/>
-          <a:chExt cx="0" cy="0"/>
-        </a:xfrm>
-      </p:grpSpPr>
-      <p:sp>
-        <p:nvSpPr>
-          <p:cNvPr id="4" name="Title 3"/>
-          <p:cNvSpPr>
-            <a:spLocks noGrp="1"/>
-          </p:cNvSpPr>
-          <p:nvPr>
-            <p:ph type="title"/>
-          </p:nvPr>
-        </p:nvSpPr>
-        <p:spPr/>
-        <p:txBody>
-          <a:bodyPr/>
-          <a:lstStyle/>
-          <a:p>
-            <a:r>
-              <a:rPr lang="en-US" dirty="0" smtClean="0"/>
-              <a:t>snippets</a:t>
-            </a:r>
-            <a:endParaRPr lang="en-US" dirty="0"/>
-          </a:p>
-        </p:txBody>
-      </p:sp>
-      <p:sp>
-        <p:nvSpPr>
-          <p:cNvPr id="5" name="Text Placeholder 4"/>
-          <p:cNvSpPr>
-            <a:spLocks noGrp="1"/>
-          </p:cNvSpPr>
-          <p:nvPr>
-            <p:ph type="body" idx="1"/>
-          </p:nvPr>
-        </p:nvSpPr>
-        <p:spPr/>
-        <p:txBody>
-          <a:bodyPr/>
-          <a:lstStyle/>
-          <a:p>
-            <a:endParaRPr lang="en-US" dirty="0" smtClean="0"/>
-          </a:p>
-        </p:txBody>
-      </p:sp>
-    </p:spTree>
-    <p:extLst>
-      <p:ext uri="{BB962C8B-B14F-4D97-AF65-F5344CB8AC3E}">
-        <p14:creationId xmlns:p14="http://schemas.microsoft.com/office/powerpoint/2010/main" val="559692238"/>
-      </p:ext>
-    </p:extLst>
-  </p:cSld>
-  <p:clrMapOvr>
-    <a:masterClrMapping/>
-  </p:clrMapOvr>
-  <p:transition spd="slow">
-    <p:push/>
-  </p:transition>
-  <p:timing>
-    <p:tnLst>
-      <p:par>
-        <p:cTn id="1" dur="indefinite" restart="never" nodeType="tmRoot"/>
-      </p:par>
-    </p:tnLst>
-  </p:timing>
-</p:sld>
-</file>
-
-<file path=ppt/slides/slide14.xml><?xml version="1.0" encoding="utf-8"?>
-<p:sld xmlns:a="http://schemas.openxmlformats.org/drawingml/2006/main" xmlns:r="http://schemas.openxmlformats.org/officeDocument/2006/relationships" xmlns:p="http://schemas.openxmlformats.org/presentationml/2006/main">
-  <p:cSld>
-    <p:spTree>
-      <p:nvGrpSpPr>
-        <p:cNvPr id="1" name=""/>
-        <p:cNvGrpSpPr/>
-        <p:nvPr/>
-      </p:nvGrpSpPr>
-      <p:grpSpPr>
-        <a:xfrm>
-          <a:off x="0" y="0"/>
-          <a:ext cx="0" cy="0"/>
-          <a:chOff x="0" y="0"/>
-          <a:chExt cx="0" cy="0"/>
-        </a:xfrm>
-      </p:grpSpPr>
-      <p:sp>
-        <p:nvSpPr>
-          <p:cNvPr id="4" name="Title 3"/>
-          <p:cNvSpPr>
-            <a:spLocks noGrp="1"/>
-          </p:cNvSpPr>
-          <p:nvPr>
-            <p:ph type="title"/>
-          </p:nvPr>
-        </p:nvSpPr>
-        <p:spPr/>
-        <p:txBody>
-          <a:bodyPr/>
-          <a:lstStyle/>
-          <a:p>
-            <a:endParaRPr lang="en-US"/>
-          </a:p>
-        </p:txBody>
-      </p:sp>
-    </p:spTree>
-    <p:extLst>
-      <p:ext uri="{BB962C8B-B14F-4D97-AF65-F5344CB8AC3E}">
-        <p14:creationId xmlns:p14="http://schemas.microsoft.com/office/powerpoint/2010/main" val="1644969564"/>
-      </p:ext>
-    </p:extLst>
-  </p:cSld>
-  <p:clrMapOvr>
-    <a:masterClrMapping/>
-  </p:clrMapOvr>
-  <p:timing>
-    <p:tnLst>
-      <p:par>
-        <p:cTn id="1" dur="indefinite" restart="never" nodeType="tmRoot"/>
-      </p:par>
-    </p:tnLst>
-  </p:timing>
-</p:sld>
-</file>
-
-<file path=ppt/slides/slide15.xml><?xml version="1.0" encoding="utf-8"?>
-<p:sld xmlns:a="http://schemas.openxmlformats.org/drawingml/2006/main" xmlns:r="http://schemas.openxmlformats.org/officeDocument/2006/relationships" xmlns:p="http://schemas.openxmlformats.org/presentationml/2006/main">
-  <p:cSld>
-    <p:spTree>
-      <p:nvGrpSpPr>
-        <p:cNvPr id="1" name=""/>
-        <p:cNvGrpSpPr/>
-        <p:nvPr/>
-      </p:nvGrpSpPr>
-      <p:grpSpPr>
-        <a:xfrm>
-          <a:off x="0" y="0"/>
-          <a:ext cx="0" cy="0"/>
-          <a:chOff x="0" y="0"/>
-          <a:chExt cx="0" cy="0"/>
-        </a:xfrm>
-      </p:grpSpPr>
-      <p:sp>
-        <p:nvSpPr>
-          <p:cNvPr id="4" name="Title 3"/>
-          <p:cNvSpPr>
-            <a:spLocks noGrp="1"/>
-          </p:cNvSpPr>
-          <p:nvPr>
-            <p:ph type="title"/>
-          </p:nvPr>
-        </p:nvSpPr>
-        <p:spPr/>
-        <p:txBody>
-          <a:bodyPr/>
-          <a:lstStyle/>
-          <a:p>
-            <a:r>
-              <a:rPr lang="en-US" dirty="0" smtClean="0"/>
-              <a:t>decorations</a:t>
-            </a:r>
-            <a:endParaRPr lang="en-US" dirty="0"/>
-          </a:p>
-        </p:txBody>
-      </p:sp>
-      <p:sp>
-        <p:nvSpPr>
-          <p:cNvPr id="5" name="Text Placeholder 4"/>
-          <p:cNvSpPr>
-            <a:spLocks noGrp="1"/>
-          </p:cNvSpPr>
-          <p:nvPr>
-            <p:ph type="body" idx="1"/>
-          </p:nvPr>
-        </p:nvSpPr>
-        <p:spPr/>
-        <p:txBody>
-          <a:bodyPr/>
-          <a:lstStyle/>
-          <a:p>
-            <a:endParaRPr lang="en-US" dirty="0" smtClean="0"/>
-          </a:p>
-        </p:txBody>
-      </p:sp>
-    </p:spTree>
-    <p:extLst>
-      <p:ext uri="{BB962C8B-B14F-4D97-AF65-F5344CB8AC3E}">
-        <p14:creationId xmlns:p14="http://schemas.microsoft.com/office/powerpoint/2010/main" val="733465854"/>
-      </p:ext>
-    </p:extLst>
-  </p:cSld>
-  <p:clrMapOvr>
-    <a:masterClrMapping/>
-  </p:clrMapOvr>
-  <p:transition spd="slow">
-    <p:push/>
-  </p:transition>
-  <p:timing>
-    <p:tnLst>
-      <p:par>
-        <p:cTn id="1" dur="indefinite" restart="never" nodeType="tmRoot"/>
-      </p:par>
-    </p:tnLst>
-  </p:timing>
-</p:sld>
-</file>
-
-<file path=ppt/slides/slide16.xml><?xml version="1.0" encoding="utf-8"?>
-<p:sld xmlns:a="http://schemas.openxmlformats.org/drawingml/2006/main" xmlns:r="http://schemas.openxmlformats.org/officeDocument/2006/relationships" xmlns:p="http://schemas.openxmlformats.org/presentationml/2006/main">
-  <p:cSld>
-    <p:spTree>
-      <p:nvGrpSpPr>
-        <p:cNvPr id="1" name=""/>
-        <p:cNvGrpSpPr/>
-        <p:nvPr/>
-      </p:nvGrpSpPr>
-      <p:grpSpPr>
-        <a:xfrm>
-          <a:off x="0" y="0"/>
-          <a:ext cx="0" cy="0"/>
-          <a:chOff x="0" y="0"/>
-          <a:chExt cx="0" cy="0"/>
-        </a:xfrm>
-      </p:grpSpPr>
-      <p:sp>
-        <p:nvSpPr>
-          <p:cNvPr id="4" name="Title 3"/>
-          <p:cNvSpPr>
-            <a:spLocks noGrp="1"/>
-          </p:cNvSpPr>
-          <p:nvPr>
-            <p:ph type="title"/>
-          </p:nvPr>
-        </p:nvSpPr>
-        <p:spPr/>
-        <p:txBody>
-          <a:bodyPr/>
-          <a:lstStyle/>
-          <a:p>
-            <a:r>
-              <a:rPr lang="en-US" dirty="0" smtClean="0"/>
-              <a:t>buttons and toolbars</a:t>
-            </a:r>
-            <a:endParaRPr lang="en-US" dirty="0"/>
-          </a:p>
-        </p:txBody>
-      </p:sp>
-      <p:sp>
-        <p:nvSpPr>
-          <p:cNvPr id="5" name="Text Placeholder 4"/>
-          <p:cNvSpPr>
-            <a:spLocks noGrp="1"/>
-          </p:cNvSpPr>
-          <p:nvPr>
-            <p:ph type="body" idx="1"/>
-          </p:nvPr>
-        </p:nvSpPr>
-        <p:spPr/>
-        <p:txBody>
-          <a:bodyPr/>
-          <a:lstStyle/>
-          <a:p>
-            <a:endParaRPr lang="en-US" dirty="0" smtClean="0"/>
-          </a:p>
-        </p:txBody>
-      </p:sp>
-    </p:spTree>
-    <p:extLst>
-      <p:ext uri="{BB962C8B-B14F-4D97-AF65-F5344CB8AC3E}">
-        <p14:creationId xmlns:p14="http://schemas.microsoft.com/office/powerpoint/2010/main" val="804474398"/>
-      </p:ext>
-    </p:extLst>
-  </p:cSld>
-  <p:clrMapOvr>
-    <a:masterClrMapping/>
-  </p:clrMapOvr>
-  <p:transition spd="slow">
-    <p:push/>
-  </p:transition>
-  <p:timing>
-    <p:tnLst>
-      <p:par>
-        <p:cTn id="1" dur="indefinite" restart="never" nodeType="tmRoot"/>
-      </p:par>
-    </p:tnLst>
-  </p:timing>
-</p:sld>
-</file>
-
-<file path=ppt/slides/slide17.xml><?xml version="1.0" encoding="utf-8"?>
-<p:sld xmlns:a="http://schemas.openxmlformats.org/drawingml/2006/main" xmlns:r="http://schemas.openxmlformats.org/officeDocument/2006/relationships" xmlns:p="http://schemas.openxmlformats.org/presentationml/2006/main">
-  <p:cSld>
-    <p:spTree>
-      <p:nvGrpSpPr>
-        <p:cNvPr id="1" name=""/>
-        <p:cNvGrpSpPr/>
-        <p:nvPr/>
-      </p:nvGrpSpPr>
-      <p:grpSpPr>
-        <a:xfrm>
-          <a:off x="0" y="0"/>
-          <a:ext cx="0" cy="0"/>
-          <a:chOff x="0" y="0"/>
-          <a:chExt cx="0" cy="0"/>
-        </a:xfrm>
-      </p:grpSpPr>
-      <p:sp>
-        <p:nvSpPr>
-          <p:cNvPr id="4" name="Title 3"/>
-          <p:cNvSpPr>
-            <a:spLocks noGrp="1"/>
-          </p:cNvSpPr>
-          <p:nvPr>
-            <p:ph type="title"/>
-          </p:nvPr>
-        </p:nvSpPr>
-        <p:spPr/>
-        <p:txBody>
-          <a:bodyPr/>
-          <a:lstStyle/>
-          <a:p>
-            <a:r>
-              <a:rPr lang="en-US" dirty="0" smtClean="0"/>
-              <a:t>commands</a:t>
-            </a:r>
-            <a:endParaRPr lang="en-US" dirty="0"/>
-          </a:p>
-        </p:txBody>
-      </p:sp>
-      <p:sp>
-        <p:nvSpPr>
-          <p:cNvPr id="5" name="Text Placeholder 4"/>
-          <p:cNvSpPr>
-            <a:spLocks noGrp="1"/>
-          </p:cNvSpPr>
-          <p:nvPr>
-            <p:ph type="body" idx="1"/>
-          </p:nvPr>
-        </p:nvSpPr>
-        <p:spPr/>
-        <p:txBody>
-          <a:bodyPr/>
-          <a:lstStyle/>
-          <a:p>
-            <a:endParaRPr lang="en-US" dirty="0" smtClean="0"/>
-          </a:p>
-        </p:txBody>
-      </p:sp>
-    </p:spTree>
-    <p:extLst>
-      <p:ext uri="{BB962C8B-B14F-4D97-AF65-F5344CB8AC3E}">
-        <p14:creationId xmlns:p14="http://schemas.microsoft.com/office/powerpoint/2010/main" val="244165674"/>
-      </p:ext>
-    </p:extLst>
-  </p:cSld>
-  <p:clrMapOvr>
-    <a:masterClrMapping/>
-  </p:clrMapOvr>
-  <p:transition spd="slow">
-    <p:push/>
-  </p:transition>
-  <p:timing>
-    <p:tnLst>
-      <p:par>
-        <p:cTn id="1" dur="indefinite" restart="never" nodeType="tmRoot"/>
-      </p:par>
-    </p:tnLst>
-  </p:timing>
-</p:sld>
-</file>
-
-<file path=ppt/slides/slide18.xml><?xml version="1.0" encoding="utf-8"?>
-<p:sld xmlns:a="http://schemas.openxmlformats.org/drawingml/2006/main" xmlns:r="http://schemas.openxmlformats.org/officeDocument/2006/relationships" xmlns:p="http://schemas.openxmlformats.org/presentationml/2006/main">
-  <p:cSld>
-    <p:spTree>
-      <p:nvGrpSpPr>
-        <p:cNvPr id="1" name=""/>
-        <p:cNvGrpSpPr/>
-        <p:nvPr/>
-      </p:nvGrpSpPr>
-      <p:grpSpPr>
-        <a:xfrm>
-          <a:off x="0" y="0"/>
-          <a:ext cx="0" cy="0"/>
-          <a:chOff x="0" y="0"/>
-          <a:chExt cx="0" cy="0"/>
-        </a:xfrm>
-      </p:grpSpPr>
-      <p:sp>
-        <p:nvSpPr>
-          <p:cNvPr id="4" name="Title 3"/>
-          <p:cNvSpPr>
-            <a:spLocks noGrp="1"/>
-          </p:cNvSpPr>
-          <p:nvPr>
-            <p:ph type="title"/>
-          </p:nvPr>
-        </p:nvSpPr>
-        <p:spPr/>
-        <p:txBody>
-          <a:bodyPr/>
-          <a:lstStyle/>
-          <a:p>
-            <a:r>
-              <a:rPr lang="en-US" dirty="0" smtClean="0"/>
-              <a:t>publishing</a:t>
+              <a:t>editor interaction</a:t>
             </a:r>
             <a:endParaRPr lang="en-US" dirty="0"/>
           </a:p>
@@ -4579,7 +3658,7 @@
 </p:sld>
 </file>
 
-<file path=ppt/slides/slide19.xml><?xml version="1.0" encoding="utf-8"?>
+<file path=ppt/slides/slide13.xml><?xml version="1.0" encoding="utf-8"?>
 <p:sld xmlns:a="http://schemas.openxmlformats.org/drawingml/2006/main" xmlns:r="http://schemas.openxmlformats.org/officeDocument/2006/relationships" xmlns:p="http://schemas.openxmlformats.org/presentationml/2006/main">
   <p:cSld>
     <p:spTree>
@@ -4612,8 +3691,8 @@
           <a:lstStyle/>
           <a:p>
             <a:r>
-              <a:rPr lang="en-US" smtClean="0"/>
-              <a:t>considerations</a:t>
+              <a:rPr lang="en-US" dirty="0" smtClean="0"/>
+              <a:t>publishing</a:t>
             </a:r>
             <a:endParaRPr lang="en-US" dirty="0"/>
           </a:p>
@@ -4736,31 +3815,25 @@
           <a:p>
             <a:r>
               <a:rPr lang="en-US" dirty="0" smtClean="0"/>
-              <a:t>Decorations</a:t>
+              <a:t>Commands</a:t>
             </a:r>
           </a:p>
           <a:p>
             <a:r>
               <a:rPr lang="en-US" dirty="0" smtClean="0"/>
-              <a:t>Buttons and toolbars</a:t>
+              <a:t>User Experience</a:t>
             </a:r>
           </a:p>
           <a:p>
             <a:r>
               <a:rPr lang="en-US" dirty="0" smtClean="0"/>
-              <a:t>Commands</a:t>
+              <a:t>Editor Interaction</a:t>
             </a:r>
           </a:p>
           <a:p>
             <a:r>
               <a:rPr lang="en-US" dirty="0" smtClean="0"/>
               <a:t>Publishing</a:t>
-            </a:r>
-          </a:p>
-          <a:p>
-            <a:r>
-              <a:rPr lang="en-US" dirty="0" smtClean="0"/>
-              <a:t>Considerations</a:t>
             </a:r>
             <a:endParaRPr lang="en-US" dirty="0"/>
           </a:p>
@@ -5823,7 +4896,7 @@
       </p:grpSpPr>
       <p:pic>
         <p:nvPicPr>
-          <p:cNvPr id="7" name="Picture 6"/>
+          <p:cNvPr id="8" name="Picture 7"/>
           <p:cNvPicPr>
             <a:picLocks noChangeAspect="1"/>
           </p:cNvPicPr>
@@ -5837,8 +4910,8 @@
         </p:blipFill>
         <p:spPr>
           <a:xfrm>
-            <a:off x="432408" y="1722492"/>
-            <a:ext cx="8369300" cy="4749800"/>
+            <a:off x="508550" y="1722492"/>
+            <a:ext cx="8153400" cy="4743450"/>
           </a:xfrm>
           <a:prstGeom prst="rect">
             <a:avLst/>
@@ -5886,7 +4959,7 @@
       </p:sp>
       <p:pic>
         <p:nvPicPr>
-          <p:cNvPr id="6" name="Picture 5"/>
+          <p:cNvPr id="13" name="Picture 12"/>
           <p:cNvPicPr>
             <a:picLocks noChangeAspect="1"/>
           </p:cNvPicPr>
@@ -5906,7 +4979,7 @@
         </p:blipFill>
         <p:spPr>
           <a:xfrm rot="331634">
-            <a:off x="4397703" y="2643284"/>
+            <a:off x="4008089" y="2643284"/>
             <a:ext cx="7338612" cy="5727157"/>
           </a:xfrm>
           <a:prstGeom prst="rect">
@@ -5917,7 +4990,7 @@
     </p:spTree>
     <p:extLst>
       <p:ext uri="{BB962C8B-B14F-4D97-AF65-F5344CB8AC3E}">
-        <p14:creationId xmlns:p14="http://schemas.microsoft.com/office/powerpoint/2010/main" val="1920290549"/>
+        <p14:creationId xmlns:p14="http://schemas.microsoft.com/office/powerpoint/2010/main" val="1182151455"/>
       </p:ext>
     </p:extLst>
   </p:cSld>
@@ -5966,7 +5039,7 @@
                                           </p:stCondLst>
                                         </p:cTn>
                                         <p:tgtEl>
-                                          <p:spTgt spid="6"/>
+                                          <p:spTgt spid="13"/>
                                         </p:tgtEl>
                                         <p:attrNameLst>
                                           <p:attrName>style.visibility</p:attrName>
@@ -5980,7 +5053,7 @@
                                       <p:cBhvr additive="base">
                                         <p:cTn id="7" dur="500" fill="hold"/>
                                         <p:tgtEl>
-                                          <p:spTgt spid="6"/>
+                                          <p:spTgt spid="13"/>
                                         </p:tgtEl>
                                         <p:attrNameLst>
                                           <p:attrName>ppt_x</p:attrName>
@@ -6003,7 +5076,7 @@
                                       <p:cBhvr additive="base">
                                         <p:cTn id="8" dur="500" fill="hold"/>
                                         <p:tgtEl>
-                                          <p:spTgt spid="6"/>
+                                          <p:spTgt spid="13"/>
                                         </p:tgtEl>
                                         <p:attrNameLst>
                                           <p:attrName>ppt_y</p:attrName>
@@ -6169,25 +5242,139 @@
     </p:spTree>
     <p:extLst>
       <p:ext uri="{BB962C8B-B14F-4D97-AF65-F5344CB8AC3E}">
-        <p14:creationId xmlns:p14="http://schemas.microsoft.com/office/powerpoint/2010/main" val="1182151455"/>
+        <p14:creationId xmlns:p14="http://schemas.microsoft.com/office/powerpoint/2010/main" val="9246188"/>
       </p:ext>
     </p:extLst>
   </p:cSld>
   <p:clrMapOvr>
     <a:masterClrMapping/>
   </p:clrMapOvr>
-  <mc:AlternateContent xmlns:mc="http://schemas.openxmlformats.org/markup-compatibility/2006" xmlns:p14="http://schemas.microsoft.com/office/powerpoint/2010/main">
-    <mc:Choice Requires="p14">
-      <p:transition p14:dur="0"/>
+  <mc:AlternateContent xmlns:mc="http://schemas.openxmlformats.org/markup-compatibility/2006">
+    <mc:Choice xmlns:p14="http://schemas.microsoft.com/office/powerpoint/2010/main" Requires="p14">
+      <p:transition p14:dur="0" advClick="0" advTm="1000"/>
     </mc:Choice>
-    <mc:Fallback xmlns="">
-      <p:transition/>
+    <mc:Fallback>
+      <p:transition advClick="0" advTm="1000"/>
     </mc:Fallback>
   </mc:AlternateContent>
   <p:timing>
     <p:tnLst>
       <p:par>
-        <p:cTn id="1" dur="indefinite" restart="never" nodeType="tmRoot"/>
+        <p:cTn id="1" dur="indefinite" restart="never" nodeType="tmRoot">
+          <p:childTnLst>
+            <p:seq concurrent="1" nextAc="seek">
+              <p:cTn id="2" dur="indefinite" nodeType="mainSeq">
+                <p:childTnLst>
+                  <p:par>
+                    <p:cTn id="3" fill="hold">
+                      <p:stCondLst>
+                        <p:cond delay="indefinite"/>
+                      </p:stCondLst>
+                      <p:childTnLst>
+                        <p:par>
+                          <p:cTn id="4" fill="hold">
+                            <p:stCondLst>
+                              <p:cond delay="0"/>
+                            </p:stCondLst>
+                            <p:childTnLst>
+                              <p:par>
+                                <p:cTn id="5" presetID="2" presetClass="exit" presetSubtype="8" fill="hold" nodeType="clickEffect">
+                                  <p:stCondLst>
+                                    <p:cond delay="0"/>
+                                  </p:stCondLst>
+                                  <p:childTnLst>
+                                    <p:anim calcmode="lin" valueType="num">
+                                      <p:cBhvr additive="base">
+                                        <p:cTn id="6" dur="500"/>
+                                        <p:tgtEl>
+                                          <p:spTgt spid="13"/>
+                                        </p:tgtEl>
+                                        <p:attrNameLst>
+                                          <p:attrName>ppt_x</p:attrName>
+                                        </p:attrNameLst>
+                                      </p:cBhvr>
+                                      <p:tavLst>
+                                        <p:tav tm="0">
+                                          <p:val>
+                                            <p:strVal val="ppt_x"/>
+                                          </p:val>
+                                        </p:tav>
+                                        <p:tav tm="100000">
+                                          <p:val>
+                                            <p:strVal val="0-ppt_w/2"/>
+                                          </p:val>
+                                        </p:tav>
+                                      </p:tavLst>
+                                    </p:anim>
+                                    <p:anim calcmode="lin" valueType="num">
+                                      <p:cBhvr additive="base">
+                                        <p:cTn id="7" dur="500"/>
+                                        <p:tgtEl>
+                                          <p:spTgt spid="13"/>
+                                        </p:tgtEl>
+                                        <p:attrNameLst>
+                                          <p:attrName>ppt_y</p:attrName>
+                                        </p:attrNameLst>
+                                      </p:cBhvr>
+                                      <p:tavLst>
+                                        <p:tav tm="0">
+                                          <p:val>
+                                            <p:strVal val="ppt_y"/>
+                                          </p:val>
+                                        </p:tav>
+                                        <p:tav tm="100000">
+                                          <p:val>
+                                            <p:strVal val="ppt_y"/>
+                                          </p:val>
+                                        </p:tav>
+                                      </p:tavLst>
+                                    </p:anim>
+                                    <p:set>
+                                      <p:cBhvr>
+                                        <p:cTn id="8" dur="1" fill="hold">
+                                          <p:stCondLst>
+                                            <p:cond delay="499"/>
+                                          </p:stCondLst>
+                                        </p:cTn>
+                                        <p:tgtEl>
+                                          <p:spTgt spid="13"/>
+                                        </p:tgtEl>
+                                        <p:attrNameLst>
+                                          <p:attrName>style.visibility</p:attrName>
+                                        </p:attrNameLst>
+                                      </p:cBhvr>
+                                      <p:to>
+                                        <p:strVal val="hidden"/>
+                                      </p:to>
+                                    </p:set>
+                                  </p:childTnLst>
+                                </p:cTn>
+                              </p:par>
+                            </p:childTnLst>
+                          </p:cTn>
+                        </p:par>
+                      </p:childTnLst>
+                    </p:cTn>
+                  </p:par>
+                </p:childTnLst>
+              </p:cTn>
+              <p:prevCondLst>
+                <p:cond evt="onPrev" delay="0">
+                  <p:tgtEl>
+                    <p:sldTgt/>
+                  </p:tgtEl>
+                </p:cond>
+              </p:prevCondLst>
+              <p:nextCondLst>
+                <p:cond evt="onNext" delay="0">
+                  <p:tgtEl>
+                    <p:sldTgt/>
+                  </p:tgtEl>
+                </p:cond>
+              </p:nextCondLst>
+            </p:seq>
+          </p:childTnLst>
+        </p:cTn>
       </p:par>
     </p:tnLst>
   </p:timing>
@@ -6211,33 +5398,9 @@
           <a:chExt cx="0" cy="0"/>
         </a:xfrm>
       </p:grpSpPr>
-      <p:pic>
-        <p:nvPicPr>
-          <p:cNvPr id="6" name="Picture 5"/>
-          <p:cNvPicPr>
-            <a:picLocks noChangeAspect="1"/>
-          </p:cNvPicPr>
-          <p:nvPr/>
-        </p:nvPicPr>
-        <p:blipFill>
-          <a:blip r:embed="rId2"/>
-          <a:stretch>
-            <a:fillRect/>
-          </a:stretch>
-        </p:blipFill>
-        <p:spPr>
-          <a:xfrm>
-            <a:off x="379950" y="1802005"/>
-            <a:ext cx="8394700" cy="4832350"/>
-          </a:xfrm>
-          <a:prstGeom prst="rect">
-            <a:avLst/>
-          </a:prstGeom>
-        </p:spPr>
-      </p:pic>
-      <p:sp>
-        <p:nvSpPr>
-          <p:cNvPr id="2" name="Title 1"/>
+      <p:sp>
+        <p:nvSpPr>
+          <p:cNvPr id="4" name="Title 3"/>
           <p:cNvSpPr>
             <a:spLocks noGrp="1"/>
           </p:cNvSpPr>
@@ -6251,77 +5414,45 @@
           <a:lstStyle/>
           <a:p>
             <a:r>
-              <a:rPr lang="en-US" b="1" dirty="0" err="1" smtClean="0">
-                <a:solidFill>
-                  <a:schemeClr val="accent6"/>
-                </a:solidFill>
-              </a:rPr>
-              <a:t>yo</a:t>
-            </a:r>
-            <a:r>
-              <a:rPr lang="en-US" b="1" dirty="0" smtClean="0">
-                <a:solidFill>
-                  <a:schemeClr val="accent6"/>
-                </a:solidFill>
-              </a:rPr>
-              <a:t> code</a:t>
-            </a:r>
-            <a:r>
               <a:rPr lang="en-US" dirty="0" smtClean="0"/>
-              <a:t> the extension’s skeleton</a:t>
+              <a:t>snippets</a:t>
             </a:r>
             <a:endParaRPr lang="en-US" dirty="0"/>
           </a:p>
         </p:txBody>
       </p:sp>
-      <p:pic>
-        <p:nvPicPr>
-          <p:cNvPr id="11" name="Picture 10"/>
-          <p:cNvPicPr>
-            <a:picLocks noChangeAspect="1"/>
-          </p:cNvPicPr>
-          <p:nvPr/>
-        </p:nvPicPr>
-        <p:blipFill>
-          <a:blip r:embed="rId3">
-            <a:extLst>
-              <a:ext uri="{28A0092B-C50C-407E-A947-70E740481C1C}">
-                <a14:useLocalDpi xmlns:a14="http://schemas.microsoft.com/office/drawing/2010/main" val="0"/>
-              </a:ext>
-            </a:extLst>
-          </a:blip>
-          <a:stretch>
-            <a:fillRect/>
-          </a:stretch>
-        </p:blipFill>
-        <p:spPr>
-          <a:xfrm rot="331634">
-            <a:off x="3817262" y="2643284"/>
-            <a:ext cx="7338612" cy="5727157"/>
-          </a:xfrm>
-          <a:prstGeom prst="rect">
-            <a:avLst/>
-          </a:prstGeom>
-        </p:spPr>
-      </p:pic>
+      <p:sp>
+        <p:nvSpPr>
+          <p:cNvPr id="5" name="Text Placeholder 4"/>
+          <p:cNvSpPr>
+            <a:spLocks noGrp="1"/>
+          </p:cNvSpPr>
+          <p:nvPr>
+            <p:ph type="body" idx="1"/>
+          </p:nvPr>
+        </p:nvSpPr>
+        <p:spPr/>
+        <p:txBody>
+          <a:bodyPr/>
+          <a:lstStyle/>
+          <a:p>
+            <a:endParaRPr lang="en-US" dirty="0" smtClean="0"/>
+          </a:p>
+        </p:txBody>
+      </p:sp>
     </p:spTree>
     <p:extLst>
       <p:ext uri="{BB962C8B-B14F-4D97-AF65-F5344CB8AC3E}">
-        <p14:creationId xmlns:p14="http://schemas.microsoft.com/office/powerpoint/2010/main" val="1111057304"/>
+        <p14:creationId xmlns:p14="http://schemas.microsoft.com/office/powerpoint/2010/main" val="559692238"/>
       </p:ext>
     </p:extLst>
   </p:cSld>
   <p:clrMapOvr>
     <a:masterClrMapping/>
   </p:clrMapOvr>
-  <mc:AlternateContent xmlns:mc="http://schemas.openxmlformats.org/markup-compatibility/2006" xmlns:p14="http://schemas.microsoft.com/office/powerpoint/2010/main">
-    <mc:Choice Requires="p14">
-      <p:transition p14:dur="0"/>
-    </mc:Choice>
-    <mc:Fallback xmlns="">
-      <p:transition/>
-    </mc:Fallback>
-  </mc:AlternateContent>
+  <p:transition spd="slow">
+    <p:push/>
+  </p:transition>
   <p:timing>
     <p:tnLst>
       <p:par>

--- a/extending-vs-code.pptx
+++ b/extending-vs-code.pptx
@@ -2,10 +2,10 @@
 <file path=ppt/presentation.xml><?xml version="1.0" encoding="utf-8"?>
 <p:presentation xmlns:a="http://schemas.openxmlformats.org/drawingml/2006/main" xmlns:r="http://schemas.openxmlformats.org/officeDocument/2006/relationships" xmlns:p="http://schemas.openxmlformats.org/presentationml/2006/main" saveSubsetFonts="1" autoCompressPictures="0">
   <p:sldMasterIdLst>
-    <p:sldMasterId id="2147483648" r:id="rId1"/>
+    <p:sldMasterId id="2147483684" r:id="rId1"/>
   </p:sldMasterIdLst>
   <p:notesMasterIdLst>
-    <p:notesMasterId r:id="rId15"/>
+    <p:notesMasterId r:id="rId23"/>
   </p:notesMasterIdLst>
   <p:sldIdLst>
     <p:sldId id="258" r:id="rId2"/>
@@ -21,6 +21,14 @@
     <p:sldId id="277" r:id="rId12"/>
     <p:sldId id="279" r:id="rId13"/>
     <p:sldId id="280" r:id="rId14"/>
+    <p:sldId id="282" r:id="rId15"/>
+    <p:sldId id="284" r:id="rId16"/>
+    <p:sldId id="285" r:id="rId17"/>
+    <p:sldId id="286" r:id="rId18"/>
+    <p:sldId id="290" r:id="rId19"/>
+    <p:sldId id="292" r:id="rId20"/>
+    <p:sldId id="293" r:id="rId21"/>
+    <p:sldId id="294" r:id="rId22"/>
   </p:sldIdLst>
   <p:sldSz cx="12192000" cy="6858000"/>
   <p:notesSz cx="6858000" cy="9144000"/>
@@ -209,7 +217,7 @@
           <a:p>
             <a:fld id="{99C4D036-BDB5-5848-925A-7211684DC976}" type="datetimeFigureOut">
               <a:rPr lang="en-US" smtClean="0"/>
-              <a:t>4/23/17</a:t>
+              <a:t>5/10/17</a:t>
             </a:fld>
             <a:endParaRPr lang="en-US"/>
           </a:p>
@@ -608,7 +616,7 @@
           <a:p>
             <a:fld id="{6BBEF6B5-29B0-3843-BC6B-0F62F44C2C43}" type="datetimeFigureOut">
               <a:rPr lang="en-US" smtClean="0"/>
-              <a:t>4/23/17</a:t>
+              <a:t>5/10/17</a:t>
             </a:fld>
             <a:endParaRPr lang="en-US"/>
           </a:p>
@@ -657,11 +665,6 @@
         </p:txBody>
       </p:sp>
     </p:spTree>
-    <p:extLst>
-      <p:ext uri="{BB962C8B-B14F-4D97-AF65-F5344CB8AC3E}">
-        <p14:creationId xmlns:p14="http://schemas.microsoft.com/office/powerpoint/2010/main" val="181277813"/>
-      </p:ext>
-    </p:extLst>
   </p:cSld>
   <p:clrMapOvr>
     <a:masterClrMapping/>
@@ -778,7 +781,7 @@
           <a:p>
             <a:fld id="{6BBEF6B5-29B0-3843-BC6B-0F62F44C2C43}" type="datetimeFigureOut">
               <a:rPr lang="en-US" smtClean="0"/>
-              <a:t>4/23/17</a:t>
+              <a:t>5/10/17</a:t>
             </a:fld>
             <a:endParaRPr lang="en-US"/>
           </a:p>
@@ -827,11 +830,6 @@
         </p:txBody>
       </p:sp>
     </p:spTree>
-    <p:extLst>
-      <p:ext uri="{BB962C8B-B14F-4D97-AF65-F5344CB8AC3E}">
-        <p14:creationId xmlns:p14="http://schemas.microsoft.com/office/powerpoint/2010/main" val="1779880597"/>
-      </p:ext>
-    </p:extLst>
   </p:cSld>
   <p:clrMapOvr>
     <a:masterClrMapping/>
@@ -958,7 +956,7 @@
           <a:p>
             <a:fld id="{6BBEF6B5-29B0-3843-BC6B-0F62F44C2C43}" type="datetimeFigureOut">
               <a:rPr lang="en-US" smtClean="0"/>
-              <a:t>4/23/17</a:t>
+              <a:t>5/10/17</a:t>
             </a:fld>
             <a:endParaRPr lang="en-US"/>
           </a:p>
@@ -1007,11 +1005,6 @@
         </p:txBody>
       </p:sp>
     </p:spTree>
-    <p:extLst>
-      <p:ext uri="{BB962C8B-B14F-4D97-AF65-F5344CB8AC3E}">
-        <p14:creationId xmlns:p14="http://schemas.microsoft.com/office/powerpoint/2010/main" val="5991069"/>
-      </p:ext>
-    </p:extLst>
   </p:cSld>
   <p:clrMapOvr>
     <a:masterClrMapping/>
@@ -1128,7 +1121,7 @@
           <a:p>
             <a:fld id="{6BBEF6B5-29B0-3843-BC6B-0F62F44C2C43}" type="datetimeFigureOut">
               <a:rPr lang="en-US" smtClean="0"/>
-              <a:t>4/23/17</a:t>
+              <a:t>5/10/17</a:t>
             </a:fld>
             <a:endParaRPr lang="en-US"/>
           </a:p>
@@ -1177,11 +1170,6 @@
         </p:txBody>
       </p:sp>
     </p:spTree>
-    <p:extLst>
-      <p:ext uri="{BB962C8B-B14F-4D97-AF65-F5344CB8AC3E}">
-        <p14:creationId xmlns:p14="http://schemas.microsoft.com/office/powerpoint/2010/main" val="1604391645"/>
-      </p:ext>
-    </p:extLst>
   </p:cSld>
   <p:clrMapOvr>
     <a:masterClrMapping/>
@@ -1374,7 +1362,7 @@
           <a:p>
             <a:fld id="{6BBEF6B5-29B0-3843-BC6B-0F62F44C2C43}" type="datetimeFigureOut">
               <a:rPr lang="en-US" smtClean="0"/>
-              <a:t>4/23/17</a:t>
+              <a:t>5/10/17</a:t>
             </a:fld>
             <a:endParaRPr lang="en-US"/>
           </a:p>
@@ -1423,11 +1411,6 @@
         </p:txBody>
       </p:sp>
     </p:spTree>
-    <p:extLst>
-      <p:ext uri="{BB962C8B-B14F-4D97-AF65-F5344CB8AC3E}">
-        <p14:creationId xmlns:p14="http://schemas.microsoft.com/office/powerpoint/2010/main" val="1205705783"/>
-      </p:ext>
-    </p:extLst>
   </p:cSld>
   <p:clrMapOvr>
     <a:masterClrMapping/>
@@ -1606,7 +1589,7 @@
           <a:p>
             <a:fld id="{6BBEF6B5-29B0-3843-BC6B-0F62F44C2C43}" type="datetimeFigureOut">
               <a:rPr lang="en-US" smtClean="0"/>
-              <a:t>4/23/17</a:t>
+              <a:t>5/10/17</a:t>
             </a:fld>
             <a:endParaRPr lang="en-US"/>
           </a:p>
@@ -1655,11 +1638,6 @@
         </p:txBody>
       </p:sp>
     </p:spTree>
-    <p:extLst>
-      <p:ext uri="{BB962C8B-B14F-4D97-AF65-F5344CB8AC3E}">
-        <p14:creationId xmlns:p14="http://schemas.microsoft.com/office/powerpoint/2010/main" val="641401789"/>
-      </p:ext>
-    </p:extLst>
   </p:cSld>
   <p:clrMapOvr>
     <a:masterClrMapping/>
@@ -1973,7 +1951,7 @@
           <a:p>
             <a:fld id="{6BBEF6B5-29B0-3843-BC6B-0F62F44C2C43}" type="datetimeFigureOut">
               <a:rPr lang="en-US" smtClean="0"/>
-              <a:t>4/23/17</a:t>
+              <a:t>5/10/17</a:t>
             </a:fld>
             <a:endParaRPr lang="en-US"/>
           </a:p>
@@ -2022,11 +2000,6 @@
         </p:txBody>
       </p:sp>
     </p:spTree>
-    <p:extLst>
-      <p:ext uri="{BB962C8B-B14F-4D97-AF65-F5344CB8AC3E}">
-        <p14:creationId xmlns:p14="http://schemas.microsoft.com/office/powerpoint/2010/main" val="1819443430"/>
-      </p:ext>
-    </p:extLst>
   </p:cSld>
   <p:clrMapOvr>
     <a:masterClrMapping/>
@@ -2091,7 +2064,7 @@
           <a:p>
             <a:fld id="{6BBEF6B5-29B0-3843-BC6B-0F62F44C2C43}" type="datetimeFigureOut">
               <a:rPr lang="en-US" smtClean="0"/>
-              <a:t>4/23/17</a:t>
+              <a:t>5/10/17</a:t>
             </a:fld>
             <a:endParaRPr lang="en-US"/>
           </a:p>
@@ -2140,11 +2113,6 @@
         </p:txBody>
       </p:sp>
     </p:spTree>
-    <p:extLst>
-      <p:ext uri="{BB962C8B-B14F-4D97-AF65-F5344CB8AC3E}">
-        <p14:creationId xmlns:p14="http://schemas.microsoft.com/office/powerpoint/2010/main" val="1366078377"/>
-      </p:ext>
-    </p:extLst>
   </p:cSld>
   <p:clrMapOvr>
     <a:masterClrMapping/>
@@ -2186,7 +2154,7 @@
           <a:p>
             <a:fld id="{6BBEF6B5-29B0-3843-BC6B-0F62F44C2C43}" type="datetimeFigureOut">
               <a:rPr lang="en-US" smtClean="0"/>
-              <a:t>4/23/17</a:t>
+              <a:t>5/10/17</a:t>
             </a:fld>
             <a:endParaRPr lang="en-US"/>
           </a:p>
@@ -2235,11 +2203,6 @@
         </p:txBody>
       </p:sp>
     </p:spTree>
-    <p:extLst>
-      <p:ext uri="{BB962C8B-B14F-4D97-AF65-F5344CB8AC3E}">
-        <p14:creationId xmlns:p14="http://schemas.microsoft.com/office/powerpoint/2010/main" val="931612162"/>
-      </p:ext>
-    </p:extLst>
   </p:cSld>
   <p:clrMapOvr>
     <a:masterClrMapping/>
@@ -2463,7 +2426,7 @@
           <a:p>
             <a:fld id="{6BBEF6B5-29B0-3843-BC6B-0F62F44C2C43}" type="datetimeFigureOut">
               <a:rPr lang="en-US" smtClean="0"/>
-              <a:t>4/23/17</a:t>
+              <a:t>5/10/17</a:t>
             </a:fld>
             <a:endParaRPr lang="en-US"/>
           </a:p>
@@ -2512,11 +2475,6 @@
         </p:txBody>
       </p:sp>
     </p:spTree>
-    <p:extLst>
-      <p:ext uri="{BB962C8B-B14F-4D97-AF65-F5344CB8AC3E}">
-        <p14:creationId xmlns:p14="http://schemas.microsoft.com/office/powerpoint/2010/main" val="302336457"/>
-      </p:ext>
-    </p:extLst>
   </p:cSld>
   <p:clrMapOvr>
     <a:masterClrMapping/>
@@ -2716,7 +2674,7 @@
           <a:p>
             <a:fld id="{6BBEF6B5-29B0-3843-BC6B-0F62F44C2C43}" type="datetimeFigureOut">
               <a:rPr lang="en-US" smtClean="0"/>
-              <a:t>4/23/17</a:t>
+              <a:t>5/10/17</a:t>
             </a:fld>
             <a:endParaRPr lang="en-US"/>
           </a:p>
@@ -2765,11 +2723,6 @@
         </p:txBody>
       </p:sp>
     </p:spTree>
-    <p:extLst>
-      <p:ext uri="{BB962C8B-B14F-4D97-AF65-F5344CB8AC3E}">
-        <p14:creationId xmlns:p14="http://schemas.microsoft.com/office/powerpoint/2010/main" val="422523997"/>
-      </p:ext>
-    </p:extLst>
   </p:cSld>
   <p:clrMapOvr>
     <a:masterClrMapping/>
@@ -2929,7 +2882,7 @@
           <a:p>
             <a:fld id="{6BBEF6B5-29B0-3843-BC6B-0F62F44C2C43}" type="datetimeFigureOut">
               <a:rPr lang="en-US" smtClean="0"/>
-              <a:t>4/23/17</a:t>
+              <a:t>5/10/17</a:t>
             </a:fld>
             <a:endParaRPr lang="en-US"/>
           </a:p>
@@ -3016,23 +2969,23 @@
     </p:spTree>
     <p:extLst>
       <p:ext uri="{BB962C8B-B14F-4D97-AF65-F5344CB8AC3E}">
-        <p14:creationId xmlns:p14="http://schemas.microsoft.com/office/powerpoint/2010/main" val="985269690"/>
+        <p14:creationId xmlns:p14="http://schemas.microsoft.com/office/powerpoint/2010/main" val="1867566307"/>
       </p:ext>
     </p:extLst>
   </p:cSld>
   <p:clrMap bg1="lt1" tx1="dk1" bg2="lt2" tx2="dk2" accent1="accent1" accent2="accent2" accent3="accent3" accent4="accent4" accent5="accent5" accent6="accent6" hlink="hlink" folHlink="folHlink"/>
   <p:sldLayoutIdLst>
-    <p:sldLayoutId id="2147483649" r:id="rId1"/>
-    <p:sldLayoutId id="2147483650" r:id="rId2"/>
-    <p:sldLayoutId id="2147483651" r:id="rId3"/>
-    <p:sldLayoutId id="2147483652" r:id="rId4"/>
-    <p:sldLayoutId id="2147483653" r:id="rId5"/>
-    <p:sldLayoutId id="2147483654" r:id="rId6"/>
-    <p:sldLayoutId id="2147483655" r:id="rId7"/>
-    <p:sldLayoutId id="2147483656" r:id="rId8"/>
-    <p:sldLayoutId id="2147483657" r:id="rId9"/>
-    <p:sldLayoutId id="2147483658" r:id="rId10"/>
-    <p:sldLayoutId id="2147483659" r:id="rId11"/>
+    <p:sldLayoutId id="2147483685" r:id="rId1"/>
+    <p:sldLayoutId id="2147483686" r:id="rId2"/>
+    <p:sldLayoutId id="2147483687" r:id="rId3"/>
+    <p:sldLayoutId id="2147483688" r:id="rId4"/>
+    <p:sldLayoutId id="2147483689" r:id="rId5"/>
+    <p:sldLayoutId id="2147483690" r:id="rId6"/>
+    <p:sldLayoutId id="2147483691" r:id="rId7"/>
+    <p:sldLayoutId id="2147483692" r:id="rId8"/>
+    <p:sldLayoutId id="2147483693" r:id="rId9"/>
+    <p:sldLayoutId id="2147483694" r:id="rId10"/>
+    <p:sldLayoutId id="2147483695" r:id="rId11"/>
   </p:sldLayoutIdLst>
   <p:txStyles>
     <p:titleStyle>
@@ -3350,8 +3303,12 @@
           <a:lstStyle/>
           <a:p>
             <a:r>
+              <a:rPr lang="en-US" dirty="0"/>
+              <a:t>e</a:t>
+            </a:r>
+            <a:r>
               <a:rPr lang="en-US" dirty="0" smtClean="0"/>
-              <a:t>Extending Visual Studio Code</a:t>
+              <a:t>xtending visual studio code</a:t>
             </a:r>
             <a:endParaRPr lang="en-US" dirty="0"/>
           </a:p>
@@ -3373,17 +3330,29 @@
           <a:lstStyle/>
           <a:p>
             <a:r>
+              <a:rPr lang="en-US" dirty="0" err="1"/>
+              <a:t>b</a:t>
+            </a:r>
+            <a:r>
+              <a:rPr lang="en-US" dirty="0" err="1" smtClean="0"/>
+              <a:t>rady</a:t>
+            </a:r>
+            <a:r>
               <a:rPr lang="en-US" dirty="0" smtClean="0"/>
-              <a:t>Brady Gaster</a:t>
-            </a:r>
-          </a:p>
-          <a:p>
+              <a:t> </a:t>
+            </a:r>
+            <a:r>
+              <a:rPr lang="en-US" dirty="0" err="1"/>
+              <a:t>g</a:t>
+            </a:r>
+            <a:r>
+              <a:rPr lang="en-US" dirty="0" err="1" smtClean="0"/>
+              <a:t>aster</a:t>
+            </a:r>
             <a:r>
               <a:rPr lang="en-US" dirty="0" smtClean="0"/>
-              <a:t>Senior Program Manager</a:t>
-            </a:r>
-          </a:p>
-          <a:p>
+              <a:t>     |     senior program manager     |    </a:t>
+            </a:r>
             <a:r>
               <a:rPr lang="en-US" dirty="0" err="1" smtClean="0"/>
               <a:t>docs.microsoft.com</a:t>
@@ -3740,6 +3709,2639 @@
 </p:sld>
 </file>
 
+<file path=ppt/slides/slide14.xml><?xml version="1.0" encoding="utf-8"?>
+<p:sld xmlns:a="http://schemas.openxmlformats.org/drawingml/2006/main" xmlns:r="http://schemas.openxmlformats.org/officeDocument/2006/relationships" xmlns:p="http://schemas.openxmlformats.org/presentationml/2006/main">
+  <p:cSld>
+    <p:spTree>
+      <p:nvGrpSpPr>
+        <p:cNvPr id="1" name=""/>
+        <p:cNvGrpSpPr/>
+        <p:nvPr/>
+      </p:nvGrpSpPr>
+      <p:grpSpPr>
+        <a:xfrm>
+          <a:off x="0" y="0"/>
+          <a:ext cx="0" cy="0"/>
+          <a:chOff x="0" y="0"/>
+          <a:chExt cx="0" cy="0"/>
+        </a:xfrm>
+      </p:grpSpPr>
+      <p:pic>
+        <p:nvPicPr>
+          <p:cNvPr id="14" name="Picture 13"/>
+          <p:cNvPicPr>
+            <a:picLocks noChangeAspect="1"/>
+          </p:cNvPicPr>
+          <p:nvPr/>
+        </p:nvPicPr>
+        <p:blipFill>
+          <a:blip r:embed="rId2"/>
+          <a:stretch>
+            <a:fillRect/>
+          </a:stretch>
+        </p:blipFill>
+        <p:spPr>
+          <a:xfrm>
+            <a:off x="1781175" y="1756603"/>
+            <a:ext cx="8629650" cy="4298950"/>
+          </a:xfrm>
+          <a:prstGeom prst="rect">
+            <a:avLst/>
+          </a:prstGeom>
+        </p:spPr>
+      </p:pic>
+      <p:sp>
+        <p:nvSpPr>
+          <p:cNvPr id="12" name="Title 11"/>
+          <p:cNvSpPr>
+            <a:spLocks noGrp="1"/>
+          </p:cNvSpPr>
+          <p:nvPr>
+            <p:ph type="title"/>
+          </p:nvPr>
+        </p:nvSpPr>
+        <p:spPr/>
+        <p:txBody>
+          <a:bodyPr/>
+          <a:lstStyle/>
+          <a:p>
+            <a:r>
+              <a:rPr lang="en-US" dirty="0" smtClean="0"/>
+              <a:t>uploading new marketplace entries</a:t>
+            </a:r>
+            <a:endParaRPr lang="en-US" dirty="0"/>
+          </a:p>
+        </p:txBody>
+      </p:sp>
+      <p:sp>
+        <p:nvSpPr>
+          <p:cNvPr id="13" name="Content Placeholder 12"/>
+          <p:cNvSpPr>
+            <a:spLocks noGrp="1"/>
+          </p:cNvSpPr>
+          <p:nvPr>
+            <p:ph idx="1"/>
+          </p:nvPr>
+        </p:nvSpPr>
+        <p:spPr>
+          <a:xfrm>
+            <a:off x="838200" y="1340595"/>
+            <a:ext cx="10515600" cy="4351338"/>
+          </a:xfrm>
+        </p:spPr>
+        <p:txBody>
+          <a:bodyPr/>
+          <a:lstStyle/>
+          <a:p>
+            <a:pPr marL="0" indent="0">
+              <a:buNone/>
+            </a:pPr>
+            <a:r>
+              <a:rPr lang="en-US" dirty="0" smtClean="0"/>
+              <a:t>https</a:t>
+            </a:r>
+            <a:r>
+              <a:rPr lang="en-US" dirty="0"/>
+              <a:t>://</a:t>
+            </a:r>
+            <a:r>
+              <a:rPr lang="en-US" dirty="0" err="1"/>
+              <a:t>marketplace.visualstudio.com</a:t>
+            </a:r>
+            <a:r>
+              <a:rPr lang="en-US" dirty="0"/>
+              <a:t>/manage/publishers</a:t>
+            </a:r>
+            <a:r>
+              <a:rPr lang="en-US" dirty="0" smtClean="0"/>
+              <a:t>/</a:t>
+            </a:r>
+            <a:r>
+              <a:rPr lang="en-US" dirty="0" smtClean="0">
+                <a:solidFill>
+                  <a:schemeClr val="accent1"/>
+                </a:solidFill>
+              </a:rPr>
+              <a:t>{publisher}</a:t>
+            </a:r>
+            <a:endParaRPr lang="en-US" dirty="0">
+              <a:solidFill>
+                <a:schemeClr val="accent1"/>
+              </a:solidFill>
+            </a:endParaRPr>
+          </a:p>
+        </p:txBody>
+      </p:sp>
+      <p:cxnSp>
+        <p:nvCxnSpPr>
+          <p:cNvPr id="16" name="Straight Arrow Connector 15"/>
+          <p:cNvCxnSpPr/>
+          <p:nvPr/>
+        </p:nvCxnSpPr>
+        <p:spPr>
+          <a:xfrm flipH="1" flipV="1">
+            <a:off x="9740348" y="3516264"/>
+            <a:ext cx="1741335" cy="1175006"/>
+          </a:xfrm>
+          <a:prstGeom prst="straightConnector1">
+            <a:avLst/>
+          </a:prstGeom>
+          <a:ln w="76200">
+            <a:solidFill>
+              <a:srgbClr val="FF0000"/>
+            </a:solidFill>
+            <a:tailEnd type="triangle"/>
+          </a:ln>
+        </p:spPr>
+        <p:style>
+          <a:lnRef idx="1">
+            <a:schemeClr val="accent1"/>
+          </a:lnRef>
+          <a:fillRef idx="0">
+            <a:schemeClr val="accent1"/>
+          </a:fillRef>
+          <a:effectRef idx="0">
+            <a:schemeClr val="accent1"/>
+          </a:effectRef>
+          <a:fontRef idx="minor">
+            <a:schemeClr val="tx1"/>
+          </a:fontRef>
+        </p:style>
+      </p:cxnSp>
+    </p:spTree>
+    <p:extLst>
+      <p:ext uri="{BB962C8B-B14F-4D97-AF65-F5344CB8AC3E}">
+        <p14:creationId xmlns:p14="http://schemas.microsoft.com/office/powerpoint/2010/main" val="1247864619"/>
+      </p:ext>
+    </p:extLst>
+  </p:cSld>
+  <p:clrMapOvr>
+    <a:masterClrMapping/>
+  </p:clrMapOvr>
+  <p:transition spd="slow">
+    <p:push dir="u"/>
+  </p:transition>
+  <p:timing>
+    <p:tnLst>
+      <p:par>
+        <p:cTn id="1" dur="indefinite" restart="never" nodeType="tmRoot">
+          <p:childTnLst>
+            <p:seq concurrent="1" nextAc="seek">
+              <p:cTn id="2" dur="indefinite" nodeType="mainSeq">
+                <p:childTnLst>
+                  <p:par>
+                    <p:cTn id="3" fill="hold">
+                      <p:stCondLst>
+                        <p:cond delay="indefinite"/>
+                      </p:stCondLst>
+                      <p:childTnLst>
+                        <p:par>
+                          <p:cTn id="4" fill="hold">
+                            <p:stCondLst>
+                              <p:cond delay="0"/>
+                            </p:stCondLst>
+                            <p:childTnLst>
+                              <p:par>
+                                <p:cTn id="5" presetID="22" presetClass="entr" presetSubtype="2" fill="hold" nodeType="clickEffect">
+                                  <p:stCondLst>
+                                    <p:cond delay="0"/>
+                                  </p:stCondLst>
+                                  <p:childTnLst>
+                                    <p:set>
+                                      <p:cBhvr>
+                                        <p:cTn id="6" dur="1" fill="hold">
+                                          <p:stCondLst>
+                                            <p:cond delay="0"/>
+                                          </p:stCondLst>
+                                        </p:cTn>
+                                        <p:tgtEl>
+                                          <p:spTgt spid="16"/>
+                                        </p:tgtEl>
+                                        <p:attrNameLst>
+                                          <p:attrName>style.visibility</p:attrName>
+                                        </p:attrNameLst>
+                                      </p:cBhvr>
+                                      <p:to>
+                                        <p:strVal val="visible"/>
+                                      </p:to>
+                                    </p:set>
+                                    <p:animEffect transition="in" filter="wipe(right)">
+                                      <p:cBhvr>
+                                        <p:cTn id="7" dur="500"/>
+                                        <p:tgtEl>
+                                          <p:spTgt spid="16"/>
+                                        </p:tgtEl>
+                                      </p:cBhvr>
+                                    </p:animEffect>
+                                  </p:childTnLst>
+                                </p:cTn>
+                              </p:par>
+                            </p:childTnLst>
+                          </p:cTn>
+                        </p:par>
+                      </p:childTnLst>
+                    </p:cTn>
+                  </p:par>
+                </p:childTnLst>
+              </p:cTn>
+              <p:prevCondLst>
+                <p:cond evt="onPrev" delay="0">
+                  <p:tgtEl>
+                    <p:sldTgt/>
+                  </p:tgtEl>
+                </p:cond>
+              </p:prevCondLst>
+              <p:nextCondLst>
+                <p:cond evt="onNext" delay="0">
+                  <p:tgtEl>
+                    <p:sldTgt/>
+                  </p:tgtEl>
+                </p:cond>
+              </p:nextCondLst>
+            </p:seq>
+          </p:childTnLst>
+        </p:cTn>
+      </p:par>
+    </p:tnLst>
+  </p:timing>
+</p:sld>
+</file>
+
+<file path=ppt/slides/slide15.xml><?xml version="1.0" encoding="utf-8"?>
+<p:sld xmlns:a="http://schemas.openxmlformats.org/drawingml/2006/main" xmlns:r="http://schemas.openxmlformats.org/officeDocument/2006/relationships" xmlns:p="http://schemas.openxmlformats.org/presentationml/2006/main">
+  <p:cSld>
+    <p:spTree>
+      <p:nvGrpSpPr>
+        <p:cNvPr id="1" name=""/>
+        <p:cNvGrpSpPr/>
+        <p:nvPr/>
+      </p:nvGrpSpPr>
+      <p:grpSpPr>
+        <a:xfrm>
+          <a:off x="0" y="0"/>
+          <a:ext cx="0" cy="0"/>
+          <a:chOff x="0" y="0"/>
+          <a:chExt cx="0" cy="0"/>
+        </a:xfrm>
+      </p:grpSpPr>
+      <p:pic>
+        <p:nvPicPr>
+          <p:cNvPr id="14" name="Picture 13"/>
+          <p:cNvPicPr>
+            <a:picLocks noChangeAspect="1"/>
+          </p:cNvPicPr>
+          <p:nvPr/>
+        </p:nvPicPr>
+        <p:blipFill>
+          <a:blip r:embed="rId2"/>
+          <a:stretch>
+            <a:fillRect/>
+          </a:stretch>
+        </p:blipFill>
+        <p:spPr>
+          <a:xfrm>
+            <a:off x="1781175" y="1756603"/>
+            <a:ext cx="8629650" cy="4298950"/>
+          </a:xfrm>
+          <a:prstGeom prst="rect">
+            <a:avLst/>
+          </a:prstGeom>
+        </p:spPr>
+      </p:pic>
+      <p:sp>
+        <p:nvSpPr>
+          <p:cNvPr id="12" name="Title 11"/>
+          <p:cNvSpPr>
+            <a:spLocks noGrp="1"/>
+          </p:cNvSpPr>
+          <p:nvPr>
+            <p:ph type="title"/>
+          </p:nvPr>
+        </p:nvSpPr>
+        <p:spPr/>
+        <p:txBody>
+          <a:bodyPr/>
+          <a:lstStyle/>
+          <a:p>
+            <a:r>
+              <a:rPr lang="en-US" dirty="0" smtClean="0"/>
+              <a:t>managing your marketplace entries</a:t>
+            </a:r>
+            <a:endParaRPr lang="en-US" dirty="0"/>
+          </a:p>
+        </p:txBody>
+      </p:sp>
+      <p:sp>
+        <p:nvSpPr>
+          <p:cNvPr id="13" name="Content Placeholder 12"/>
+          <p:cNvSpPr>
+            <a:spLocks noGrp="1"/>
+          </p:cNvSpPr>
+          <p:nvPr>
+            <p:ph idx="1"/>
+          </p:nvPr>
+        </p:nvSpPr>
+        <p:spPr>
+          <a:xfrm>
+            <a:off x="838200" y="1340595"/>
+            <a:ext cx="10515600" cy="4351338"/>
+          </a:xfrm>
+        </p:spPr>
+        <p:txBody>
+          <a:bodyPr/>
+          <a:lstStyle/>
+          <a:p>
+            <a:pPr marL="0" indent="0">
+              <a:buNone/>
+            </a:pPr>
+            <a:r>
+              <a:rPr lang="en-US" dirty="0" smtClean="0"/>
+              <a:t>https</a:t>
+            </a:r>
+            <a:r>
+              <a:rPr lang="en-US" dirty="0"/>
+              <a:t>://</a:t>
+            </a:r>
+            <a:r>
+              <a:rPr lang="en-US" dirty="0" err="1"/>
+              <a:t>marketplace.visualstudio.com</a:t>
+            </a:r>
+            <a:r>
+              <a:rPr lang="en-US" dirty="0"/>
+              <a:t>/manage/publishers</a:t>
+            </a:r>
+            <a:r>
+              <a:rPr lang="en-US" dirty="0" smtClean="0"/>
+              <a:t>/</a:t>
+            </a:r>
+            <a:r>
+              <a:rPr lang="en-US" dirty="0" smtClean="0">
+                <a:solidFill>
+                  <a:schemeClr val="accent1"/>
+                </a:solidFill>
+              </a:rPr>
+              <a:t>{publisher}</a:t>
+            </a:r>
+            <a:endParaRPr lang="en-US" dirty="0">
+              <a:solidFill>
+                <a:schemeClr val="accent1"/>
+              </a:solidFill>
+            </a:endParaRPr>
+          </a:p>
+        </p:txBody>
+      </p:sp>
+      <p:pic>
+        <p:nvPicPr>
+          <p:cNvPr id="17" name="Picture 16"/>
+          <p:cNvPicPr>
+            <a:picLocks noChangeAspect="1"/>
+          </p:cNvPicPr>
+          <p:nvPr/>
+        </p:nvPicPr>
+        <p:blipFill>
+          <a:blip r:embed="rId3"/>
+          <a:stretch>
+            <a:fillRect/>
+          </a:stretch>
+        </p:blipFill>
+        <p:spPr>
+          <a:xfrm>
+            <a:off x="1908645" y="1885480"/>
+            <a:ext cx="8915400" cy="4375150"/>
+          </a:xfrm>
+          <a:prstGeom prst="rect">
+            <a:avLst/>
+          </a:prstGeom>
+        </p:spPr>
+      </p:pic>
+    </p:spTree>
+    <p:extLst>
+      <p:ext uri="{BB962C8B-B14F-4D97-AF65-F5344CB8AC3E}">
+        <p14:creationId xmlns:p14="http://schemas.microsoft.com/office/powerpoint/2010/main" val="129482994"/>
+      </p:ext>
+    </p:extLst>
+  </p:cSld>
+  <p:clrMapOvr>
+    <a:masterClrMapping/>
+  </p:clrMapOvr>
+  <p:timing>
+    <p:tnLst>
+      <p:par>
+        <p:cTn id="1" dur="indefinite" restart="never" nodeType="tmRoot"/>
+      </p:par>
+    </p:tnLst>
+  </p:timing>
+</p:sld>
+</file>
+
+<file path=ppt/slides/slide16.xml><?xml version="1.0" encoding="utf-8"?>
+<p:sld xmlns:a="http://schemas.openxmlformats.org/drawingml/2006/main" xmlns:r="http://schemas.openxmlformats.org/officeDocument/2006/relationships" xmlns:p="http://schemas.openxmlformats.org/presentationml/2006/main">
+  <p:cSld>
+    <p:spTree>
+      <p:nvGrpSpPr>
+        <p:cNvPr id="1" name=""/>
+        <p:cNvGrpSpPr/>
+        <p:nvPr/>
+      </p:nvGrpSpPr>
+      <p:grpSpPr>
+        <a:xfrm>
+          <a:off x="0" y="0"/>
+          <a:ext cx="0" cy="0"/>
+          <a:chOff x="0" y="0"/>
+          <a:chExt cx="0" cy="0"/>
+        </a:xfrm>
+      </p:grpSpPr>
+      <p:pic>
+        <p:nvPicPr>
+          <p:cNvPr id="14" name="Picture 13"/>
+          <p:cNvPicPr>
+            <a:picLocks noChangeAspect="1"/>
+          </p:cNvPicPr>
+          <p:nvPr/>
+        </p:nvPicPr>
+        <p:blipFill>
+          <a:blip r:embed="rId2"/>
+          <a:stretch>
+            <a:fillRect/>
+          </a:stretch>
+        </p:blipFill>
+        <p:spPr>
+          <a:xfrm>
+            <a:off x="1781175" y="1756603"/>
+            <a:ext cx="8629650" cy="4298950"/>
+          </a:xfrm>
+          <a:prstGeom prst="rect">
+            <a:avLst/>
+          </a:prstGeom>
+        </p:spPr>
+      </p:pic>
+      <p:sp>
+        <p:nvSpPr>
+          <p:cNvPr id="12" name="Title 11"/>
+          <p:cNvSpPr>
+            <a:spLocks noGrp="1"/>
+          </p:cNvSpPr>
+          <p:nvPr>
+            <p:ph type="title"/>
+          </p:nvPr>
+        </p:nvSpPr>
+        <p:spPr/>
+        <p:txBody>
+          <a:bodyPr/>
+          <a:lstStyle/>
+          <a:p>
+            <a:r>
+              <a:rPr lang="en-US" dirty="0" smtClean="0"/>
+              <a:t>managing your marketplace entries</a:t>
+            </a:r>
+            <a:endParaRPr lang="en-US" dirty="0"/>
+          </a:p>
+        </p:txBody>
+      </p:sp>
+      <p:sp>
+        <p:nvSpPr>
+          <p:cNvPr id="13" name="Content Placeholder 12"/>
+          <p:cNvSpPr>
+            <a:spLocks noGrp="1"/>
+          </p:cNvSpPr>
+          <p:nvPr>
+            <p:ph idx="1"/>
+          </p:nvPr>
+        </p:nvSpPr>
+        <p:spPr>
+          <a:xfrm>
+            <a:off x="838200" y="1340595"/>
+            <a:ext cx="10515600" cy="4351338"/>
+          </a:xfrm>
+        </p:spPr>
+        <p:txBody>
+          <a:bodyPr/>
+          <a:lstStyle/>
+          <a:p>
+            <a:pPr marL="0" indent="0">
+              <a:buNone/>
+            </a:pPr>
+            <a:r>
+              <a:rPr lang="en-US" dirty="0" smtClean="0"/>
+              <a:t>https</a:t>
+            </a:r>
+            <a:r>
+              <a:rPr lang="en-US" dirty="0"/>
+              <a:t>://</a:t>
+            </a:r>
+            <a:r>
+              <a:rPr lang="en-US" dirty="0" err="1"/>
+              <a:t>marketplace.visualstudio.com</a:t>
+            </a:r>
+            <a:r>
+              <a:rPr lang="en-US" dirty="0"/>
+              <a:t>/manage/publishers</a:t>
+            </a:r>
+            <a:r>
+              <a:rPr lang="en-US" dirty="0" smtClean="0"/>
+              <a:t>/</a:t>
+            </a:r>
+            <a:r>
+              <a:rPr lang="en-US" dirty="0" smtClean="0">
+                <a:solidFill>
+                  <a:schemeClr val="accent1"/>
+                </a:solidFill>
+              </a:rPr>
+              <a:t>{publisher}</a:t>
+            </a:r>
+            <a:endParaRPr lang="en-US" dirty="0">
+              <a:solidFill>
+                <a:schemeClr val="accent1"/>
+              </a:solidFill>
+            </a:endParaRPr>
+          </a:p>
+        </p:txBody>
+      </p:sp>
+      <p:cxnSp>
+        <p:nvCxnSpPr>
+          <p:cNvPr id="16" name="Straight Arrow Connector 15"/>
+          <p:cNvCxnSpPr/>
+          <p:nvPr/>
+        </p:nvCxnSpPr>
+        <p:spPr>
+          <a:xfrm flipH="1" flipV="1">
+            <a:off x="4731026" y="4946462"/>
+            <a:ext cx="1741335" cy="1175006"/>
+          </a:xfrm>
+          <a:prstGeom prst="straightConnector1">
+            <a:avLst/>
+          </a:prstGeom>
+          <a:ln w="76200">
+            <a:solidFill>
+              <a:srgbClr val="FF0000"/>
+            </a:solidFill>
+            <a:tailEnd type="triangle"/>
+          </a:ln>
+        </p:spPr>
+        <p:style>
+          <a:lnRef idx="1">
+            <a:schemeClr val="accent1"/>
+          </a:lnRef>
+          <a:fillRef idx="0">
+            <a:schemeClr val="accent1"/>
+          </a:fillRef>
+          <a:effectRef idx="0">
+            <a:schemeClr val="accent1"/>
+          </a:effectRef>
+          <a:fontRef idx="minor">
+            <a:schemeClr val="tx1"/>
+          </a:fontRef>
+        </p:style>
+      </p:cxnSp>
+    </p:spTree>
+    <p:extLst>
+      <p:ext uri="{BB962C8B-B14F-4D97-AF65-F5344CB8AC3E}">
+        <p14:creationId xmlns:p14="http://schemas.microsoft.com/office/powerpoint/2010/main" val="1163862100"/>
+      </p:ext>
+    </p:extLst>
+  </p:cSld>
+  <p:clrMapOvr>
+    <a:masterClrMapping/>
+  </p:clrMapOvr>
+  <p:timing>
+    <p:tnLst>
+      <p:par>
+        <p:cTn id="1" dur="indefinite" restart="never" nodeType="tmRoot">
+          <p:childTnLst>
+            <p:seq concurrent="1" nextAc="seek">
+              <p:cTn id="2" dur="indefinite" nodeType="mainSeq">
+                <p:childTnLst>
+                  <p:par>
+                    <p:cTn id="3" fill="hold">
+                      <p:stCondLst>
+                        <p:cond delay="indefinite"/>
+                      </p:stCondLst>
+                      <p:childTnLst>
+                        <p:par>
+                          <p:cTn id="4" fill="hold">
+                            <p:stCondLst>
+                              <p:cond delay="0"/>
+                            </p:stCondLst>
+                            <p:childTnLst>
+                              <p:par>
+                                <p:cTn id="5" presetID="22" presetClass="entr" presetSubtype="2" fill="hold" nodeType="clickEffect">
+                                  <p:stCondLst>
+                                    <p:cond delay="0"/>
+                                  </p:stCondLst>
+                                  <p:childTnLst>
+                                    <p:set>
+                                      <p:cBhvr>
+                                        <p:cTn id="6" dur="1" fill="hold">
+                                          <p:stCondLst>
+                                            <p:cond delay="0"/>
+                                          </p:stCondLst>
+                                        </p:cTn>
+                                        <p:tgtEl>
+                                          <p:spTgt spid="16"/>
+                                        </p:tgtEl>
+                                        <p:attrNameLst>
+                                          <p:attrName>style.visibility</p:attrName>
+                                        </p:attrNameLst>
+                                      </p:cBhvr>
+                                      <p:to>
+                                        <p:strVal val="visible"/>
+                                      </p:to>
+                                    </p:set>
+                                    <p:animEffect transition="in" filter="wipe(right)">
+                                      <p:cBhvr>
+                                        <p:cTn id="7" dur="500"/>
+                                        <p:tgtEl>
+                                          <p:spTgt spid="16"/>
+                                        </p:tgtEl>
+                                      </p:cBhvr>
+                                    </p:animEffect>
+                                  </p:childTnLst>
+                                </p:cTn>
+                              </p:par>
+                            </p:childTnLst>
+                          </p:cTn>
+                        </p:par>
+                      </p:childTnLst>
+                    </p:cTn>
+                  </p:par>
+                </p:childTnLst>
+              </p:cTn>
+              <p:prevCondLst>
+                <p:cond evt="onPrev" delay="0">
+                  <p:tgtEl>
+                    <p:sldTgt/>
+                  </p:tgtEl>
+                </p:cond>
+              </p:prevCondLst>
+              <p:nextCondLst>
+                <p:cond evt="onNext" delay="0">
+                  <p:tgtEl>
+                    <p:sldTgt/>
+                  </p:tgtEl>
+                </p:cond>
+              </p:nextCondLst>
+            </p:seq>
+          </p:childTnLst>
+        </p:cTn>
+      </p:par>
+    </p:tnLst>
+  </p:timing>
+</p:sld>
+</file>
+
+<file path=ppt/slides/slide17.xml><?xml version="1.0" encoding="utf-8"?>
+<p:sld xmlns:a="http://schemas.openxmlformats.org/drawingml/2006/main" xmlns:r="http://schemas.openxmlformats.org/officeDocument/2006/relationships" xmlns:p="http://schemas.openxmlformats.org/presentationml/2006/main">
+  <p:cSld>
+    <p:spTree>
+      <p:nvGrpSpPr>
+        <p:cNvPr id="1" name=""/>
+        <p:cNvGrpSpPr/>
+        <p:nvPr/>
+      </p:nvGrpSpPr>
+      <p:grpSpPr>
+        <a:xfrm>
+          <a:off x="0" y="0"/>
+          <a:ext cx="0" cy="0"/>
+          <a:chOff x="0" y="0"/>
+          <a:chExt cx="0" cy="0"/>
+        </a:xfrm>
+      </p:grpSpPr>
+      <p:sp>
+        <p:nvSpPr>
+          <p:cNvPr id="12" name="Title 11"/>
+          <p:cNvSpPr>
+            <a:spLocks noGrp="1"/>
+          </p:cNvSpPr>
+          <p:nvPr>
+            <p:ph type="title"/>
+          </p:nvPr>
+        </p:nvSpPr>
+        <p:spPr/>
+        <p:txBody>
+          <a:bodyPr/>
+          <a:lstStyle/>
+          <a:p>
+            <a:r>
+              <a:rPr lang="en-US" dirty="0" smtClean="0"/>
+              <a:t>managing your marketplace entries</a:t>
+            </a:r>
+            <a:endParaRPr lang="en-US" dirty="0"/>
+          </a:p>
+        </p:txBody>
+      </p:sp>
+      <p:sp>
+        <p:nvSpPr>
+          <p:cNvPr id="13" name="Content Placeholder 12"/>
+          <p:cNvSpPr>
+            <a:spLocks noGrp="1"/>
+          </p:cNvSpPr>
+          <p:nvPr>
+            <p:ph idx="1"/>
+          </p:nvPr>
+        </p:nvSpPr>
+        <p:spPr>
+          <a:xfrm>
+            <a:off x="838200" y="1340595"/>
+            <a:ext cx="10515600" cy="4351338"/>
+          </a:xfrm>
+        </p:spPr>
+        <p:txBody>
+          <a:bodyPr/>
+          <a:lstStyle/>
+          <a:p>
+            <a:pPr marL="0" indent="0">
+              <a:buNone/>
+            </a:pPr>
+            <a:r>
+              <a:rPr lang="en-US" dirty="0" smtClean="0"/>
+              <a:t>https</a:t>
+            </a:r>
+            <a:r>
+              <a:rPr lang="en-US" dirty="0"/>
+              <a:t>://</a:t>
+            </a:r>
+            <a:r>
+              <a:rPr lang="en-US" dirty="0" err="1"/>
+              <a:t>marketplace.visualstudio.com</a:t>
+            </a:r>
+            <a:r>
+              <a:rPr lang="en-US" dirty="0"/>
+              <a:t>/manage/publishers</a:t>
+            </a:r>
+            <a:r>
+              <a:rPr lang="en-US" dirty="0" smtClean="0"/>
+              <a:t>/</a:t>
+            </a:r>
+            <a:r>
+              <a:rPr lang="en-US" dirty="0" smtClean="0">
+                <a:solidFill>
+                  <a:schemeClr val="accent1"/>
+                </a:solidFill>
+              </a:rPr>
+              <a:t>{publisher}</a:t>
+            </a:r>
+            <a:endParaRPr lang="en-US" dirty="0">
+              <a:solidFill>
+                <a:schemeClr val="accent1"/>
+              </a:solidFill>
+            </a:endParaRPr>
+          </a:p>
+        </p:txBody>
+      </p:sp>
+      <p:pic>
+        <p:nvPicPr>
+          <p:cNvPr id="6" name="Picture 5"/>
+          <p:cNvPicPr>
+            <a:picLocks noChangeAspect="1"/>
+          </p:cNvPicPr>
+          <p:nvPr/>
+        </p:nvPicPr>
+        <p:blipFill>
+          <a:blip r:embed="rId2"/>
+          <a:stretch>
+            <a:fillRect/>
+          </a:stretch>
+        </p:blipFill>
+        <p:spPr>
+          <a:xfrm>
+            <a:off x="1862396" y="1887000"/>
+            <a:ext cx="8769350" cy="4292600"/>
+          </a:xfrm>
+          <a:prstGeom prst="rect">
+            <a:avLst/>
+          </a:prstGeom>
+        </p:spPr>
+      </p:pic>
+    </p:spTree>
+    <p:extLst>
+      <p:ext uri="{BB962C8B-B14F-4D97-AF65-F5344CB8AC3E}">
+        <p14:creationId xmlns:p14="http://schemas.microsoft.com/office/powerpoint/2010/main" val="767226676"/>
+      </p:ext>
+    </p:extLst>
+  </p:cSld>
+  <p:clrMapOvr>
+    <a:masterClrMapping/>
+  </p:clrMapOvr>
+  <p:timing>
+    <p:tnLst>
+      <p:par>
+        <p:cTn id="1" dur="indefinite" restart="never" nodeType="tmRoot"/>
+      </p:par>
+    </p:tnLst>
+  </p:timing>
+</p:sld>
+</file>
+
+<file path=ppt/slides/slide18.xml><?xml version="1.0" encoding="utf-8"?>
+<p:sld xmlns:a="http://schemas.openxmlformats.org/drawingml/2006/main" xmlns:r="http://schemas.openxmlformats.org/officeDocument/2006/relationships" xmlns:p="http://schemas.openxmlformats.org/presentationml/2006/main">
+  <p:cSld>
+    <p:spTree>
+      <p:nvGrpSpPr>
+        <p:cNvPr id="1" name=""/>
+        <p:cNvGrpSpPr/>
+        <p:nvPr/>
+      </p:nvGrpSpPr>
+      <p:grpSpPr>
+        <a:xfrm>
+          <a:off x="0" y="0"/>
+          <a:ext cx="0" cy="0"/>
+          <a:chOff x="0" y="0"/>
+          <a:chExt cx="0" cy="0"/>
+        </a:xfrm>
+      </p:grpSpPr>
+      <p:sp>
+        <p:nvSpPr>
+          <p:cNvPr id="2" name="Title 1"/>
+          <p:cNvSpPr>
+            <a:spLocks noGrp="1"/>
+          </p:cNvSpPr>
+          <p:nvPr>
+            <p:ph type="title"/>
+          </p:nvPr>
+        </p:nvSpPr>
+        <p:spPr>
+          <a:xfrm>
+            <a:off x="1221450" y="711644"/>
+            <a:ext cx="3932237" cy="1600200"/>
+          </a:xfrm>
+        </p:spPr>
+        <p:txBody>
+          <a:bodyPr/>
+          <a:lstStyle/>
+          <a:p>
+            <a:r>
+              <a:rPr lang="en-US" dirty="0" smtClean="0"/>
+              <a:t>command-line focused</a:t>
+            </a:r>
+            <a:endParaRPr lang="en-US" dirty="0"/>
+          </a:p>
+        </p:txBody>
+      </p:sp>
+      <p:sp>
+        <p:nvSpPr>
+          <p:cNvPr id="4" name="Text Placeholder 3"/>
+          <p:cNvSpPr>
+            <a:spLocks noGrp="1"/>
+          </p:cNvSpPr>
+          <p:nvPr>
+            <p:ph type="body" sz="half" idx="2"/>
+          </p:nvPr>
+        </p:nvSpPr>
+        <p:spPr>
+          <a:xfrm>
+            <a:off x="1221450" y="2311844"/>
+            <a:ext cx="3932237" cy="3811588"/>
+          </a:xfrm>
+        </p:spPr>
+        <p:txBody>
+          <a:bodyPr/>
+          <a:lstStyle/>
+          <a:p>
+            <a:r>
+              <a:rPr lang="en-US" dirty="0" smtClean="0"/>
+              <a:t>most vs code users demonstrate comfort at the command line, so try not to make the user need to use the mouse</a:t>
+            </a:r>
+            <a:endParaRPr lang="en-US" dirty="0"/>
+          </a:p>
+        </p:txBody>
+      </p:sp>
+      <p:sp>
+        <p:nvSpPr>
+          <p:cNvPr id="6" name="Title 1"/>
+          <p:cNvSpPr txBox="1">
+            <a:spLocks/>
+          </p:cNvSpPr>
+          <p:nvPr/>
+        </p:nvSpPr>
+        <p:spPr>
+          <a:xfrm>
+            <a:off x="6788689" y="711644"/>
+            <a:ext cx="3932237" cy="1600200"/>
+          </a:xfrm>
+          <a:prstGeom prst="rect">
+            <a:avLst/>
+          </a:prstGeom>
+        </p:spPr>
+        <p:txBody>
+          <a:bodyPr vert="horz" lIns="91440" tIns="45720" rIns="91440" bIns="45720" rtlCol="0" anchor="b">
+            <a:normAutofit/>
+          </a:bodyPr>
+          <a:lstStyle>
+            <a:lvl1pPr algn="l" defTabSz="914400" rtl="0" eaLnBrk="1" latinLnBrk="0" hangingPunct="1">
+              <a:lnSpc>
+                <a:spcPct val="90000"/>
+              </a:lnSpc>
+              <a:spcBef>
+                <a:spcPct val="0"/>
+              </a:spcBef>
+              <a:buNone/>
+              <a:defRPr sz="3200" kern="1200">
+                <a:solidFill>
+                  <a:schemeClr val="tx1"/>
+                </a:solidFill>
+                <a:latin typeface="+mj-lt"/>
+                <a:ea typeface="+mj-ea"/>
+                <a:cs typeface="+mj-cs"/>
+              </a:defRPr>
+            </a:lvl1pPr>
+          </a:lstStyle>
+          <a:p>
+            <a:r>
+              <a:rPr lang="en-US" dirty="0" smtClean="0"/>
+              <a:t>embrace extension</a:t>
+            </a:r>
+            <a:endParaRPr lang="en-US" dirty="0" smtClean="0"/>
+          </a:p>
+        </p:txBody>
+      </p:sp>
+      <p:sp>
+        <p:nvSpPr>
+          <p:cNvPr id="7" name="Text Placeholder 3"/>
+          <p:cNvSpPr txBox="1">
+            <a:spLocks/>
+          </p:cNvSpPr>
+          <p:nvPr/>
+        </p:nvSpPr>
+        <p:spPr>
+          <a:xfrm>
+            <a:off x="6788689" y="2311844"/>
+            <a:ext cx="3932237" cy="3811588"/>
+          </a:xfrm>
+          <a:prstGeom prst="rect">
+            <a:avLst/>
+          </a:prstGeom>
+        </p:spPr>
+        <p:txBody>
+          <a:bodyPr vert="horz" lIns="91440" tIns="45720" rIns="91440" bIns="45720" rtlCol="0">
+            <a:normAutofit/>
+          </a:bodyPr>
+          <a:lstStyle>
+            <a:lvl1pPr marL="0" indent="0" algn="l" defTabSz="914400" rtl="0" eaLnBrk="1" latinLnBrk="0" hangingPunct="1">
+              <a:lnSpc>
+                <a:spcPct val="90000"/>
+              </a:lnSpc>
+              <a:spcBef>
+                <a:spcPts val="1000"/>
+              </a:spcBef>
+              <a:buFont typeface="Arial"/>
+              <a:buNone/>
+              <a:defRPr sz="1600" kern="1200">
+                <a:solidFill>
+                  <a:schemeClr val="tx1"/>
+                </a:solidFill>
+                <a:latin typeface="+mn-lt"/>
+                <a:ea typeface="+mn-ea"/>
+                <a:cs typeface="+mn-cs"/>
+              </a:defRPr>
+            </a:lvl1pPr>
+            <a:lvl2pPr marL="457200" indent="0" algn="l" defTabSz="914400" rtl="0" eaLnBrk="1" latinLnBrk="0" hangingPunct="1">
+              <a:lnSpc>
+                <a:spcPct val="90000"/>
+              </a:lnSpc>
+              <a:spcBef>
+                <a:spcPts val="500"/>
+              </a:spcBef>
+              <a:buFont typeface="Arial"/>
+              <a:buNone/>
+              <a:defRPr sz="1400" kern="1200">
+                <a:solidFill>
+                  <a:schemeClr val="tx1"/>
+                </a:solidFill>
+                <a:latin typeface="+mn-lt"/>
+                <a:ea typeface="+mn-ea"/>
+                <a:cs typeface="+mn-cs"/>
+              </a:defRPr>
+            </a:lvl2pPr>
+            <a:lvl3pPr marL="914400" indent="0" algn="l" defTabSz="914400" rtl="0" eaLnBrk="1" latinLnBrk="0" hangingPunct="1">
+              <a:lnSpc>
+                <a:spcPct val="90000"/>
+              </a:lnSpc>
+              <a:spcBef>
+                <a:spcPts val="500"/>
+              </a:spcBef>
+              <a:buFont typeface="Arial"/>
+              <a:buNone/>
+              <a:defRPr sz="1200" kern="1200">
+                <a:solidFill>
+                  <a:schemeClr val="tx1"/>
+                </a:solidFill>
+                <a:latin typeface="+mn-lt"/>
+                <a:ea typeface="+mn-ea"/>
+                <a:cs typeface="+mn-cs"/>
+              </a:defRPr>
+            </a:lvl3pPr>
+            <a:lvl4pPr marL="1371600" indent="0" algn="l" defTabSz="914400" rtl="0" eaLnBrk="1" latinLnBrk="0" hangingPunct="1">
+              <a:lnSpc>
+                <a:spcPct val="90000"/>
+              </a:lnSpc>
+              <a:spcBef>
+                <a:spcPts val="500"/>
+              </a:spcBef>
+              <a:buFont typeface="Arial"/>
+              <a:buNone/>
+              <a:defRPr sz="1000" kern="1200">
+                <a:solidFill>
+                  <a:schemeClr val="tx1"/>
+                </a:solidFill>
+                <a:latin typeface="+mn-lt"/>
+                <a:ea typeface="+mn-ea"/>
+                <a:cs typeface="+mn-cs"/>
+              </a:defRPr>
+            </a:lvl4pPr>
+            <a:lvl5pPr marL="1828800" indent="0" algn="l" defTabSz="914400" rtl="0" eaLnBrk="1" latinLnBrk="0" hangingPunct="1">
+              <a:lnSpc>
+                <a:spcPct val="90000"/>
+              </a:lnSpc>
+              <a:spcBef>
+                <a:spcPts val="500"/>
+              </a:spcBef>
+              <a:buFont typeface="Arial"/>
+              <a:buNone/>
+              <a:defRPr sz="1000" kern="1200">
+                <a:solidFill>
+                  <a:schemeClr val="tx1"/>
+                </a:solidFill>
+                <a:latin typeface="+mn-lt"/>
+                <a:ea typeface="+mn-ea"/>
+                <a:cs typeface="+mn-cs"/>
+              </a:defRPr>
+            </a:lvl5pPr>
+            <a:lvl6pPr marL="2286000" indent="0" algn="l" defTabSz="914400" rtl="0" eaLnBrk="1" latinLnBrk="0" hangingPunct="1">
+              <a:lnSpc>
+                <a:spcPct val="90000"/>
+              </a:lnSpc>
+              <a:spcBef>
+                <a:spcPts val="500"/>
+              </a:spcBef>
+              <a:buFont typeface="Arial"/>
+              <a:buNone/>
+              <a:defRPr sz="1000" kern="1200">
+                <a:solidFill>
+                  <a:schemeClr val="tx1"/>
+                </a:solidFill>
+                <a:latin typeface="+mn-lt"/>
+                <a:ea typeface="+mn-ea"/>
+                <a:cs typeface="+mn-cs"/>
+              </a:defRPr>
+            </a:lvl6pPr>
+            <a:lvl7pPr marL="2743200" indent="0" algn="l" defTabSz="914400" rtl="0" eaLnBrk="1" latinLnBrk="0" hangingPunct="1">
+              <a:lnSpc>
+                <a:spcPct val="90000"/>
+              </a:lnSpc>
+              <a:spcBef>
+                <a:spcPts val="500"/>
+              </a:spcBef>
+              <a:buFont typeface="Arial"/>
+              <a:buNone/>
+              <a:defRPr sz="1000" kern="1200">
+                <a:solidFill>
+                  <a:schemeClr val="tx1"/>
+                </a:solidFill>
+                <a:latin typeface="+mn-lt"/>
+                <a:ea typeface="+mn-ea"/>
+                <a:cs typeface="+mn-cs"/>
+              </a:defRPr>
+            </a:lvl7pPr>
+            <a:lvl8pPr marL="3200400" indent="0" algn="l" defTabSz="914400" rtl="0" eaLnBrk="1" latinLnBrk="0" hangingPunct="1">
+              <a:lnSpc>
+                <a:spcPct val="90000"/>
+              </a:lnSpc>
+              <a:spcBef>
+                <a:spcPts val="500"/>
+              </a:spcBef>
+              <a:buFont typeface="Arial"/>
+              <a:buNone/>
+              <a:defRPr sz="1000" kern="1200">
+                <a:solidFill>
+                  <a:schemeClr val="tx1"/>
+                </a:solidFill>
+                <a:latin typeface="+mn-lt"/>
+                <a:ea typeface="+mn-ea"/>
+                <a:cs typeface="+mn-cs"/>
+              </a:defRPr>
+            </a:lvl8pPr>
+            <a:lvl9pPr marL="3657600" indent="0" algn="l" defTabSz="914400" rtl="0" eaLnBrk="1" latinLnBrk="0" hangingPunct="1">
+              <a:lnSpc>
+                <a:spcPct val="90000"/>
+              </a:lnSpc>
+              <a:spcBef>
+                <a:spcPts val="500"/>
+              </a:spcBef>
+              <a:buFont typeface="Arial"/>
+              <a:buNone/>
+              <a:defRPr sz="1000" kern="1200">
+                <a:solidFill>
+                  <a:schemeClr val="tx1"/>
+                </a:solidFill>
+                <a:latin typeface="+mn-lt"/>
+                <a:ea typeface="+mn-ea"/>
+                <a:cs typeface="+mn-cs"/>
+              </a:defRPr>
+            </a:lvl9pPr>
+          </a:lstStyle>
+          <a:p>
+            <a:r>
+              <a:rPr lang="en-US" dirty="0" smtClean="0"/>
+              <a:t>if you realize a component of your extension could be used by another extension, break your extension up and take an extension dependency on the componentized part</a:t>
+            </a:r>
+            <a:endParaRPr lang="en-US" dirty="0" smtClean="0"/>
+          </a:p>
+        </p:txBody>
+      </p:sp>
+      <p:sp>
+        <p:nvSpPr>
+          <p:cNvPr id="8" name="Title 1"/>
+          <p:cNvSpPr txBox="1">
+            <a:spLocks/>
+          </p:cNvSpPr>
+          <p:nvPr/>
+        </p:nvSpPr>
+        <p:spPr>
+          <a:xfrm>
+            <a:off x="1151213" y="2764409"/>
+            <a:ext cx="3932237" cy="1600200"/>
+          </a:xfrm>
+          <a:prstGeom prst="rect">
+            <a:avLst/>
+          </a:prstGeom>
+        </p:spPr>
+        <p:txBody>
+          <a:bodyPr vert="horz" lIns="91440" tIns="45720" rIns="91440" bIns="45720" rtlCol="0" anchor="b">
+            <a:normAutofit/>
+          </a:bodyPr>
+          <a:lstStyle>
+            <a:lvl1pPr algn="l" defTabSz="914400" rtl="0" eaLnBrk="1" latinLnBrk="0" hangingPunct="1">
+              <a:lnSpc>
+                <a:spcPct val="90000"/>
+              </a:lnSpc>
+              <a:spcBef>
+                <a:spcPct val="0"/>
+              </a:spcBef>
+              <a:buNone/>
+              <a:defRPr sz="3200" kern="1200">
+                <a:solidFill>
+                  <a:schemeClr val="tx1"/>
+                </a:solidFill>
+                <a:latin typeface="+mj-lt"/>
+                <a:ea typeface="+mj-ea"/>
+                <a:cs typeface="+mj-cs"/>
+              </a:defRPr>
+            </a:lvl1pPr>
+          </a:lstStyle>
+          <a:p>
+            <a:r>
+              <a:rPr lang="en-US" dirty="0" smtClean="0"/>
+              <a:t>open-source at heart</a:t>
+            </a:r>
+            <a:endParaRPr lang="en-US" dirty="0" smtClean="0"/>
+          </a:p>
+        </p:txBody>
+      </p:sp>
+      <p:sp>
+        <p:nvSpPr>
+          <p:cNvPr id="9" name="Text Placeholder 3"/>
+          <p:cNvSpPr txBox="1">
+            <a:spLocks/>
+          </p:cNvSpPr>
+          <p:nvPr/>
+        </p:nvSpPr>
+        <p:spPr>
+          <a:xfrm>
+            <a:off x="1151213" y="4364609"/>
+            <a:ext cx="3932237" cy="3811588"/>
+          </a:xfrm>
+          <a:prstGeom prst="rect">
+            <a:avLst/>
+          </a:prstGeom>
+        </p:spPr>
+        <p:txBody>
+          <a:bodyPr vert="horz" lIns="91440" tIns="45720" rIns="91440" bIns="45720" rtlCol="0">
+            <a:normAutofit/>
+          </a:bodyPr>
+          <a:lstStyle>
+            <a:lvl1pPr marL="0" indent="0" algn="l" defTabSz="914400" rtl="0" eaLnBrk="1" latinLnBrk="0" hangingPunct="1">
+              <a:lnSpc>
+                <a:spcPct val="90000"/>
+              </a:lnSpc>
+              <a:spcBef>
+                <a:spcPts val="1000"/>
+              </a:spcBef>
+              <a:buFont typeface="Arial"/>
+              <a:buNone/>
+              <a:defRPr sz="1600" kern="1200">
+                <a:solidFill>
+                  <a:schemeClr val="tx1"/>
+                </a:solidFill>
+                <a:latin typeface="+mn-lt"/>
+                <a:ea typeface="+mn-ea"/>
+                <a:cs typeface="+mn-cs"/>
+              </a:defRPr>
+            </a:lvl1pPr>
+            <a:lvl2pPr marL="457200" indent="0" algn="l" defTabSz="914400" rtl="0" eaLnBrk="1" latinLnBrk="0" hangingPunct="1">
+              <a:lnSpc>
+                <a:spcPct val="90000"/>
+              </a:lnSpc>
+              <a:spcBef>
+                <a:spcPts val="500"/>
+              </a:spcBef>
+              <a:buFont typeface="Arial"/>
+              <a:buNone/>
+              <a:defRPr sz="1400" kern="1200">
+                <a:solidFill>
+                  <a:schemeClr val="tx1"/>
+                </a:solidFill>
+                <a:latin typeface="+mn-lt"/>
+                <a:ea typeface="+mn-ea"/>
+                <a:cs typeface="+mn-cs"/>
+              </a:defRPr>
+            </a:lvl2pPr>
+            <a:lvl3pPr marL="914400" indent="0" algn="l" defTabSz="914400" rtl="0" eaLnBrk="1" latinLnBrk="0" hangingPunct="1">
+              <a:lnSpc>
+                <a:spcPct val="90000"/>
+              </a:lnSpc>
+              <a:spcBef>
+                <a:spcPts val="500"/>
+              </a:spcBef>
+              <a:buFont typeface="Arial"/>
+              <a:buNone/>
+              <a:defRPr sz="1200" kern="1200">
+                <a:solidFill>
+                  <a:schemeClr val="tx1"/>
+                </a:solidFill>
+                <a:latin typeface="+mn-lt"/>
+                <a:ea typeface="+mn-ea"/>
+                <a:cs typeface="+mn-cs"/>
+              </a:defRPr>
+            </a:lvl3pPr>
+            <a:lvl4pPr marL="1371600" indent="0" algn="l" defTabSz="914400" rtl="0" eaLnBrk="1" latinLnBrk="0" hangingPunct="1">
+              <a:lnSpc>
+                <a:spcPct val="90000"/>
+              </a:lnSpc>
+              <a:spcBef>
+                <a:spcPts val="500"/>
+              </a:spcBef>
+              <a:buFont typeface="Arial"/>
+              <a:buNone/>
+              <a:defRPr sz="1000" kern="1200">
+                <a:solidFill>
+                  <a:schemeClr val="tx1"/>
+                </a:solidFill>
+                <a:latin typeface="+mn-lt"/>
+                <a:ea typeface="+mn-ea"/>
+                <a:cs typeface="+mn-cs"/>
+              </a:defRPr>
+            </a:lvl4pPr>
+            <a:lvl5pPr marL="1828800" indent="0" algn="l" defTabSz="914400" rtl="0" eaLnBrk="1" latinLnBrk="0" hangingPunct="1">
+              <a:lnSpc>
+                <a:spcPct val="90000"/>
+              </a:lnSpc>
+              <a:spcBef>
+                <a:spcPts val="500"/>
+              </a:spcBef>
+              <a:buFont typeface="Arial"/>
+              <a:buNone/>
+              <a:defRPr sz="1000" kern="1200">
+                <a:solidFill>
+                  <a:schemeClr val="tx1"/>
+                </a:solidFill>
+                <a:latin typeface="+mn-lt"/>
+                <a:ea typeface="+mn-ea"/>
+                <a:cs typeface="+mn-cs"/>
+              </a:defRPr>
+            </a:lvl5pPr>
+            <a:lvl6pPr marL="2286000" indent="0" algn="l" defTabSz="914400" rtl="0" eaLnBrk="1" latinLnBrk="0" hangingPunct="1">
+              <a:lnSpc>
+                <a:spcPct val="90000"/>
+              </a:lnSpc>
+              <a:spcBef>
+                <a:spcPts val="500"/>
+              </a:spcBef>
+              <a:buFont typeface="Arial"/>
+              <a:buNone/>
+              <a:defRPr sz="1000" kern="1200">
+                <a:solidFill>
+                  <a:schemeClr val="tx1"/>
+                </a:solidFill>
+                <a:latin typeface="+mn-lt"/>
+                <a:ea typeface="+mn-ea"/>
+                <a:cs typeface="+mn-cs"/>
+              </a:defRPr>
+            </a:lvl6pPr>
+            <a:lvl7pPr marL="2743200" indent="0" algn="l" defTabSz="914400" rtl="0" eaLnBrk="1" latinLnBrk="0" hangingPunct="1">
+              <a:lnSpc>
+                <a:spcPct val="90000"/>
+              </a:lnSpc>
+              <a:spcBef>
+                <a:spcPts val="500"/>
+              </a:spcBef>
+              <a:buFont typeface="Arial"/>
+              <a:buNone/>
+              <a:defRPr sz="1000" kern="1200">
+                <a:solidFill>
+                  <a:schemeClr val="tx1"/>
+                </a:solidFill>
+                <a:latin typeface="+mn-lt"/>
+                <a:ea typeface="+mn-ea"/>
+                <a:cs typeface="+mn-cs"/>
+              </a:defRPr>
+            </a:lvl7pPr>
+            <a:lvl8pPr marL="3200400" indent="0" algn="l" defTabSz="914400" rtl="0" eaLnBrk="1" latinLnBrk="0" hangingPunct="1">
+              <a:lnSpc>
+                <a:spcPct val="90000"/>
+              </a:lnSpc>
+              <a:spcBef>
+                <a:spcPts val="500"/>
+              </a:spcBef>
+              <a:buFont typeface="Arial"/>
+              <a:buNone/>
+              <a:defRPr sz="1000" kern="1200">
+                <a:solidFill>
+                  <a:schemeClr val="tx1"/>
+                </a:solidFill>
+                <a:latin typeface="+mn-lt"/>
+                <a:ea typeface="+mn-ea"/>
+                <a:cs typeface="+mn-cs"/>
+              </a:defRPr>
+            </a:lvl8pPr>
+            <a:lvl9pPr marL="3657600" indent="0" algn="l" defTabSz="914400" rtl="0" eaLnBrk="1" latinLnBrk="0" hangingPunct="1">
+              <a:lnSpc>
+                <a:spcPct val="90000"/>
+              </a:lnSpc>
+              <a:spcBef>
+                <a:spcPts val="500"/>
+              </a:spcBef>
+              <a:buFont typeface="Arial"/>
+              <a:buNone/>
+              <a:defRPr sz="1000" kern="1200">
+                <a:solidFill>
+                  <a:schemeClr val="tx1"/>
+                </a:solidFill>
+                <a:latin typeface="+mn-lt"/>
+                <a:ea typeface="+mn-ea"/>
+                <a:cs typeface="+mn-cs"/>
+              </a:defRPr>
+            </a:lvl9pPr>
+          </a:lstStyle>
+          <a:p>
+            <a:r>
+              <a:rPr lang="en-US" dirty="0" smtClean="0"/>
+              <a:t>whenever possible try to publicize your extension’s code in a public </a:t>
+            </a:r>
+            <a:r>
+              <a:rPr lang="en-US" dirty="0" err="1" smtClean="0"/>
+              <a:t>Git</a:t>
+            </a:r>
+            <a:r>
+              <a:rPr lang="en-US" dirty="0" smtClean="0"/>
+              <a:t> repository and include the repository’s URL in your </a:t>
+            </a:r>
+            <a:r>
+              <a:rPr lang="en-US" dirty="0" err="1" smtClean="0"/>
+              <a:t>package.json</a:t>
+            </a:r>
+            <a:r>
+              <a:rPr lang="en-US" dirty="0" smtClean="0"/>
+              <a:t> file</a:t>
+            </a:r>
+            <a:endParaRPr lang="en-US" dirty="0" smtClean="0"/>
+          </a:p>
+        </p:txBody>
+      </p:sp>
+      <p:sp>
+        <p:nvSpPr>
+          <p:cNvPr id="10" name="Title 1"/>
+          <p:cNvSpPr txBox="1">
+            <a:spLocks/>
+          </p:cNvSpPr>
+          <p:nvPr/>
+        </p:nvSpPr>
+        <p:spPr>
+          <a:xfrm>
+            <a:off x="6718452" y="2764409"/>
+            <a:ext cx="4826841" cy="1600200"/>
+          </a:xfrm>
+          <a:prstGeom prst="rect">
+            <a:avLst/>
+          </a:prstGeom>
+        </p:spPr>
+        <p:txBody>
+          <a:bodyPr vert="horz" lIns="91440" tIns="45720" rIns="91440" bIns="45720" rtlCol="0" anchor="b">
+            <a:normAutofit/>
+          </a:bodyPr>
+          <a:lstStyle>
+            <a:lvl1pPr algn="l" defTabSz="914400" rtl="0" eaLnBrk="1" latinLnBrk="0" hangingPunct="1">
+              <a:lnSpc>
+                <a:spcPct val="90000"/>
+              </a:lnSpc>
+              <a:spcBef>
+                <a:spcPct val="0"/>
+              </a:spcBef>
+              <a:buNone/>
+              <a:defRPr sz="3200" kern="1200">
+                <a:solidFill>
+                  <a:schemeClr val="tx1"/>
+                </a:solidFill>
+                <a:latin typeface="+mj-lt"/>
+                <a:ea typeface="+mj-ea"/>
+                <a:cs typeface="+mj-cs"/>
+              </a:defRPr>
+            </a:lvl1pPr>
+          </a:lstStyle>
+          <a:p>
+            <a:r>
+              <a:rPr lang="en-US" dirty="0" smtClean="0"/>
+              <a:t>data-drive feature decisions</a:t>
+            </a:r>
+            <a:endParaRPr lang="en-US" dirty="0" smtClean="0"/>
+          </a:p>
+        </p:txBody>
+      </p:sp>
+      <p:sp>
+        <p:nvSpPr>
+          <p:cNvPr id="11" name="Text Placeholder 3"/>
+          <p:cNvSpPr txBox="1">
+            <a:spLocks/>
+          </p:cNvSpPr>
+          <p:nvPr/>
+        </p:nvSpPr>
+        <p:spPr>
+          <a:xfrm>
+            <a:off x="6718452" y="4364609"/>
+            <a:ext cx="3932237" cy="3811588"/>
+          </a:xfrm>
+          <a:prstGeom prst="rect">
+            <a:avLst/>
+          </a:prstGeom>
+        </p:spPr>
+        <p:txBody>
+          <a:bodyPr vert="horz" lIns="91440" tIns="45720" rIns="91440" bIns="45720" rtlCol="0">
+            <a:normAutofit/>
+          </a:bodyPr>
+          <a:lstStyle>
+            <a:lvl1pPr marL="0" indent="0" algn="l" defTabSz="914400" rtl="0" eaLnBrk="1" latinLnBrk="0" hangingPunct="1">
+              <a:lnSpc>
+                <a:spcPct val="90000"/>
+              </a:lnSpc>
+              <a:spcBef>
+                <a:spcPts val="1000"/>
+              </a:spcBef>
+              <a:buFont typeface="Arial"/>
+              <a:buNone/>
+              <a:defRPr sz="1600" kern="1200">
+                <a:solidFill>
+                  <a:schemeClr val="tx1"/>
+                </a:solidFill>
+                <a:latin typeface="+mn-lt"/>
+                <a:ea typeface="+mn-ea"/>
+                <a:cs typeface="+mn-cs"/>
+              </a:defRPr>
+            </a:lvl1pPr>
+            <a:lvl2pPr marL="457200" indent="0" algn="l" defTabSz="914400" rtl="0" eaLnBrk="1" latinLnBrk="0" hangingPunct="1">
+              <a:lnSpc>
+                <a:spcPct val="90000"/>
+              </a:lnSpc>
+              <a:spcBef>
+                <a:spcPts val="500"/>
+              </a:spcBef>
+              <a:buFont typeface="Arial"/>
+              <a:buNone/>
+              <a:defRPr sz="1400" kern="1200">
+                <a:solidFill>
+                  <a:schemeClr val="tx1"/>
+                </a:solidFill>
+                <a:latin typeface="+mn-lt"/>
+                <a:ea typeface="+mn-ea"/>
+                <a:cs typeface="+mn-cs"/>
+              </a:defRPr>
+            </a:lvl2pPr>
+            <a:lvl3pPr marL="914400" indent="0" algn="l" defTabSz="914400" rtl="0" eaLnBrk="1" latinLnBrk="0" hangingPunct="1">
+              <a:lnSpc>
+                <a:spcPct val="90000"/>
+              </a:lnSpc>
+              <a:spcBef>
+                <a:spcPts val="500"/>
+              </a:spcBef>
+              <a:buFont typeface="Arial"/>
+              <a:buNone/>
+              <a:defRPr sz="1200" kern="1200">
+                <a:solidFill>
+                  <a:schemeClr val="tx1"/>
+                </a:solidFill>
+                <a:latin typeface="+mn-lt"/>
+                <a:ea typeface="+mn-ea"/>
+                <a:cs typeface="+mn-cs"/>
+              </a:defRPr>
+            </a:lvl3pPr>
+            <a:lvl4pPr marL="1371600" indent="0" algn="l" defTabSz="914400" rtl="0" eaLnBrk="1" latinLnBrk="0" hangingPunct="1">
+              <a:lnSpc>
+                <a:spcPct val="90000"/>
+              </a:lnSpc>
+              <a:spcBef>
+                <a:spcPts val="500"/>
+              </a:spcBef>
+              <a:buFont typeface="Arial"/>
+              <a:buNone/>
+              <a:defRPr sz="1000" kern="1200">
+                <a:solidFill>
+                  <a:schemeClr val="tx1"/>
+                </a:solidFill>
+                <a:latin typeface="+mn-lt"/>
+                <a:ea typeface="+mn-ea"/>
+                <a:cs typeface="+mn-cs"/>
+              </a:defRPr>
+            </a:lvl4pPr>
+            <a:lvl5pPr marL="1828800" indent="0" algn="l" defTabSz="914400" rtl="0" eaLnBrk="1" latinLnBrk="0" hangingPunct="1">
+              <a:lnSpc>
+                <a:spcPct val="90000"/>
+              </a:lnSpc>
+              <a:spcBef>
+                <a:spcPts val="500"/>
+              </a:spcBef>
+              <a:buFont typeface="Arial"/>
+              <a:buNone/>
+              <a:defRPr sz="1000" kern="1200">
+                <a:solidFill>
+                  <a:schemeClr val="tx1"/>
+                </a:solidFill>
+                <a:latin typeface="+mn-lt"/>
+                <a:ea typeface="+mn-ea"/>
+                <a:cs typeface="+mn-cs"/>
+              </a:defRPr>
+            </a:lvl5pPr>
+            <a:lvl6pPr marL="2286000" indent="0" algn="l" defTabSz="914400" rtl="0" eaLnBrk="1" latinLnBrk="0" hangingPunct="1">
+              <a:lnSpc>
+                <a:spcPct val="90000"/>
+              </a:lnSpc>
+              <a:spcBef>
+                <a:spcPts val="500"/>
+              </a:spcBef>
+              <a:buFont typeface="Arial"/>
+              <a:buNone/>
+              <a:defRPr sz="1000" kern="1200">
+                <a:solidFill>
+                  <a:schemeClr val="tx1"/>
+                </a:solidFill>
+                <a:latin typeface="+mn-lt"/>
+                <a:ea typeface="+mn-ea"/>
+                <a:cs typeface="+mn-cs"/>
+              </a:defRPr>
+            </a:lvl6pPr>
+            <a:lvl7pPr marL="2743200" indent="0" algn="l" defTabSz="914400" rtl="0" eaLnBrk="1" latinLnBrk="0" hangingPunct="1">
+              <a:lnSpc>
+                <a:spcPct val="90000"/>
+              </a:lnSpc>
+              <a:spcBef>
+                <a:spcPts val="500"/>
+              </a:spcBef>
+              <a:buFont typeface="Arial"/>
+              <a:buNone/>
+              <a:defRPr sz="1000" kern="1200">
+                <a:solidFill>
+                  <a:schemeClr val="tx1"/>
+                </a:solidFill>
+                <a:latin typeface="+mn-lt"/>
+                <a:ea typeface="+mn-ea"/>
+                <a:cs typeface="+mn-cs"/>
+              </a:defRPr>
+            </a:lvl7pPr>
+            <a:lvl8pPr marL="3200400" indent="0" algn="l" defTabSz="914400" rtl="0" eaLnBrk="1" latinLnBrk="0" hangingPunct="1">
+              <a:lnSpc>
+                <a:spcPct val="90000"/>
+              </a:lnSpc>
+              <a:spcBef>
+                <a:spcPts val="500"/>
+              </a:spcBef>
+              <a:buFont typeface="Arial"/>
+              <a:buNone/>
+              <a:defRPr sz="1000" kern="1200">
+                <a:solidFill>
+                  <a:schemeClr val="tx1"/>
+                </a:solidFill>
+                <a:latin typeface="+mn-lt"/>
+                <a:ea typeface="+mn-ea"/>
+                <a:cs typeface="+mn-cs"/>
+              </a:defRPr>
+            </a:lvl8pPr>
+            <a:lvl9pPr marL="3657600" indent="0" algn="l" defTabSz="914400" rtl="0" eaLnBrk="1" latinLnBrk="0" hangingPunct="1">
+              <a:lnSpc>
+                <a:spcPct val="90000"/>
+              </a:lnSpc>
+              <a:spcBef>
+                <a:spcPts val="500"/>
+              </a:spcBef>
+              <a:buFont typeface="Arial"/>
+              <a:buNone/>
+              <a:defRPr sz="1000" kern="1200">
+                <a:solidFill>
+                  <a:schemeClr val="tx1"/>
+                </a:solidFill>
+                <a:latin typeface="+mn-lt"/>
+                <a:ea typeface="+mn-ea"/>
+                <a:cs typeface="+mn-cs"/>
+              </a:defRPr>
+            </a:lvl9pPr>
+          </a:lstStyle>
+          <a:p>
+            <a:r>
+              <a:rPr lang="en-US" dirty="0" smtClean="0"/>
+              <a:t>use telemetry wisely to understand how customers are using your feature and frequently review that telemetry to understand where problem areas exist</a:t>
+            </a:r>
+            <a:endParaRPr lang="en-US" dirty="0" smtClean="0"/>
+          </a:p>
+        </p:txBody>
+      </p:sp>
+      <p:sp>
+        <p:nvSpPr>
+          <p:cNvPr id="14" name="Title 3"/>
+          <p:cNvSpPr txBox="1">
+            <a:spLocks/>
+          </p:cNvSpPr>
+          <p:nvPr/>
+        </p:nvSpPr>
+        <p:spPr>
+          <a:xfrm>
+            <a:off x="838200" y="57462"/>
+            <a:ext cx="10515600" cy="1325563"/>
+          </a:xfrm>
+          <a:prstGeom prst="rect">
+            <a:avLst/>
+          </a:prstGeom>
+        </p:spPr>
+        <p:txBody>
+          <a:bodyPr vert="horz" lIns="91440" tIns="45720" rIns="91440" bIns="45720" rtlCol="0" anchor="b">
+            <a:normAutofit/>
+          </a:bodyPr>
+          <a:lstStyle>
+            <a:lvl1pPr algn="l" defTabSz="914400" rtl="0" eaLnBrk="1" latinLnBrk="0" hangingPunct="1">
+              <a:lnSpc>
+                <a:spcPct val="90000"/>
+              </a:lnSpc>
+              <a:spcBef>
+                <a:spcPct val="0"/>
+              </a:spcBef>
+              <a:buNone/>
+              <a:defRPr sz="3200" kern="1200">
+                <a:solidFill>
+                  <a:schemeClr val="tx1"/>
+                </a:solidFill>
+                <a:latin typeface="+mj-lt"/>
+                <a:ea typeface="+mj-ea"/>
+                <a:cs typeface="+mj-cs"/>
+              </a:defRPr>
+            </a:lvl1pPr>
+          </a:lstStyle>
+          <a:p>
+            <a:r>
+              <a:rPr lang="en-US" sz="4400" dirty="0" smtClean="0"/>
+              <a:t>design considerations</a:t>
+            </a:r>
+            <a:endParaRPr lang="en-US" sz="4400" dirty="0" smtClean="0"/>
+          </a:p>
+        </p:txBody>
+      </p:sp>
+    </p:spTree>
+    <p:extLst>
+      <p:ext uri="{BB962C8B-B14F-4D97-AF65-F5344CB8AC3E}">
+        <p14:creationId xmlns:p14="http://schemas.microsoft.com/office/powerpoint/2010/main" val="14291601"/>
+      </p:ext>
+    </p:extLst>
+  </p:cSld>
+  <p:clrMapOvr>
+    <a:masterClrMapping/>
+  </p:clrMapOvr>
+  <p:timing>
+    <p:tnLst>
+      <p:par>
+        <p:cTn id="1" dur="indefinite" restart="never" nodeType="tmRoot">
+          <p:childTnLst>
+            <p:seq concurrent="1" nextAc="seek">
+              <p:cTn id="2" dur="indefinite" nodeType="mainSeq">
+                <p:childTnLst>
+                  <p:par>
+                    <p:cTn id="3" fill="hold">
+                      <p:stCondLst>
+                        <p:cond delay="indefinite"/>
+                      </p:stCondLst>
+                      <p:childTnLst>
+                        <p:par>
+                          <p:cTn id="4" fill="hold">
+                            <p:stCondLst>
+                              <p:cond delay="0"/>
+                            </p:stCondLst>
+                            <p:childTnLst>
+                              <p:par>
+                                <p:cTn id="5" presetID="2" presetClass="entr" presetSubtype="4" fill="hold" grpId="0" nodeType="clickEffect">
+                                  <p:stCondLst>
+                                    <p:cond delay="0"/>
+                                  </p:stCondLst>
+                                  <p:childTnLst>
+                                    <p:set>
+                                      <p:cBhvr>
+                                        <p:cTn id="6" dur="1" fill="hold">
+                                          <p:stCondLst>
+                                            <p:cond delay="0"/>
+                                          </p:stCondLst>
+                                        </p:cTn>
+                                        <p:tgtEl>
+                                          <p:spTgt spid="2"/>
+                                        </p:tgtEl>
+                                        <p:attrNameLst>
+                                          <p:attrName>style.visibility</p:attrName>
+                                        </p:attrNameLst>
+                                      </p:cBhvr>
+                                      <p:to>
+                                        <p:strVal val="visible"/>
+                                      </p:to>
+                                    </p:set>
+                                    <p:anim calcmode="lin" valueType="num">
+                                      <p:cBhvr additive="base">
+                                        <p:cTn id="7" dur="500" fill="hold"/>
+                                        <p:tgtEl>
+                                          <p:spTgt spid="2"/>
+                                        </p:tgtEl>
+                                        <p:attrNameLst>
+                                          <p:attrName>ppt_x</p:attrName>
+                                        </p:attrNameLst>
+                                      </p:cBhvr>
+                                      <p:tavLst>
+                                        <p:tav tm="0">
+                                          <p:val>
+                                            <p:strVal val="#ppt_x"/>
+                                          </p:val>
+                                        </p:tav>
+                                        <p:tav tm="100000">
+                                          <p:val>
+                                            <p:strVal val="#ppt_x"/>
+                                          </p:val>
+                                        </p:tav>
+                                      </p:tavLst>
+                                    </p:anim>
+                                    <p:anim calcmode="lin" valueType="num">
+                                      <p:cBhvr additive="base">
+                                        <p:cTn id="8" dur="500" fill="hold"/>
+                                        <p:tgtEl>
+                                          <p:spTgt spid="2"/>
+                                        </p:tgtEl>
+                                        <p:attrNameLst>
+                                          <p:attrName>ppt_y</p:attrName>
+                                        </p:attrNameLst>
+                                      </p:cBhvr>
+                                      <p:tavLst>
+                                        <p:tav tm="0">
+                                          <p:val>
+                                            <p:strVal val="1+#ppt_h/2"/>
+                                          </p:val>
+                                        </p:tav>
+                                        <p:tav tm="100000">
+                                          <p:val>
+                                            <p:strVal val="#ppt_y"/>
+                                          </p:val>
+                                        </p:tav>
+                                      </p:tavLst>
+                                    </p:anim>
+                                  </p:childTnLst>
+                                </p:cTn>
+                              </p:par>
+                              <p:par>
+                                <p:cTn id="9" presetID="2" presetClass="entr" presetSubtype="4" fill="hold" grpId="0" nodeType="withEffect">
+                                  <p:stCondLst>
+                                    <p:cond delay="0"/>
+                                  </p:stCondLst>
+                                  <p:childTnLst>
+                                    <p:set>
+                                      <p:cBhvr>
+                                        <p:cTn id="10" dur="1" fill="hold">
+                                          <p:stCondLst>
+                                            <p:cond delay="0"/>
+                                          </p:stCondLst>
+                                        </p:cTn>
+                                        <p:tgtEl>
+                                          <p:spTgt spid="4">
+                                            <p:txEl>
+                                              <p:pRg st="0" end="0"/>
+                                            </p:txEl>
+                                          </p:spTgt>
+                                        </p:tgtEl>
+                                        <p:attrNameLst>
+                                          <p:attrName>style.visibility</p:attrName>
+                                        </p:attrNameLst>
+                                      </p:cBhvr>
+                                      <p:to>
+                                        <p:strVal val="visible"/>
+                                      </p:to>
+                                    </p:set>
+                                    <p:anim calcmode="lin" valueType="num">
+                                      <p:cBhvr additive="base">
+                                        <p:cTn id="11" dur="500" fill="hold"/>
+                                        <p:tgtEl>
+                                          <p:spTgt spid="4">
+                                            <p:txEl>
+                                              <p:pRg st="0" end="0"/>
+                                            </p:txEl>
+                                          </p:spTgt>
+                                        </p:tgtEl>
+                                        <p:attrNameLst>
+                                          <p:attrName>ppt_x</p:attrName>
+                                        </p:attrNameLst>
+                                      </p:cBhvr>
+                                      <p:tavLst>
+                                        <p:tav tm="0">
+                                          <p:val>
+                                            <p:strVal val="#ppt_x"/>
+                                          </p:val>
+                                        </p:tav>
+                                        <p:tav tm="100000">
+                                          <p:val>
+                                            <p:strVal val="#ppt_x"/>
+                                          </p:val>
+                                        </p:tav>
+                                      </p:tavLst>
+                                    </p:anim>
+                                    <p:anim calcmode="lin" valueType="num">
+                                      <p:cBhvr additive="base">
+                                        <p:cTn id="12" dur="500" fill="hold"/>
+                                        <p:tgtEl>
+                                          <p:spTgt spid="4">
+                                            <p:txEl>
+                                              <p:pRg st="0" end="0"/>
+                                            </p:txEl>
+                                          </p:spTgt>
+                                        </p:tgtEl>
+                                        <p:attrNameLst>
+                                          <p:attrName>ppt_y</p:attrName>
+                                        </p:attrNameLst>
+                                      </p:cBhvr>
+                                      <p:tavLst>
+                                        <p:tav tm="0">
+                                          <p:val>
+                                            <p:strVal val="1+#ppt_h/2"/>
+                                          </p:val>
+                                        </p:tav>
+                                        <p:tav tm="100000">
+                                          <p:val>
+                                            <p:strVal val="#ppt_y"/>
+                                          </p:val>
+                                        </p:tav>
+                                      </p:tavLst>
+                                    </p:anim>
+                                  </p:childTnLst>
+                                </p:cTn>
+                              </p:par>
+                            </p:childTnLst>
+                          </p:cTn>
+                        </p:par>
+                      </p:childTnLst>
+                    </p:cTn>
+                  </p:par>
+                  <p:par>
+                    <p:cTn id="13" fill="hold">
+                      <p:stCondLst>
+                        <p:cond delay="indefinite"/>
+                      </p:stCondLst>
+                      <p:childTnLst>
+                        <p:par>
+                          <p:cTn id="14" fill="hold">
+                            <p:stCondLst>
+                              <p:cond delay="0"/>
+                            </p:stCondLst>
+                            <p:childTnLst>
+                              <p:par>
+                                <p:cTn id="15" presetID="2" presetClass="entr" presetSubtype="4" fill="hold" grpId="0" nodeType="clickEffect">
+                                  <p:stCondLst>
+                                    <p:cond delay="0"/>
+                                  </p:stCondLst>
+                                  <p:childTnLst>
+                                    <p:set>
+                                      <p:cBhvr>
+                                        <p:cTn id="16" dur="1" fill="hold">
+                                          <p:stCondLst>
+                                            <p:cond delay="0"/>
+                                          </p:stCondLst>
+                                        </p:cTn>
+                                        <p:tgtEl>
+                                          <p:spTgt spid="6"/>
+                                        </p:tgtEl>
+                                        <p:attrNameLst>
+                                          <p:attrName>style.visibility</p:attrName>
+                                        </p:attrNameLst>
+                                      </p:cBhvr>
+                                      <p:to>
+                                        <p:strVal val="visible"/>
+                                      </p:to>
+                                    </p:set>
+                                    <p:anim calcmode="lin" valueType="num">
+                                      <p:cBhvr additive="base">
+                                        <p:cTn id="17" dur="500" fill="hold"/>
+                                        <p:tgtEl>
+                                          <p:spTgt spid="6"/>
+                                        </p:tgtEl>
+                                        <p:attrNameLst>
+                                          <p:attrName>ppt_x</p:attrName>
+                                        </p:attrNameLst>
+                                      </p:cBhvr>
+                                      <p:tavLst>
+                                        <p:tav tm="0">
+                                          <p:val>
+                                            <p:strVal val="#ppt_x"/>
+                                          </p:val>
+                                        </p:tav>
+                                        <p:tav tm="100000">
+                                          <p:val>
+                                            <p:strVal val="#ppt_x"/>
+                                          </p:val>
+                                        </p:tav>
+                                      </p:tavLst>
+                                    </p:anim>
+                                    <p:anim calcmode="lin" valueType="num">
+                                      <p:cBhvr additive="base">
+                                        <p:cTn id="18" dur="500" fill="hold"/>
+                                        <p:tgtEl>
+                                          <p:spTgt spid="6"/>
+                                        </p:tgtEl>
+                                        <p:attrNameLst>
+                                          <p:attrName>ppt_y</p:attrName>
+                                        </p:attrNameLst>
+                                      </p:cBhvr>
+                                      <p:tavLst>
+                                        <p:tav tm="0">
+                                          <p:val>
+                                            <p:strVal val="1+#ppt_h/2"/>
+                                          </p:val>
+                                        </p:tav>
+                                        <p:tav tm="100000">
+                                          <p:val>
+                                            <p:strVal val="#ppt_y"/>
+                                          </p:val>
+                                        </p:tav>
+                                      </p:tavLst>
+                                    </p:anim>
+                                  </p:childTnLst>
+                                </p:cTn>
+                              </p:par>
+                              <p:par>
+                                <p:cTn id="19" presetID="2" presetClass="entr" presetSubtype="4" fill="hold" grpId="0" nodeType="withEffect">
+                                  <p:stCondLst>
+                                    <p:cond delay="0"/>
+                                  </p:stCondLst>
+                                  <p:childTnLst>
+                                    <p:set>
+                                      <p:cBhvr>
+                                        <p:cTn id="20" dur="1" fill="hold">
+                                          <p:stCondLst>
+                                            <p:cond delay="0"/>
+                                          </p:stCondLst>
+                                        </p:cTn>
+                                        <p:tgtEl>
+                                          <p:spTgt spid="7"/>
+                                        </p:tgtEl>
+                                        <p:attrNameLst>
+                                          <p:attrName>style.visibility</p:attrName>
+                                        </p:attrNameLst>
+                                      </p:cBhvr>
+                                      <p:to>
+                                        <p:strVal val="visible"/>
+                                      </p:to>
+                                    </p:set>
+                                    <p:anim calcmode="lin" valueType="num">
+                                      <p:cBhvr additive="base">
+                                        <p:cTn id="21" dur="500" fill="hold"/>
+                                        <p:tgtEl>
+                                          <p:spTgt spid="7"/>
+                                        </p:tgtEl>
+                                        <p:attrNameLst>
+                                          <p:attrName>ppt_x</p:attrName>
+                                        </p:attrNameLst>
+                                      </p:cBhvr>
+                                      <p:tavLst>
+                                        <p:tav tm="0">
+                                          <p:val>
+                                            <p:strVal val="#ppt_x"/>
+                                          </p:val>
+                                        </p:tav>
+                                        <p:tav tm="100000">
+                                          <p:val>
+                                            <p:strVal val="#ppt_x"/>
+                                          </p:val>
+                                        </p:tav>
+                                      </p:tavLst>
+                                    </p:anim>
+                                    <p:anim calcmode="lin" valueType="num">
+                                      <p:cBhvr additive="base">
+                                        <p:cTn id="22" dur="500" fill="hold"/>
+                                        <p:tgtEl>
+                                          <p:spTgt spid="7"/>
+                                        </p:tgtEl>
+                                        <p:attrNameLst>
+                                          <p:attrName>ppt_y</p:attrName>
+                                        </p:attrNameLst>
+                                      </p:cBhvr>
+                                      <p:tavLst>
+                                        <p:tav tm="0">
+                                          <p:val>
+                                            <p:strVal val="1+#ppt_h/2"/>
+                                          </p:val>
+                                        </p:tav>
+                                        <p:tav tm="100000">
+                                          <p:val>
+                                            <p:strVal val="#ppt_y"/>
+                                          </p:val>
+                                        </p:tav>
+                                      </p:tavLst>
+                                    </p:anim>
+                                  </p:childTnLst>
+                                </p:cTn>
+                              </p:par>
+                            </p:childTnLst>
+                          </p:cTn>
+                        </p:par>
+                      </p:childTnLst>
+                    </p:cTn>
+                  </p:par>
+                  <p:par>
+                    <p:cTn id="23" fill="hold">
+                      <p:stCondLst>
+                        <p:cond delay="indefinite"/>
+                      </p:stCondLst>
+                      <p:childTnLst>
+                        <p:par>
+                          <p:cTn id="24" fill="hold">
+                            <p:stCondLst>
+                              <p:cond delay="0"/>
+                            </p:stCondLst>
+                            <p:childTnLst>
+                              <p:par>
+                                <p:cTn id="25" presetID="2" presetClass="entr" presetSubtype="4" fill="hold" grpId="0" nodeType="clickEffect">
+                                  <p:stCondLst>
+                                    <p:cond delay="0"/>
+                                  </p:stCondLst>
+                                  <p:childTnLst>
+                                    <p:set>
+                                      <p:cBhvr>
+                                        <p:cTn id="26" dur="1" fill="hold">
+                                          <p:stCondLst>
+                                            <p:cond delay="0"/>
+                                          </p:stCondLst>
+                                        </p:cTn>
+                                        <p:tgtEl>
+                                          <p:spTgt spid="8"/>
+                                        </p:tgtEl>
+                                        <p:attrNameLst>
+                                          <p:attrName>style.visibility</p:attrName>
+                                        </p:attrNameLst>
+                                      </p:cBhvr>
+                                      <p:to>
+                                        <p:strVal val="visible"/>
+                                      </p:to>
+                                    </p:set>
+                                    <p:anim calcmode="lin" valueType="num">
+                                      <p:cBhvr additive="base">
+                                        <p:cTn id="27" dur="500" fill="hold"/>
+                                        <p:tgtEl>
+                                          <p:spTgt spid="8"/>
+                                        </p:tgtEl>
+                                        <p:attrNameLst>
+                                          <p:attrName>ppt_x</p:attrName>
+                                        </p:attrNameLst>
+                                      </p:cBhvr>
+                                      <p:tavLst>
+                                        <p:tav tm="0">
+                                          <p:val>
+                                            <p:strVal val="#ppt_x"/>
+                                          </p:val>
+                                        </p:tav>
+                                        <p:tav tm="100000">
+                                          <p:val>
+                                            <p:strVal val="#ppt_x"/>
+                                          </p:val>
+                                        </p:tav>
+                                      </p:tavLst>
+                                    </p:anim>
+                                    <p:anim calcmode="lin" valueType="num">
+                                      <p:cBhvr additive="base">
+                                        <p:cTn id="28" dur="500" fill="hold"/>
+                                        <p:tgtEl>
+                                          <p:spTgt spid="8"/>
+                                        </p:tgtEl>
+                                        <p:attrNameLst>
+                                          <p:attrName>ppt_y</p:attrName>
+                                        </p:attrNameLst>
+                                      </p:cBhvr>
+                                      <p:tavLst>
+                                        <p:tav tm="0">
+                                          <p:val>
+                                            <p:strVal val="1+#ppt_h/2"/>
+                                          </p:val>
+                                        </p:tav>
+                                        <p:tav tm="100000">
+                                          <p:val>
+                                            <p:strVal val="#ppt_y"/>
+                                          </p:val>
+                                        </p:tav>
+                                      </p:tavLst>
+                                    </p:anim>
+                                  </p:childTnLst>
+                                </p:cTn>
+                              </p:par>
+                              <p:par>
+                                <p:cTn id="29" presetID="2" presetClass="entr" presetSubtype="4" fill="hold" grpId="0" nodeType="withEffect">
+                                  <p:stCondLst>
+                                    <p:cond delay="0"/>
+                                  </p:stCondLst>
+                                  <p:childTnLst>
+                                    <p:set>
+                                      <p:cBhvr>
+                                        <p:cTn id="30" dur="1" fill="hold">
+                                          <p:stCondLst>
+                                            <p:cond delay="0"/>
+                                          </p:stCondLst>
+                                        </p:cTn>
+                                        <p:tgtEl>
+                                          <p:spTgt spid="9"/>
+                                        </p:tgtEl>
+                                        <p:attrNameLst>
+                                          <p:attrName>style.visibility</p:attrName>
+                                        </p:attrNameLst>
+                                      </p:cBhvr>
+                                      <p:to>
+                                        <p:strVal val="visible"/>
+                                      </p:to>
+                                    </p:set>
+                                    <p:anim calcmode="lin" valueType="num">
+                                      <p:cBhvr additive="base">
+                                        <p:cTn id="31" dur="500" fill="hold"/>
+                                        <p:tgtEl>
+                                          <p:spTgt spid="9"/>
+                                        </p:tgtEl>
+                                        <p:attrNameLst>
+                                          <p:attrName>ppt_x</p:attrName>
+                                        </p:attrNameLst>
+                                      </p:cBhvr>
+                                      <p:tavLst>
+                                        <p:tav tm="0">
+                                          <p:val>
+                                            <p:strVal val="#ppt_x"/>
+                                          </p:val>
+                                        </p:tav>
+                                        <p:tav tm="100000">
+                                          <p:val>
+                                            <p:strVal val="#ppt_x"/>
+                                          </p:val>
+                                        </p:tav>
+                                      </p:tavLst>
+                                    </p:anim>
+                                    <p:anim calcmode="lin" valueType="num">
+                                      <p:cBhvr additive="base">
+                                        <p:cTn id="32" dur="500" fill="hold"/>
+                                        <p:tgtEl>
+                                          <p:spTgt spid="9"/>
+                                        </p:tgtEl>
+                                        <p:attrNameLst>
+                                          <p:attrName>ppt_y</p:attrName>
+                                        </p:attrNameLst>
+                                      </p:cBhvr>
+                                      <p:tavLst>
+                                        <p:tav tm="0">
+                                          <p:val>
+                                            <p:strVal val="1+#ppt_h/2"/>
+                                          </p:val>
+                                        </p:tav>
+                                        <p:tav tm="100000">
+                                          <p:val>
+                                            <p:strVal val="#ppt_y"/>
+                                          </p:val>
+                                        </p:tav>
+                                      </p:tavLst>
+                                    </p:anim>
+                                  </p:childTnLst>
+                                </p:cTn>
+                              </p:par>
+                            </p:childTnLst>
+                          </p:cTn>
+                        </p:par>
+                      </p:childTnLst>
+                    </p:cTn>
+                  </p:par>
+                  <p:par>
+                    <p:cTn id="33" fill="hold">
+                      <p:stCondLst>
+                        <p:cond delay="indefinite"/>
+                      </p:stCondLst>
+                      <p:childTnLst>
+                        <p:par>
+                          <p:cTn id="34" fill="hold">
+                            <p:stCondLst>
+                              <p:cond delay="0"/>
+                            </p:stCondLst>
+                            <p:childTnLst>
+                              <p:par>
+                                <p:cTn id="35" presetID="2" presetClass="entr" presetSubtype="4" fill="hold" grpId="0" nodeType="clickEffect">
+                                  <p:stCondLst>
+                                    <p:cond delay="0"/>
+                                  </p:stCondLst>
+                                  <p:childTnLst>
+                                    <p:set>
+                                      <p:cBhvr>
+                                        <p:cTn id="36" dur="1" fill="hold">
+                                          <p:stCondLst>
+                                            <p:cond delay="0"/>
+                                          </p:stCondLst>
+                                        </p:cTn>
+                                        <p:tgtEl>
+                                          <p:spTgt spid="10"/>
+                                        </p:tgtEl>
+                                        <p:attrNameLst>
+                                          <p:attrName>style.visibility</p:attrName>
+                                        </p:attrNameLst>
+                                      </p:cBhvr>
+                                      <p:to>
+                                        <p:strVal val="visible"/>
+                                      </p:to>
+                                    </p:set>
+                                    <p:anim calcmode="lin" valueType="num">
+                                      <p:cBhvr additive="base">
+                                        <p:cTn id="37" dur="500" fill="hold"/>
+                                        <p:tgtEl>
+                                          <p:spTgt spid="10"/>
+                                        </p:tgtEl>
+                                        <p:attrNameLst>
+                                          <p:attrName>ppt_x</p:attrName>
+                                        </p:attrNameLst>
+                                      </p:cBhvr>
+                                      <p:tavLst>
+                                        <p:tav tm="0">
+                                          <p:val>
+                                            <p:strVal val="#ppt_x"/>
+                                          </p:val>
+                                        </p:tav>
+                                        <p:tav tm="100000">
+                                          <p:val>
+                                            <p:strVal val="#ppt_x"/>
+                                          </p:val>
+                                        </p:tav>
+                                      </p:tavLst>
+                                    </p:anim>
+                                    <p:anim calcmode="lin" valueType="num">
+                                      <p:cBhvr additive="base">
+                                        <p:cTn id="38" dur="500" fill="hold"/>
+                                        <p:tgtEl>
+                                          <p:spTgt spid="10"/>
+                                        </p:tgtEl>
+                                        <p:attrNameLst>
+                                          <p:attrName>ppt_y</p:attrName>
+                                        </p:attrNameLst>
+                                      </p:cBhvr>
+                                      <p:tavLst>
+                                        <p:tav tm="0">
+                                          <p:val>
+                                            <p:strVal val="1+#ppt_h/2"/>
+                                          </p:val>
+                                        </p:tav>
+                                        <p:tav tm="100000">
+                                          <p:val>
+                                            <p:strVal val="#ppt_y"/>
+                                          </p:val>
+                                        </p:tav>
+                                      </p:tavLst>
+                                    </p:anim>
+                                  </p:childTnLst>
+                                </p:cTn>
+                              </p:par>
+                              <p:par>
+                                <p:cTn id="39" presetID="2" presetClass="entr" presetSubtype="4" fill="hold" grpId="0" nodeType="withEffect">
+                                  <p:stCondLst>
+                                    <p:cond delay="0"/>
+                                  </p:stCondLst>
+                                  <p:childTnLst>
+                                    <p:set>
+                                      <p:cBhvr>
+                                        <p:cTn id="40" dur="1" fill="hold">
+                                          <p:stCondLst>
+                                            <p:cond delay="0"/>
+                                          </p:stCondLst>
+                                        </p:cTn>
+                                        <p:tgtEl>
+                                          <p:spTgt spid="11"/>
+                                        </p:tgtEl>
+                                        <p:attrNameLst>
+                                          <p:attrName>style.visibility</p:attrName>
+                                        </p:attrNameLst>
+                                      </p:cBhvr>
+                                      <p:to>
+                                        <p:strVal val="visible"/>
+                                      </p:to>
+                                    </p:set>
+                                    <p:anim calcmode="lin" valueType="num">
+                                      <p:cBhvr additive="base">
+                                        <p:cTn id="41" dur="500" fill="hold"/>
+                                        <p:tgtEl>
+                                          <p:spTgt spid="11"/>
+                                        </p:tgtEl>
+                                        <p:attrNameLst>
+                                          <p:attrName>ppt_x</p:attrName>
+                                        </p:attrNameLst>
+                                      </p:cBhvr>
+                                      <p:tavLst>
+                                        <p:tav tm="0">
+                                          <p:val>
+                                            <p:strVal val="#ppt_x"/>
+                                          </p:val>
+                                        </p:tav>
+                                        <p:tav tm="100000">
+                                          <p:val>
+                                            <p:strVal val="#ppt_x"/>
+                                          </p:val>
+                                        </p:tav>
+                                      </p:tavLst>
+                                    </p:anim>
+                                    <p:anim calcmode="lin" valueType="num">
+                                      <p:cBhvr additive="base">
+                                        <p:cTn id="42" dur="500" fill="hold"/>
+                                        <p:tgtEl>
+                                          <p:spTgt spid="11"/>
+                                        </p:tgtEl>
+                                        <p:attrNameLst>
+                                          <p:attrName>ppt_y</p:attrName>
+                                        </p:attrNameLst>
+                                      </p:cBhvr>
+                                      <p:tavLst>
+                                        <p:tav tm="0">
+                                          <p:val>
+                                            <p:strVal val="1+#ppt_h/2"/>
+                                          </p:val>
+                                        </p:tav>
+                                        <p:tav tm="100000">
+                                          <p:val>
+                                            <p:strVal val="#ppt_y"/>
+                                          </p:val>
+                                        </p:tav>
+                                      </p:tavLst>
+                                    </p:anim>
+                                  </p:childTnLst>
+                                </p:cTn>
+                              </p:par>
+                            </p:childTnLst>
+                          </p:cTn>
+                        </p:par>
+                      </p:childTnLst>
+                    </p:cTn>
+                  </p:par>
+                </p:childTnLst>
+              </p:cTn>
+              <p:prevCondLst>
+                <p:cond evt="onPrev" delay="0">
+                  <p:tgtEl>
+                    <p:sldTgt/>
+                  </p:tgtEl>
+                </p:cond>
+              </p:prevCondLst>
+              <p:nextCondLst>
+                <p:cond evt="onNext" delay="0">
+                  <p:tgtEl>
+                    <p:sldTgt/>
+                  </p:tgtEl>
+                </p:cond>
+              </p:nextCondLst>
+            </p:seq>
+          </p:childTnLst>
+        </p:cTn>
+      </p:par>
+    </p:tnLst>
+    <p:bldLst>
+      <p:bldP spid="2" grpId="0"/>
+      <p:bldP spid="4" grpId="0" build="p"/>
+      <p:bldP spid="6" grpId="0"/>
+      <p:bldP spid="7" grpId="0"/>
+      <p:bldP spid="8" grpId="0"/>
+      <p:bldP spid="9" grpId="0"/>
+      <p:bldP spid="10" grpId="0"/>
+      <p:bldP spid="11" grpId="0"/>
+    </p:bldLst>
+  </p:timing>
+</p:sld>
+</file>
+
+<file path=ppt/slides/slide19.xml><?xml version="1.0" encoding="utf-8"?>
+<p:sld xmlns:a="http://schemas.openxmlformats.org/drawingml/2006/main" xmlns:r="http://schemas.openxmlformats.org/officeDocument/2006/relationships" xmlns:p="http://schemas.openxmlformats.org/presentationml/2006/main">
+  <p:cSld>
+    <p:spTree>
+      <p:nvGrpSpPr>
+        <p:cNvPr id="1" name=""/>
+        <p:cNvGrpSpPr/>
+        <p:nvPr/>
+      </p:nvGrpSpPr>
+      <p:grpSpPr>
+        <a:xfrm>
+          <a:off x="0" y="0"/>
+          <a:ext cx="0" cy="0"/>
+          <a:chOff x="0" y="0"/>
+          <a:chExt cx="0" cy="0"/>
+        </a:xfrm>
+      </p:grpSpPr>
+      <p:sp>
+        <p:nvSpPr>
+          <p:cNvPr id="2" name="Title 1"/>
+          <p:cNvSpPr>
+            <a:spLocks noGrp="1"/>
+          </p:cNvSpPr>
+          <p:nvPr>
+            <p:ph type="title"/>
+          </p:nvPr>
+        </p:nvSpPr>
+        <p:spPr/>
+        <p:txBody>
+          <a:bodyPr/>
+          <a:lstStyle/>
+          <a:p>
+            <a:r>
+              <a:rPr lang="en-US" dirty="0" smtClean="0"/>
+              <a:t>thanks</a:t>
+            </a:r>
+            <a:endParaRPr lang="en-US" dirty="0"/>
+          </a:p>
+        </p:txBody>
+      </p:sp>
+      <p:sp>
+        <p:nvSpPr>
+          <p:cNvPr id="3" name="Text Placeholder 2"/>
+          <p:cNvSpPr>
+            <a:spLocks noGrp="1"/>
+          </p:cNvSpPr>
+          <p:nvPr>
+            <p:ph type="body" idx="1"/>
+          </p:nvPr>
+        </p:nvSpPr>
+        <p:spPr>
+          <a:xfrm>
+            <a:off x="3156667" y="3905651"/>
+            <a:ext cx="8294149" cy="1500187"/>
+          </a:xfrm>
+        </p:spPr>
+        <p:txBody>
+          <a:bodyPr/>
+          <a:lstStyle/>
+          <a:p>
+            <a:r>
+              <a:rPr lang="en-US" dirty="0" smtClean="0"/>
+              <a:t>I hope you enjoyed this journey on extending vs code together!</a:t>
+            </a:r>
+          </a:p>
+        </p:txBody>
+      </p:sp>
+    </p:spTree>
+    <p:extLst>
+      <p:ext uri="{BB962C8B-B14F-4D97-AF65-F5344CB8AC3E}">
+        <p14:creationId xmlns:p14="http://schemas.microsoft.com/office/powerpoint/2010/main" val="541267753"/>
+      </p:ext>
+    </p:extLst>
+  </p:cSld>
+  <p:clrMapOvr>
+    <a:masterClrMapping/>
+  </p:clrMapOvr>
+  <p:transition spd="slow">
+    <p:push/>
+  </p:transition>
+  <p:timing>
+    <p:tnLst>
+      <p:par>
+        <p:cTn id="1" dur="indefinite" restart="never" nodeType="tmRoot">
+          <p:childTnLst>
+            <p:seq concurrent="1" nextAc="seek">
+              <p:cTn id="2" dur="indefinite" nodeType="mainSeq">
+                <p:childTnLst>
+                  <p:par>
+                    <p:cTn id="3" fill="hold">
+                      <p:stCondLst>
+                        <p:cond delay="indefinite"/>
+                        <p:cond evt="onBegin" delay="0">
+                          <p:tn val="2"/>
+                        </p:cond>
+                      </p:stCondLst>
+                      <p:childTnLst>
+                        <p:par>
+                          <p:cTn id="4" fill="hold">
+                            <p:stCondLst>
+                              <p:cond delay="0"/>
+                            </p:stCondLst>
+                            <p:childTnLst>
+                              <p:par>
+                                <p:cTn id="5" presetID="2" presetClass="entr" presetSubtype="2" fill="hold" grpId="0" nodeType="afterEffect">
+                                  <p:stCondLst>
+                                    <p:cond delay="0"/>
+                                  </p:stCondLst>
+                                  <p:childTnLst>
+                                    <p:set>
+                                      <p:cBhvr>
+                                        <p:cTn id="6" dur="1" fill="hold">
+                                          <p:stCondLst>
+                                            <p:cond delay="0"/>
+                                          </p:stCondLst>
+                                        </p:cTn>
+                                        <p:tgtEl>
+                                          <p:spTgt spid="3">
+                                            <p:txEl>
+                                              <p:pRg st="0" end="0"/>
+                                            </p:txEl>
+                                          </p:spTgt>
+                                        </p:tgtEl>
+                                        <p:attrNameLst>
+                                          <p:attrName>style.visibility</p:attrName>
+                                        </p:attrNameLst>
+                                      </p:cBhvr>
+                                      <p:to>
+                                        <p:strVal val="visible"/>
+                                      </p:to>
+                                    </p:set>
+                                    <p:anim calcmode="lin" valueType="num">
+                                      <p:cBhvr additive="base">
+                                        <p:cTn id="7" dur="500" fill="hold"/>
+                                        <p:tgtEl>
+                                          <p:spTgt spid="3">
+                                            <p:txEl>
+                                              <p:pRg st="0" end="0"/>
+                                            </p:txEl>
+                                          </p:spTgt>
+                                        </p:tgtEl>
+                                        <p:attrNameLst>
+                                          <p:attrName>ppt_x</p:attrName>
+                                        </p:attrNameLst>
+                                      </p:cBhvr>
+                                      <p:tavLst>
+                                        <p:tav tm="0">
+                                          <p:val>
+                                            <p:strVal val="1+#ppt_w/2"/>
+                                          </p:val>
+                                        </p:tav>
+                                        <p:tav tm="100000">
+                                          <p:val>
+                                            <p:strVal val="#ppt_x"/>
+                                          </p:val>
+                                        </p:tav>
+                                      </p:tavLst>
+                                    </p:anim>
+                                    <p:anim calcmode="lin" valueType="num">
+                                      <p:cBhvr additive="base">
+                                        <p:cTn id="8" dur="500" fill="hold"/>
+                                        <p:tgtEl>
+                                          <p:spTgt spid="3">
+                                            <p:txEl>
+                                              <p:pRg st="0" end="0"/>
+                                            </p:txEl>
+                                          </p:spTgt>
+                                        </p:tgtEl>
+                                        <p:attrNameLst>
+                                          <p:attrName>ppt_y</p:attrName>
+                                        </p:attrNameLst>
+                                      </p:cBhvr>
+                                      <p:tavLst>
+                                        <p:tav tm="0">
+                                          <p:val>
+                                            <p:strVal val="#ppt_y"/>
+                                          </p:val>
+                                        </p:tav>
+                                        <p:tav tm="100000">
+                                          <p:val>
+                                            <p:strVal val="#ppt_y"/>
+                                          </p:val>
+                                        </p:tav>
+                                      </p:tavLst>
+                                    </p:anim>
+                                  </p:childTnLst>
+                                </p:cTn>
+                              </p:par>
+                            </p:childTnLst>
+                          </p:cTn>
+                        </p:par>
+                      </p:childTnLst>
+                    </p:cTn>
+                  </p:par>
+                </p:childTnLst>
+              </p:cTn>
+              <p:prevCondLst>
+                <p:cond evt="onPrev" delay="0">
+                  <p:tgtEl>
+                    <p:sldTgt/>
+                  </p:tgtEl>
+                </p:cond>
+              </p:prevCondLst>
+              <p:nextCondLst>
+                <p:cond evt="onNext" delay="0">
+                  <p:tgtEl>
+                    <p:sldTgt/>
+                  </p:tgtEl>
+                </p:cond>
+              </p:nextCondLst>
+            </p:seq>
+          </p:childTnLst>
+        </p:cTn>
+      </p:par>
+    </p:tnLst>
+    <p:bldLst>
+      <p:bldP spid="3" grpId="0" build="p"/>
+    </p:bldLst>
+  </p:timing>
+</p:sld>
+</file>
+
 <file path=ppt/slides/slide2.xml><?xml version="1.0" encoding="utf-8"?>
 <p:sld xmlns:a="http://schemas.openxmlformats.org/drawingml/2006/main" xmlns:r="http://schemas.openxmlformats.org/officeDocument/2006/relationships" xmlns:p="http://schemas.openxmlformats.org/presentationml/2006/main">
   <p:cSld>
@@ -3773,8 +6375,12 @@
           <a:lstStyle/>
           <a:p>
             <a:r>
+              <a:rPr lang="en-US" dirty="0"/>
+              <a:t>a</a:t>
+            </a:r>
+            <a:r>
               <a:rPr lang="en-US" dirty="0" smtClean="0"/>
-              <a:t>Agenda</a:t>
+              <a:t>genda</a:t>
             </a:r>
             <a:endParaRPr lang="en-US" dirty="0"/>
           </a:p>
@@ -3796,44 +6402,79 @@
           <a:lstStyle/>
           <a:p>
             <a:r>
+              <a:rPr lang="en-US" dirty="0"/>
+              <a:t>p</a:t>
+            </a:r>
+            <a:r>
               <a:rPr lang="en-US" dirty="0" smtClean="0"/>
-              <a:t>Prerequisites</a:t>
-            </a:r>
-          </a:p>
-          <a:p>
+              <a:t>rerequisites</a:t>
+            </a:r>
+            <a:endParaRPr lang="en-US" dirty="0" smtClean="0"/>
+          </a:p>
+          <a:p>
+            <a:r>
+              <a:rPr lang="en-US" dirty="0"/>
+              <a:t>s</a:t>
+            </a:r>
             <a:r>
               <a:rPr lang="en-US" dirty="0" smtClean="0"/>
-              <a:t>Scaffolding extension projects</a:t>
-            </a:r>
-          </a:p>
-          <a:p>
+              <a:t>caffolding </a:t>
+            </a:r>
             <a:r>
               <a:rPr lang="en-US" dirty="0" smtClean="0"/>
-              <a:t>Snippets</a:t>
+              <a:t>extension projects</a:t>
             </a:r>
           </a:p>
           <a:p>
             <a:r>
               <a:rPr lang="en-US" dirty="0" smtClean="0"/>
-              <a:t>Commands</a:t>
-            </a:r>
-          </a:p>
-          <a:p>
+              <a:t>snippets</a:t>
+            </a:r>
+            <a:endParaRPr lang="en-US" dirty="0" smtClean="0"/>
+          </a:p>
+          <a:p>
+            <a:r>
+              <a:rPr lang="en-US" dirty="0"/>
+              <a:t>c</a:t>
+            </a:r>
             <a:r>
               <a:rPr lang="en-US" dirty="0" smtClean="0"/>
-              <a:t>User Experience</a:t>
-            </a:r>
+              <a:t>ommands</a:t>
+            </a:r>
+            <a:endParaRPr lang="en-US" dirty="0" smtClean="0"/>
           </a:p>
           <a:p>
             <a:r>
               <a:rPr lang="en-US" dirty="0" smtClean="0"/>
-              <a:t>Editor Interaction</a:t>
-            </a:r>
-          </a:p>
-          <a:p>
+              <a:t>user experience</a:t>
+            </a:r>
+            <a:endParaRPr lang="en-US" dirty="0" smtClean="0"/>
+          </a:p>
+          <a:p>
+            <a:r>
+              <a:rPr lang="en-US" dirty="0"/>
+              <a:t>e</a:t>
+            </a:r>
             <a:r>
               <a:rPr lang="en-US" dirty="0" smtClean="0"/>
-              <a:t>Publishing</a:t>
+              <a:t>ditor interaction</a:t>
+            </a:r>
+            <a:endParaRPr lang="en-US" dirty="0" smtClean="0"/>
+          </a:p>
+          <a:p>
+            <a:r>
+              <a:rPr lang="en-US" dirty="0" smtClean="0"/>
+              <a:t>publishing</a:t>
+            </a:r>
+          </a:p>
+          <a:p>
+            <a:r>
+              <a:rPr lang="en-US" dirty="0"/>
+              <a:t>d</a:t>
+            </a:r>
+            <a:r>
+              <a:rPr lang="en-US" dirty="0" smtClean="0"/>
+              <a:t>esign considerations</a:t>
             </a:r>
             <a:endParaRPr lang="en-US" dirty="0"/>
           </a:p>
@@ -3849,6 +6490,319 @@
   <p:clrMapOvr>
     <a:masterClrMapping/>
   </p:clrMapOvr>
+  <p:timing>
+    <p:tnLst>
+      <p:par>
+        <p:cTn id="1" dur="indefinite" restart="never" nodeType="tmRoot"/>
+      </p:par>
+    </p:tnLst>
+  </p:timing>
+</p:sld>
+</file>
+
+<file path=ppt/slides/slide20.xml><?xml version="1.0" encoding="utf-8"?>
+<p:sld xmlns:a="http://schemas.openxmlformats.org/drawingml/2006/main" xmlns:r="http://schemas.openxmlformats.org/officeDocument/2006/relationships" xmlns:p="http://schemas.openxmlformats.org/presentationml/2006/main">
+  <p:cSld>
+    <p:spTree>
+      <p:nvGrpSpPr>
+        <p:cNvPr id="1" name=""/>
+        <p:cNvGrpSpPr/>
+        <p:nvPr/>
+      </p:nvGrpSpPr>
+      <p:grpSpPr>
+        <a:xfrm>
+          <a:off x="0" y="0"/>
+          <a:ext cx="0" cy="0"/>
+          <a:chOff x="0" y="0"/>
+          <a:chExt cx="0" cy="0"/>
+        </a:xfrm>
+      </p:grpSpPr>
+      <p:sp>
+        <p:nvSpPr>
+          <p:cNvPr id="2" name="Title 1"/>
+          <p:cNvSpPr>
+            <a:spLocks noGrp="1"/>
+          </p:cNvSpPr>
+          <p:nvPr>
+            <p:ph type="title"/>
+          </p:nvPr>
+        </p:nvSpPr>
+        <p:spPr/>
+        <p:txBody>
+          <a:bodyPr/>
+          <a:lstStyle/>
+          <a:p>
+            <a:r>
+              <a:rPr lang="en-US" dirty="0" smtClean="0"/>
+              <a:t>add value</a:t>
+            </a:r>
+            <a:endParaRPr lang="en-US" dirty="0"/>
+          </a:p>
+        </p:txBody>
+      </p:sp>
+      <p:sp>
+        <p:nvSpPr>
+          <p:cNvPr id="3" name="Text Placeholder 2"/>
+          <p:cNvSpPr>
+            <a:spLocks noGrp="1"/>
+          </p:cNvSpPr>
+          <p:nvPr>
+            <p:ph type="body" idx="1"/>
+          </p:nvPr>
+        </p:nvSpPr>
+        <p:spPr>
+          <a:xfrm>
+            <a:off x="4047215" y="3914964"/>
+            <a:ext cx="7300235" cy="1295021"/>
+          </a:xfrm>
+        </p:spPr>
+        <p:txBody>
+          <a:bodyPr/>
+          <a:lstStyle/>
+          <a:p>
+            <a:r>
+              <a:rPr lang="en-US" dirty="0"/>
+              <a:t>i</a:t>
+            </a:r>
+            <a:r>
+              <a:rPr lang="en-US" dirty="0" smtClean="0"/>
+              <a:t>f you need the feature, someone else </a:t>
+            </a:r>
+            <a:r>
+              <a:rPr lang="en-US" smtClean="0"/>
+              <a:t>does too!</a:t>
+            </a:r>
+            <a:endParaRPr lang="en-US" dirty="0" smtClean="0"/>
+          </a:p>
+        </p:txBody>
+      </p:sp>
+    </p:spTree>
+    <p:extLst>
+      <p:ext uri="{BB962C8B-B14F-4D97-AF65-F5344CB8AC3E}">
+        <p14:creationId xmlns:p14="http://schemas.microsoft.com/office/powerpoint/2010/main" val="1921171253"/>
+      </p:ext>
+    </p:extLst>
+  </p:cSld>
+  <p:clrMapOvr>
+    <a:masterClrMapping/>
+  </p:clrMapOvr>
+  <p:transition spd="slow">
+    <p:push/>
+  </p:transition>
+  <p:timing>
+    <p:tnLst>
+      <p:par>
+        <p:cTn id="1" dur="indefinite" restart="never" nodeType="tmRoot">
+          <p:childTnLst>
+            <p:seq concurrent="1" nextAc="seek">
+              <p:cTn id="2" dur="indefinite" nodeType="mainSeq">
+                <p:childTnLst>
+                  <p:par>
+                    <p:cTn id="3" fill="hold">
+                      <p:stCondLst>
+                        <p:cond delay="indefinite"/>
+                        <p:cond evt="onBegin" delay="0">
+                          <p:tn val="2"/>
+                        </p:cond>
+                      </p:stCondLst>
+                      <p:childTnLst>
+                        <p:par>
+                          <p:cTn id="4" fill="hold">
+                            <p:stCondLst>
+                              <p:cond delay="0"/>
+                            </p:stCondLst>
+                            <p:childTnLst>
+                              <p:par>
+                                <p:cTn id="5" presetID="2" presetClass="entr" presetSubtype="2" fill="hold" grpId="0" nodeType="afterEffect">
+                                  <p:stCondLst>
+                                    <p:cond delay="0"/>
+                                  </p:stCondLst>
+                                  <p:childTnLst>
+                                    <p:set>
+                                      <p:cBhvr>
+                                        <p:cTn id="6" dur="1" fill="hold">
+                                          <p:stCondLst>
+                                            <p:cond delay="0"/>
+                                          </p:stCondLst>
+                                        </p:cTn>
+                                        <p:tgtEl>
+                                          <p:spTgt spid="3">
+                                            <p:txEl>
+                                              <p:pRg st="0" end="0"/>
+                                            </p:txEl>
+                                          </p:spTgt>
+                                        </p:tgtEl>
+                                        <p:attrNameLst>
+                                          <p:attrName>style.visibility</p:attrName>
+                                        </p:attrNameLst>
+                                      </p:cBhvr>
+                                      <p:to>
+                                        <p:strVal val="visible"/>
+                                      </p:to>
+                                    </p:set>
+                                    <p:anim calcmode="lin" valueType="num">
+                                      <p:cBhvr additive="base">
+                                        <p:cTn id="7" dur="500" fill="hold"/>
+                                        <p:tgtEl>
+                                          <p:spTgt spid="3">
+                                            <p:txEl>
+                                              <p:pRg st="0" end="0"/>
+                                            </p:txEl>
+                                          </p:spTgt>
+                                        </p:tgtEl>
+                                        <p:attrNameLst>
+                                          <p:attrName>ppt_x</p:attrName>
+                                        </p:attrNameLst>
+                                      </p:cBhvr>
+                                      <p:tavLst>
+                                        <p:tav tm="0">
+                                          <p:val>
+                                            <p:strVal val="1+#ppt_w/2"/>
+                                          </p:val>
+                                        </p:tav>
+                                        <p:tav tm="100000">
+                                          <p:val>
+                                            <p:strVal val="#ppt_x"/>
+                                          </p:val>
+                                        </p:tav>
+                                      </p:tavLst>
+                                    </p:anim>
+                                    <p:anim calcmode="lin" valueType="num">
+                                      <p:cBhvr additive="base">
+                                        <p:cTn id="8" dur="500" fill="hold"/>
+                                        <p:tgtEl>
+                                          <p:spTgt spid="3">
+                                            <p:txEl>
+                                              <p:pRg st="0" end="0"/>
+                                            </p:txEl>
+                                          </p:spTgt>
+                                        </p:tgtEl>
+                                        <p:attrNameLst>
+                                          <p:attrName>ppt_y</p:attrName>
+                                        </p:attrNameLst>
+                                      </p:cBhvr>
+                                      <p:tavLst>
+                                        <p:tav tm="0">
+                                          <p:val>
+                                            <p:strVal val="#ppt_y"/>
+                                          </p:val>
+                                        </p:tav>
+                                        <p:tav tm="100000">
+                                          <p:val>
+                                            <p:strVal val="#ppt_y"/>
+                                          </p:val>
+                                        </p:tav>
+                                      </p:tavLst>
+                                    </p:anim>
+                                  </p:childTnLst>
+                                </p:cTn>
+                              </p:par>
+                            </p:childTnLst>
+                          </p:cTn>
+                        </p:par>
+                      </p:childTnLst>
+                    </p:cTn>
+                  </p:par>
+                </p:childTnLst>
+              </p:cTn>
+              <p:prevCondLst>
+                <p:cond evt="onPrev" delay="0">
+                  <p:tgtEl>
+                    <p:sldTgt/>
+                  </p:tgtEl>
+                </p:cond>
+              </p:prevCondLst>
+              <p:nextCondLst>
+                <p:cond evt="onNext" delay="0">
+                  <p:tgtEl>
+                    <p:sldTgt/>
+                  </p:tgtEl>
+                </p:cond>
+              </p:nextCondLst>
+            </p:seq>
+          </p:childTnLst>
+        </p:cTn>
+      </p:par>
+    </p:tnLst>
+    <p:bldLst>
+      <p:bldP spid="3" grpId="0" build="p"/>
+    </p:bldLst>
+  </p:timing>
+</p:sld>
+</file>
+
+<file path=ppt/slides/slide21.xml><?xml version="1.0" encoding="utf-8"?>
+<p:sld xmlns:a="http://schemas.openxmlformats.org/drawingml/2006/main" xmlns:r="http://schemas.openxmlformats.org/officeDocument/2006/relationships" xmlns:p="http://schemas.openxmlformats.org/presentationml/2006/main">
+  <p:cSld>
+    <p:spTree>
+      <p:nvGrpSpPr>
+        <p:cNvPr id="1" name=""/>
+        <p:cNvGrpSpPr/>
+        <p:nvPr/>
+      </p:nvGrpSpPr>
+      <p:grpSpPr>
+        <a:xfrm>
+          <a:off x="0" y="0"/>
+          <a:ext cx="0" cy="0"/>
+          <a:chOff x="0" y="0"/>
+          <a:chExt cx="0" cy="0"/>
+        </a:xfrm>
+      </p:grpSpPr>
+      <p:sp>
+        <p:nvSpPr>
+          <p:cNvPr id="2" name="Title 1"/>
+          <p:cNvSpPr>
+            <a:spLocks noGrp="1"/>
+          </p:cNvSpPr>
+          <p:nvPr>
+            <p:ph type="title"/>
+          </p:nvPr>
+        </p:nvSpPr>
+        <p:spPr/>
+        <p:txBody>
+          <a:bodyPr/>
+          <a:lstStyle/>
+          <a:p>
+            <a:r>
+              <a:rPr lang="en-US" dirty="0" smtClean="0"/>
+              <a:t>go build it</a:t>
+            </a:r>
+            <a:endParaRPr lang="en-US" dirty="0"/>
+          </a:p>
+        </p:txBody>
+      </p:sp>
+      <p:sp>
+        <p:nvSpPr>
+          <p:cNvPr id="4" name="Text Placeholder 3"/>
+          <p:cNvSpPr>
+            <a:spLocks noGrp="1"/>
+          </p:cNvSpPr>
+          <p:nvPr>
+            <p:ph type="body" idx="1"/>
+          </p:nvPr>
+        </p:nvSpPr>
+        <p:spPr/>
+        <p:txBody>
+          <a:bodyPr/>
+          <a:lstStyle/>
+          <a:p>
+            <a:endParaRPr lang="en-US"/>
+          </a:p>
+        </p:txBody>
+      </p:sp>
+    </p:spTree>
+    <p:extLst>
+      <p:ext uri="{BB962C8B-B14F-4D97-AF65-F5344CB8AC3E}">
+        <p14:creationId xmlns:p14="http://schemas.microsoft.com/office/powerpoint/2010/main" val="1891061775"/>
+      </p:ext>
+    </p:extLst>
+  </p:cSld>
+  <p:clrMapOvr>
+    <a:masterClrMapping/>
+  </p:clrMapOvr>
+  <p:transition spd="slow">
+    <p:push/>
+  </p:transition>
   <p:timing>
     <p:tnLst>
       <p:par>
@@ -3916,8 +6870,12 @@
           <a:lstStyle/>
           <a:p>
             <a:r>
+              <a:rPr lang="en-US" dirty="0"/>
+              <a:t>p</a:t>
+            </a:r>
+            <a:r>
               <a:rPr lang="en-US" dirty="0" smtClean="0"/>
-              <a:t>Prerequisites</a:t>
+              <a:t>rerequisites</a:t>
             </a:r>
             <a:endParaRPr lang="en-US" dirty="0"/>
           </a:p>
@@ -4000,8 +6958,12 @@
           <a:lstStyle/>
           <a:p>
             <a:r>
+              <a:rPr lang="en-US" dirty="0"/>
+              <a:t>p</a:t>
+            </a:r>
+            <a:r>
               <a:rPr lang="en-US" dirty="0" smtClean="0"/>
-              <a:t>Prerequisites</a:t>
+              <a:t>rerequisites</a:t>
             </a:r>
             <a:endParaRPr lang="en-US" dirty="0"/>
           </a:p>
@@ -4084,8 +7046,12 @@
           <a:lstStyle/>
           <a:p>
             <a:r>
+              <a:rPr lang="en-US" dirty="0"/>
+              <a:t>p</a:t>
+            </a:r>
+            <a:r>
               <a:rPr lang="en-US" dirty="0" smtClean="0"/>
-              <a:t>Prerequisites</a:t>
+              <a:t>rerequisites</a:t>
             </a:r>
             <a:endParaRPr lang="en-US" dirty="0"/>
           </a:p>
@@ -5249,11 +8215,11 @@
   <p:clrMapOvr>
     <a:masterClrMapping/>
   </p:clrMapOvr>
-  <mc:AlternateContent xmlns:mc="http://schemas.openxmlformats.org/markup-compatibility/2006">
-    <mc:Choice xmlns:p14="http://schemas.microsoft.com/office/powerpoint/2010/main" Requires="p14">
+  <mc:AlternateContent xmlns:mc="http://schemas.openxmlformats.org/markup-compatibility/2006" xmlns:p14="http://schemas.microsoft.com/office/powerpoint/2010/main">
+    <mc:Choice Requires="p14">
       <p:transition p14:dur="0" advClick="0" advTm="1000"/>
     </mc:Choice>
-    <mc:Fallback>
+    <mc:Fallback xmlns="">
       <p:transition advClick="0" advTm="1000"/>
     </mc:Fallback>
   </mc:AlternateContent>

--- a/extending-vs-code.pptx
+++ b/extending-vs-code.pptx
@@ -5,7 +5,7 @@
     <p:sldMasterId id="2147483684" r:id="rId1"/>
   </p:sldMasterIdLst>
   <p:notesMasterIdLst>
-    <p:notesMasterId r:id="rId23"/>
+    <p:notesMasterId r:id="rId33"/>
   </p:notesMasterIdLst>
   <p:sldIdLst>
     <p:sldId id="258" r:id="rId2"/>
@@ -17,18 +17,28 @@
     <p:sldId id="266" r:id="rId8"/>
     <p:sldId id="281" r:id="rId9"/>
     <p:sldId id="275" r:id="rId10"/>
-    <p:sldId id="278" r:id="rId11"/>
-    <p:sldId id="277" r:id="rId12"/>
-    <p:sldId id="279" r:id="rId13"/>
-    <p:sldId id="280" r:id="rId14"/>
-    <p:sldId id="282" r:id="rId15"/>
-    <p:sldId id="284" r:id="rId16"/>
-    <p:sldId id="285" r:id="rId17"/>
-    <p:sldId id="286" r:id="rId18"/>
-    <p:sldId id="290" r:id="rId19"/>
-    <p:sldId id="292" r:id="rId20"/>
-    <p:sldId id="293" r:id="rId21"/>
-    <p:sldId id="294" r:id="rId22"/>
+    <p:sldId id="295" r:id="rId11"/>
+    <p:sldId id="278" r:id="rId12"/>
+    <p:sldId id="297" r:id="rId13"/>
+    <p:sldId id="296" r:id="rId14"/>
+    <p:sldId id="298" r:id="rId15"/>
+    <p:sldId id="277" r:id="rId16"/>
+    <p:sldId id="300" r:id="rId17"/>
+    <p:sldId id="299" r:id="rId18"/>
+    <p:sldId id="301" r:id="rId19"/>
+    <p:sldId id="302" r:id="rId20"/>
+    <p:sldId id="279" r:id="rId21"/>
+    <p:sldId id="304" r:id="rId22"/>
+    <p:sldId id="303" r:id="rId23"/>
+    <p:sldId id="280" r:id="rId24"/>
+    <p:sldId id="282" r:id="rId25"/>
+    <p:sldId id="284" r:id="rId26"/>
+    <p:sldId id="285" r:id="rId27"/>
+    <p:sldId id="286" r:id="rId28"/>
+    <p:sldId id="290" r:id="rId29"/>
+    <p:sldId id="292" r:id="rId30"/>
+    <p:sldId id="293" r:id="rId31"/>
+    <p:sldId id="294" r:id="rId32"/>
   </p:sldIdLst>
   <p:sldSz cx="12192000" cy="6858000"/>
   <p:notesSz cx="6858000" cy="9144000"/>
@@ -217,7 +227,7 @@
           <a:p>
             <a:fld id="{99C4D036-BDB5-5848-925A-7211684DC976}" type="datetimeFigureOut">
               <a:rPr lang="en-US" smtClean="0"/>
-              <a:t>5/10/17</a:t>
+              <a:t>6/22/17</a:t>
             </a:fld>
             <a:endParaRPr lang="en-US"/>
           </a:p>
@@ -485,6 +495,918 @@
 </p:notesMaster>
 </file>
 
+<file path=ppt/notesSlides/notesSlide1.xml><?xml version="1.0" encoding="utf-8"?>
+<p:notes xmlns:a="http://schemas.openxmlformats.org/drawingml/2006/main" xmlns:r="http://schemas.openxmlformats.org/officeDocument/2006/relationships" xmlns:p="http://schemas.openxmlformats.org/presentationml/2006/main">
+  <p:cSld>
+    <p:spTree>
+      <p:nvGrpSpPr>
+        <p:cNvPr id="1" name=""/>
+        <p:cNvGrpSpPr/>
+        <p:nvPr/>
+      </p:nvGrpSpPr>
+      <p:grpSpPr>
+        <a:xfrm>
+          <a:off x="0" y="0"/>
+          <a:ext cx="0" cy="0"/>
+          <a:chOff x="0" y="0"/>
+          <a:chExt cx="0" cy="0"/>
+        </a:xfrm>
+      </p:grpSpPr>
+      <p:sp>
+        <p:nvSpPr>
+          <p:cNvPr id="2" name="Slide Image Placeholder 1"/>
+          <p:cNvSpPr>
+            <a:spLocks noGrp="1" noRot="1" noChangeAspect="1"/>
+          </p:cNvSpPr>
+          <p:nvPr>
+            <p:ph type="sldImg"/>
+          </p:nvPr>
+        </p:nvSpPr>
+        <p:spPr/>
+      </p:sp>
+      <p:sp>
+        <p:nvSpPr>
+          <p:cNvPr id="3" name="Notes Placeholder 2"/>
+          <p:cNvSpPr>
+            <a:spLocks noGrp="1"/>
+          </p:cNvSpPr>
+          <p:nvPr>
+            <p:ph type="body" idx="1"/>
+          </p:nvPr>
+        </p:nvSpPr>
+        <p:spPr/>
+        <p:txBody>
+          <a:bodyPr/>
+          <a:lstStyle/>
+          <a:p>
+            <a:r>
+              <a:rPr lang="en-US" dirty="0" smtClean="0"/>
+              <a:t>Demo</a:t>
+            </a:r>
+            <a:r>
+              <a:rPr lang="en-US" baseline="0" dirty="0" smtClean="0"/>
+              <a:t> 1</a:t>
+            </a:r>
+            <a:endParaRPr lang="en-US" dirty="0"/>
+          </a:p>
+        </p:txBody>
+      </p:sp>
+      <p:sp>
+        <p:nvSpPr>
+          <p:cNvPr id="4" name="Slide Number Placeholder 3"/>
+          <p:cNvSpPr>
+            <a:spLocks noGrp="1"/>
+          </p:cNvSpPr>
+          <p:nvPr>
+            <p:ph type="sldNum" sz="quarter" idx="10"/>
+          </p:nvPr>
+        </p:nvSpPr>
+        <p:spPr/>
+        <p:txBody>
+          <a:bodyPr/>
+          <a:lstStyle/>
+          <a:p>
+            <a:fld id="{432C2F01-3235-F748-B4E8-E3F35CE72FA9}" type="slidenum">
+              <a:rPr lang="en-US" smtClean="0"/>
+              <a:t>9</a:t>
+            </a:fld>
+            <a:endParaRPr lang="en-US"/>
+          </a:p>
+        </p:txBody>
+      </p:sp>
+    </p:spTree>
+    <p:extLst>
+      <p:ext uri="{BB962C8B-B14F-4D97-AF65-F5344CB8AC3E}">
+        <p14:creationId xmlns:p14="http://schemas.microsoft.com/office/powerpoint/2010/main" val="950731574"/>
+      </p:ext>
+    </p:extLst>
+  </p:cSld>
+  <p:clrMapOvr>
+    <a:masterClrMapping/>
+  </p:clrMapOvr>
+</p:notes>
+</file>
+
+<file path=ppt/notesSlides/notesSlide10.xml><?xml version="1.0" encoding="utf-8"?>
+<p:notes xmlns:a="http://schemas.openxmlformats.org/drawingml/2006/main" xmlns:r="http://schemas.openxmlformats.org/officeDocument/2006/relationships" xmlns:p="http://schemas.openxmlformats.org/presentationml/2006/main">
+  <p:cSld>
+    <p:spTree>
+      <p:nvGrpSpPr>
+        <p:cNvPr id="1" name=""/>
+        <p:cNvGrpSpPr/>
+        <p:nvPr/>
+      </p:nvGrpSpPr>
+      <p:grpSpPr>
+        <a:xfrm>
+          <a:off x="0" y="0"/>
+          <a:ext cx="0" cy="0"/>
+          <a:chOff x="0" y="0"/>
+          <a:chExt cx="0" cy="0"/>
+        </a:xfrm>
+      </p:grpSpPr>
+      <p:sp>
+        <p:nvSpPr>
+          <p:cNvPr id="2" name="Slide Image Placeholder 1"/>
+          <p:cNvSpPr>
+            <a:spLocks noGrp="1" noRot="1" noChangeAspect="1"/>
+          </p:cNvSpPr>
+          <p:nvPr>
+            <p:ph type="sldImg"/>
+          </p:nvPr>
+        </p:nvSpPr>
+        <p:spPr/>
+      </p:sp>
+      <p:sp>
+        <p:nvSpPr>
+          <p:cNvPr id="3" name="Notes Placeholder 2"/>
+          <p:cNvSpPr>
+            <a:spLocks noGrp="1"/>
+          </p:cNvSpPr>
+          <p:nvPr>
+            <p:ph type="body" idx="1"/>
+          </p:nvPr>
+        </p:nvSpPr>
+        <p:spPr/>
+        <p:txBody>
+          <a:bodyPr/>
+          <a:lstStyle/>
+          <a:p>
+            <a:r>
+              <a:rPr lang="en-US" dirty="0" smtClean="0"/>
+              <a:t>Demo</a:t>
+            </a:r>
+            <a:r>
+              <a:rPr lang="en-US" baseline="0" dirty="0" smtClean="0"/>
+              <a:t> 10</a:t>
+            </a:r>
+            <a:endParaRPr lang="en-US" dirty="0"/>
+          </a:p>
+        </p:txBody>
+      </p:sp>
+      <p:sp>
+        <p:nvSpPr>
+          <p:cNvPr id="4" name="Slide Number Placeholder 3"/>
+          <p:cNvSpPr>
+            <a:spLocks noGrp="1"/>
+          </p:cNvSpPr>
+          <p:nvPr>
+            <p:ph type="sldNum" sz="quarter" idx="10"/>
+          </p:nvPr>
+        </p:nvSpPr>
+        <p:spPr/>
+        <p:txBody>
+          <a:bodyPr/>
+          <a:lstStyle/>
+          <a:p>
+            <a:fld id="{432C2F01-3235-F748-B4E8-E3F35CE72FA9}" type="slidenum">
+              <a:rPr lang="en-US" smtClean="0"/>
+              <a:t>22</a:t>
+            </a:fld>
+            <a:endParaRPr lang="en-US"/>
+          </a:p>
+        </p:txBody>
+      </p:sp>
+    </p:spTree>
+    <p:extLst>
+      <p:ext uri="{BB962C8B-B14F-4D97-AF65-F5344CB8AC3E}">
+        <p14:creationId xmlns:p14="http://schemas.microsoft.com/office/powerpoint/2010/main" val="406460176"/>
+      </p:ext>
+    </p:extLst>
+  </p:cSld>
+  <p:clrMapOvr>
+    <a:masterClrMapping/>
+  </p:clrMapOvr>
+</p:notes>
+</file>
+
+<file path=ppt/notesSlides/notesSlide2.xml><?xml version="1.0" encoding="utf-8"?>
+<p:notes xmlns:a="http://schemas.openxmlformats.org/drawingml/2006/main" xmlns:r="http://schemas.openxmlformats.org/officeDocument/2006/relationships" xmlns:p="http://schemas.openxmlformats.org/presentationml/2006/main">
+  <p:cSld>
+    <p:spTree>
+      <p:nvGrpSpPr>
+        <p:cNvPr id="1" name=""/>
+        <p:cNvGrpSpPr/>
+        <p:nvPr/>
+      </p:nvGrpSpPr>
+      <p:grpSpPr>
+        <a:xfrm>
+          <a:off x="0" y="0"/>
+          <a:ext cx="0" cy="0"/>
+          <a:chOff x="0" y="0"/>
+          <a:chExt cx="0" cy="0"/>
+        </a:xfrm>
+      </p:grpSpPr>
+      <p:sp>
+        <p:nvSpPr>
+          <p:cNvPr id="2" name="Slide Image Placeholder 1"/>
+          <p:cNvSpPr>
+            <a:spLocks noGrp="1" noRot="1" noChangeAspect="1"/>
+          </p:cNvSpPr>
+          <p:nvPr>
+            <p:ph type="sldImg"/>
+          </p:nvPr>
+        </p:nvSpPr>
+        <p:spPr/>
+      </p:sp>
+      <p:sp>
+        <p:nvSpPr>
+          <p:cNvPr id="3" name="Notes Placeholder 2"/>
+          <p:cNvSpPr>
+            <a:spLocks noGrp="1"/>
+          </p:cNvSpPr>
+          <p:nvPr>
+            <p:ph type="body" idx="1"/>
+          </p:nvPr>
+        </p:nvSpPr>
+        <p:spPr/>
+        <p:txBody>
+          <a:bodyPr/>
+          <a:lstStyle/>
+          <a:p>
+            <a:r>
+              <a:rPr lang="en-US" dirty="0" smtClean="0"/>
+              <a:t>Demo</a:t>
+            </a:r>
+            <a:r>
+              <a:rPr lang="en-US" baseline="0" dirty="0" smtClean="0"/>
+              <a:t> 2</a:t>
+            </a:r>
+            <a:endParaRPr lang="en-US" dirty="0"/>
+          </a:p>
+        </p:txBody>
+      </p:sp>
+      <p:sp>
+        <p:nvSpPr>
+          <p:cNvPr id="4" name="Slide Number Placeholder 3"/>
+          <p:cNvSpPr>
+            <a:spLocks noGrp="1"/>
+          </p:cNvSpPr>
+          <p:nvPr>
+            <p:ph type="sldNum" sz="quarter" idx="10"/>
+          </p:nvPr>
+        </p:nvSpPr>
+        <p:spPr/>
+        <p:txBody>
+          <a:bodyPr/>
+          <a:lstStyle/>
+          <a:p>
+            <a:fld id="{432C2F01-3235-F748-B4E8-E3F35CE72FA9}" type="slidenum">
+              <a:rPr lang="en-US" smtClean="0"/>
+              <a:t>10</a:t>
+            </a:fld>
+            <a:endParaRPr lang="en-US"/>
+          </a:p>
+        </p:txBody>
+      </p:sp>
+    </p:spTree>
+    <p:extLst>
+      <p:ext uri="{BB962C8B-B14F-4D97-AF65-F5344CB8AC3E}">
+        <p14:creationId xmlns:p14="http://schemas.microsoft.com/office/powerpoint/2010/main" val="353134910"/>
+      </p:ext>
+    </p:extLst>
+  </p:cSld>
+  <p:clrMapOvr>
+    <a:masterClrMapping/>
+  </p:clrMapOvr>
+</p:notes>
+</file>
+
+<file path=ppt/notesSlides/notesSlide3.xml><?xml version="1.0" encoding="utf-8"?>
+<p:notes xmlns:a="http://schemas.openxmlformats.org/drawingml/2006/main" xmlns:r="http://schemas.openxmlformats.org/officeDocument/2006/relationships" xmlns:p="http://schemas.openxmlformats.org/presentationml/2006/main">
+  <p:cSld>
+    <p:spTree>
+      <p:nvGrpSpPr>
+        <p:cNvPr id="1" name=""/>
+        <p:cNvGrpSpPr/>
+        <p:nvPr/>
+      </p:nvGrpSpPr>
+      <p:grpSpPr>
+        <a:xfrm>
+          <a:off x="0" y="0"/>
+          <a:ext cx="0" cy="0"/>
+          <a:chOff x="0" y="0"/>
+          <a:chExt cx="0" cy="0"/>
+        </a:xfrm>
+      </p:grpSpPr>
+      <p:sp>
+        <p:nvSpPr>
+          <p:cNvPr id="2" name="Slide Image Placeholder 1"/>
+          <p:cNvSpPr>
+            <a:spLocks noGrp="1" noRot="1" noChangeAspect="1"/>
+          </p:cNvSpPr>
+          <p:nvPr>
+            <p:ph type="sldImg"/>
+          </p:nvPr>
+        </p:nvSpPr>
+        <p:spPr/>
+      </p:sp>
+      <p:sp>
+        <p:nvSpPr>
+          <p:cNvPr id="3" name="Notes Placeholder 2"/>
+          <p:cNvSpPr>
+            <a:spLocks noGrp="1"/>
+          </p:cNvSpPr>
+          <p:nvPr>
+            <p:ph type="body" idx="1"/>
+          </p:nvPr>
+        </p:nvSpPr>
+        <p:spPr/>
+        <p:txBody>
+          <a:bodyPr/>
+          <a:lstStyle/>
+          <a:p>
+            <a:r>
+              <a:rPr lang="en-US" dirty="0" smtClean="0"/>
+              <a:t>Demo</a:t>
+            </a:r>
+            <a:r>
+              <a:rPr lang="en-US" baseline="0" dirty="0" smtClean="0"/>
+              <a:t> 3</a:t>
+            </a:r>
+            <a:endParaRPr lang="en-US" dirty="0"/>
+          </a:p>
+        </p:txBody>
+      </p:sp>
+      <p:sp>
+        <p:nvSpPr>
+          <p:cNvPr id="4" name="Slide Number Placeholder 3"/>
+          <p:cNvSpPr>
+            <a:spLocks noGrp="1"/>
+          </p:cNvSpPr>
+          <p:nvPr>
+            <p:ph type="sldNum" sz="quarter" idx="10"/>
+          </p:nvPr>
+        </p:nvSpPr>
+        <p:spPr/>
+        <p:txBody>
+          <a:bodyPr/>
+          <a:lstStyle/>
+          <a:p>
+            <a:fld id="{432C2F01-3235-F748-B4E8-E3F35CE72FA9}" type="slidenum">
+              <a:rPr lang="en-US" smtClean="0"/>
+              <a:t>12</a:t>
+            </a:fld>
+            <a:endParaRPr lang="en-US"/>
+          </a:p>
+        </p:txBody>
+      </p:sp>
+    </p:spTree>
+    <p:extLst>
+      <p:ext uri="{BB962C8B-B14F-4D97-AF65-F5344CB8AC3E}">
+        <p14:creationId xmlns:p14="http://schemas.microsoft.com/office/powerpoint/2010/main" val="1940580691"/>
+      </p:ext>
+    </p:extLst>
+  </p:cSld>
+  <p:clrMapOvr>
+    <a:masterClrMapping/>
+  </p:clrMapOvr>
+</p:notes>
+</file>
+
+<file path=ppt/notesSlides/notesSlide4.xml><?xml version="1.0" encoding="utf-8"?>
+<p:notes xmlns:a="http://schemas.openxmlformats.org/drawingml/2006/main" xmlns:r="http://schemas.openxmlformats.org/officeDocument/2006/relationships" xmlns:p="http://schemas.openxmlformats.org/presentationml/2006/main">
+  <p:cSld>
+    <p:spTree>
+      <p:nvGrpSpPr>
+        <p:cNvPr id="1" name=""/>
+        <p:cNvGrpSpPr/>
+        <p:nvPr/>
+      </p:nvGrpSpPr>
+      <p:grpSpPr>
+        <a:xfrm>
+          <a:off x="0" y="0"/>
+          <a:ext cx="0" cy="0"/>
+          <a:chOff x="0" y="0"/>
+          <a:chExt cx="0" cy="0"/>
+        </a:xfrm>
+      </p:grpSpPr>
+      <p:sp>
+        <p:nvSpPr>
+          <p:cNvPr id="2" name="Slide Image Placeholder 1"/>
+          <p:cNvSpPr>
+            <a:spLocks noGrp="1" noRot="1" noChangeAspect="1"/>
+          </p:cNvSpPr>
+          <p:nvPr>
+            <p:ph type="sldImg"/>
+          </p:nvPr>
+        </p:nvSpPr>
+        <p:spPr/>
+      </p:sp>
+      <p:sp>
+        <p:nvSpPr>
+          <p:cNvPr id="3" name="Notes Placeholder 2"/>
+          <p:cNvSpPr>
+            <a:spLocks noGrp="1"/>
+          </p:cNvSpPr>
+          <p:nvPr>
+            <p:ph type="body" idx="1"/>
+          </p:nvPr>
+        </p:nvSpPr>
+        <p:spPr/>
+        <p:txBody>
+          <a:bodyPr/>
+          <a:lstStyle/>
+          <a:p>
+            <a:r>
+              <a:rPr lang="en-US" dirty="0" smtClean="0"/>
+              <a:t>Demo</a:t>
+            </a:r>
+            <a:r>
+              <a:rPr lang="en-US" baseline="0" dirty="0" smtClean="0"/>
+              <a:t> 4</a:t>
+            </a:r>
+            <a:endParaRPr lang="en-US" dirty="0"/>
+          </a:p>
+        </p:txBody>
+      </p:sp>
+      <p:sp>
+        <p:nvSpPr>
+          <p:cNvPr id="4" name="Slide Number Placeholder 3"/>
+          <p:cNvSpPr>
+            <a:spLocks noGrp="1"/>
+          </p:cNvSpPr>
+          <p:nvPr>
+            <p:ph type="sldNum" sz="quarter" idx="10"/>
+          </p:nvPr>
+        </p:nvSpPr>
+        <p:spPr/>
+        <p:txBody>
+          <a:bodyPr/>
+          <a:lstStyle/>
+          <a:p>
+            <a:fld id="{432C2F01-3235-F748-B4E8-E3F35CE72FA9}" type="slidenum">
+              <a:rPr lang="en-US" smtClean="0"/>
+              <a:t>13</a:t>
+            </a:fld>
+            <a:endParaRPr lang="en-US"/>
+          </a:p>
+        </p:txBody>
+      </p:sp>
+    </p:spTree>
+    <p:extLst>
+      <p:ext uri="{BB962C8B-B14F-4D97-AF65-F5344CB8AC3E}">
+        <p14:creationId xmlns:p14="http://schemas.microsoft.com/office/powerpoint/2010/main" val="506327908"/>
+      </p:ext>
+    </p:extLst>
+  </p:cSld>
+  <p:clrMapOvr>
+    <a:masterClrMapping/>
+  </p:clrMapOvr>
+</p:notes>
+</file>
+
+<file path=ppt/notesSlides/notesSlide5.xml><?xml version="1.0" encoding="utf-8"?>
+<p:notes xmlns:a="http://schemas.openxmlformats.org/drawingml/2006/main" xmlns:r="http://schemas.openxmlformats.org/officeDocument/2006/relationships" xmlns:p="http://schemas.openxmlformats.org/presentationml/2006/main">
+  <p:cSld>
+    <p:spTree>
+      <p:nvGrpSpPr>
+        <p:cNvPr id="1" name=""/>
+        <p:cNvGrpSpPr/>
+        <p:nvPr/>
+      </p:nvGrpSpPr>
+      <p:grpSpPr>
+        <a:xfrm>
+          <a:off x="0" y="0"/>
+          <a:ext cx="0" cy="0"/>
+          <a:chOff x="0" y="0"/>
+          <a:chExt cx="0" cy="0"/>
+        </a:xfrm>
+      </p:grpSpPr>
+      <p:sp>
+        <p:nvSpPr>
+          <p:cNvPr id="2" name="Slide Image Placeholder 1"/>
+          <p:cNvSpPr>
+            <a:spLocks noGrp="1" noRot="1" noChangeAspect="1"/>
+          </p:cNvSpPr>
+          <p:nvPr>
+            <p:ph type="sldImg"/>
+          </p:nvPr>
+        </p:nvSpPr>
+        <p:spPr/>
+      </p:sp>
+      <p:sp>
+        <p:nvSpPr>
+          <p:cNvPr id="3" name="Notes Placeholder 2"/>
+          <p:cNvSpPr>
+            <a:spLocks noGrp="1"/>
+          </p:cNvSpPr>
+          <p:nvPr>
+            <p:ph type="body" idx="1"/>
+          </p:nvPr>
+        </p:nvSpPr>
+        <p:spPr/>
+        <p:txBody>
+          <a:bodyPr/>
+          <a:lstStyle/>
+          <a:p>
+            <a:r>
+              <a:rPr lang="en-US" dirty="0" smtClean="0"/>
+              <a:t>Demo</a:t>
+            </a:r>
+            <a:r>
+              <a:rPr lang="en-US" baseline="0" dirty="0" smtClean="0"/>
+              <a:t> 5</a:t>
+            </a:r>
+            <a:endParaRPr lang="en-US" dirty="0"/>
+          </a:p>
+        </p:txBody>
+      </p:sp>
+      <p:sp>
+        <p:nvSpPr>
+          <p:cNvPr id="4" name="Slide Number Placeholder 3"/>
+          <p:cNvSpPr>
+            <a:spLocks noGrp="1"/>
+          </p:cNvSpPr>
+          <p:nvPr>
+            <p:ph type="sldNum" sz="quarter" idx="10"/>
+          </p:nvPr>
+        </p:nvSpPr>
+        <p:spPr/>
+        <p:txBody>
+          <a:bodyPr/>
+          <a:lstStyle/>
+          <a:p>
+            <a:fld id="{432C2F01-3235-F748-B4E8-E3F35CE72FA9}" type="slidenum">
+              <a:rPr lang="en-US" smtClean="0"/>
+              <a:t>14</a:t>
+            </a:fld>
+            <a:endParaRPr lang="en-US"/>
+          </a:p>
+        </p:txBody>
+      </p:sp>
+    </p:spTree>
+    <p:extLst>
+      <p:ext uri="{BB962C8B-B14F-4D97-AF65-F5344CB8AC3E}">
+        <p14:creationId xmlns:p14="http://schemas.microsoft.com/office/powerpoint/2010/main" val="1774535689"/>
+      </p:ext>
+    </p:extLst>
+  </p:cSld>
+  <p:clrMapOvr>
+    <a:masterClrMapping/>
+  </p:clrMapOvr>
+</p:notes>
+</file>
+
+<file path=ppt/notesSlides/notesSlide6.xml><?xml version="1.0" encoding="utf-8"?>
+<p:notes xmlns:a="http://schemas.openxmlformats.org/drawingml/2006/main" xmlns:r="http://schemas.openxmlformats.org/officeDocument/2006/relationships" xmlns:p="http://schemas.openxmlformats.org/presentationml/2006/main">
+  <p:cSld>
+    <p:spTree>
+      <p:nvGrpSpPr>
+        <p:cNvPr id="1" name=""/>
+        <p:cNvGrpSpPr/>
+        <p:nvPr/>
+      </p:nvGrpSpPr>
+      <p:grpSpPr>
+        <a:xfrm>
+          <a:off x="0" y="0"/>
+          <a:ext cx="0" cy="0"/>
+          <a:chOff x="0" y="0"/>
+          <a:chExt cx="0" cy="0"/>
+        </a:xfrm>
+      </p:grpSpPr>
+      <p:sp>
+        <p:nvSpPr>
+          <p:cNvPr id="2" name="Slide Image Placeholder 1"/>
+          <p:cNvSpPr>
+            <a:spLocks noGrp="1" noRot="1" noChangeAspect="1"/>
+          </p:cNvSpPr>
+          <p:nvPr>
+            <p:ph type="sldImg"/>
+          </p:nvPr>
+        </p:nvSpPr>
+        <p:spPr/>
+      </p:sp>
+      <p:sp>
+        <p:nvSpPr>
+          <p:cNvPr id="3" name="Notes Placeholder 2"/>
+          <p:cNvSpPr>
+            <a:spLocks noGrp="1"/>
+          </p:cNvSpPr>
+          <p:nvPr>
+            <p:ph type="body" idx="1"/>
+          </p:nvPr>
+        </p:nvSpPr>
+        <p:spPr/>
+        <p:txBody>
+          <a:bodyPr/>
+          <a:lstStyle/>
+          <a:p>
+            <a:endParaRPr lang="en-US" dirty="0"/>
+          </a:p>
+        </p:txBody>
+      </p:sp>
+      <p:sp>
+        <p:nvSpPr>
+          <p:cNvPr id="4" name="Slide Number Placeholder 3"/>
+          <p:cNvSpPr>
+            <a:spLocks noGrp="1"/>
+          </p:cNvSpPr>
+          <p:nvPr>
+            <p:ph type="sldNum" sz="quarter" idx="10"/>
+          </p:nvPr>
+        </p:nvSpPr>
+        <p:spPr/>
+        <p:txBody>
+          <a:bodyPr/>
+          <a:lstStyle/>
+          <a:p>
+            <a:fld id="{432C2F01-3235-F748-B4E8-E3F35CE72FA9}" type="slidenum">
+              <a:rPr lang="en-US" smtClean="0"/>
+              <a:t>15</a:t>
+            </a:fld>
+            <a:endParaRPr lang="en-US"/>
+          </a:p>
+        </p:txBody>
+      </p:sp>
+    </p:spTree>
+    <p:extLst>
+      <p:ext uri="{BB962C8B-B14F-4D97-AF65-F5344CB8AC3E}">
+        <p14:creationId xmlns:p14="http://schemas.microsoft.com/office/powerpoint/2010/main" val="1450583348"/>
+      </p:ext>
+    </p:extLst>
+  </p:cSld>
+  <p:clrMapOvr>
+    <a:masterClrMapping/>
+  </p:clrMapOvr>
+</p:notes>
+</file>
+
+<file path=ppt/notesSlides/notesSlide7.xml><?xml version="1.0" encoding="utf-8"?>
+<p:notes xmlns:a="http://schemas.openxmlformats.org/drawingml/2006/main" xmlns:r="http://schemas.openxmlformats.org/officeDocument/2006/relationships" xmlns:p="http://schemas.openxmlformats.org/presentationml/2006/main">
+  <p:cSld>
+    <p:spTree>
+      <p:nvGrpSpPr>
+        <p:cNvPr id="1" name=""/>
+        <p:cNvGrpSpPr/>
+        <p:nvPr/>
+      </p:nvGrpSpPr>
+      <p:grpSpPr>
+        <a:xfrm>
+          <a:off x="0" y="0"/>
+          <a:ext cx="0" cy="0"/>
+          <a:chOff x="0" y="0"/>
+          <a:chExt cx="0" cy="0"/>
+        </a:xfrm>
+      </p:grpSpPr>
+      <p:sp>
+        <p:nvSpPr>
+          <p:cNvPr id="2" name="Slide Image Placeholder 1"/>
+          <p:cNvSpPr>
+            <a:spLocks noGrp="1" noRot="1" noChangeAspect="1"/>
+          </p:cNvSpPr>
+          <p:nvPr>
+            <p:ph type="sldImg"/>
+          </p:nvPr>
+        </p:nvSpPr>
+        <p:spPr/>
+      </p:sp>
+      <p:sp>
+        <p:nvSpPr>
+          <p:cNvPr id="3" name="Notes Placeholder 2"/>
+          <p:cNvSpPr>
+            <a:spLocks noGrp="1"/>
+          </p:cNvSpPr>
+          <p:nvPr>
+            <p:ph type="body" idx="1"/>
+          </p:nvPr>
+        </p:nvSpPr>
+        <p:spPr/>
+        <p:txBody>
+          <a:bodyPr/>
+          <a:lstStyle/>
+          <a:p>
+            <a:r>
+              <a:rPr lang="en-US" dirty="0" smtClean="0"/>
+              <a:t>Demo</a:t>
+            </a:r>
+            <a:r>
+              <a:rPr lang="en-US" baseline="0" dirty="0" smtClean="0"/>
+              <a:t> 6</a:t>
+            </a:r>
+            <a:endParaRPr lang="en-US" dirty="0"/>
+          </a:p>
+        </p:txBody>
+      </p:sp>
+      <p:sp>
+        <p:nvSpPr>
+          <p:cNvPr id="4" name="Slide Number Placeholder 3"/>
+          <p:cNvSpPr>
+            <a:spLocks noGrp="1"/>
+          </p:cNvSpPr>
+          <p:nvPr>
+            <p:ph type="sldNum" sz="quarter" idx="10"/>
+          </p:nvPr>
+        </p:nvSpPr>
+        <p:spPr/>
+        <p:txBody>
+          <a:bodyPr/>
+          <a:lstStyle/>
+          <a:p>
+            <a:fld id="{432C2F01-3235-F748-B4E8-E3F35CE72FA9}" type="slidenum">
+              <a:rPr lang="en-US" smtClean="0"/>
+              <a:t>17</a:t>
+            </a:fld>
+            <a:endParaRPr lang="en-US"/>
+          </a:p>
+        </p:txBody>
+      </p:sp>
+    </p:spTree>
+    <p:extLst>
+      <p:ext uri="{BB962C8B-B14F-4D97-AF65-F5344CB8AC3E}">
+        <p14:creationId xmlns:p14="http://schemas.microsoft.com/office/powerpoint/2010/main" val="965304585"/>
+      </p:ext>
+    </p:extLst>
+  </p:cSld>
+  <p:clrMapOvr>
+    <a:masterClrMapping/>
+  </p:clrMapOvr>
+</p:notes>
+</file>
+
+<file path=ppt/notesSlides/notesSlide8.xml><?xml version="1.0" encoding="utf-8"?>
+<p:notes xmlns:a="http://schemas.openxmlformats.org/drawingml/2006/main" xmlns:r="http://schemas.openxmlformats.org/officeDocument/2006/relationships" xmlns:p="http://schemas.openxmlformats.org/presentationml/2006/main">
+  <p:cSld>
+    <p:spTree>
+      <p:nvGrpSpPr>
+        <p:cNvPr id="1" name=""/>
+        <p:cNvGrpSpPr/>
+        <p:nvPr/>
+      </p:nvGrpSpPr>
+      <p:grpSpPr>
+        <a:xfrm>
+          <a:off x="0" y="0"/>
+          <a:ext cx="0" cy="0"/>
+          <a:chOff x="0" y="0"/>
+          <a:chExt cx="0" cy="0"/>
+        </a:xfrm>
+      </p:grpSpPr>
+      <p:sp>
+        <p:nvSpPr>
+          <p:cNvPr id="2" name="Slide Image Placeholder 1"/>
+          <p:cNvSpPr>
+            <a:spLocks noGrp="1" noRot="1" noChangeAspect="1"/>
+          </p:cNvSpPr>
+          <p:nvPr>
+            <p:ph type="sldImg"/>
+          </p:nvPr>
+        </p:nvSpPr>
+        <p:spPr/>
+      </p:sp>
+      <p:sp>
+        <p:nvSpPr>
+          <p:cNvPr id="3" name="Notes Placeholder 2"/>
+          <p:cNvSpPr>
+            <a:spLocks noGrp="1"/>
+          </p:cNvSpPr>
+          <p:nvPr>
+            <p:ph type="body" idx="1"/>
+          </p:nvPr>
+        </p:nvSpPr>
+        <p:spPr/>
+        <p:txBody>
+          <a:bodyPr/>
+          <a:lstStyle/>
+          <a:p>
+            <a:r>
+              <a:rPr lang="en-US" dirty="0" smtClean="0"/>
+              <a:t>Demos</a:t>
+            </a:r>
+            <a:r>
+              <a:rPr lang="en-US" baseline="0" dirty="0" smtClean="0"/>
+              <a:t> 7-9</a:t>
+            </a:r>
+            <a:endParaRPr lang="en-US" dirty="0"/>
+          </a:p>
+        </p:txBody>
+      </p:sp>
+      <p:sp>
+        <p:nvSpPr>
+          <p:cNvPr id="4" name="Slide Number Placeholder 3"/>
+          <p:cNvSpPr>
+            <a:spLocks noGrp="1"/>
+          </p:cNvSpPr>
+          <p:nvPr>
+            <p:ph type="sldNum" sz="quarter" idx="10"/>
+          </p:nvPr>
+        </p:nvSpPr>
+        <p:spPr/>
+        <p:txBody>
+          <a:bodyPr/>
+          <a:lstStyle/>
+          <a:p>
+            <a:fld id="{432C2F01-3235-F748-B4E8-E3F35CE72FA9}" type="slidenum">
+              <a:rPr lang="en-US" smtClean="0"/>
+              <a:t>18</a:t>
+            </a:fld>
+            <a:endParaRPr lang="en-US"/>
+          </a:p>
+        </p:txBody>
+      </p:sp>
+    </p:spTree>
+    <p:extLst>
+      <p:ext uri="{BB962C8B-B14F-4D97-AF65-F5344CB8AC3E}">
+        <p14:creationId xmlns:p14="http://schemas.microsoft.com/office/powerpoint/2010/main" val="1691589189"/>
+      </p:ext>
+    </p:extLst>
+  </p:cSld>
+  <p:clrMapOvr>
+    <a:masterClrMapping/>
+  </p:clrMapOvr>
+</p:notes>
+</file>
+
+<file path=ppt/notesSlides/notesSlide9.xml><?xml version="1.0" encoding="utf-8"?>
+<p:notes xmlns:a="http://schemas.openxmlformats.org/drawingml/2006/main" xmlns:r="http://schemas.openxmlformats.org/officeDocument/2006/relationships" xmlns:p="http://schemas.openxmlformats.org/presentationml/2006/main">
+  <p:cSld>
+    <p:spTree>
+      <p:nvGrpSpPr>
+        <p:cNvPr id="1" name=""/>
+        <p:cNvGrpSpPr/>
+        <p:nvPr/>
+      </p:nvGrpSpPr>
+      <p:grpSpPr>
+        <a:xfrm>
+          <a:off x="0" y="0"/>
+          <a:ext cx="0" cy="0"/>
+          <a:chOff x="0" y="0"/>
+          <a:chExt cx="0" cy="0"/>
+        </a:xfrm>
+      </p:grpSpPr>
+      <p:sp>
+        <p:nvSpPr>
+          <p:cNvPr id="2" name="Slide Image Placeholder 1"/>
+          <p:cNvSpPr>
+            <a:spLocks noGrp="1" noRot="1" noChangeAspect="1"/>
+          </p:cNvSpPr>
+          <p:nvPr>
+            <p:ph type="sldImg"/>
+          </p:nvPr>
+        </p:nvSpPr>
+        <p:spPr/>
+      </p:sp>
+      <p:sp>
+        <p:nvSpPr>
+          <p:cNvPr id="3" name="Notes Placeholder 2"/>
+          <p:cNvSpPr>
+            <a:spLocks noGrp="1"/>
+          </p:cNvSpPr>
+          <p:nvPr>
+            <p:ph type="body" idx="1"/>
+          </p:nvPr>
+        </p:nvSpPr>
+        <p:spPr/>
+        <p:txBody>
+          <a:bodyPr/>
+          <a:lstStyle/>
+          <a:p>
+            <a:r>
+              <a:rPr lang="en-US" dirty="0" smtClean="0"/>
+              <a:t>Demo</a:t>
+            </a:r>
+            <a:r>
+              <a:rPr lang="en-US" baseline="0" dirty="0" smtClean="0"/>
+              <a:t> 10</a:t>
+            </a:r>
+            <a:endParaRPr lang="en-US" dirty="0"/>
+          </a:p>
+        </p:txBody>
+      </p:sp>
+      <p:sp>
+        <p:nvSpPr>
+          <p:cNvPr id="4" name="Slide Number Placeholder 3"/>
+          <p:cNvSpPr>
+            <a:spLocks noGrp="1"/>
+          </p:cNvSpPr>
+          <p:nvPr>
+            <p:ph type="sldNum" sz="quarter" idx="10"/>
+          </p:nvPr>
+        </p:nvSpPr>
+        <p:spPr/>
+        <p:txBody>
+          <a:bodyPr/>
+          <a:lstStyle/>
+          <a:p>
+            <a:fld id="{432C2F01-3235-F748-B4E8-E3F35CE72FA9}" type="slidenum">
+              <a:rPr lang="en-US" smtClean="0"/>
+              <a:t>19</a:t>
+            </a:fld>
+            <a:endParaRPr lang="en-US"/>
+          </a:p>
+        </p:txBody>
+      </p:sp>
+    </p:spTree>
+    <p:extLst>
+      <p:ext uri="{BB962C8B-B14F-4D97-AF65-F5344CB8AC3E}">
+        <p14:creationId xmlns:p14="http://schemas.microsoft.com/office/powerpoint/2010/main" val="135041932"/>
+      </p:ext>
+    </p:extLst>
+  </p:cSld>
+  <p:clrMapOvr>
+    <a:masterClrMapping/>
+  </p:clrMapOvr>
+</p:notes>
+</file>
+
 <file path=ppt/slideLayouts/slideLayout1.xml><?xml version="1.0" encoding="utf-8"?>
 <p:sldLayout xmlns:a="http://schemas.openxmlformats.org/drawingml/2006/main" xmlns:r="http://schemas.openxmlformats.org/officeDocument/2006/relationships" xmlns:p="http://schemas.openxmlformats.org/presentationml/2006/main" type="title" preserve="1">
   <p:cSld name="Title Slide">
@@ -616,7 +1538,7 @@
           <a:p>
             <a:fld id="{6BBEF6B5-29B0-3843-BC6B-0F62F44C2C43}" type="datetimeFigureOut">
               <a:rPr lang="en-US" smtClean="0"/>
-              <a:t>5/10/17</a:t>
+              <a:t>6/22/17</a:t>
             </a:fld>
             <a:endParaRPr lang="en-US"/>
           </a:p>
@@ -781,7 +1703,7 @@
           <a:p>
             <a:fld id="{6BBEF6B5-29B0-3843-BC6B-0F62F44C2C43}" type="datetimeFigureOut">
               <a:rPr lang="en-US" smtClean="0"/>
-              <a:t>5/10/17</a:t>
+              <a:t>6/22/17</a:t>
             </a:fld>
             <a:endParaRPr lang="en-US"/>
           </a:p>
@@ -956,7 +1878,7 @@
           <a:p>
             <a:fld id="{6BBEF6B5-29B0-3843-BC6B-0F62F44C2C43}" type="datetimeFigureOut">
               <a:rPr lang="en-US" smtClean="0"/>
-              <a:t>5/10/17</a:t>
+              <a:t>6/22/17</a:t>
             </a:fld>
             <a:endParaRPr lang="en-US"/>
           </a:p>
@@ -1121,7 +2043,7 @@
           <a:p>
             <a:fld id="{6BBEF6B5-29B0-3843-BC6B-0F62F44C2C43}" type="datetimeFigureOut">
               <a:rPr lang="en-US" smtClean="0"/>
-              <a:t>5/10/17</a:t>
+              <a:t>6/22/17</a:t>
             </a:fld>
             <a:endParaRPr lang="en-US"/>
           </a:p>
@@ -1362,7 +2284,7 @@
           <a:p>
             <a:fld id="{6BBEF6B5-29B0-3843-BC6B-0F62F44C2C43}" type="datetimeFigureOut">
               <a:rPr lang="en-US" smtClean="0"/>
-              <a:t>5/10/17</a:t>
+              <a:t>6/22/17</a:t>
             </a:fld>
             <a:endParaRPr lang="en-US"/>
           </a:p>
@@ -1589,7 +2511,7 @@
           <a:p>
             <a:fld id="{6BBEF6B5-29B0-3843-BC6B-0F62F44C2C43}" type="datetimeFigureOut">
               <a:rPr lang="en-US" smtClean="0"/>
-              <a:t>5/10/17</a:t>
+              <a:t>6/22/17</a:t>
             </a:fld>
             <a:endParaRPr lang="en-US"/>
           </a:p>
@@ -1951,7 +2873,7 @@
           <a:p>
             <a:fld id="{6BBEF6B5-29B0-3843-BC6B-0F62F44C2C43}" type="datetimeFigureOut">
               <a:rPr lang="en-US" smtClean="0"/>
-              <a:t>5/10/17</a:t>
+              <a:t>6/22/17</a:t>
             </a:fld>
             <a:endParaRPr lang="en-US"/>
           </a:p>
@@ -2064,7 +2986,7 @@
           <a:p>
             <a:fld id="{6BBEF6B5-29B0-3843-BC6B-0F62F44C2C43}" type="datetimeFigureOut">
               <a:rPr lang="en-US" smtClean="0"/>
-              <a:t>5/10/17</a:t>
+              <a:t>6/22/17</a:t>
             </a:fld>
             <a:endParaRPr lang="en-US"/>
           </a:p>
@@ -2154,7 +3076,7 @@
           <a:p>
             <a:fld id="{6BBEF6B5-29B0-3843-BC6B-0F62F44C2C43}" type="datetimeFigureOut">
               <a:rPr lang="en-US" smtClean="0"/>
-              <a:t>5/10/17</a:t>
+              <a:t>6/22/17</a:t>
             </a:fld>
             <a:endParaRPr lang="en-US"/>
           </a:p>
@@ -2426,7 +3348,7 @@
           <a:p>
             <a:fld id="{6BBEF6B5-29B0-3843-BC6B-0F62F44C2C43}" type="datetimeFigureOut">
               <a:rPr lang="en-US" smtClean="0"/>
-              <a:t>5/10/17</a:t>
+              <a:t>6/22/17</a:t>
             </a:fld>
             <a:endParaRPr lang="en-US"/>
           </a:p>
@@ -2674,7 +3596,7 @@
           <a:p>
             <a:fld id="{6BBEF6B5-29B0-3843-BC6B-0F62F44C2C43}" type="datetimeFigureOut">
               <a:rPr lang="en-US" smtClean="0"/>
-              <a:t>5/10/17</a:t>
+              <a:t>6/22/17</a:t>
             </a:fld>
             <a:endParaRPr lang="en-US"/>
           </a:p>
@@ -2882,7 +3804,7 @@
           <a:p>
             <a:fld id="{6BBEF6B5-29B0-3843-BC6B-0F62F44C2C43}" type="datetimeFigureOut">
               <a:rPr lang="en-US" smtClean="0"/>
-              <a:t>5/10/17</a:t>
+              <a:t>6/22/17</a:t>
             </a:fld>
             <a:endParaRPr lang="en-US"/>
           </a:p>
@@ -3415,7 +4337,7 @@
           <a:p>
             <a:r>
               <a:rPr lang="en-US" dirty="0" smtClean="0"/>
-              <a:t>commands</a:t>
+              <a:t>demo - contributions</a:t>
             </a:r>
             <a:endParaRPr lang="en-US" dirty="0"/>
           </a:p>
@@ -3436,14 +4358,17 @@
           <a:bodyPr/>
           <a:lstStyle/>
           <a:p>
-            <a:endParaRPr lang="en-US" dirty="0" smtClean="0"/>
+            <a:r>
+              <a:rPr lang="en-US" dirty="0" smtClean="0"/>
+              <a:t>my extension contributes a new snippet to the product</a:t>
+            </a:r>
           </a:p>
         </p:txBody>
       </p:sp>
     </p:spTree>
     <p:extLst>
       <p:ext uri="{BB962C8B-B14F-4D97-AF65-F5344CB8AC3E}">
-        <p14:creationId xmlns:p14="http://schemas.microsoft.com/office/powerpoint/2010/main" val="244165674"/>
+        <p14:creationId xmlns:p14="http://schemas.microsoft.com/office/powerpoint/2010/main" val="1415727568"/>
       </p:ext>
     </p:extLst>
   </p:cSld>
@@ -3497,7 +4422,7 @@
           <a:p>
             <a:r>
               <a:rPr lang="en-US" dirty="0" smtClean="0"/>
-              <a:t>user experience</a:t>
+              <a:t>commands</a:t>
             </a:r>
             <a:endParaRPr lang="en-US" dirty="0"/>
           </a:p>
@@ -3518,14 +4443,17 @@
           <a:bodyPr/>
           <a:lstStyle/>
           <a:p>
-            <a:endParaRPr lang="en-US" dirty="0" smtClean="0"/>
+            <a:r>
+              <a:rPr lang="en-US" dirty="0" smtClean="0"/>
+              <a:t>how vs code extensions know when and how to respond</a:t>
+            </a:r>
           </a:p>
         </p:txBody>
       </p:sp>
     </p:spTree>
     <p:extLst>
       <p:ext uri="{BB962C8B-B14F-4D97-AF65-F5344CB8AC3E}">
-        <p14:creationId xmlns:p14="http://schemas.microsoft.com/office/powerpoint/2010/main" val="804474398"/>
+        <p14:creationId xmlns:p14="http://schemas.microsoft.com/office/powerpoint/2010/main" val="244165674"/>
       </p:ext>
     </p:extLst>
   </p:cSld>
@@ -3579,7 +4507,15 @@
           <a:p>
             <a:r>
               <a:rPr lang="en-US" dirty="0" smtClean="0"/>
-              <a:t>editor interaction</a:t>
+              <a:t>demo </a:t>
+            </a:r>
+            <a:r>
+              <a:rPr lang="mr-IN" dirty="0" smtClean="0"/>
+              <a:t>–</a:t>
+            </a:r>
+            <a:r>
+              <a:rPr lang="en-US" dirty="0" smtClean="0"/>
+              <a:t> creating commands</a:t>
             </a:r>
             <a:endParaRPr lang="en-US" dirty="0"/>
           </a:p>
@@ -3600,14 +4536,17 @@
           <a:bodyPr/>
           <a:lstStyle/>
           <a:p>
-            <a:endParaRPr lang="en-US" dirty="0" smtClean="0"/>
+            <a:r>
+              <a:rPr lang="en-US" dirty="0" smtClean="0"/>
+              <a:t>create a custom command that responds to being triggered </a:t>
+            </a:r>
           </a:p>
         </p:txBody>
       </p:sp>
     </p:spTree>
     <p:extLst>
       <p:ext uri="{BB962C8B-B14F-4D97-AF65-F5344CB8AC3E}">
-        <p14:creationId xmlns:p14="http://schemas.microsoft.com/office/powerpoint/2010/main" val="1998717148"/>
+        <p14:creationId xmlns:p14="http://schemas.microsoft.com/office/powerpoint/2010/main" val="1655672410"/>
       </p:ext>
     </p:extLst>
   </p:cSld>
@@ -3661,6 +4600,1437 @@
           <a:p>
             <a:r>
               <a:rPr lang="en-US" dirty="0" smtClean="0"/>
+              <a:t>demo </a:t>
+            </a:r>
+            <a:r>
+              <a:rPr lang="mr-IN" dirty="0" smtClean="0"/>
+              <a:t>–</a:t>
+            </a:r>
+            <a:r>
+              <a:rPr lang="en-US" dirty="0" smtClean="0"/>
+              <a:t> contributing commands</a:t>
+            </a:r>
+            <a:endParaRPr lang="en-US" dirty="0"/>
+          </a:p>
+        </p:txBody>
+      </p:sp>
+      <p:sp>
+        <p:nvSpPr>
+          <p:cNvPr id="5" name="Text Placeholder 4"/>
+          <p:cNvSpPr>
+            <a:spLocks noGrp="1"/>
+          </p:cNvSpPr>
+          <p:nvPr>
+            <p:ph type="body" idx="1"/>
+          </p:nvPr>
+        </p:nvSpPr>
+        <p:spPr/>
+        <p:txBody>
+          <a:bodyPr/>
+          <a:lstStyle/>
+          <a:p>
+            <a:r>
+              <a:rPr lang="en-US" dirty="0" smtClean="0"/>
+              <a:t>contributing commands to the running instance of visual studio code</a:t>
+            </a:r>
+          </a:p>
+        </p:txBody>
+      </p:sp>
+    </p:spTree>
+    <p:extLst>
+      <p:ext uri="{BB962C8B-B14F-4D97-AF65-F5344CB8AC3E}">
+        <p14:creationId xmlns:p14="http://schemas.microsoft.com/office/powerpoint/2010/main" val="307452370"/>
+      </p:ext>
+    </p:extLst>
+  </p:cSld>
+  <p:clrMapOvr>
+    <a:masterClrMapping/>
+  </p:clrMapOvr>
+  <p:transition spd="slow">
+    <p:push/>
+  </p:transition>
+  <p:timing>
+    <p:tnLst>
+      <p:par>
+        <p:cTn id="1" dur="indefinite" restart="never" nodeType="tmRoot"/>
+      </p:par>
+    </p:tnLst>
+  </p:timing>
+</p:sld>
+</file>
+
+<file path=ppt/slides/slide14.xml><?xml version="1.0" encoding="utf-8"?>
+<p:sld xmlns:a="http://schemas.openxmlformats.org/drawingml/2006/main" xmlns:r="http://schemas.openxmlformats.org/officeDocument/2006/relationships" xmlns:p="http://schemas.openxmlformats.org/presentationml/2006/main">
+  <p:cSld>
+    <p:spTree>
+      <p:nvGrpSpPr>
+        <p:cNvPr id="1" name=""/>
+        <p:cNvGrpSpPr/>
+        <p:nvPr/>
+      </p:nvGrpSpPr>
+      <p:grpSpPr>
+        <a:xfrm>
+          <a:off x="0" y="0"/>
+          <a:ext cx="0" cy="0"/>
+          <a:chOff x="0" y="0"/>
+          <a:chExt cx="0" cy="0"/>
+        </a:xfrm>
+      </p:grpSpPr>
+      <p:sp>
+        <p:nvSpPr>
+          <p:cNvPr id="4" name="Title 3"/>
+          <p:cNvSpPr>
+            <a:spLocks noGrp="1"/>
+          </p:cNvSpPr>
+          <p:nvPr>
+            <p:ph type="title"/>
+          </p:nvPr>
+        </p:nvSpPr>
+        <p:spPr/>
+        <p:txBody>
+          <a:bodyPr/>
+          <a:lstStyle/>
+          <a:p>
+            <a:r>
+              <a:rPr lang="en-US" dirty="0" smtClean="0"/>
+              <a:t>demo </a:t>
+            </a:r>
+            <a:r>
+              <a:rPr lang="mr-IN" dirty="0" smtClean="0"/>
+              <a:t>–</a:t>
+            </a:r>
+            <a:r>
+              <a:rPr lang="en-US" dirty="0" smtClean="0"/>
+              <a:t> registering commands</a:t>
+            </a:r>
+            <a:endParaRPr lang="en-US" dirty="0"/>
+          </a:p>
+        </p:txBody>
+      </p:sp>
+      <p:sp>
+        <p:nvSpPr>
+          <p:cNvPr id="5" name="Text Placeholder 4"/>
+          <p:cNvSpPr>
+            <a:spLocks noGrp="1"/>
+          </p:cNvSpPr>
+          <p:nvPr>
+            <p:ph type="body" idx="1"/>
+          </p:nvPr>
+        </p:nvSpPr>
+        <p:spPr/>
+        <p:txBody>
+          <a:bodyPr/>
+          <a:lstStyle/>
+          <a:p>
+            <a:r>
+              <a:rPr lang="en-US" dirty="0" smtClean="0"/>
+              <a:t>wiring custom commands up to the custom extension’s context</a:t>
+            </a:r>
+          </a:p>
+        </p:txBody>
+      </p:sp>
+    </p:spTree>
+    <p:extLst>
+      <p:ext uri="{BB962C8B-B14F-4D97-AF65-F5344CB8AC3E}">
+        <p14:creationId xmlns:p14="http://schemas.microsoft.com/office/powerpoint/2010/main" val="742084374"/>
+      </p:ext>
+    </p:extLst>
+  </p:cSld>
+  <p:clrMapOvr>
+    <a:masterClrMapping/>
+  </p:clrMapOvr>
+  <p:transition spd="slow">
+    <p:push/>
+  </p:transition>
+  <p:timing>
+    <p:tnLst>
+      <p:par>
+        <p:cTn id="1" dur="indefinite" restart="never" nodeType="tmRoot"/>
+      </p:par>
+    </p:tnLst>
+  </p:timing>
+</p:sld>
+</file>
+
+<file path=ppt/slides/slide15.xml><?xml version="1.0" encoding="utf-8"?>
+<p:sld xmlns:a="http://schemas.openxmlformats.org/drawingml/2006/main" xmlns:r="http://schemas.openxmlformats.org/officeDocument/2006/relationships" xmlns:p="http://schemas.openxmlformats.org/presentationml/2006/main">
+  <p:cSld>
+    <p:spTree>
+      <p:nvGrpSpPr>
+        <p:cNvPr id="1" name=""/>
+        <p:cNvGrpSpPr/>
+        <p:nvPr/>
+      </p:nvGrpSpPr>
+      <p:grpSpPr>
+        <a:xfrm>
+          <a:off x="0" y="0"/>
+          <a:ext cx="0" cy="0"/>
+          <a:chOff x="0" y="0"/>
+          <a:chExt cx="0" cy="0"/>
+        </a:xfrm>
+      </p:grpSpPr>
+      <p:sp>
+        <p:nvSpPr>
+          <p:cNvPr id="4" name="Title 3"/>
+          <p:cNvSpPr>
+            <a:spLocks noGrp="1"/>
+          </p:cNvSpPr>
+          <p:nvPr>
+            <p:ph type="title"/>
+          </p:nvPr>
+        </p:nvSpPr>
+        <p:spPr/>
+        <p:txBody>
+          <a:bodyPr/>
+          <a:lstStyle/>
+          <a:p>
+            <a:r>
+              <a:rPr lang="en-US" dirty="0" smtClean="0"/>
+              <a:t>user experience</a:t>
+            </a:r>
+            <a:endParaRPr lang="en-US" dirty="0"/>
+          </a:p>
+        </p:txBody>
+      </p:sp>
+      <p:sp>
+        <p:nvSpPr>
+          <p:cNvPr id="5" name="Text Placeholder 4"/>
+          <p:cNvSpPr>
+            <a:spLocks noGrp="1"/>
+          </p:cNvSpPr>
+          <p:nvPr>
+            <p:ph type="body" idx="1"/>
+          </p:nvPr>
+        </p:nvSpPr>
+        <p:spPr/>
+        <p:txBody>
+          <a:bodyPr/>
+          <a:lstStyle/>
+          <a:p>
+            <a:endParaRPr lang="en-US" dirty="0" smtClean="0"/>
+          </a:p>
+        </p:txBody>
+      </p:sp>
+    </p:spTree>
+    <p:extLst>
+      <p:ext uri="{BB962C8B-B14F-4D97-AF65-F5344CB8AC3E}">
+        <p14:creationId xmlns:p14="http://schemas.microsoft.com/office/powerpoint/2010/main" val="804474398"/>
+      </p:ext>
+    </p:extLst>
+  </p:cSld>
+  <p:clrMapOvr>
+    <a:masterClrMapping/>
+  </p:clrMapOvr>
+  <p:transition spd="slow">
+    <p:push/>
+  </p:transition>
+  <p:timing>
+    <p:tnLst>
+      <p:par>
+        <p:cTn id="1" dur="indefinite" restart="never" nodeType="tmRoot"/>
+      </p:par>
+    </p:tnLst>
+  </p:timing>
+</p:sld>
+</file>
+
+<file path=ppt/slides/slide16.xml><?xml version="1.0" encoding="utf-8"?>
+<p:sld xmlns:a="http://schemas.openxmlformats.org/drawingml/2006/main" xmlns:r="http://schemas.openxmlformats.org/officeDocument/2006/relationships" xmlns:p="http://schemas.openxmlformats.org/presentationml/2006/main">
+  <p:cSld>
+    <p:spTree>
+      <p:nvGrpSpPr>
+        <p:cNvPr id="1" name=""/>
+        <p:cNvGrpSpPr/>
+        <p:nvPr/>
+      </p:nvGrpSpPr>
+      <p:grpSpPr>
+        <a:xfrm>
+          <a:off x="0" y="0"/>
+          <a:ext cx="0" cy="0"/>
+          <a:chOff x="0" y="0"/>
+          <a:chExt cx="0" cy="0"/>
+        </a:xfrm>
+      </p:grpSpPr>
+      <p:sp>
+        <p:nvSpPr>
+          <p:cNvPr id="4" name="Title 3"/>
+          <p:cNvSpPr>
+            <a:spLocks noGrp="1"/>
+          </p:cNvSpPr>
+          <p:nvPr>
+            <p:ph type="title"/>
+          </p:nvPr>
+        </p:nvSpPr>
+        <p:spPr/>
+        <p:txBody>
+          <a:bodyPr/>
+          <a:lstStyle/>
+          <a:p>
+            <a:r>
+              <a:rPr lang="en-US" dirty="0" smtClean="0"/>
+              <a:t>user experience in vs code</a:t>
+            </a:r>
+            <a:endParaRPr lang="en-US" dirty="0"/>
+          </a:p>
+        </p:txBody>
+      </p:sp>
+      <p:sp>
+        <p:nvSpPr>
+          <p:cNvPr id="7" name="Text Placeholder 6"/>
+          <p:cNvSpPr>
+            <a:spLocks noGrp="1"/>
+          </p:cNvSpPr>
+          <p:nvPr>
+            <p:ph type="body" idx="1"/>
+          </p:nvPr>
+        </p:nvSpPr>
+        <p:spPr>
+          <a:xfrm>
+            <a:off x="839788" y="1243840"/>
+            <a:ext cx="5157787" cy="823912"/>
+          </a:xfrm>
+        </p:spPr>
+        <p:txBody>
+          <a:bodyPr/>
+          <a:lstStyle/>
+          <a:p>
+            <a:r>
+              <a:rPr lang="en-US" dirty="0" smtClean="0"/>
+              <a:t>purpose</a:t>
+            </a:r>
+            <a:endParaRPr lang="en-US" dirty="0"/>
+          </a:p>
+        </p:txBody>
+      </p:sp>
+      <p:sp>
+        <p:nvSpPr>
+          <p:cNvPr id="8" name="Content Placeholder 7"/>
+          <p:cNvSpPr>
+            <a:spLocks noGrp="1"/>
+          </p:cNvSpPr>
+          <p:nvPr>
+            <p:ph sz="half" idx="2"/>
+          </p:nvPr>
+        </p:nvSpPr>
+        <p:spPr>
+          <a:xfrm>
+            <a:off x="839788" y="2067752"/>
+            <a:ext cx="5157787" cy="3684588"/>
+          </a:xfrm>
+        </p:spPr>
+        <p:txBody>
+          <a:bodyPr/>
+          <a:lstStyle/>
+          <a:p>
+            <a:pPr marL="0" indent="0">
+              <a:buNone/>
+            </a:pPr>
+            <a:r>
+              <a:rPr lang="en-US" sz="2000" dirty="0" smtClean="0"/>
+              <a:t>progress updates</a:t>
+            </a:r>
+          </a:p>
+          <a:p>
+            <a:pPr marL="0" indent="0">
+              <a:buNone/>
+            </a:pPr>
+            <a:r>
+              <a:rPr lang="en-US" sz="2000" dirty="0" smtClean="0"/>
+              <a:t>toolbar buttons</a:t>
+            </a:r>
+          </a:p>
+          <a:p>
+            <a:pPr marL="0" indent="0">
+              <a:buNone/>
+            </a:pPr>
+            <a:r>
+              <a:rPr lang="en-US" sz="2000" dirty="0" smtClean="0"/>
+              <a:t>select lists or combo boxes</a:t>
+            </a:r>
+          </a:p>
+          <a:p>
+            <a:pPr marL="0" indent="0">
+              <a:buNone/>
+            </a:pPr>
+            <a:r>
+              <a:rPr lang="en-US" sz="2000" dirty="0" smtClean="0"/>
+              <a:t>collecting input</a:t>
+            </a:r>
+          </a:p>
+          <a:p>
+            <a:pPr marL="0" indent="0">
+              <a:buNone/>
+            </a:pPr>
+            <a:r>
+              <a:rPr lang="en-US" sz="2000" dirty="0" smtClean="0"/>
+              <a:t>tell the customer something happened</a:t>
+            </a:r>
+          </a:p>
+          <a:p>
+            <a:pPr marL="0" indent="0">
+              <a:buNone/>
+            </a:pPr>
+            <a:r>
+              <a:rPr lang="en-US" sz="2000" dirty="0" smtClean="0"/>
+              <a:t>tell the customer something broke</a:t>
+            </a:r>
+            <a:endParaRPr lang="en-US" sz="2000" dirty="0"/>
+          </a:p>
+        </p:txBody>
+      </p:sp>
+      <p:sp>
+        <p:nvSpPr>
+          <p:cNvPr id="9" name="Text Placeholder 8"/>
+          <p:cNvSpPr>
+            <a:spLocks noGrp="1"/>
+          </p:cNvSpPr>
+          <p:nvPr>
+            <p:ph type="body" sz="quarter" idx="3"/>
+          </p:nvPr>
+        </p:nvSpPr>
+        <p:spPr>
+          <a:xfrm>
+            <a:off x="6172200" y="1243840"/>
+            <a:ext cx="5183188" cy="823912"/>
+          </a:xfrm>
+        </p:spPr>
+        <p:txBody>
+          <a:bodyPr/>
+          <a:lstStyle/>
+          <a:p>
+            <a:r>
+              <a:rPr lang="en-US" dirty="0" err="1" smtClean="0"/>
+              <a:t>api</a:t>
+            </a:r>
+            <a:endParaRPr lang="en-US" dirty="0"/>
+          </a:p>
+        </p:txBody>
+      </p:sp>
+      <p:sp>
+        <p:nvSpPr>
+          <p:cNvPr id="10" name="Content Placeholder 9"/>
+          <p:cNvSpPr>
+            <a:spLocks noGrp="1"/>
+          </p:cNvSpPr>
+          <p:nvPr>
+            <p:ph sz="quarter" idx="4"/>
+          </p:nvPr>
+        </p:nvSpPr>
+        <p:spPr>
+          <a:xfrm>
+            <a:off x="6172200" y="2067752"/>
+            <a:ext cx="5183188" cy="3684588"/>
+          </a:xfrm>
+        </p:spPr>
+        <p:txBody>
+          <a:bodyPr>
+            <a:normAutofit/>
+          </a:bodyPr>
+          <a:lstStyle/>
+          <a:p>
+            <a:pPr marL="0" indent="0">
+              <a:buNone/>
+            </a:pPr>
+            <a:r>
+              <a:rPr lang="en-US" sz="2000" dirty="0" err="1" smtClean="0"/>
+              <a:t>window.createOutputChannel</a:t>
+            </a:r>
+            <a:endParaRPr lang="en-US" sz="2000" dirty="0" smtClean="0"/>
+          </a:p>
+          <a:p>
+            <a:pPr marL="0" indent="0">
+              <a:buNone/>
+            </a:pPr>
+            <a:r>
+              <a:rPr lang="en-US" sz="2000" dirty="0" err="1"/>
+              <a:t>window.createStatusBarItem</a:t>
+            </a:r>
+            <a:endParaRPr lang="en-US" sz="2000" dirty="0"/>
+          </a:p>
+          <a:p>
+            <a:pPr marL="0" indent="0">
+              <a:buNone/>
+            </a:pPr>
+            <a:r>
+              <a:rPr lang="en-US" sz="2000" dirty="0" err="1" smtClean="0"/>
+              <a:t>window.showQuickPick</a:t>
+            </a:r>
+            <a:endParaRPr lang="en-US" sz="2000" dirty="0" smtClean="0"/>
+          </a:p>
+          <a:p>
+            <a:pPr marL="0" indent="0">
+              <a:buNone/>
+            </a:pPr>
+            <a:r>
+              <a:rPr lang="en-US" sz="2000" dirty="0" err="1" smtClean="0"/>
+              <a:t>window.showInputBox</a:t>
+            </a:r>
+            <a:endParaRPr lang="en-US" sz="2000" dirty="0" smtClean="0"/>
+          </a:p>
+          <a:p>
+            <a:pPr marL="0" indent="0">
+              <a:buNone/>
+            </a:pPr>
+            <a:r>
+              <a:rPr lang="en-US" sz="2000" dirty="0" err="1" smtClean="0"/>
+              <a:t>window.showInformationMessage</a:t>
+            </a:r>
+            <a:endParaRPr lang="en-US" sz="2000" dirty="0" smtClean="0"/>
+          </a:p>
+          <a:p>
+            <a:pPr marL="0" indent="0">
+              <a:buNone/>
+            </a:pPr>
+            <a:r>
+              <a:rPr lang="en-US" sz="2000" dirty="0" err="1" smtClean="0"/>
+              <a:t>window.showErrorMessage</a:t>
+            </a:r>
+            <a:endParaRPr lang="en-US" sz="2000" dirty="0"/>
+          </a:p>
+        </p:txBody>
+      </p:sp>
+    </p:spTree>
+    <p:extLst>
+      <p:ext uri="{BB962C8B-B14F-4D97-AF65-F5344CB8AC3E}">
+        <p14:creationId xmlns:p14="http://schemas.microsoft.com/office/powerpoint/2010/main" val="1796135866"/>
+      </p:ext>
+    </p:extLst>
+  </p:cSld>
+  <p:clrMapOvr>
+    <a:masterClrMapping/>
+  </p:clrMapOvr>
+  <p:timing>
+    <p:tnLst>
+      <p:par>
+        <p:cTn id="1" dur="indefinite" restart="never" nodeType="tmRoot"/>
+      </p:par>
+    </p:tnLst>
+  </p:timing>
+</p:sld>
+</file>
+
+<file path=ppt/slides/slide17.xml><?xml version="1.0" encoding="utf-8"?>
+<p:sld xmlns:a="http://schemas.openxmlformats.org/drawingml/2006/main" xmlns:r="http://schemas.openxmlformats.org/officeDocument/2006/relationships" xmlns:p="http://schemas.openxmlformats.org/presentationml/2006/main">
+  <p:cSld>
+    <p:spTree>
+      <p:nvGrpSpPr>
+        <p:cNvPr id="1" name=""/>
+        <p:cNvGrpSpPr/>
+        <p:nvPr/>
+      </p:nvGrpSpPr>
+      <p:grpSpPr>
+        <a:xfrm>
+          <a:off x="0" y="0"/>
+          <a:ext cx="0" cy="0"/>
+          <a:chOff x="0" y="0"/>
+          <a:chExt cx="0" cy="0"/>
+        </a:xfrm>
+      </p:grpSpPr>
+      <p:sp>
+        <p:nvSpPr>
+          <p:cNvPr id="4" name="Title 3"/>
+          <p:cNvSpPr>
+            <a:spLocks noGrp="1"/>
+          </p:cNvSpPr>
+          <p:nvPr>
+            <p:ph type="title"/>
+          </p:nvPr>
+        </p:nvSpPr>
+        <p:spPr/>
+        <p:txBody>
+          <a:bodyPr/>
+          <a:lstStyle/>
+          <a:p>
+            <a:r>
+              <a:rPr lang="en-US" dirty="0" smtClean="0"/>
+              <a:t>demo </a:t>
+            </a:r>
+            <a:r>
+              <a:rPr lang="mr-IN" dirty="0" smtClean="0"/>
+              <a:t>–</a:t>
+            </a:r>
+            <a:r>
+              <a:rPr lang="en-US" dirty="0" smtClean="0"/>
+              <a:t> outputting messages</a:t>
+            </a:r>
+            <a:endParaRPr lang="en-US" dirty="0"/>
+          </a:p>
+        </p:txBody>
+      </p:sp>
+      <p:sp>
+        <p:nvSpPr>
+          <p:cNvPr id="5" name="Text Placeholder 4"/>
+          <p:cNvSpPr>
+            <a:spLocks noGrp="1"/>
+          </p:cNvSpPr>
+          <p:nvPr>
+            <p:ph type="body" idx="1"/>
+          </p:nvPr>
+        </p:nvSpPr>
+        <p:spPr/>
+        <p:txBody>
+          <a:bodyPr/>
+          <a:lstStyle/>
+          <a:p>
+            <a:r>
+              <a:rPr lang="en-US" dirty="0" smtClean="0"/>
+              <a:t>don’t forget to keep the user informed on progress and activity</a:t>
+            </a:r>
+          </a:p>
+        </p:txBody>
+      </p:sp>
+    </p:spTree>
+    <p:extLst>
+      <p:ext uri="{BB962C8B-B14F-4D97-AF65-F5344CB8AC3E}">
+        <p14:creationId xmlns:p14="http://schemas.microsoft.com/office/powerpoint/2010/main" val="2075093695"/>
+      </p:ext>
+    </p:extLst>
+  </p:cSld>
+  <p:clrMapOvr>
+    <a:masterClrMapping/>
+  </p:clrMapOvr>
+  <p:transition spd="slow">
+    <p:push/>
+  </p:transition>
+  <p:timing>
+    <p:tnLst>
+      <p:par>
+        <p:cTn id="1" dur="indefinite" restart="never" nodeType="tmRoot"/>
+      </p:par>
+    </p:tnLst>
+  </p:timing>
+</p:sld>
+</file>
+
+<file path=ppt/slides/slide18.xml><?xml version="1.0" encoding="utf-8"?>
+<p:sld xmlns:a="http://schemas.openxmlformats.org/drawingml/2006/main" xmlns:r="http://schemas.openxmlformats.org/officeDocument/2006/relationships" xmlns:p="http://schemas.openxmlformats.org/presentationml/2006/main">
+  <p:cSld>
+    <p:spTree>
+      <p:nvGrpSpPr>
+        <p:cNvPr id="1" name=""/>
+        <p:cNvGrpSpPr/>
+        <p:nvPr/>
+      </p:nvGrpSpPr>
+      <p:grpSpPr>
+        <a:xfrm>
+          <a:off x="0" y="0"/>
+          <a:ext cx="0" cy="0"/>
+          <a:chOff x="0" y="0"/>
+          <a:chExt cx="0" cy="0"/>
+        </a:xfrm>
+      </p:grpSpPr>
+      <p:sp>
+        <p:nvSpPr>
+          <p:cNvPr id="4" name="Title 3"/>
+          <p:cNvSpPr>
+            <a:spLocks noGrp="1"/>
+          </p:cNvSpPr>
+          <p:nvPr>
+            <p:ph type="title"/>
+          </p:nvPr>
+        </p:nvSpPr>
+        <p:spPr/>
+        <p:txBody>
+          <a:bodyPr/>
+          <a:lstStyle/>
+          <a:p>
+            <a:r>
+              <a:rPr lang="en-US" dirty="0" smtClean="0"/>
+              <a:t>demo </a:t>
+            </a:r>
+            <a:r>
+              <a:rPr lang="mr-IN" dirty="0" smtClean="0"/>
+              <a:t>–</a:t>
+            </a:r>
+            <a:r>
+              <a:rPr lang="en-US" dirty="0" smtClean="0"/>
+              <a:t> </a:t>
+            </a:r>
+            <a:r>
+              <a:rPr lang="en-US" dirty="0" smtClean="0"/>
+              <a:t>toolbars &amp; buttons</a:t>
+            </a:r>
+            <a:endParaRPr lang="en-US" dirty="0"/>
+          </a:p>
+        </p:txBody>
+      </p:sp>
+      <p:sp>
+        <p:nvSpPr>
+          <p:cNvPr id="5" name="Text Placeholder 4"/>
+          <p:cNvSpPr>
+            <a:spLocks noGrp="1"/>
+          </p:cNvSpPr>
+          <p:nvPr>
+            <p:ph type="body" idx="1"/>
+          </p:nvPr>
+        </p:nvSpPr>
+        <p:spPr/>
+        <p:txBody>
+          <a:bodyPr/>
+          <a:lstStyle/>
+          <a:p>
+            <a:r>
+              <a:rPr lang="en-US" dirty="0" smtClean="0"/>
+              <a:t>add a button to the toolbar to make it easy for users to discover commands</a:t>
+            </a:r>
+            <a:endParaRPr lang="en-US" dirty="0" smtClean="0"/>
+          </a:p>
+        </p:txBody>
+      </p:sp>
+    </p:spTree>
+    <p:extLst>
+      <p:ext uri="{BB962C8B-B14F-4D97-AF65-F5344CB8AC3E}">
+        <p14:creationId xmlns:p14="http://schemas.microsoft.com/office/powerpoint/2010/main" val="1804641110"/>
+      </p:ext>
+    </p:extLst>
+  </p:cSld>
+  <p:clrMapOvr>
+    <a:masterClrMapping/>
+  </p:clrMapOvr>
+  <p:transition spd="slow">
+    <p:push/>
+  </p:transition>
+  <p:timing>
+    <p:tnLst>
+      <p:par>
+        <p:cTn id="1" dur="indefinite" restart="never" nodeType="tmRoot"/>
+      </p:par>
+    </p:tnLst>
+  </p:timing>
+</p:sld>
+</file>
+
+<file path=ppt/slides/slide19.xml><?xml version="1.0" encoding="utf-8"?>
+<p:sld xmlns:a="http://schemas.openxmlformats.org/drawingml/2006/main" xmlns:r="http://schemas.openxmlformats.org/officeDocument/2006/relationships" xmlns:p="http://schemas.openxmlformats.org/presentationml/2006/main">
+  <p:cSld>
+    <p:spTree>
+      <p:nvGrpSpPr>
+        <p:cNvPr id="1" name=""/>
+        <p:cNvGrpSpPr/>
+        <p:nvPr/>
+      </p:nvGrpSpPr>
+      <p:grpSpPr>
+        <a:xfrm>
+          <a:off x="0" y="0"/>
+          <a:ext cx="0" cy="0"/>
+          <a:chOff x="0" y="0"/>
+          <a:chExt cx="0" cy="0"/>
+        </a:xfrm>
+      </p:grpSpPr>
+      <p:sp>
+        <p:nvSpPr>
+          <p:cNvPr id="4" name="Title 3"/>
+          <p:cNvSpPr>
+            <a:spLocks noGrp="1"/>
+          </p:cNvSpPr>
+          <p:nvPr>
+            <p:ph type="title"/>
+          </p:nvPr>
+        </p:nvSpPr>
+        <p:spPr>
+          <a:xfrm>
+            <a:off x="831850" y="1709738"/>
+            <a:ext cx="11103058" cy="2852737"/>
+          </a:xfrm>
+        </p:spPr>
+        <p:txBody>
+          <a:bodyPr/>
+          <a:lstStyle/>
+          <a:p>
+            <a:r>
+              <a:rPr lang="en-US" dirty="0" smtClean="0"/>
+              <a:t>demo </a:t>
+            </a:r>
+            <a:r>
+              <a:rPr lang="mr-IN" dirty="0" smtClean="0"/>
+              <a:t>–</a:t>
+            </a:r>
+            <a:r>
+              <a:rPr lang="en-US" dirty="0" smtClean="0"/>
+              <a:t> </a:t>
+            </a:r>
+            <a:r>
+              <a:rPr lang="en-US" dirty="0" smtClean="0"/>
+              <a:t>input, inform, error</a:t>
+            </a:r>
+            <a:endParaRPr lang="en-US" dirty="0"/>
+          </a:p>
+        </p:txBody>
+      </p:sp>
+      <p:sp>
+        <p:nvSpPr>
+          <p:cNvPr id="5" name="Text Placeholder 4"/>
+          <p:cNvSpPr>
+            <a:spLocks noGrp="1"/>
+          </p:cNvSpPr>
+          <p:nvPr>
+            <p:ph type="body" idx="1"/>
+          </p:nvPr>
+        </p:nvSpPr>
+        <p:spPr/>
+        <p:txBody>
+          <a:bodyPr/>
+          <a:lstStyle/>
+          <a:p>
+            <a:r>
+              <a:rPr lang="en-US" dirty="0" smtClean="0"/>
+              <a:t>confirm when things complete, report when things break, and collect input</a:t>
+            </a:r>
+            <a:endParaRPr lang="en-US" dirty="0" smtClean="0"/>
+          </a:p>
+        </p:txBody>
+      </p:sp>
+    </p:spTree>
+    <p:extLst>
+      <p:ext uri="{BB962C8B-B14F-4D97-AF65-F5344CB8AC3E}">
+        <p14:creationId xmlns:p14="http://schemas.microsoft.com/office/powerpoint/2010/main" val="1775799534"/>
+      </p:ext>
+    </p:extLst>
+  </p:cSld>
+  <p:clrMapOvr>
+    <a:masterClrMapping/>
+  </p:clrMapOvr>
+  <p:transition spd="slow">
+    <p:push/>
+  </p:transition>
+  <p:timing>
+    <p:tnLst>
+      <p:par>
+        <p:cTn id="1" dur="indefinite" restart="never" nodeType="tmRoot"/>
+      </p:par>
+    </p:tnLst>
+  </p:timing>
+</p:sld>
+</file>
+
+<file path=ppt/slides/slide2.xml><?xml version="1.0" encoding="utf-8"?>
+<p:sld xmlns:a="http://schemas.openxmlformats.org/drawingml/2006/main" xmlns:r="http://schemas.openxmlformats.org/officeDocument/2006/relationships" xmlns:p="http://schemas.openxmlformats.org/presentationml/2006/main">
+  <p:cSld>
+    <p:spTree>
+      <p:nvGrpSpPr>
+        <p:cNvPr id="1" name=""/>
+        <p:cNvGrpSpPr/>
+        <p:nvPr/>
+      </p:nvGrpSpPr>
+      <p:grpSpPr>
+        <a:xfrm>
+          <a:off x="0" y="0"/>
+          <a:ext cx="0" cy="0"/>
+          <a:chOff x="0" y="0"/>
+          <a:chExt cx="0" cy="0"/>
+        </a:xfrm>
+      </p:grpSpPr>
+      <p:sp>
+        <p:nvSpPr>
+          <p:cNvPr id="2" name="Title 1"/>
+          <p:cNvSpPr>
+            <a:spLocks noGrp="1"/>
+          </p:cNvSpPr>
+          <p:nvPr>
+            <p:ph type="title"/>
+          </p:nvPr>
+        </p:nvSpPr>
+        <p:spPr/>
+        <p:txBody>
+          <a:bodyPr/>
+          <a:lstStyle/>
+          <a:p>
+            <a:r>
+              <a:rPr lang="en-US" dirty="0"/>
+              <a:t>a</a:t>
+            </a:r>
+            <a:r>
+              <a:rPr lang="en-US" dirty="0" smtClean="0"/>
+              <a:t>genda</a:t>
+            </a:r>
+            <a:endParaRPr lang="en-US" dirty="0"/>
+          </a:p>
+        </p:txBody>
+      </p:sp>
+      <p:sp>
+        <p:nvSpPr>
+          <p:cNvPr id="3" name="Content Placeholder 2"/>
+          <p:cNvSpPr>
+            <a:spLocks noGrp="1"/>
+          </p:cNvSpPr>
+          <p:nvPr>
+            <p:ph idx="1"/>
+          </p:nvPr>
+        </p:nvSpPr>
+        <p:spPr/>
+        <p:txBody>
+          <a:bodyPr/>
+          <a:lstStyle/>
+          <a:p>
+            <a:r>
+              <a:rPr lang="en-US" dirty="0"/>
+              <a:t>p</a:t>
+            </a:r>
+            <a:r>
+              <a:rPr lang="en-US" dirty="0" smtClean="0"/>
+              <a:t>rerequisites</a:t>
+            </a:r>
+          </a:p>
+          <a:p>
+            <a:r>
+              <a:rPr lang="en-US" dirty="0"/>
+              <a:t>s</a:t>
+            </a:r>
+            <a:r>
+              <a:rPr lang="en-US" dirty="0" smtClean="0"/>
+              <a:t>caffolding extension projects</a:t>
+            </a:r>
+          </a:p>
+          <a:p>
+            <a:r>
+              <a:rPr lang="en-US" dirty="0" smtClean="0"/>
+              <a:t>snippets</a:t>
+            </a:r>
+          </a:p>
+          <a:p>
+            <a:r>
+              <a:rPr lang="en-US" dirty="0"/>
+              <a:t>c</a:t>
+            </a:r>
+            <a:r>
+              <a:rPr lang="en-US" dirty="0" smtClean="0"/>
+              <a:t>ommands</a:t>
+            </a:r>
+          </a:p>
+          <a:p>
+            <a:r>
+              <a:rPr lang="en-US" dirty="0" smtClean="0"/>
+              <a:t>user experience</a:t>
+            </a:r>
+          </a:p>
+          <a:p>
+            <a:r>
+              <a:rPr lang="en-US" dirty="0"/>
+              <a:t>e</a:t>
+            </a:r>
+            <a:r>
+              <a:rPr lang="en-US" dirty="0" smtClean="0"/>
+              <a:t>ditor interaction</a:t>
+            </a:r>
+          </a:p>
+          <a:p>
+            <a:r>
+              <a:rPr lang="en-US" dirty="0" smtClean="0"/>
+              <a:t>publishing</a:t>
+            </a:r>
+          </a:p>
+          <a:p>
+            <a:r>
+              <a:rPr lang="en-US" dirty="0"/>
+              <a:t>d</a:t>
+            </a:r>
+            <a:r>
+              <a:rPr lang="en-US" dirty="0" smtClean="0"/>
+              <a:t>esign considerations</a:t>
+            </a:r>
+            <a:endParaRPr lang="en-US" dirty="0"/>
+          </a:p>
+        </p:txBody>
+      </p:sp>
+    </p:spTree>
+    <p:extLst>
+      <p:ext uri="{BB962C8B-B14F-4D97-AF65-F5344CB8AC3E}">
+        <p14:creationId xmlns:p14="http://schemas.microsoft.com/office/powerpoint/2010/main" val="1585046851"/>
+      </p:ext>
+    </p:extLst>
+  </p:cSld>
+  <p:clrMapOvr>
+    <a:masterClrMapping/>
+  </p:clrMapOvr>
+  <p:timing>
+    <p:tnLst>
+      <p:par>
+        <p:cTn id="1" dur="indefinite" restart="never" nodeType="tmRoot"/>
+      </p:par>
+    </p:tnLst>
+  </p:timing>
+</p:sld>
+</file>
+
+<file path=ppt/slides/slide20.xml><?xml version="1.0" encoding="utf-8"?>
+<p:sld xmlns:a="http://schemas.openxmlformats.org/drawingml/2006/main" xmlns:r="http://schemas.openxmlformats.org/officeDocument/2006/relationships" xmlns:p="http://schemas.openxmlformats.org/presentationml/2006/main">
+  <p:cSld>
+    <p:spTree>
+      <p:nvGrpSpPr>
+        <p:cNvPr id="1" name=""/>
+        <p:cNvGrpSpPr/>
+        <p:nvPr/>
+      </p:nvGrpSpPr>
+      <p:grpSpPr>
+        <a:xfrm>
+          <a:off x="0" y="0"/>
+          <a:ext cx="0" cy="0"/>
+          <a:chOff x="0" y="0"/>
+          <a:chExt cx="0" cy="0"/>
+        </a:xfrm>
+      </p:grpSpPr>
+      <p:sp>
+        <p:nvSpPr>
+          <p:cNvPr id="4" name="Title 3"/>
+          <p:cNvSpPr>
+            <a:spLocks noGrp="1"/>
+          </p:cNvSpPr>
+          <p:nvPr>
+            <p:ph type="title"/>
+          </p:nvPr>
+        </p:nvSpPr>
+        <p:spPr/>
+        <p:txBody>
+          <a:bodyPr/>
+          <a:lstStyle/>
+          <a:p>
+            <a:r>
+              <a:rPr lang="en-US" dirty="0" smtClean="0"/>
+              <a:t>editor interaction</a:t>
+            </a:r>
+            <a:endParaRPr lang="en-US" dirty="0"/>
+          </a:p>
+        </p:txBody>
+      </p:sp>
+      <p:sp>
+        <p:nvSpPr>
+          <p:cNvPr id="5" name="Text Placeholder 4"/>
+          <p:cNvSpPr>
+            <a:spLocks noGrp="1"/>
+          </p:cNvSpPr>
+          <p:nvPr>
+            <p:ph type="body" idx="1"/>
+          </p:nvPr>
+        </p:nvSpPr>
+        <p:spPr/>
+        <p:txBody>
+          <a:bodyPr/>
+          <a:lstStyle/>
+          <a:p>
+            <a:endParaRPr lang="en-US" dirty="0" smtClean="0"/>
+          </a:p>
+        </p:txBody>
+      </p:sp>
+    </p:spTree>
+    <p:extLst>
+      <p:ext uri="{BB962C8B-B14F-4D97-AF65-F5344CB8AC3E}">
+        <p14:creationId xmlns:p14="http://schemas.microsoft.com/office/powerpoint/2010/main" val="1998717148"/>
+      </p:ext>
+    </p:extLst>
+  </p:cSld>
+  <p:clrMapOvr>
+    <a:masterClrMapping/>
+  </p:clrMapOvr>
+  <p:transition spd="slow">
+    <p:push/>
+  </p:transition>
+  <p:timing>
+    <p:tnLst>
+      <p:par>
+        <p:cTn id="1" dur="indefinite" restart="never" nodeType="tmRoot"/>
+      </p:par>
+    </p:tnLst>
+  </p:timing>
+</p:sld>
+</file>
+
+<file path=ppt/slides/slide21.xml><?xml version="1.0" encoding="utf-8"?>
+<p:sld xmlns:a="http://schemas.openxmlformats.org/drawingml/2006/main" xmlns:r="http://schemas.openxmlformats.org/officeDocument/2006/relationships" xmlns:p="http://schemas.openxmlformats.org/presentationml/2006/main">
+  <p:cSld>
+    <p:spTree>
+      <p:nvGrpSpPr>
+        <p:cNvPr id="1" name=""/>
+        <p:cNvGrpSpPr/>
+        <p:nvPr/>
+      </p:nvGrpSpPr>
+      <p:grpSpPr>
+        <a:xfrm>
+          <a:off x="0" y="0"/>
+          <a:ext cx="0" cy="0"/>
+          <a:chOff x="0" y="0"/>
+          <a:chExt cx="0" cy="0"/>
+        </a:xfrm>
+      </p:grpSpPr>
+      <p:sp>
+        <p:nvSpPr>
+          <p:cNvPr id="4" name="Title 3"/>
+          <p:cNvSpPr>
+            <a:spLocks noGrp="1"/>
+          </p:cNvSpPr>
+          <p:nvPr>
+            <p:ph type="title"/>
+          </p:nvPr>
+        </p:nvSpPr>
+        <p:spPr/>
+        <p:txBody>
+          <a:bodyPr/>
+          <a:lstStyle/>
+          <a:p>
+            <a:r>
+              <a:rPr lang="en-US" dirty="0" smtClean="0"/>
+              <a:t>some editor interaction </a:t>
+            </a:r>
+            <a:r>
+              <a:rPr lang="en-US" dirty="0" err="1" smtClean="0"/>
+              <a:t>apis</a:t>
+            </a:r>
+            <a:endParaRPr lang="en-US" dirty="0"/>
+          </a:p>
+        </p:txBody>
+      </p:sp>
+      <p:sp>
+        <p:nvSpPr>
+          <p:cNvPr id="7" name="Text Placeholder 6"/>
+          <p:cNvSpPr>
+            <a:spLocks noGrp="1"/>
+          </p:cNvSpPr>
+          <p:nvPr>
+            <p:ph type="body" idx="1"/>
+          </p:nvPr>
+        </p:nvSpPr>
+        <p:spPr>
+          <a:xfrm>
+            <a:off x="839788" y="1243840"/>
+            <a:ext cx="5157787" cy="823912"/>
+          </a:xfrm>
+        </p:spPr>
+        <p:txBody>
+          <a:bodyPr/>
+          <a:lstStyle/>
+          <a:p>
+            <a:r>
+              <a:rPr lang="en-US" dirty="0" smtClean="0"/>
+              <a:t>purpose</a:t>
+            </a:r>
+            <a:endParaRPr lang="en-US" dirty="0"/>
+          </a:p>
+        </p:txBody>
+      </p:sp>
+      <p:sp>
+        <p:nvSpPr>
+          <p:cNvPr id="8" name="Content Placeholder 7"/>
+          <p:cNvSpPr>
+            <a:spLocks noGrp="1"/>
+          </p:cNvSpPr>
+          <p:nvPr>
+            <p:ph sz="half" idx="2"/>
+          </p:nvPr>
+        </p:nvSpPr>
+        <p:spPr>
+          <a:xfrm>
+            <a:off x="839788" y="2067752"/>
+            <a:ext cx="5157787" cy="3684588"/>
+          </a:xfrm>
+        </p:spPr>
+        <p:txBody>
+          <a:bodyPr/>
+          <a:lstStyle/>
+          <a:p>
+            <a:pPr marL="0" indent="0">
+              <a:buNone/>
+            </a:pPr>
+            <a:r>
+              <a:rPr lang="en-US" sz="2000" dirty="0" smtClean="0"/>
+              <a:t>create a new text editor decoration</a:t>
+            </a:r>
+          </a:p>
+          <a:p>
+            <a:pPr marL="0" indent="0">
+              <a:buNone/>
+            </a:pPr>
+            <a:r>
+              <a:rPr lang="en-US" sz="2000" dirty="0" smtClean="0"/>
+              <a:t>get a reference to the active editor </a:t>
+            </a:r>
+          </a:p>
+          <a:p>
+            <a:pPr marL="0" indent="0">
+              <a:buNone/>
+            </a:pPr>
+            <a:r>
+              <a:rPr lang="en-US" sz="2000" dirty="0" smtClean="0"/>
+              <a:t>activate a text decoration</a:t>
+            </a:r>
+          </a:p>
+          <a:p>
+            <a:pPr marL="0" indent="0">
+              <a:buNone/>
+            </a:pPr>
+            <a:r>
+              <a:rPr lang="en-US" sz="2000" dirty="0" smtClean="0"/>
+              <a:t>handle when the text of the document changes</a:t>
+            </a:r>
+          </a:p>
+          <a:p>
+            <a:pPr marL="0" indent="0">
+              <a:buNone/>
+            </a:pPr>
+            <a:r>
+              <a:rPr lang="en-US" sz="2000" dirty="0" smtClean="0"/>
+              <a:t>handle when the active document changes</a:t>
+            </a:r>
+            <a:endParaRPr lang="en-US" sz="2000" dirty="0"/>
+          </a:p>
+        </p:txBody>
+      </p:sp>
+      <p:sp>
+        <p:nvSpPr>
+          <p:cNvPr id="9" name="Text Placeholder 8"/>
+          <p:cNvSpPr>
+            <a:spLocks noGrp="1"/>
+          </p:cNvSpPr>
+          <p:nvPr>
+            <p:ph type="body" sz="quarter" idx="3"/>
+          </p:nvPr>
+        </p:nvSpPr>
+        <p:spPr>
+          <a:xfrm>
+            <a:off x="6172200" y="1243840"/>
+            <a:ext cx="5183188" cy="823912"/>
+          </a:xfrm>
+        </p:spPr>
+        <p:txBody>
+          <a:bodyPr/>
+          <a:lstStyle/>
+          <a:p>
+            <a:r>
+              <a:rPr lang="en-US" dirty="0" err="1" smtClean="0"/>
+              <a:t>api</a:t>
+            </a:r>
+            <a:endParaRPr lang="en-US" dirty="0"/>
+          </a:p>
+        </p:txBody>
+      </p:sp>
+      <p:sp>
+        <p:nvSpPr>
+          <p:cNvPr id="10" name="Content Placeholder 9"/>
+          <p:cNvSpPr>
+            <a:spLocks noGrp="1"/>
+          </p:cNvSpPr>
+          <p:nvPr>
+            <p:ph sz="quarter" idx="4"/>
+          </p:nvPr>
+        </p:nvSpPr>
+        <p:spPr>
+          <a:xfrm>
+            <a:off x="6172200" y="2067752"/>
+            <a:ext cx="5183188" cy="3684588"/>
+          </a:xfrm>
+        </p:spPr>
+        <p:txBody>
+          <a:bodyPr>
+            <a:normAutofit/>
+          </a:bodyPr>
+          <a:lstStyle/>
+          <a:p>
+            <a:pPr marL="0" indent="0">
+              <a:buNone/>
+            </a:pPr>
+            <a:r>
+              <a:rPr lang="en-US" sz="2000" dirty="0" err="1"/>
+              <a:t>window.createTextEditorDecorationType</a:t>
+            </a:r>
+            <a:endParaRPr lang="en-US" sz="2000" dirty="0"/>
+          </a:p>
+          <a:p>
+            <a:pPr marL="0" indent="0">
+              <a:buNone/>
+            </a:pPr>
+            <a:r>
+              <a:rPr lang="en-US" sz="2000" dirty="0" err="1"/>
+              <a:t>window.activeTextEditor</a:t>
+            </a:r>
+            <a:endParaRPr lang="en-US" sz="2000" dirty="0"/>
+          </a:p>
+          <a:p>
+            <a:pPr marL="0" indent="0">
+              <a:buNone/>
+            </a:pPr>
+            <a:r>
+              <a:rPr lang="en-US" sz="2000" dirty="0" err="1" smtClean="0"/>
+              <a:t>window.activeTextEditor.setDecorations</a:t>
+            </a:r>
+            <a:endParaRPr lang="en-US" sz="2000" dirty="0" smtClean="0"/>
+          </a:p>
+          <a:p>
+            <a:pPr marL="0" indent="0">
+              <a:buNone/>
+            </a:pPr>
+            <a:r>
+              <a:rPr lang="en-US" sz="2000" dirty="0" err="1" smtClean="0"/>
+              <a:t>window.onDidChangeActiveTextEditor</a:t>
+            </a:r>
+            <a:endParaRPr lang="en-US" sz="2000" dirty="0"/>
+          </a:p>
+          <a:p>
+            <a:pPr marL="0" indent="0">
+              <a:buNone/>
+            </a:pPr>
+            <a:r>
+              <a:rPr lang="en-US" sz="2000" dirty="0" err="1" smtClean="0"/>
+              <a:t>workspace.onDidChangeTextDocument</a:t>
+            </a:r>
+            <a:endParaRPr lang="en-US" sz="2000" dirty="0"/>
+          </a:p>
+        </p:txBody>
+      </p:sp>
+    </p:spTree>
+    <p:extLst>
+      <p:ext uri="{BB962C8B-B14F-4D97-AF65-F5344CB8AC3E}">
+        <p14:creationId xmlns:p14="http://schemas.microsoft.com/office/powerpoint/2010/main" val="2118261730"/>
+      </p:ext>
+    </p:extLst>
+  </p:cSld>
+  <p:clrMapOvr>
+    <a:masterClrMapping/>
+  </p:clrMapOvr>
+  <p:timing>
+    <p:tnLst>
+      <p:par>
+        <p:cTn id="1" dur="indefinite" restart="never" nodeType="tmRoot"/>
+      </p:par>
+    </p:tnLst>
+  </p:timing>
+</p:sld>
+</file>
+
+<file path=ppt/slides/slide22.xml><?xml version="1.0" encoding="utf-8"?>
+<p:sld xmlns:a="http://schemas.openxmlformats.org/drawingml/2006/main" xmlns:r="http://schemas.openxmlformats.org/officeDocument/2006/relationships" xmlns:p="http://schemas.openxmlformats.org/presentationml/2006/main">
+  <p:cSld>
+    <p:spTree>
+      <p:nvGrpSpPr>
+        <p:cNvPr id="1" name=""/>
+        <p:cNvGrpSpPr/>
+        <p:nvPr/>
+      </p:nvGrpSpPr>
+      <p:grpSpPr>
+        <a:xfrm>
+          <a:off x="0" y="0"/>
+          <a:ext cx="0" cy="0"/>
+          <a:chOff x="0" y="0"/>
+          <a:chExt cx="0" cy="0"/>
+        </a:xfrm>
+      </p:grpSpPr>
+      <p:sp>
+        <p:nvSpPr>
+          <p:cNvPr id="4" name="Title 3"/>
+          <p:cNvSpPr>
+            <a:spLocks noGrp="1"/>
+          </p:cNvSpPr>
+          <p:nvPr>
+            <p:ph type="title"/>
+          </p:nvPr>
+        </p:nvSpPr>
+        <p:spPr>
+          <a:xfrm>
+            <a:off x="831850" y="1709738"/>
+            <a:ext cx="11103058" cy="2852737"/>
+          </a:xfrm>
+        </p:spPr>
+        <p:txBody>
+          <a:bodyPr/>
+          <a:lstStyle/>
+          <a:p>
+            <a:r>
+              <a:rPr lang="en-US" dirty="0" smtClean="0"/>
+              <a:t>demo </a:t>
+            </a:r>
+            <a:r>
+              <a:rPr lang="mr-IN" dirty="0" smtClean="0"/>
+              <a:t>–</a:t>
+            </a:r>
+            <a:r>
+              <a:rPr lang="en-US" dirty="0" smtClean="0"/>
+              <a:t> </a:t>
+            </a:r>
+            <a:r>
+              <a:rPr lang="en-US" dirty="0" smtClean="0"/>
+              <a:t>decorate important text</a:t>
+            </a:r>
+            <a:endParaRPr lang="en-US" dirty="0"/>
+          </a:p>
+        </p:txBody>
+      </p:sp>
+      <p:sp>
+        <p:nvSpPr>
+          <p:cNvPr id="5" name="Text Placeholder 4"/>
+          <p:cNvSpPr>
+            <a:spLocks noGrp="1"/>
+          </p:cNvSpPr>
+          <p:nvPr>
+            <p:ph type="body" idx="1"/>
+          </p:nvPr>
+        </p:nvSpPr>
+        <p:spPr/>
+        <p:txBody>
+          <a:bodyPr/>
+          <a:lstStyle/>
+          <a:p>
+            <a:r>
+              <a:rPr lang="en-US" dirty="0" smtClean="0"/>
+              <a:t>highlight relevant text segments using decorations</a:t>
+            </a:r>
+            <a:endParaRPr lang="en-US" dirty="0" smtClean="0"/>
+          </a:p>
+        </p:txBody>
+      </p:sp>
+    </p:spTree>
+    <p:extLst>
+      <p:ext uri="{BB962C8B-B14F-4D97-AF65-F5344CB8AC3E}">
+        <p14:creationId xmlns:p14="http://schemas.microsoft.com/office/powerpoint/2010/main" val="1038947819"/>
+      </p:ext>
+    </p:extLst>
+  </p:cSld>
+  <p:clrMapOvr>
+    <a:masterClrMapping/>
+  </p:clrMapOvr>
+  <p:transition spd="slow">
+    <p:push/>
+  </p:transition>
+  <p:timing>
+    <p:tnLst>
+      <p:par>
+        <p:cTn id="1" dur="indefinite" restart="never" nodeType="tmRoot"/>
+      </p:par>
+    </p:tnLst>
+  </p:timing>
+</p:sld>
+</file>
+
+<file path=ppt/slides/slide23.xml><?xml version="1.0" encoding="utf-8"?>
+<p:sld xmlns:a="http://schemas.openxmlformats.org/drawingml/2006/main" xmlns:r="http://schemas.openxmlformats.org/officeDocument/2006/relationships" xmlns:p="http://schemas.openxmlformats.org/presentationml/2006/main">
+  <p:cSld>
+    <p:spTree>
+      <p:nvGrpSpPr>
+        <p:cNvPr id="1" name=""/>
+        <p:cNvGrpSpPr/>
+        <p:nvPr/>
+      </p:nvGrpSpPr>
+      <p:grpSpPr>
+        <a:xfrm>
+          <a:off x="0" y="0"/>
+          <a:ext cx="0" cy="0"/>
+          <a:chOff x="0" y="0"/>
+          <a:chExt cx="0" cy="0"/>
+        </a:xfrm>
+      </p:grpSpPr>
+      <p:sp>
+        <p:nvSpPr>
+          <p:cNvPr id="4" name="Title 3"/>
+          <p:cNvSpPr>
+            <a:spLocks noGrp="1"/>
+          </p:cNvSpPr>
+          <p:nvPr>
+            <p:ph type="title"/>
+          </p:nvPr>
+        </p:nvSpPr>
+        <p:spPr/>
+        <p:txBody>
+          <a:bodyPr/>
+          <a:lstStyle/>
+          <a:p>
+            <a:r>
+              <a:rPr lang="en-US" dirty="0" smtClean="0"/>
               <a:t>publishing</a:t>
             </a:r>
             <a:endParaRPr lang="en-US" dirty="0"/>
@@ -3709,7 +6079,7 @@
 </p:sld>
 </file>
 
-<file path=ppt/slides/slide14.xml><?xml version="1.0" encoding="utf-8"?>
+<file path=ppt/slides/slide24.xml><?xml version="1.0" encoding="utf-8"?>
 <p:sld xmlns:a="http://schemas.openxmlformats.org/drawingml/2006/main" xmlns:r="http://schemas.openxmlformats.org/officeDocument/2006/relationships" xmlns:p="http://schemas.openxmlformats.org/presentationml/2006/main">
   <p:cSld>
     <p:spTree>
@@ -3967,7 +6337,7 @@
 </p:sld>
 </file>
 
-<file path=ppt/slides/slide15.xml><?xml version="1.0" encoding="utf-8"?>
+<file path=ppt/slides/slide25.xml><?xml version="1.0" encoding="utf-8"?>
 <p:sld xmlns:a="http://schemas.openxmlformats.org/drawingml/2006/main" xmlns:r="http://schemas.openxmlformats.org/officeDocument/2006/relationships" xmlns:p="http://schemas.openxmlformats.org/presentationml/2006/main">
   <p:cSld>
     <p:spTree>
@@ -4134,7 +6504,7 @@
 </p:sld>
 </file>
 
-<file path=ppt/slides/slide16.xml><?xml version="1.0" encoding="utf-8"?>
+<file path=ppt/slides/slide26.xml><?xml version="1.0" encoding="utf-8"?>
 <p:sld xmlns:a="http://schemas.openxmlformats.org/drawingml/2006/main" xmlns:r="http://schemas.openxmlformats.org/officeDocument/2006/relationships" xmlns:p="http://schemas.openxmlformats.org/presentationml/2006/main">
   <p:cSld>
     <p:spTree>
@@ -4315,6 +6685,9 @@
                     <p:cTn id="3" fill="hold">
                       <p:stCondLst>
                         <p:cond delay="indefinite"/>
+                        <p:cond evt="onBegin" delay="0">
+                          <p:tn val="2"/>
+                        </p:cond>
                       </p:stCondLst>
                       <p:childTnLst>
                         <p:par>
@@ -4324,7 +6697,7 @@
                             </p:stCondLst>
                             <p:childTnLst>
                               <p:par>
-                                <p:cTn id="5" presetID="22" presetClass="entr" presetSubtype="2" fill="hold" nodeType="clickEffect">
+                                <p:cTn id="5" presetID="22" presetClass="entr" presetSubtype="2" fill="hold" nodeType="afterEffect">
                                   <p:stCondLst>
                                     <p:cond delay="0"/>
                                   </p:stCondLst>
@@ -4389,7 +6762,7 @@
 </p:sld>
 </file>
 
-<file path=ppt/slides/slide17.xml><?xml version="1.0" encoding="utf-8"?>
+<file path=ppt/slides/slide27.xml><?xml version="1.0" encoding="utf-8"?>
 <p:sld xmlns:a="http://schemas.openxmlformats.org/drawingml/2006/main" xmlns:r="http://schemas.openxmlformats.org/officeDocument/2006/relationships" xmlns:p="http://schemas.openxmlformats.org/presentationml/2006/main">
   <p:cSld>
     <p:spTree>
@@ -4512,6 +6885,42 @@
           </a:prstGeom>
         </p:spPr>
       </p:pic>
+      <p:cxnSp>
+        <p:nvCxnSpPr>
+          <p:cNvPr id="5" name="Straight Arrow Connector 4"/>
+          <p:cNvCxnSpPr/>
+          <p:nvPr/>
+        </p:nvCxnSpPr>
+        <p:spPr>
+          <a:xfrm flipH="1" flipV="1">
+            <a:off x="2902226" y="4381919"/>
+            <a:ext cx="1741335" cy="1175006"/>
+          </a:xfrm>
+          <a:prstGeom prst="straightConnector1">
+            <a:avLst/>
+          </a:prstGeom>
+          <a:ln w="76200">
+            <a:solidFill>
+              <a:srgbClr val="FF0000"/>
+            </a:solidFill>
+            <a:tailEnd type="triangle"/>
+          </a:ln>
+        </p:spPr>
+        <p:style>
+          <a:lnRef idx="1">
+            <a:schemeClr val="accent1"/>
+          </a:lnRef>
+          <a:fillRef idx="0">
+            <a:schemeClr val="accent1"/>
+          </a:fillRef>
+          <a:effectRef idx="0">
+            <a:schemeClr val="accent1"/>
+          </a:effectRef>
+          <a:fontRef idx="minor">
+            <a:schemeClr val="tx1"/>
+          </a:fontRef>
+        </p:style>
+      </p:cxnSp>
     </p:spTree>
     <p:extLst>
       <p:ext uri="{BB962C8B-B14F-4D97-AF65-F5344CB8AC3E}">
@@ -4525,14 +6934,93 @@
   <p:timing>
     <p:tnLst>
       <p:par>
-        <p:cTn id="1" dur="indefinite" restart="never" nodeType="tmRoot"/>
+        <p:cTn id="1" dur="indefinite" restart="never" nodeType="tmRoot">
+          <p:childTnLst>
+            <p:seq concurrent="1" nextAc="seek">
+              <p:cTn id="2" dur="indefinite" nodeType="mainSeq">
+                <p:childTnLst>
+                  <p:par>
+                    <p:cTn id="3" fill="hold">
+                      <p:stCondLst>
+                        <p:cond delay="indefinite"/>
+                        <p:cond evt="onBegin" delay="0">
+                          <p:tn val="2"/>
+                        </p:cond>
+                      </p:stCondLst>
+                      <p:childTnLst>
+                        <p:par>
+                          <p:cTn id="4" fill="hold">
+                            <p:stCondLst>
+                              <p:cond delay="0"/>
+                            </p:stCondLst>
+                            <p:childTnLst>
+                              <p:par>
+                                <p:cTn id="5" presetID="22" presetClass="entr" presetSubtype="2" fill="hold" nodeType="afterEffect">
+                                  <p:stCondLst>
+                                    <p:cond delay="0"/>
+                                  </p:stCondLst>
+                                  <p:childTnLst>
+                                    <p:set>
+                                      <p:cBhvr>
+                                        <p:cTn id="6" dur="1" fill="hold">
+                                          <p:stCondLst>
+                                            <p:cond delay="0"/>
+                                          </p:stCondLst>
+                                        </p:cTn>
+                                        <p:tgtEl>
+                                          <p:spTgt spid="5"/>
+                                        </p:tgtEl>
+                                        <p:attrNameLst>
+                                          <p:attrName>style.visibility</p:attrName>
+                                        </p:attrNameLst>
+                                      </p:cBhvr>
+                                      <p:to>
+                                        <p:strVal val="visible"/>
+                                      </p:to>
+                                    </p:set>
+                                    <p:animEffect transition="in" filter="wipe(right)">
+                                      <p:cBhvr>
+                                        <p:cTn id="7" dur="500"/>
+                                        <p:tgtEl>
+                                          <p:spTgt spid="5"/>
+                                        </p:tgtEl>
+                                      </p:cBhvr>
+                                    </p:animEffect>
+                                  </p:childTnLst>
+                                </p:cTn>
+                              </p:par>
+                            </p:childTnLst>
+                          </p:cTn>
+                        </p:par>
+                      </p:childTnLst>
+                    </p:cTn>
+                  </p:par>
+                </p:childTnLst>
+              </p:cTn>
+              <p:prevCondLst>
+                <p:cond evt="onPrev" delay="0">
+                  <p:tgtEl>
+                    <p:sldTgt/>
+                  </p:tgtEl>
+                </p:cond>
+              </p:prevCondLst>
+              <p:nextCondLst>
+                <p:cond evt="onNext" delay="0">
+                  <p:tgtEl>
+                    <p:sldTgt/>
+                  </p:tgtEl>
+                </p:cond>
+              </p:nextCondLst>
+            </p:seq>
+          </p:childTnLst>
+        </p:cTn>
       </p:par>
     </p:tnLst>
   </p:timing>
 </p:sld>
 </file>
 
-<file path=ppt/slides/slide18.xml><?xml version="1.0" encoding="utf-8"?>
+<file path=ppt/slides/slide28.xml><?xml version="1.0" encoding="utf-8"?>
 <p:sld xmlns:a="http://schemas.openxmlformats.org/drawingml/2006/main" xmlns:r="http://schemas.openxmlformats.org/officeDocument/2006/relationships" xmlns:p="http://schemas.openxmlformats.org/presentationml/2006/main">
   <p:cSld>
     <p:spTree>
@@ -4650,7 +7138,6 @@
               <a:rPr lang="en-US" dirty="0" smtClean="0"/>
               <a:t>embrace extension</a:t>
             </a:r>
-            <a:endParaRPr lang="en-US" dirty="0" smtClean="0"/>
           </a:p>
         </p:txBody>
       </p:sp>
@@ -4844,7 +7331,6 @@
               <a:rPr lang="en-US" dirty="0" smtClean="0"/>
               <a:t>if you realize a component of your extension could be used by another extension, break your extension up and take an extension dependency on the componentized part</a:t>
             </a:r>
-            <a:endParaRPr lang="en-US" dirty="0" smtClean="0"/>
           </a:p>
         </p:txBody>
       </p:sp>
@@ -4893,7 +7379,6 @@
               <a:rPr lang="en-US" dirty="0" smtClean="0"/>
               <a:t>open-source at heart</a:t>
             </a:r>
-            <a:endParaRPr lang="en-US" dirty="0" smtClean="0"/>
           </a:p>
         </p:txBody>
       </p:sp>
@@ -5103,7 +7588,6 @@
               <a:rPr lang="en-US" dirty="0" smtClean="0"/>
               <a:t> file</a:t>
             </a:r>
-            <a:endParaRPr lang="en-US" dirty="0" smtClean="0"/>
           </a:p>
         </p:txBody>
       </p:sp>
@@ -5152,7 +7636,6 @@
               <a:rPr lang="en-US" dirty="0" smtClean="0"/>
               <a:t>data-drive feature decisions</a:t>
             </a:r>
-            <a:endParaRPr lang="en-US" dirty="0" smtClean="0"/>
           </a:p>
         </p:txBody>
       </p:sp>
@@ -5346,7 +7829,6 @@
               <a:rPr lang="en-US" dirty="0" smtClean="0"/>
               <a:t>use telemetry wisely to understand how customers are using your feature and frequently review that telemetry to understand where problem areas exist</a:t>
             </a:r>
-            <a:endParaRPr lang="en-US" dirty="0" smtClean="0"/>
           </a:p>
         </p:txBody>
       </p:sp>
@@ -5395,7 +7877,6 @@
               <a:rPr lang="en-US" sz="4400" dirty="0" smtClean="0"/>
               <a:t>design considerations</a:t>
             </a:r>
-            <a:endParaRPr lang="en-US" sz="4400" dirty="0" smtClean="0"/>
           </a:p>
         </p:txBody>
       </p:sp>
@@ -6120,7 +8601,7 @@
 </p:sld>
 </file>
 
-<file path=ppt/slides/slide19.xml><?xml version="1.0" encoding="utf-8"?>
+<file path=ppt/slides/slide29.xml><?xml version="1.0" encoding="utf-8"?>
 <p:sld xmlns:a="http://schemas.openxmlformats.org/drawingml/2006/main" xmlns:r="http://schemas.openxmlformats.org/officeDocument/2006/relationships" xmlns:p="http://schemas.openxmlformats.org/presentationml/2006/main">
   <p:cSld>
     <p:spTree>
@@ -6342,7 +8823,7 @@
 </p:sld>
 </file>
 
-<file path=ppt/slides/slide2.xml><?xml version="1.0" encoding="utf-8"?>
+<file path=ppt/slides/slide3.xml><?xml version="1.0" encoding="utf-8"?>
 <p:sld xmlns:a="http://schemas.openxmlformats.org/drawingml/2006/main" xmlns:r="http://schemas.openxmlformats.org/officeDocument/2006/relationships" xmlns:p="http://schemas.openxmlformats.org/presentationml/2006/main">
   <p:cSld>
     <p:spTree>
@@ -6359,6 +8840,30 @@
           <a:chExt cx="0" cy="0"/>
         </a:xfrm>
       </p:grpSpPr>
+      <p:pic>
+        <p:nvPicPr>
+          <p:cNvPr id="8" name="Picture 7"/>
+          <p:cNvPicPr>
+            <a:picLocks noChangeAspect="1"/>
+          </p:cNvPicPr>
+          <p:nvPr/>
+        </p:nvPicPr>
+        <p:blipFill>
+          <a:blip r:embed="rId2"/>
+          <a:stretch>
+            <a:fillRect/>
+          </a:stretch>
+        </p:blipFill>
+        <p:spPr>
+          <a:xfrm>
+            <a:off x="1619250" y="1708004"/>
+            <a:ext cx="8839200" cy="4902200"/>
+          </a:xfrm>
+          <a:prstGeom prst="rect">
+            <a:avLst/>
+          </a:prstGeom>
+        </p:spPr>
+      </p:pic>
       <p:sp>
         <p:nvSpPr>
           <p:cNvPr id="2" name="Title 1"/>
@@ -6367,33 +8872,6 @@
           </p:cNvSpPr>
           <p:nvPr>
             <p:ph type="title"/>
-          </p:nvPr>
-        </p:nvSpPr>
-        <p:spPr/>
-        <p:txBody>
-          <a:bodyPr/>
-          <a:lstStyle/>
-          <a:p>
-            <a:r>
-              <a:rPr lang="en-US" dirty="0"/>
-              <a:t>a</a:t>
-            </a:r>
-            <a:r>
-              <a:rPr lang="en-US" dirty="0" smtClean="0"/>
-              <a:t>genda</a:t>
-            </a:r>
-            <a:endParaRPr lang="en-US" dirty="0"/>
-          </a:p>
-        </p:txBody>
-      </p:sp>
-      <p:sp>
-        <p:nvSpPr>
-          <p:cNvPr id="3" name="Content Placeholder 2"/>
-          <p:cNvSpPr>
-            <a:spLocks noGrp="1"/>
-          </p:cNvSpPr>
-          <p:nvPr>
-            <p:ph idx="1"/>
           </p:nvPr>
         </p:nvSpPr>
         <p:spPr/>
@@ -6408,73 +8886,6 @@
             <a:r>
               <a:rPr lang="en-US" dirty="0" smtClean="0"/>
               <a:t>rerequisites</a:t>
-            </a:r>
-            <a:endParaRPr lang="en-US" dirty="0" smtClean="0"/>
-          </a:p>
-          <a:p>
-            <a:r>
-              <a:rPr lang="en-US" dirty="0"/>
-              <a:t>s</a:t>
-            </a:r>
-            <a:r>
-              <a:rPr lang="en-US" dirty="0" smtClean="0"/>
-              <a:t>caffolding </a:t>
-            </a:r>
-            <a:r>
-              <a:rPr lang="en-US" dirty="0" smtClean="0"/>
-              <a:t>extension projects</a:t>
-            </a:r>
-          </a:p>
-          <a:p>
-            <a:r>
-              <a:rPr lang="en-US" dirty="0" smtClean="0"/>
-              <a:t>snippets</a:t>
-            </a:r>
-            <a:endParaRPr lang="en-US" dirty="0" smtClean="0"/>
-          </a:p>
-          <a:p>
-            <a:r>
-              <a:rPr lang="en-US" dirty="0"/>
-              <a:t>c</a:t>
-            </a:r>
-            <a:r>
-              <a:rPr lang="en-US" dirty="0" smtClean="0"/>
-              <a:t>ommands</a:t>
-            </a:r>
-            <a:endParaRPr lang="en-US" dirty="0" smtClean="0"/>
-          </a:p>
-          <a:p>
-            <a:r>
-              <a:rPr lang="en-US" dirty="0" smtClean="0"/>
-              <a:t>user experience</a:t>
-            </a:r>
-            <a:endParaRPr lang="en-US" dirty="0" smtClean="0"/>
-          </a:p>
-          <a:p>
-            <a:r>
-              <a:rPr lang="en-US" dirty="0"/>
-              <a:t>e</a:t>
-            </a:r>
-            <a:r>
-              <a:rPr lang="en-US" dirty="0" smtClean="0"/>
-              <a:t>ditor interaction</a:t>
-            </a:r>
-            <a:endParaRPr lang="en-US" dirty="0" smtClean="0"/>
-          </a:p>
-          <a:p>
-            <a:r>
-              <a:rPr lang="en-US" dirty="0" smtClean="0"/>
-              <a:t>publishing</a:t>
-            </a:r>
-          </a:p>
-          <a:p>
-            <a:r>
-              <a:rPr lang="en-US" dirty="0"/>
-              <a:t>d</a:t>
-            </a:r>
-            <a:r>
-              <a:rPr lang="en-US" dirty="0" smtClean="0"/>
-              <a:t>esign considerations</a:t>
             </a:r>
             <a:endParaRPr lang="en-US" dirty="0"/>
           </a:p>
@@ -6483,7 +8894,7 @@
     </p:spTree>
     <p:extLst>
       <p:ext uri="{BB962C8B-B14F-4D97-AF65-F5344CB8AC3E}">
-        <p14:creationId xmlns:p14="http://schemas.microsoft.com/office/powerpoint/2010/main" val="1585046851"/>
+        <p14:creationId xmlns:p14="http://schemas.microsoft.com/office/powerpoint/2010/main" val="1374431568"/>
       </p:ext>
     </p:extLst>
   </p:cSld>
@@ -6500,7 +8911,7 @@
 </p:sld>
 </file>
 
-<file path=ppt/slides/slide20.xml><?xml version="1.0" encoding="utf-8"?>
+<file path=ppt/slides/slide30.xml><?xml version="1.0" encoding="utf-8"?>
 <p:sld xmlns:a="http://schemas.openxmlformats.org/drawingml/2006/main" xmlns:r="http://schemas.openxmlformats.org/officeDocument/2006/relationships" xmlns:p="http://schemas.openxmlformats.org/presentationml/2006/main">
   <p:cSld>
     <p:spTree>
@@ -6731,7 +9142,7 @@
 </p:sld>
 </file>
 
-<file path=ppt/slides/slide21.xml><?xml version="1.0" encoding="utf-8"?>
+<file path=ppt/slides/slide31.xml><?xml version="1.0" encoding="utf-8"?>
 <p:sld xmlns:a="http://schemas.openxmlformats.org/drawingml/2006/main" xmlns:r="http://schemas.openxmlformats.org/officeDocument/2006/relationships" xmlns:p="http://schemas.openxmlformats.org/presentationml/2006/main">
   <p:cSld>
     <p:spTree>
@@ -6803,94 +9214,6 @@
   <p:transition spd="slow">
     <p:push/>
   </p:transition>
-  <p:timing>
-    <p:tnLst>
-      <p:par>
-        <p:cTn id="1" dur="indefinite" restart="never" nodeType="tmRoot"/>
-      </p:par>
-    </p:tnLst>
-  </p:timing>
-</p:sld>
-</file>
-
-<file path=ppt/slides/slide3.xml><?xml version="1.0" encoding="utf-8"?>
-<p:sld xmlns:a="http://schemas.openxmlformats.org/drawingml/2006/main" xmlns:r="http://schemas.openxmlformats.org/officeDocument/2006/relationships" xmlns:p="http://schemas.openxmlformats.org/presentationml/2006/main">
-  <p:cSld>
-    <p:spTree>
-      <p:nvGrpSpPr>
-        <p:cNvPr id="1" name=""/>
-        <p:cNvGrpSpPr/>
-        <p:nvPr/>
-      </p:nvGrpSpPr>
-      <p:grpSpPr>
-        <a:xfrm>
-          <a:off x="0" y="0"/>
-          <a:ext cx="0" cy="0"/>
-          <a:chOff x="0" y="0"/>
-          <a:chExt cx="0" cy="0"/>
-        </a:xfrm>
-      </p:grpSpPr>
-      <p:pic>
-        <p:nvPicPr>
-          <p:cNvPr id="8" name="Picture 7"/>
-          <p:cNvPicPr>
-            <a:picLocks noChangeAspect="1"/>
-          </p:cNvPicPr>
-          <p:nvPr/>
-        </p:nvPicPr>
-        <p:blipFill>
-          <a:blip r:embed="rId2"/>
-          <a:stretch>
-            <a:fillRect/>
-          </a:stretch>
-        </p:blipFill>
-        <p:spPr>
-          <a:xfrm>
-            <a:off x="1619250" y="1708004"/>
-            <a:ext cx="8839200" cy="4902200"/>
-          </a:xfrm>
-          <a:prstGeom prst="rect">
-            <a:avLst/>
-          </a:prstGeom>
-        </p:spPr>
-      </p:pic>
-      <p:sp>
-        <p:nvSpPr>
-          <p:cNvPr id="2" name="Title 1"/>
-          <p:cNvSpPr>
-            <a:spLocks noGrp="1"/>
-          </p:cNvSpPr>
-          <p:nvPr>
-            <p:ph type="title"/>
-          </p:nvPr>
-        </p:nvSpPr>
-        <p:spPr/>
-        <p:txBody>
-          <a:bodyPr/>
-          <a:lstStyle/>
-          <a:p>
-            <a:r>
-              <a:rPr lang="en-US" dirty="0"/>
-              <a:t>p</a:t>
-            </a:r>
-            <a:r>
-              <a:rPr lang="en-US" dirty="0" smtClean="0"/>
-              <a:t>rerequisites</a:t>
-            </a:r>
-            <a:endParaRPr lang="en-US" dirty="0"/>
-          </a:p>
-        </p:txBody>
-      </p:sp>
-    </p:spTree>
-    <p:extLst>
-      <p:ext uri="{BB962C8B-B14F-4D97-AF65-F5344CB8AC3E}">
-        <p14:creationId xmlns:p14="http://schemas.microsoft.com/office/powerpoint/2010/main" val="1374431568"/>
-      </p:ext>
-    </p:extLst>
-  </p:cSld>
-  <p:clrMapOvr>
-    <a:masterClrMapping/>
-  </p:clrMapOvr>
   <p:timing>
     <p:tnLst>
       <p:par>
@@ -8381,7 +10704,7 @@
           <a:p>
             <a:r>
               <a:rPr lang="en-US" dirty="0" smtClean="0"/>
-              <a:t>snippets</a:t>
+              <a:t>demo - snippets</a:t>
             </a:r>
             <a:endParaRPr lang="en-US" dirty="0"/>
           </a:p>
@@ -8402,7 +10725,10 @@
           <a:bodyPr/>
           <a:lstStyle/>
           <a:p>
-            <a:endParaRPr lang="en-US" dirty="0" smtClean="0"/>
+            <a:r>
+              <a:rPr lang="en-US" dirty="0" smtClean="0"/>
+              <a:t>authoring custom snippets that are distributed with your extension</a:t>
+            </a:r>
           </a:p>
         </p:txBody>
       </p:sp>

--- a/extending-vs-code.pptx
+++ b/extending-vs-code.pptx
@@ -2,43 +2,40 @@
 <file path=ppt/presentation.xml><?xml version="1.0" encoding="utf-8"?>
 <p:presentation xmlns:a="http://schemas.openxmlformats.org/drawingml/2006/main" xmlns:r="http://schemas.openxmlformats.org/officeDocument/2006/relationships" xmlns:p="http://schemas.openxmlformats.org/presentationml/2006/main" saveSubsetFonts="1" autoCompressPictures="0">
   <p:sldMasterIdLst>
-    <p:sldMasterId id="2147483684" r:id="rId1"/>
+    <p:sldMasterId id="2147483696" r:id="rId1"/>
   </p:sldMasterIdLst>
   <p:notesMasterIdLst>
-    <p:notesMasterId r:id="rId33"/>
+    <p:notesMasterId r:id="rId30"/>
   </p:notesMasterIdLst>
   <p:sldIdLst>
     <p:sldId id="258" r:id="rId2"/>
     <p:sldId id="257" r:id="rId3"/>
-    <p:sldId id="259" r:id="rId4"/>
-    <p:sldId id="260" r:id="rId5"/>
-    <p:sldId id="261" r:id="rId6"/>
-    <p:sldId id="274" r:id="rId7"/>
-    <p:sldId id="266" r:id="rId8"/>
-    <p:sldId id="281" r:id="rId9"/>
-    <p:sldId id="275" r:id="rId10"/>
-    <p:sldId id="295" r:id="rId11"/>
-    <p:sldId id="278" r:id="rId12"/>
-    <p:sldId id="297" r:id="rId13"/>
-    <p:sldId id="296" r:id="rId14"/>
-    <p:sldId id="298" r:id="rId15"/>
-    <p:sldId id="277" r:id="rId16"/>
-    <p:sldId id="300" r:id="rId17"/>
-    <p:sldId id="299" r:id="rId18"/>
-    <p:sldId id="301" r:id="rId19"/>
-    <p:sldId id="302" r:id="rId20"/>
-    <p:sldId id="279" r:id="rId21"/>
-    <p:sldId id="304" r:id="rId22"/>
-    <p:sldId id="303" r:id="rId23"/>
-    <p:sldId id="280" r:id="rId24"/>
-    <p:sldId id="282" r:id="rId25"/>
-    <p:sldId id="284" r:id="rId26"/>
-    <p:sldId id="285" r:id="rId27"/>
-    <p:sldId id="286" r:id="rId28"/>
-    <p:sldId id="290" r:id="rId29"/>
-    <p:sldId id="292" r:id="rId30"/>
-    <p:sldId id="293" r:id="rId31"/>
-    <p:sldId id="294" r:id="rId32"/>
+    <p:sldId id="261" r:id="rId4"/>
+    <p:sldId id="266" r:id="rId5"/>
+    <p:sldId id="281" r:id="rId6"/>
+    <p:sldId id="275" r:id="rId7"/>
+    <p:sldId id="307" r:id="rId8"/>
+    <p:sldId id="295" r:id="rId9"/>
+    <p:sldId id="278" r:id="rId10"/>
+    <p:sldId id="297" r:id="rId11"/>
+    <p:sldId id="296" r:id="rId12"/>
+    <p:sldId id="298" r:id="rId13"/>
+    <p:sldId id="277" r:id="rId14"/>
+    <p:sldId id="300" r:id="rId15"/>
+    <p:sldId id="299" r:id="rId16"/>
+    <p:sldId id="301" r:id="rId17"/>
+    <p:sldId id="302" r:id="rId18"/>
+    <p:sldId id="279" r:id="rId19"/>
+    <p:sldId id="304" r:id="rId20"/>
+    <p:sldId id="303" r:id="rId21"/>
+    <p:sldId id="280" r:id="rId22"/>
+    <p:sldId id="282" r:id="rId23"/>
+    <p:sldId id="305" r:id="rId24"/>
+    <p:sldId id="306" r:id="rId25"/>
+    <p:sldId id="290" r:id="rId26"/>
+    <p:sldId id="292" r:id="rId27"/>
+    <p:sldId id="293" r:id="rId28"/>
+    <p:sldId id="294" r:id="rId29"/>
   </p:sldIdLst>
   <p:sldSz cx="12192000" cy="6858000"/>
   <p:notesSz cx="6858000" cy="9144000"/>
@@ -141,6 +138,9 @@
     <p:ext uri="{EFAFB233-063F-42B5-8137-9DF3F51BA10A}">
       <p15:sldGuideLst xmlns:p15="http://schemas.microsoft.com/office/powerpoint/2012/main"/>
     </p:ext>
+    <p:ext uri="{2D200454-40CA-4A62-9FC3-DE9A4176ACB9}">
+      <p15:notesGuideLst xmlns:p15="http://schemas.microsoft.com/office/powerpoint/2012/main"/>
+    </p:ext>
   </p:extLst>
 </p:presentation>
 </file>
@@ -227,7 +227,7 @@
           <a:p>
             <a:fld id="{99C4D036-BDB5-5848-925A-7211684DC976}" type="datetimeFigureOut">
               <a:rPr lang="en-US" smtClean="0"/>
-              <a:t>6/22/17</a:t>
+              <a:t>6/23/17</a:t>
             </a:fld>
             <a:endParaRPr lang="en-US"/>
           </a:p>
@@ -539,14 +539,6 @@
           <a:bodyPr/>
           <a:lstStyle/>
           <a:p>
-            <a:r>
-              <a:rPr lang="en-US" dirty="0" smtClean="0"/>
-              <a:t>Demo</a:t>
-            </a:r>
-            <a:r>
-              <a:rPr lang="en-US" baseline="0" dirty="0" smtClean="0"/>
-              <a:t> 1</a:t>
-            </a:r>
             <a:endParaRPr lang="en-US" dirty="0"/>
           </a:p>
         </p:txBody>
@@ -568,7 +560,7 @@
           <a:p>
             <a:fld id="{432C2F01-3235-F748-B4E8-E3F35CE72FA9}" type="slidenum">
               <a:rPr lang="en-US" smtClean="0"/>
-              <a:t>9</a:t>
+              <a:t>3</a:t>
             </a:fld>
             <a:endParaRPr lang="en-US"/>
           </a:p>
@@ -577,7 +569,7 @@
     </p:spTree>
     <p:extLst>
       <p:ext uri="{BB962C8B-B14F-4D97-AF65-F5344CB8AC3E}">
-        <p14:creationId xmlns:p14="http://schemas.microsoft.com/office/powerpoint/2010/main" val="950731574"/>
+        <p14:creationId xmlns:p14="http://schemas.microsoft.com/office/powerpoint/2010/main" val="1123016552"/>
       </p:ext>
     </p:extLst>
   </p:cSld>
@@ -633,6 +625,98 @@
           <a:p>
             <a:r>
               <a:rPr lang="en-US" dirty="0" smtClean="0"/>
+              <a:t>Demos</a:t>
+            </a:r>
+            <a:r>
+              <a:rPr lang="en-US" baseline="0" dirty="0" smtClean="0"/>
+              <a:t> 7-9</a:t>
+            </a:r>
+            <a:endParaRPr lang="en-US" dirty="0"/>
+          </a:p>
+        </p:txBody>
+      </p:sp>
+      <p:sp>
+        <p:nvSpPr>
+          <p:cNvPr id="4" name="Slide Number Placeholder 3"/>
+          <p:cNvSpPr>
+            <a:spLocks noGrp="1"/>
+          </p:cNvSpPr>
+          <p:nvPr>
+            <p:ph type="sldNum" sz="quarter" idx="10"/>
+          </p:nvPr>
+        </p:nvSpPr>
+        <p:spPr/>
+        <p:txBody>
+          <a:bodyPr/>
+          <a:lstStyle/>
+          <a:p>
+            <a:fld id="{432C2F01-3235-F748-B4E8-E3F35CE72FA9}" type="slidenum">
+              <a:rPr lang="en-US" smtClean="0"/>
+              <a:t>16</a:t>
+            </a:fld>
+            <a:endParaRPr lang="en-US"/>
+          </a:p>
+        </p:txBody>
+      </p:sp>
+    </p:spTree>
+    <p:extLst>
+      <p:ext uri="{BB962C8B-B14F-4D97-AF65-F5344CB8AC3E}">
+        <p14:creationId xmlns:p14="http://schemas.microsoft.com/office/powerpoint/2010/main" val="1691589189"/>
+      </p:ext>
+    </p:extLst>
+  </p:cSld>
+  <p:clrMapOvr>
+    <a:masterClrMapping/>
+  </p:clrMapOvr>
+</p:notes>
+</file>
+
+<file path=ppt/notesSlides/notesSlide11.xml><?xml version="1.0" encoding="utf-8"?>
+<p:notes xmlns:a="http://schemas.openxmlformats.org/drawingml/2006/main" xmlns:r="http://schemas.openxmlformats.org/officeDocument/2006/relationships" xmlns:p="http://schemas.openxmlformats.org/presentationml/2006/main">
+  <p:cSld>
+    <p:spTree>
+      <p:nvGrpSpPr>
+        <p:cNvPr id="1" name=""/>
+        <p:cNvGrpSpPr/>
+        <p:nvPr/>
+      </p:nvGrpSpPr>
+      <p:grpSpPr>
+        <a:xfrm>
+          <a:off x="0" y="0"/>
+          <a:ext cx="0" cy="0"/>
+          <a:chOff x="0" y="0"/>
+          <a:chExt cx="0" cy="0"/>
+        </a:xfrm>
+      </p:grpSpPr>
+      <p:sp>
+        <p:nvSpPr>
+          <p:cNvPr id="2" name="Slide Image Placeholder 1"/>
+          <p:cNvSpPr>
+            <a:spLocks noGrp="1" noRot="1" noChangeAspect="1"/>
+          </p:cNvSpPr>
+          <p:nvPr>
+            <p:ph type="sldImg"/>
+          </p:nvPr>
+        </p:nvSpPr>
+        <p:spPr/>
+      </p:sp>
+      <p:sp>
+        <p:nvSpPr>
+          <p:cNvPr id="3" name="Notes Placeholder 2"/>
+          <p:cNvSpPr>
+            <a:spLocks noGrp="1"/>
+          </p:cNvSpPr>
+          <p:nvPr>
+            <p:ph type="body" idx="1"/>
+          </p:nvPr>
+        </p:nvSpPr>
+        <p:spPr/>
+        <p:txBody>
+          <a:bodyPr/>
+          <a:lstStyle/>
+          <a:p>
+            <a:r>
+              <a:rPr lang="en-US" dirty="0" smtClean="0"/>
               <a:t>Demo</a:t>
             </a:r>
             <a:r>
@@ -660,7 +744,103 @@
           <a:p>
             <a:fld id="{432C2F01-3235-F748-B4E8-E3F35CE72FA9}" type="slidenum">
               <a:rPr lang="en-US" smtClean="0"/>
-              <a:t>22</a:t>
+              <a:t>17</a:t>
+            </a:fld>
+            <a:endParaRPr lang="en-US"/>
+          </a:p>
+        </p:txBody>
+      </p:sp>
+    </p:spTree>
+    <p:extLst>
+      <p:ext uri="{BB962C8B-B14F-4D97-AF65-F5344CB8AC3E}">
+        <p14:creationId xmlns:p14="http://schemas.microsoft.com/office/powerpoint/2010/main" val="135041932"/>
+      </p:ext>
+    </p:extLst>
+  </p:cSld>
+  <p:clrMapOvr>
+    <a:masterClrMapping/>
+  </p:clrMapOvr>
+</p:notes>
+</file>
+
+<file path=ppt/notesSlides/notesSlide12.xml><?xml version="1.0" encoding="utf-8"?>
+<p:notes xmlns:a="http://schemas.openxmlformats.org/drawingml/2006/main" xmlns:r="http://schemas.openxmlformats.org/officeDocument/2006/relationships" xmlns:p="http://schemas.openxmlformats.org/presentationml/2006/main">
+  <p:cSld>
+    <p:spTree>
+      <p:nvGrpSpPr>
+        <p:cNvPr id="1" name=""/>
+        <p:cNvGrpSpPr/>
+        <p:nvPr/>
+      </p:nvGrpSpPr>
+      <p:grpSpPr>
+        <a:xfrm>
+          <a:off x="0" y="0"/>
+          <a:ext cx="0" cy="0"/>
+          <a:chOff x="0" y="0"/>
+          <a:chExt cx="0" cy="0"/>
+        </a:xfrm>
+      </p:grpSpPr>
+      <p:sp>
+        <p:nvSpPr>
+          <p:cNvPr id="2" name="Slide Image Placeholder 1"/>
+          <p:cNvSpPr>
+            <a:spLocks noGrp="1" noRot="1" noChangeAspect="1"/>
+          </p:cNvSpPr>
+          <p:nvPr>
+            <p:ph type="sldImg"/>
+          </p:nvPr>
+        </p:nvSpPr>
+        <p:spPr/>
+      </p:sp>
+      <p:sp>
+        <p:nvSpPr>
+          <p:cNvPr id="3" name="Notes Placeholder 2"/>
+          <p:cNvSpPr>
+            <a:spLocks noGrp="1"/>
+          </p:cNvSpPr>
+          <p:nvPr>
+            <p:ph type="body" idx="1"/>
+          </p:nvPr>
+        </p:nvSpPr>
+        <p:spPr/>
+        <p:txBody>
+          <a:bodyPr/>
+          <a:lstStyle/>
+          <a:p>
+            <a:r>
+              <a:rPr lang="en-US" smtClean="0"/>
+              <a:t>Demo</a:t>
+            </a:r>
+            <a:r>
+              <a:rPr lang="en-US" baseline="0" smtClean="0"/>
+              <a:t> </a:t>
+            </a:r>
+            <a:r>
+              <a:rPr lang="en-US" baseline="0" smtClean="0"/>
+              <a:t>11</a:t>
+            </a:r>
+            <a:endParaRPr lang="en-US" dirty="0"/>
+          </a:p>
+        </p:txBody>
+      </p:sp>
+      <p:sp>
+        <p:nvSpPr>
+          <p:cNvPr id="4" name="Slide Number Placeholder 3"/>
+          <p:cNvSpPr>
+            <a:spLocks noGrp="1"/>
+          </p:cNvSpPr>
+          <p:nvPr>
+            <p:ph type="sldNum" sz="quarter" idx="10"/>
+          </p:nvPr>
+        </p:nvSpPr>
+        <p:spPr/>
+        <p:txBody>
+          <a:bodyPr/>
+          <a:lstStyle/>
+          <a:p>
+            <a:fld id="{432C2F01-3235-F748-B4E8-E3F35CE72FA9}" type="slidenum">
+              <a:rPr lang="en-US" smtClean="0"/>
+              <a:t>20</a:t>
             </a:fld>
             <a:endParaRPr lang="en-US"/>
           </a:p>
@@ -729,7 +909,7 @@
             </a:r>
             <a:r>
               <a:rPr lang="en-US" baseline="0" dirty="0" smtClean="0"/>
-              <a:t> 2</a:t>
+              <a:t> 0</a:t>
             </a:r>
             <a:endParaRPr lang="en-US" dirty="0"/>
           </a:p>
@@ -752,7 +932,7 @@
           <a:p>
             <a:fld id="{432C2F01-3235-F748-B4E8-E3F35CE72FA9}" type="slidenum">
               <a:rPr lang="en-US" smtClean="0"/>
-              <a:t>10</a:t>
+              <a:t>6</a:t>
             </a:fld>
             <a:endParaRPr lang="en-US"/>
           </a:p>
@@ -761,7 +941,7 @@
     </p:spTree>
     <p:extLst>
       <p:ext uri="{BB962C8B-B14F-4D97-AF65-F5344CB8AC3E}">
-        <p14:creationId xmlns:p14="http://schemas.microsoft.com/office/powerpoint/2010/main" val="353134910"/>
+        <p14:creationId xmlns:p14="http://schemas.microsoft.com/office/powerpoint/2010/main" val="950731574"/>
       </p:ext>
     </p:extLst>
   </p:cSld>
@@ -821,7 +1001,7 @@
             </a:r>
             <a:r>
               <a:rPr lang="en-US" baseline="0" dirty="0" smtClean="0"/>
-              <a:t> 3</a:t>
+              <a:t> 1</a:t>
             </a:r>
             <a:endParaRPr lang="en-US" dirty="0"/>
           </a:p>
@@ -844,7 +1024,7 @@
           <a:p>
             <a:fld id="{432C2F01-3235-F748-B4E8-E3F35CE72FA9}" type="slidenum">
               <a:rPr lang="en-US" smtClean="0"/>
-              <a:t>12</a:t>
+              <a:t>7</a:t>
             </a:fld>
             <a:endParaRPr lang="en-US"/>
           </a:p>
@@ -853,7 +1033,7 @@
     </p:spTree>
     <p:extLst>
       <p:ext uri="{BB962C8B-B14F-4D97-AF65-F5344CB8AC3E}">
-        <p14:creationId xmlns:p14="http://schemas.microsoft.com/office/powerpoint/2010/main" val="1940580691"/>
+        <p14:creationId xmlns:p14="http://schemas.microsoft.com/office/powerpoint/2010/main" val="1266528637"/>
       </p:ext>
     </p:extLst>
   </p:cSld>
@@ -913,7 +1093,7 @@
             </a:r>
             <a:r>
               <a:rPr lang="en-US" baseline="0" dirty="0" smtClean="0"/>
-              <a:t> 4</a:t>
+              <a:t> 2</a:t>
             </a:r>
             <a:endParaRPr lang="en-US" dirty="0"/>
           </a:p>
@@ -936,7 +1116,7 @@
           <a:p>
             <a:fld id="{432C2F01-3235-F748-B4E8-E3F35CE72FA9}" type="slidenum">
               <a:rPr lang="en-US" smtClean="0"/>
-              <a:t>13</a:t>
+              <a:t>8</a:t>
             </a:fld>
             <a:endParaRPr lang="en-US"/>
           </a:p>
@@ -945,7 +1125,7 @@
     </p:spTree>
     <p:extLst>
       <p:ext uri="{BB962C8B-B14F-4D97-AF65-F5344CB8AC3E}">
-        <p14:creationId xmlns:p14="http://schemas.microsoft.com/office/powerpoint/2010/main" val="506327908"/>
+        <p14:creationId xmlns:p14="http://schemas.microsoft.com/office/powerpoint/2010/main" val="353134910"/>
       </p:ext>
     </p:extLst>
   </p:cSld>
@@ -1005,7 +1185,7 @@
             </a:r>
             <a:r>
               <a:rPr lang="en-US" baseline="0" dirty="0" smtClean="0"/>
-              <a:t> 5</a:t>
+              <a:t> 3</a:t>
             </a:r>
             <a:endParaRPr lang="en-US" dirty="0"/>
           </a:p>
@@ -1028,7 +1208,7 @@
           <a:p>
             <a:fld id="{432C2F01-3235-F748-B4E8-E3F35CE72FA9}" type="slidenum">
               <a:rPr lang="en-US" smtClean="0"/>
-              <a:t>14</a:t>
+              <a:t>10</a:t>
             </a:fld>
             <a:endParaRPr lang="en-US"/>
           </a:p>
@@ -1037,7 +1217,7 @@
     </p:spTree>
     <p:extLst>
       <p:ext uri="{BB962C8B-B14F-4D97-AF65-F5344CB8AC3E}">
-        <p14:creationId xmlns:p14="http://schemas.microsoft.com/office/powerpoint/2010/main" val="1774535689"/>
+        <p14:creationId xmlns:p14="http://schemas.microsoft.com/office/powerpoint/2010/main" val="1940580691"/>
       </p:ext>
     </p:extLst>
   </p:cSld>
@@ -1091,6 +1271,14 @@
           <a:bodyPr/>
           <a:lstStyle/>
           <a:p>
+            <a:r>
+              <a:rPr lang="en-US" dirty="0" smtClean="0"/>
+              <a:t>Demo</a:t>
+            </a:r>
+            <a:r>
+              <a:rPr lang="en-US" baseline="0" dirty="0" smtClean="0"/>
+              <a:t> 4</a:t>
+            </a:r>
             <a:endParaRPr lang="en-US" dirty="0"/>
           </a:p>
         </p:txBody>
@@ -1112,7 +1300,7 @@
           <a:p>
             <a:fld id="{432C2F01-3235-F748-B4E8-E3F35CE72FA9}" type="slidenum">
               <a:rPr lang="en-US" smtClean="0"/>
-              <a:t>15</a:t>
+              <a:t>11</a:t>
             </a:fld>
             <a:endParaRPr lang="en-US"/>
           </a:p>
@@ -1121,7 +1309,7 @@
     </p:spTree>
     <p:extLst>
       <p:ext uri="{BB962C8B-B14F-4D97-AF65-F5344CB8AC3E}">
-        <p14:creationId xmlns:p14="http://schemas.microsoft.com/office/powerpoint/2010/main" val="1450583348"/>
+        <p14:creationId xmlns:p14="http://schemas.microsoft.com/office/powerpoint/2010/main" val="506327908"/>
       </p:ext>
     </p:extLst>
   </p:cSld>
@@ -1181,9 +1369,25 @@
             </a:r>
             <a:r>
               <a:rPr lang="en-US" baseline="0" dirty="0" smtClean="0"/>
-              <a:t> 6</a:t>
-            </a:r>
-            <a:endParaRPr lang="en-US" dirty="0"/>
+              <a:t> 5 </a:t>
+            </a:r>
+          </a:p>
+          <a:p>
+            <a:endParaRPr lang="en-US" baseline="0" dirty="0" smtClean="0"/>
+          </a:p>
+          <a:p>
+            <a:r>
+              <a:rPr lang="en-US" baseline="0" dirty="0" smtClean="0"/>
+              <a:t>Don’t forget to also put in the * for </a:t>
+            </a:r>
+            <a:r>
+              <a:rPr lang="en-US" baseline="0" dirty="0" err="1" smtClean="0"/>
+              <a:t>activationEvents</a:t>
+            </a:r>
+            <a:r>
+              <a:rPr lang="en-US" baseline="0" dirty="0" smtClean="0"/>
+              <a:t> so everything lights up. </a:t>
+            </a:r>
           </a:p>
         </p:txBody>
       </p:sp>
@@ -1204,7 +1408,7 @@
           <a:p>
             <a:fld id="{432C2F01-3235-F748-B4E8-E3F35CE72FA9}" type="slidenum">
               <a:rPr lang="en-US" smtClean="0"/>
-              <a:t>17</a:t>
+              <a:t>12</a:t>
             </a:fld>
             <a:endParaRPr lang="en-US"/>
           </a:p>
@@ -1213,7 +1417,7 @@
     </p:spTree>
     <p:extLst>
       <p:ext uri="{BB962C8B-B14F-4D97-AF65-F5344CB8AC3E}">
-        <p14:creationId xmlns:p14="http://schemas.microsoft.com/office/powerpoint/2010/main" val="965304585"/>
+        <p14:creationId xmlns:p14="http://schemas.microsoft.com/office/powerpoint/2010/main" val="1774535689"/>
       </p:ext>
     </p:extLst>
   </p:cSld>
@@ -1267,14 +1471,6 @@
           <a:bodyPr/>
           <a:lstStyle/>
           <a:p>
-            <a:r>
-              <a:rPr lang="en-US" dirty="0" smtClean="0"/>
-              <a:t>Demos</a:t>
-            </a:r>
-            <a:r>
-              <a:rPr lang="en-US" baseline="0" dirty="0" smtClean="0"/>
-              <a:t> 7-9</a:t>
-            </a:r>
             <a:endParaRPr lang="en-US" dirty="0"/>
           </a:p>
         </p:txBody>
@@ -1296,7 +1492,7 @@
           <a:p>
             <a:fld id="{432C2F01-3235-F748-B4E8-E3F35CE72FA9}" type="slidenum">
               <a:rPr lang="en-US" smtClean="0"/>
-              <a:t>18</a:t>
+              <a:t>13</a:t>
             </a:fld>
             <a:endParaRPr lang="en-US"/>
           </a:p>
@@ -1305,7 +1501,7 @@
     </p:spTree>
     <p:extLst>
       <p:ext uri="{BB962C8B-B14F-4D97-AF65-F5344CB8AC3E}">
-        <p14:creationId xmlns:p14="http://schemas.microsoft.com/office/powerpoint/2010/main" val="1691589189"/>
+        <p14:creationId xmlns:p14="http://schemas.microsoft.com/office/powerpoint/2010/main" val="1450583348"/>
       </p:ext>
     </p:extLst>
   </p:cSld>
@@ -1365,7 +1561,7 @@
             </a:r>
             <a:r>
               <a:rPr lang="en-US" baseline="0" dirty="0" smtClean="0"/>
-              <a:t> 10</a:t>
+              <a:t> 6</a:t>
             </a:r>
             <a:endParaRPr lang="en-US" dirty="0"/>
           </a:p>
@@ -1388,7 +1584,7 @@
           <a:p>
             <a:fld id="{432C2F01-3235-F748-B4E8-E3F35CE72FA9}" type="slidenum">
               <a:rPr lang="en-US" smtClean="0"/>
-              <a:t>19</a:t>
+              <a:t>15</a:t>
             </a:fld>
             <a:endParaRPr lang="en-US"/>
           </a:p>
@@ -1397,7 +1593,7 @@
     </p:spTree>
     <p:extLst>
       <p:ext uri="{BB962C8B-B14F-4D97-AF65-F5344CB8AC3E}">
-        <p14:creationId xmlns:p14="http://schemas.microsoft.com/office/powerpoint/2010/main" val="135041932"/>
+        <p14:creationId xmlns:p14="http://schemas.microsoft.com/office/powerpoint/2010/main" val="965304585"/>
       </p:ext>
     </p:extLst>
   </p:cSld>
@@ -1436,15 +1632,17 @@
         </p:nvSpPr>
         <p:spPr>
           <a:xfrm>
-            <a:off x="1524000" y="1122363"/>
-            <a:ext cx="9144000" cy="2387600"/>
+            <a:off x="2417779" y="802298"/>
+            <a:ext cx="8637073" cy="2541431"/>
           </a:xfrm>
         </p:spPr>
         <p:txBody>
-          <a:bodyPr anchor="b"/>
+          <a:bodyPr bIns="0" anchor="b">
+            <a:normAutofit/>
+          </a:bodyPr>
           <a:lstStyle>
-            <a:lvl1pPr algn="ctr">
-              <a:defRPr sz="6000"/>
+            <a:lvl1pPr algn="l">
+              <a:defRPr sz="6600"/>
             </a:lvl1pPr>
           </a:lstStyle>
           <a:p>
@@ -1452,7 +1650,7 @@
               <a:rPr lang="en-US" smtClean="0"/>
               <a:t>Click to edit Master title style</a:t>
             </a:r>
-            <a:endParaRPr lang="en-US"/>
+            <a:endParaRPr lang="en-US" dirty="0"/>
           </a:p>
         </p:txBody>
       </p:sp>
@@ -1468,20 +1666,26 @@
         </p:nvSpPr>
         <p:spPr>
           <a:xfrm>
-            <a:off x="1524000" y="3602038"/>
-            <a:ext cx="9144000" cy="1655762"/>
+            <a:off x="2417780" y="3531204"/>
+            <a:ext cx="8637072" cy="977621"/>
           </a:xfrm>
         </p:spPr>
         <p:txBody>
-          <a:bodyPr/>
+          <a:bodyPr tIns="91440" bIns="91440">
+            <a:normAutofit/>
+          </a:bodyPr>
           <a:lstStyle>
-            <a:lvl1pPr marL="0" indent="0" algn="ctr">
-              <a:buNone/>
-              <a:defRPr sz="2400"/>
+            <a:lvl1pPr marL="0" indent="0" algn="l">
+              <a:buNone/>
+              <a:defRPr sz="1800" b="0" cap="all" baseline="0">
+                <a:solidFill>
+                  <a:schemeClr val="tx1"/>
+                </a:solidFill>
+              </a:defRPr>
             </a:lvl1pPr>
             <a:lvl2pPr marL="457200" indent="0" algn="ctr">
               <a:buNone/>
-              <a:defRPr sz="2000"/>
+              <a:defRPr sz="1800"/>
             </a:lvl2pPr>
             <a:lvl3pPr marL="914400" indent="0" algn="ctr">
               <a:buNone/>
@@ -1517,7 +1721,7 @@
               <a:rPr lang="en-US" smtClean="0"/>
               <a:t>Click to edit Master subtitle style</a:t>
             </a:r>
-            <a:endParaRPr lang="en-US"/>
+            <a:endParaRPr lang="en-US" dirty="0"/>
           </a:p>
         </p:txBody>
       </p:sp>
@@ -1538,7 +1742,7 @@
           <a:p>
             <a:fld id="{6BBEF6B5-29B0-3843-BC6B-0F62F44C2C43}" type="datetimeFigureOut">
               <a:rPr lang="en-US" smtClean="0"/>
-              <a:t>6/22/17</a:t>
+              <a:t>6/23/17</a:t>
             </a:fld>
             <a:endParaRPr lang="en-US"/>
           </a:p>
@@ -1554,7 +1758,12 @@
             <p:ph type="ftr" sz="quarter" idx="11"/>
           </p:nvPr>
         </p:nvSpPr>
-        <p:spPr/>
+        <p:spPr>
+          <a:xfrm>
+            <a:off x="2416500" y="329307"/>
+            <a:ext cx="4973915" cy="309201"/>
+          </a:xfrm>
+        </p:spPr>
         <p:txBody>
           <a:bodyPr/>
           <a:lstStyle/>
@@ -1573,7 +1782,12 @@
             <p:ph type="sldNum" sz="quarter" idx="12"/>
           </p:nvPr>
         </p:nvSpPr>
-        <p:spPr/>
+        <p:spPr>
+          <a:xfrm>
+            <a:off x="1437664" y="798973"/>
+            <a:ext cx="811019" cy="503578"/>
+          </a:xfrm>
+        </p:spPr>
         <p:txBody>
           <a:bodyPr/>
           <a:lstStyle/>
@@ -1586,6 +1800,37 @@
           </a:p>
         </p:txBody>
       </p:sp>
+      <p:cxnSp>
+        <p:nvCxnSpPr>
+          <p:cNvPr id="15" name="Straight Connector 14"/>
+          <p:cNvCxnSpPr/>
+          <p:nvPr/>
+        </p:nvCxnSpPr>
+        <p:spPr>
+          <a:xfrm>
+            <a:off x="2417780" y="3528542"/>
+            <a:ext cx="8637072" cy="0"/>
+          </a:xfrm>
+          <a:prstGeom prst="line">
+            <a:avLst/>
+          </a:prstGeom>
+          <a:ln w="31750"/>
+        </p:spPr>
+        <p:style>
+          <a:lnRef idx="3">
+            <a:schemeClr val="accent1"/>
+          </a:lnRef>
+          <a:fillRef idx="0">
+            <a:schemeClr val="accent1"/>
+          </a:fillRef>
+          <a:effectRef idx="2">
+            <a:schemeClr val="accent1"/>
+          </a:effectRef>
+          <a:fontRef idx="minor">
+            <a:schemeClr val="tx1"/>
+          </a:fontRef>
+        </p:style>
+      </p:cxnSp>
     </p:spTree>
   </p:cSld>
   <p:clrMapOvr>
@@ -1630,7 +1875,7 @@
               <a:rPr lang="en-US" smtClean="0"/>
               <a:t>Click to edit Master title style</a:t>
             </a:r>
-            <a:endParaRPr lang="en-US"/>
+            <a:endParaRPr lang="en-US" dirty="0"/>
           </a:p>
         </p:txBody>
       </p:sp>
@@ -1682,7 +1927,7 @@
               <a:rPr lang="en-US" smtClean="0"/>
               <a:t>Fifth level</a:t>
             </a:r>
-            <a:endParaRPr lang="en-US"/>
+            <a:endParaRPr lang="en-US" dirty="0"/>
           </a:p>
         </p:txBody>
       </p:sp>
@@ -1703,7 +1948,7 @@
           <a:p>
             <a:fld id="{6BBEF6B5-29B0-3843-BC6B-0F62F44C2C43}" type="datetimeFigureOut">
               <a:rPr lang="en-US" smtClean="0"/>
-              <a:t>6/22/17</a:t>
+              <a:t>6/23/17</a:t>
             </a:fld>
             <a:endParaRPr lang="en-US"/>
           </a:p>
@@ -1751,6 +1996,37 @@
           </a:p>
         </p:txBody>
       </p:sp>
+      <p:cxnSp>
+        <p:nvCxnSpPr>
+          <p:cNvPr id="26" name="Straight Connector 25"/>
+          <p:cNvCxnSpPr/>
+          <p:nvPr/>
+        </p:nvCxnSpPr>
+        <p:spPr>
+          <a:xfrm>
+            <a:off x="1453896" y="1847088"/>
+            <a:ext cx="9607522" cy="0"/>
+          </a:xfrm>
+          <a:prstGeom prst="line">
+            <a:avLst/>
+          </a:prstGeom>
+          <a:ln w="31750"/>
+        </p:spPr>
+        <p:style>
+          <a:lnRef idx="3">
+            <a:schemeClr val="accent1"/>
+          </a:lnRef>
+          <a:fillRef idx="0">
+            <a:schemeClr val="accent1"/>
+          </a:fillRef>
+          <a:effectRef idx="2">
+            <a:schemeClr val="accent1"/>
+          </a:effectRef>
+          <a:fontRef idx="minor">
+            <a:schemeClr val="tx1"/>
+          </a:fontRef>
+        </p:style>
+      </p:cxnSp>
     </p:spTree>
   </p:cSld>
   <p:clrMapOvr>
@@ -1788,19 +2064,23 @@
         </p:nvSpPr>
         <p:spPr>
           <a:xfrm>
-            <a:off x="8724900" y="365125"/>
-            <a:ext cx="2628900" cy="5811838"/>
+            <a:off x="9439111" y="798973"/>
+            <a:ext cx="1615742" cy="4659889"/>
           </a:xfrm>
         </p:spPr>
         <p:txBody>
           <a:bodyPr vert="eaVert"/>
-          <a:lstStyle/>
+          <a:lstStyle>
+            <a:lvl1pPr algn="l">
+              <a:defRPr/>
+            </a:lvl1pPr>
+          </a:lstStyle>
           <a:p>
             <a:r>
               <a:rPr lang="en-US" smtClean="0"/>
               <a:t>Click to edit Master title style</a:t>
             </a:r>
-            <a:endParaRPr lang="en-US"/>
+            <a:endParaRPr lang="en-US" dirty="0"/>
           </a:p>
         </p:txBody>
       </p:sp>
@@ -1816,8 +2096,8 @@
         </p:nvSpPr>
         <p:spPr>
           <a:xfrm>
-            <a:off x="838200" y="365125"/>
-            <a:ext cx="7734300" cy="5811838"/>
+            <a:off x="1444672" y="798973"/>
+            <a:ext cx="7828830" cy="4659889"/>
           </a:xfrm>
         </p:spPr>
         <p:txBody>
@@ -1857,7 +2137,7 @@
               <a:rPr lang="en-US" smtClean="0"/>
               <a:t>Fifth level</a:t>
             </a:r>
-            <a:endParaRPr lang="en-US"/>
+            <a:endParaRPr lang="en-US" dirty="0"/>
           </a:p>
         </p:txBody>
       </p:sp>
@@ -1878,7 +2158,7 @@
           <a:p>
             <a:fld id="{6BBEF6B5-29B0-3843-BC6B-0F62F44C2C43}" type="datetimeFigureOut">
               <a:rPr lang="en-US" smtClean="0"/>
-              <a:t>6/22/17</a:t>
+              <a:t>6/23/17</a:t>
             </a:fld>
             <a:endParaRPr lang="en-US"/>
           </a:p>
@@ -1926,6 +2206,37 @@
           </a:p>
         </p:txBody>
       </p:sp>
+      <p:cxnSp>
+        <p:nvCxnSpPr>
+          <p:cNvPr id="15" name="Straight Connector 14"/>
+          <p:cNvCxnSpPr/>
+          <p:nvPr/>
+        </p:nvCxnSpPr>
+        <p:spPr>
+          <a:xfrm>
+            <a:off x="9439111" y="798973"/>
+            <a:ext cx="0" cy="4659889"/>
+          </a:xfrm>
+          <a:prstGeom prst="line">
+            <a:avLst/>
+          </a:prstGeom>
+          <a:ln w="31750"/>
+        </p:spPr>
+        <p:style>
+          <a:lnRef idx="3">
+            <a:schemeClr val="accent1"/>
+          </a:lnRef>
+          <a:fillRef idx="0">
+            <a:schemeClr val="accent1"/>
+          </a:fillRef>
+          <a:effectRef idx="2">
+            <a:schemeClr val="accent1"/>
+          </a:effectRef>
+          <a:fontRef idx="minor">
+            <a:schemeClr val="tx1"/>
+          </a:fontRef>
+        </p:style>
+      </p:cxnSp>
     </p:spTree>
   </p:cSld>
   <p:clrMapOvr>
@@ -1970,7 +2281,7 @@
               <a:rPr lang="en-US" smtClean="0"/>
               <a:t>Click to edit Master title style</a:t>
             </a:r>
-            <a:endParaRPr lang="en-US"/>
+            <a:endParaRPr lang="en-US" dirty="0"/>
           </a:p>
         </p:txBody>
       </p:sp>
@@ -1986,7 +2297,7 @@
         </p:nvSpPr>
         <p:spPr/>
         <p:txBody>
-          <a:bodyPr/>
+          <a:bodyPr anchor="t"/>
           <a:lstStyle/>
           <a:p>
             <a:pPr lvl="0"/>
@@ -2022,7 +2333,7 @@
               <a:rPr lang="en-US" smtClean="0"/>
               <a:t>Fifth level</a:t>
             </a:r>
-            <a:endParaRPr lang="en-US"/>
+            <a:endParaRPr lang="en-US" dirty="0"/>
           </a:p>
         </p:txBody>
       </p:sp>
@@ -2043,7 +2354,7 @@
           <a:p>
             <a:fld id="{6BBEF6B5-29B0-3843-BC6B-0F62F44C2C43}" type="datetimeFigureOut">
               <a:rPr lang="en-US" smtClean="0"/>
-              <a:t>6/22/17</a:t>
+              <a:t>6/23/17</a:t>
             </a:fld>
             <a:endParaRPr lang="en-US"/>
           </a:p>
@@ -2091,6 +2402,37 @@
           </a:p>
         </p:txBody>
       </p:sp>
+      <p:cxnSp>
+        <p:nvCxnSpPr>
+          <p:cNvPr id="33" name="Straight Connector 32"/>
+          <p:cNvCxnSpPr/>
+          <p:nvPr/>
+        </p:nvCxnSpPr>
+        <p:spPr>
+          <a:xfrm>
+            <a:off x="1453896" y="1847088"/>
+            <a:ext cx="9607522" cy="0"/>
+          </a:xfrm>
+          <a:prstGeom prst="line">
+            <a:avLst/>
+          </a:prstGeom>
+          <a:ln w="31750"/>
+        </p:spPr>
+        <p:style>
+          <a:lnRef idx="3">
+            <a:schemeClr val="accent1"/>
+          </a:lnRef>
+          <a:fillRef idx="0">
+            <a:schemeClr val="accent1"/>
+          </a:fillRef>
+          <a:effectRef idx="2">
+            <a:schemeClr val="accent1"/>
+          </a:effectRef>
+          <a:fontRef idx="minor">
+            <a:schemeClr val="tx1"/>
+          </a:fontRef>
+        </p:style>
+      </p:cxnSp>
     </p:spTree>
   </p:cSld>
   <p:clrMapOvr>
@@ -2128,15 +2470,17 @@
         </p:nvSpPr>
         <p:spPr>
           <a:xfrm>
-            <a:off x="831850" y="1709738"/>
-            <a:ext cx="10515600" cy="2852737"/>
+            <a:off x="1454239" y="1756130"/>
+            <a:ext cx="8643154" cy="1887950"/>
           </a:xfrm>
         </p:spPr>
         <p:txBody>
-          <a:bodyPr anchor="b"/>
+          <a:bodyPr anchor="b">
+            <a:normAutofit/>
+          </a:bodyPr>
           <a:lstStyle>
-            <a:lvl1pPr>
-              <a:defRPr sz="6000"/>
+            <a:lvl1pPr algn="l">
+              <a:defRPr sz="3600"/>
             </a:lvl1pPr>
           </a:lstStyle>
           <a:p>
@@ -2144,7 +2488,7 @@
               <a:rPr lang="en-US" smtClean="0"/>
               <a:t>Click to edit Master title style</a:t>
             </a:r>
-            <a:endParaRPr lang="en-US"/>
+            <a:endParaRPr lang="en-US" dirty="0"/>
           </a:p>
         </p:txBody>
       </p:sp>
@@ -2160,26 +2504,26 @@
         </p:nvSpPr>
         <p:spPr>
           <a:xfrm>
-            <a:off x="831850" y="4589463"/>
-            <a:ext cx="10515600" cy="1500187"/>
+            <a:off x="1454239" y="3806195"/>
+            <a:ext cx="8630446" cy="1012929"/>
           </a:xfrm>
         </p:spPr>
         <p:txBody>
-          <a:bodyPr/>
+          <a:bodyPr tIns="91440">
+            <a:normAutofit/>
+          </a:bodyPr>
           <a:lstStyle>
-            <a:lvl1pPr marL="0" indent="0">
-              <a:buNone/>
-              <a:defRPr sz="2400">
+            <a:lvl1pPr marL="0" indent="0" algn="l">
+              <a:buNone/>
+              <a:defRPr sz="1800">
                 <a:solidFill>
-                  <a:schemeClr val="tx1">
-                    <a:tint val="75000"/>
-                  </a:schemeClr>
+                  <a:schemeClr val="tx1"/>
                 </a:solidFill>
               </a:defRPr>
             </a:lvl1pPr>
             <a:lvl2pPr marL="457200" indent="0">
               <a:buNone/>
-              <a:defRPr sz="2000">
+              <a:defRPr sz="1800">
                 <a:solidFill>
                   <a:schemeClr val="tx1">
                     <a:tint val="75000"/>
@@ -2284,7 +2628,7 @@
           <a:p>
             <a:fld id="{6BBEF6B5-29B0-3843-BC6B-0F62F44C2C43}" type="datetimeFigureOut">
               <a:rPr lang="en-US" smtClean="0"/>
-              <a:t>6/22/17</a:t>
+              <a:t>6/23/17</a:t>
             </a:fld>
             <a:endParaRPr lang="en-US"/>
           </a:p>
@@ -2332,6 +2676,37 @@
           </a:p>
         </p:txBody>
       </p:sp>
+      <p:cxnSp>
+        <p:nvCxnSpPr>
+          <p:cNvPr id="15" name="Straight Connector 14"/>
+          <p:cNvCxnSpPr/>
+          <p:nvPr/>
+        </p:nvCxnSpPr>
+        <p:spPr>
+          <a:xfrm>
+            <a:off x="1454239" y="3804985"/>
+            <a:ext cx="8630446" cy="0"/>
+          </a:xfrm>
+          <a:prstGeom prst="line">
+            <a:avLst/>
+          </a:prstGeom>
+          <a:ln w="31750"/>
+        </p:spPr>
+        <p:style>
+          <a:lnRef idx="3">
+            <a:schemeClr val="accent1"/>
+          </a:lnRef>
+          <a:fillRef idx="0">
+            <a:schemeClr val="accent1"/>
+          </a:fillRef>
+          <a:effectRef idx="2">
+            <a:schemeClr val="accent1"/>
+          </a:effectRef>
+          <a:fontRef idx="minor">
+            <a:schemeClr val="tx1"/>
+          </a:fontRef>
+        </p:style>
+      </p:cxnSp>
     </p:spTree>
   </p:cSld>
   <p:clrMapOvr>
@@ -2367,7 +2742,12 @@
             <p:ph type="title"/>
           </p:nvPr>
         </p:nvSpPr>
-        <p:spPr/>
+        <p:spPr>
+          <a:xfrm>
+            <a:off x="1449217" y="804889"/>
+            <a:ext cx="9605635" cy="1059305"/>
+          </a:xfrm>
+        </p:spPr>
         <p:txBody>
           <a:bodyPr/>
           <a:lstStyle/>
@@ -2376,7 +2756,7 @@
               <a:rPr lang="en-US" smtClean="0"/>
               <a:t>Click to edit Master title style</a:t>
             </a:r>
-            <a:endParaRPr lang="en-US"/>
+            <a:endParaRPr lang="en-US" dirty="0"/>
           </a:p>
         </p:txBody>
       </p:sp>
@@ -2392,8 +2772,8 @@
         </p:nvSpPr>
         <p:spPr>
           <a:xfrm>
-            <a:off x="838200" y="1825625"/>
-            <a:ext cx="5181600" cy="4351338"/>
+            <a:off x="1447331" y="2010878"/>
+            <a:ext cx="4645152" cy="3448595"/>
           </a:xfrm>
         </p:spPr>
         <p:txBody>
@@ -2433,7 +2813,7 @@
               <a:rPr lang="en-US" smtClean="0"/>
               <a:t>Fifth level</a:t>
             </a:r>
-            <a:endParaRPr lang="en-US"/>
+            <a:endParaRPr lang="en-US" dirty="0"/>
           </a:p>
         </p:txBody>
       </p:sp>
@@ -2449,8 +2829,8 @@
         </p:nvSpPr>
         <p:spPr>
           <a:xfrm>
-            <a:off x="6172200" y="1825625"/>
-            <a:ext cx="5181600" cy="4351338"/>
+            <a:off x="6413771" y="2017343"/>
+            <a:ext cx="4645152" cy="3441520"/>
           </a:xfrm>
         </p:spPr>
         <p:txBody>
@@ -2490,7 +2870,7 @@
               <a:rPr lang="en-US" smtClean="0"/>
               <a:t>Fifth level</a:t>
             </a:r>
-            <a:endParaRPr lang="en-US"/>
+            <a:endParaRPr lang="en-US" dirty="0"/>
           </a:p>
         </p:txBody>
       </p:sp>
@@ -2511,7 +2891,7 @@
           <a:p>
             <a:fld id="{6BBEF6B5-29B0-3843-BC6B-0F62F44C2C43}" type="datetimeFigureOut">
               <a:rPr lang="en-US" smtClean="0"/>
-              <a:t>6/22/17</a:t>
+              <a:t>6/23/17</a:t>
             </a:fld>
             <a:endParaRPr lang="en-US"/>
           </a:p>
@@ -2559,6 +2939,37 @@
           </a:p>
         </p:txBody>
       </p:sp>
+      <p:cxnSp>
+        <p:nvCxnSpPr>
+          <p:cNvPr id="35" name="Straight Connector 34"/>
+          <p:cNvCxnSpPr/>
+          <p:nvPr/>
+        </p:nvCxnSpPr>
+        <p:spPr>
+          <a:xfrm>
+            <a:off x="1453896" y="1847088"/>
+            <a:ext cx="9607522" cy="0"/>
+          </a:xfrm>
+          <a:prstGeom prst="line">
+            <a:avLst/>
+          </a:prstGeom>
+          <a:ln w="31750"/>
+        </p:spPr>
+        <p:style>
+          <a:lnRef idx="3">
+            <a:schemeClr val="accent1"/>
+          </a:lnRef>
+          <a:fillRef idx="0">
+            <a:schemeClr val="accent1"/>
+          </a:fillRef>
+          <a:effectRef idx="2">
+            <a:schemeClr val="accent1"/>
+          </a:effectRef>
+          <a:fontRef idx="minor">
+            <a:schemeClr val="tx1"/>
+          </a:fontRef>
+        </p:style>
+      </p:cxnSp>
     </p:spTree>
   </p:cSld>
   <p:clrMapOvr>
@@ -2596,8 +3007,8 @@
         </p:nvSpPr>
         <p:spPr>
           <a:xfrm>
-            <a:off x="839788" y="365125"/>
-            <a:ext cx="10515600" cy="1325563"/>
+            <a:off x="1447191" y="804163"/>
+            <a:ext cx="9607661" cy="1056319"/>
           </a:xfrm>
         </p:spPr>
         <p:txBody>
@@ -2608,7 +3019,7 @@
               <a:rPr lang="en-US" smtClean="0"/>
               <a:t>Click to edit Master title style</a:t>
             </a:r>
-            <a:endParaRPr lang="en-US"/>
+            <a:endParaRPr lang="en-US" dirty="0"/>
           </a:p>
         </p:txBody>
       </p:sp>
@@ -2624,16 +3035,25 @@
         </p:nvSpPr>
         <p:spPr>
           <a:xfrm>
-            <a:off x="839788" y="1681163"/>
-            <a:ext cx="5157787" cy="823912"/>
+            <a:off x="1447191" y="2019549"/>
+            <a:ext cx="4645152" cy="801943"/>
           </a:xfrm>
         </p:spPr>
         <p:txBody>
-          <a:bodyPr anchor="b"/>
+          <a:bodyPr anchor="b">
+            <a:normAutofit/>
+          </a:bodyPr>
           <a:lstStyle>
             <a:lvl1pPr marL="0" indent="0">
-              <a:buNone/>
-              <a:defRPr sz="2400" b="1"/>
+              <a:lnSpc>
+                <a:spcPct val="100000"/>
+              </a:lnSpc>
+              <a:buNone/>
+              <a:defRPr sz="2200" b="0" cap="all" baseline="0">
+                <a:solidFill>
+                  <a:schemeClr val="accent1"/>
+                </a:solidFill>
+              </a:defRPr>
             </a:lvl1pPr>
             <a:lvl2pPr marL="457200" indent="0">
               <a:buNone/>
@@ -2689,8 +3109,8 @@
         </p:nvSpPr>
         <p:spPr>
           <a:xfrm>
-            <a:off x="839788" y="2505075"/>
-            <a:ext cx="5157787" cy="3684588"/>
+            <a:off x="1447191" y="2824269"/>
+            <a:ext cx="4645152" cy="2644457"/>
           </a:xfrm>
         </p:spPr>
         <p:txBody>
@@ -2730,7 +3150,7 @@
               <a:rPr lang="en-US" smtClean="0"/>
               <a:t>Fifth level</a:t>
             </a:r>
-            <a:endParaRPr lang="en-US"/>
+            <a:endParaRPr lang="en-US" dirty="0"/>
           </a:p>
         </p:txBody>
       </p:sp>
@@ -2746,16 +3166,25 @@
         </p:nvSpPr>
         <p:spPr>
           <a:xfrm>
-            <a:off x="6172200" y="1681163"/>
-            <a:ext cx="5183188" cy="823912"/>
+            <a:off x="6412362" y="2023003"/>
+            <a:ext cx="4645152" cy="802237"/>
           </a:xfrm>
         </p:spPr>
         <p:txBody>
-          <a:bodyPr anchor="b"/>
+          <a:bodyPr anchor="b">
+            <a:normAutofit/>
+          </a:bodyPr>
           <a:lstStyle>
             <a:lvl1pPr marL="0" indent="0">
-              <a:buNone/>
-              <a:defRPr sz="2400" b="1"/>
+              <a:lnSpc>
+                <a:spcPct val="100000"/>
+              </a:lnSpc>
+              <a:buNone/>
+              <a:defRPr sz="2200" b="0" cap="all" baseline="0">
+                <a:solidFill>
+                  <a:schemeClr val="accent1"/>
+                </a:solidFill>
+              </a:defRPr>
             </a:lvl1pPr>
             <a:lvl2pPr marL="457200" indent="0">
               <a:buNone/>
@@ -2811,8 +3240,8 @@
         </p:nvSpPr>
         <p:spPr>
           <a:xfrm>
-            <a:off x="6172200" y="2505075"/>
-            <a:ext cx="5183188" cy="3684588"/>
+            <a:off x="6412362" y="2821491"/>
+            <a:ext cx="4645152" cy="2637371"/>
           </a:xfrm>
         </p:spPr>
         <p:txBody>
@@ -2852,7 +3281,7 @@
               <a:rPr lang="en-US" smtClean="0"/>
               <a:t>Fifth level</a:t>
             </a:r>
-            <a:endParaRPr lang="en-US"/>
+            <a:endParaRPr lang="en-US" dirty="0"/>
           </a:p>
         </p:txBody>
       </p:sp>
@@ -2873,7 +3302,7 @@
           <a:p>
             <a:fld id="{6BBEF6B5-29B0-3843-BC6B-0F62F44C2C43}" type="datetimeFigureOut">
               <a:rPr lang="en-US" smtClean="0"/>
-              <a:t>6/22/17</a:t>
+              <a:t>6/23/17</a:t>
             </a:fld>
             <a:endParaRPr lang="en-US"/>
           </a:p>
@@ -2921,6 +3350,37 @@
           </a:p>
         </p:txBody>
       </p:sp>
+      <p:cxnSp>
+        <p:nvCxnSpPr>
+          <p:cNvPr id="29" name="Straight Connector 28"/>
+          <p:cNvCxnSpPr/>
+          <p:nvPr/>
+        </p:nvCxnSpPr>
+        <p:spPr>
+          <a:xfrm>
+            <a:off x="1453896" y="1847088"/>
+            <a:ext cx="9607522" cy="0"/>
+          </a:xfrm>
+          <a:prstGeom prst="line">
+            <a:avLst/>
+          </a:prstGeom>
+          <a:ln w="31750"/>
+        </p:spPr>
+        <p:style>
+          <a:lnRef idx="3">
+            <a:schemeClr val="accent1"/>
+          </a:lnRef>
+          <a:fillRef idx="0">
+            <a:schemeClr val="accent1"/>
+          </a:fillRef>
+          <a:effectRef idx="2">
+            <a:schemeClr val="accent1"/>
+          </a:effectRef>
+          <a:fontRef idx="minor">
+            <a:schemeClr val="tx1"/>
+          </a:fontRef>
+        </p:style>
+      </p:cxnSp>
     </p:spTree>
   </p:cSld>
   <p:clrMapOvr>
@@ -2965,7 +3425,7 @@
               <a:rPr lang="en-US" smtClean="0"/>
               <a:t>Click to edit Master title style</a:t>
             </a:r>
-            <a:endParaRPr lang="en-US"/>
+            <a:endParaRPr lang="en-US" dirty="0"/>
           </a:p>
         </p:txBody>
       </p:sp>
@@ -2986,7 +3446,7 @@
           <a:p>
             <a:fld id="{6BBEF6B5-29B0-3843-BC6B-0F62F44C2C43}" type="datetimeFigureOut">
               <a:rPr lang="en-US" smtClean="0"/>
-              <a:t>6/22/17</a:t>
+              <a:t>6/23/17</a:t>
             </a:fld>
             <a:endParaRPr lang="en-US"/>
           </a:p>
@@ -3034,6 +3494,37 @@
           </a:p>
         </p:txBody>
       </p:sp>
+      <p:cxnSp>
+        <p:nvCxnSpPr>
+          <p:cNvPr id="25" name="Straight Connector 24"/>
+          <p:cNvCxnSpPr/>
+          <p:nvPr/>
+        </p:nvCxnSpPr>
+        <p:spPr>
+          <a:xfrm>
+            <a:off x="1453896" y="1847088"/>
+            <a:ext cx="9607522" cy="0"/>
+          </a:xfrm>
+          <a:prstGeom prst="line">
+            <a:avLst/>
+          </a:prstGeom>
+          <a:ln w="31750"/>
+        </p:spPr>
+        <p:style>
+          <a:lnRef idx="3">
+            <a:schemeClr val="accent1"/>
+          </a:lnRef>
+          <a:fillRef idx="0">
+            <a:schemeClr val="accent1"/>
+          </a:fillRef>
+          <a:effectRef idx="2">
+            <a:schemeClr val="accent1"/>
+          </a:effectRef>
+          <a:fontRef idx="minor">
+            <a:schemeClr val="tx1"/>
+          </a:fontRef>
+        </p:style>
+      </p:cxnSp>
     </p:spTree>
   </p:cSld>
   <p:clrMapOvr>
@@ -3076,7 +3567,7 @@
           <a:p>
             <a:fld id="{6BBEF6B5-29B0-3843-BC6B-0F62F44C2C43}" type="datetimeFigureOut">
               <a:rPr lang="en-US" smtClean="0"/>
-              <a:t>6/22/17</a:t>
+              <a:t>6/23/17</a:t>
             </a:fld>
             <a:endParaRPr lang="en-US"/>
           </a:p>
@@ -3161,15 +3652,17 @@
         </p:nvSpPr>
         <p:spPr>
           <a:xfrm>
-            <a:off x="839788" y="457200"/>
-            <a:ext cx="3932237" cy="1600200"/>
+            <a:off x="1444671" y="798973"/>
+            <a:ext cx="3273099" cy="2247117"/>
           </a:xfrm>
         </p:spPr>
         <p:txBody>
-          <a:bodyPr anchor="b"/>
+          <a:bodyPr anchor="b">
+            <a:normAutofit/>
+          </a:bodyPr>
           <a:lstStyle>
-            <a:lvl1pPr>
-              <a:defRPr sz="3200"/>
+            <a:lvl1pPr algn="l">
+              <a:defRPr sz="2400"/>
             </a:lvl1pPr>
           </a:lstStyle>
           <a:p>
@@ -3177,7 +3670,7 @@
               <a:rPr lang="en-US" smtClean="0"/>
               <a:t>Click to edit Master title style</a:t>
             </a:r>
-            <a:endParaRPr lang="en-US"/>
+            <a:endParaRPr lang="en-US" dirty="0"/>
           </a:p>
         </p:txBody>
       </p:sp>
@@ -3193,41 +3686,13 @@
         </p:nvSpPr>
         <p:spPr>
           <a:xfrm>
-            <a:off x="5183188" y="987425"/>
-            <a:ext cx="6172200" cy="4873625"/>
+            <a:off x="5043714" y="798974"/>
+            <a:ext cx="6012470" cy="4658826"/>
           </a:xfrm>
         </p:spPr>
         <p:txBody>
-          <a:bodyPr/>
-          <a:lstStyle>
-            <a:lvl1pPr>
-              <a:defRPr sz="3200"/>
-            </a:lvl1pPr>
-            <a:lvl2pPr>
-              <a:defRPr sz="2800"/>
-            </a:lvl2pPr>
-            <a:lvl3pPr>
-              <a:defRPr sz="2400"/>
-            </a:lvl3pPr>
-            <a:lvl4pPr>
-              <a:defRPr sz="2000"/>
-            </a:lvl4pPr>
-            <a:lvl5pPr>
-              <a:defRPr sz="2000"/>
-            </a:lvl5pPr>
-            <a:lvl6pPr>
-              <a:defRPr sz="2000"/>
-            </a:lvl6pPr>
-            <a:lvl7pPr>
-              <a:defRPr sz="2000"/>
-            </a:lvl7pPr>
-            <a:lvl8pPr>
-              <a:defRPr sz="2000"/>
-            </a:lvl8pPr>
-            <a:lvl9pPr>
-              <a:defRPr sz="2000"/>
-            </a:lvl9pPr>
-          </a:lstStyle>
+          <a:bodyPr anchor="ctr"/>
+          <a:lstStyle/>
           <a:p>
             <a:pPr lvl="0"/>
             <a:r>
@@ -3262,7 +3727,7 @@
               <a:rPr lang="en-US" smtClean="0"/>
               <a:t>Fifth level</a:t>
             </a:r>
-            <a:endParaRPr lang="en-US"/>
+            <a:endParaRPr lang="en-US" dirty="0"/>
           </a:p>
         </p:txBody>
       </p:sp>
@@ -3278,14 +3743,14 @@
         </p:nvSpPr>
         <p:spPr>
           <a:xfrm>
-            <a:off x="839788" y="2057400"/>
-            <a:ext cx="3932237" cy="3811588"/>
+            <a:off x="1444671" y="3205491"/>
+            <a:ext cx="3275013" cy="2248181"/>
           </a:xfrm>
         </p:spPr>
         <p:txBody>
           <a:bodyPr/>
           <a:lstStyle>
-            <a:lvl1pPr marL="0" indent="0">
+            <a:lvl1pPr marL="0" indent="0" algn="l">
               <a:buNone/>
               <a:defRPr sz="1600"/>
             </a:lvl1pPr>
@@ -3348,7 +3813,7 @@
           <a:p>
             <a:fld id="{6BBEF6B5-29B0-3843-BC6B-0F62F44C2C43}" type="datetimeFigureOut">
               <a:rPr lang="en-US" smtClean="0"/>
-              <a:t>6/22/17</a:t>
+              <a:t>6/23/17</a:t>
             </a:fld>
             <a:endParaRPr lang="en-US"/>
           </a:p>
@@ -3396,6 +3861,37 @@
           </a:p>
         </p:txBody>
       </p:sp>
+      <p:cxnSp>
+        <p:nvCxnSpPr>
+          <p:cNvPr id="17" name="Straight Connector 16"/>
+          <p:cNvCxnSpPr/>
+          <p:nvPr/>
+        </p:nvCxnSpPr>
+        <p:spPr>
+          <a:xfrm>
+            <a:off x="1448280" y="3205491"/>
+            <a:ext cx="3269490" cy="0"/>
+          </a:xfrm>
+          <a:prstGeom prst="line">
+            <a:avLst/>
+          </a:prstGeom>
+          <a:ln w="31750"/>
+        </p:spPr>
+        <p:style>
+          <a:lnRef idx="3">
+            <a:schemeClr val="accent1"/>
+          </a:lnRef>
+          <a:fillRef idx="0">
+            <a:schemeClr val="accent1"/>
+          </a:fillRef>
+          <a:effectRef idx="2">
+            <a:schemeClr val="accent1"/>
+          </a:effectRef>
+          <a:fontRef idx="minor">
+            <a:schemeClr val="tx1"/>
+          </a:fontRef>
+        </p:style>
+      </p:cxnSp>
     </p:spTree>
   </p:cSld>
   <p:clrMapOvr>
@@ -3421,6 +3917,140 @@
           <a:chExt cx="0" cy="0"/>
         </a:xfrm>
       </p:grpSpPr>
+      <p:grpSp>
+        <p:nvGrpSpPr>
+          <p:cNvPr id="8" name="Group 7"/>
+          <p:cNvGrpSpPr/>
+          <p:nvPr/>
+        </p:nvGrpSpPr>
+        <p:grpSpPr>
+          <a:xfrm>
+            <a:off x="7477387" y="482170"/>
+            <a:ext cx="4074533" cy="5149101"/>
+            <a:chOff x="7477387" y="482170"/>
+            <a:chExt cx="4074533" cy="5149101"/>
+          </a:xfrm>
+        </p:grpSpPr>
+        <p:sp>
+          <p:nvSpPr>
+            <p:cNvPr id="18" name="Rectangle 17"/>
+            <p:cNvSpPr/>
+            <p:nvPr/>
+          </p:nvSpPr>
+          <p:spPr bwMode="black">
+            <a:xfrm>
+              <a:off x="7477387" y="482170"/>
+              <a:ext cx="4074533" cy="5149101"/>
+            </a:xfrm>
+            <a:prstGeom prst="rect">
+              <a:avLst/>
+            </a:prstGeom>
+            <a:gradFill>
+              <a:gsLst>
+                <a:gs pos="0">
+                  <a:srgbClr val="000001"/>
+                </a:gs>
+                <a:gs pos="100000">
+                  <a:srgbClr val="191919"/>
+                </a:gs>
+              </a:gsLst>
+            </a:gradFill>
+            <a:ln w="76200" cmpd="sng">
+              <a:noFill/>
+              <a:miter lim="800000"/>
+            </a:ln>
+            <a:effectLst>
+              <a:outerShdw blurRad="127000" dist="228600" dir="4740000" sx="98000" sy="98000" algn="tl" rotWithShape="0">
+                <a:srgbClr val="000000">
+                  <a:alpha val="34000"/>
+                </a:srgbClr>
+              </a:outerShdw>
+            </a:effectLst>
+            <a:scene3d>
+              <a:camera prst="orthographicFront"/>
+              <a:lightRig rig="threePt" dir="t"/>
+            </a:scene3d>
+            <a:sp3d>
+              <a:bevelT w="152400" h="50800" prst="softRound"/>
+            </a:sp3d>
+          </p:spPr>
+          <p:style>
+            <a:lnRef idx="1">
+              <a:schemeClr val="accent1"/>
+            </a:lnRef>
+            <a:fillRef idx="3">
+              <a:schemeClr val="accent1"/>
+            </a:fillRef>
+            <a:effectRef idx="2">
+              <a:schemeClr val="accent1"/>
+            </a:effectRef>
+            <a:fontRef idx="minor">
+              <a:schemeClr val="lt1"/>
+            </a:fontRef>
+          </p:style>
+        </p:sp>
+        <p:sp>
+          <p:nvSpPr>
+            <p:cNvPr id="19" name="Rectangle 18"/>
+            <p:cNvSpPr/>
+            <p:nvPr/>
+          </p:nvSpPr>
+          <p:spPr bwMode="blackWhite">
+            <a:xfrm>
+              <a:off x="7790446" y="812506"/>
+              <a:ext cx="3450289" cy="4466452"/>
+            </a:xfrm>
+            <a:prstGeom prst="rect">
+              <a:avLst/>
+            </a:prstGeom>
+            <a:gradFill>
+              <a:gsLst>
+                <a:gs pos="0">
+                  <a:srgbClr val="DADADA"/>
+                </a:gs>
+                <a:gs pos="100000">
+                  <a:srgbClr val="FFFFFE"/>
+                </a:gs>
+              </a:gsLst>
+              <a:lin ang="16200000" scaled="0"/>
+            </a:gradFill>
+            <a:ln w="50800" cmpd="sng">
+              <a:solidFill>
+                <a:srgbClr val="191919"/>
+              </a:solidFill>
+              <a:miter lim="800000"/>
+            </a:ln>
+            <a:effectLst>
+              <a:innerShdw blurRad="63500" dist="88900" dir="14100000">
+                <a:srgbClr val="000000">
+                  <a:alpha val="30000"/>
+                </a:srgbClr>
+              </a:innerShdw>
+            </a:effectLst>
+            <a:scene3d>
+              <a:camera prst="orthographicFront"/>
+              <a:lightRig rig="threePt" dir="t"/>
+            </a:scene3d>
+            <a:sp3d>
+              <a:bevelT prst="relaxedInset"/>
+            </a:sp3d>
+          </p:spPr>
+          <p:style>
+            <a:lnRef idx="1">
+              <a:schemeClr val="accent1"/>
+            </a:lnRef>
+            <a:fillRef idx="3">
+              <a:schemeClr val="accent1"/>
+            </a:fillRef>
+            <a:effectRef idx="2">
+              <a:schemeClr val="accent1"/>
+            </a:effectRef>
+            <a:fontRef idx="minor">
+              <a:schemeClr val="lt1"/>
+            </a:fontRef>
+          </p:style>
+        </p:sp>
+      </p:grpSp>
       <p:sp>
         <p:nvSpPr>
           <p:cNvPr id="2" name="Title 1"/>
@@ -3433,12 +4063,14 @@
         </p:nvSpPr>
         <p:spPr>
           <a:xfrm>
-            <a:off x="839788" y="457200"/>
-            <a:ext cx="3932237" cy="1600200"/>
+            <a:off x="1451206" y="1129513"/>
+            <a:ext cx="5532328" cy="1830584"/>
           </a:xfrm>
         </p:spPr>
         <p:txBody>
-          <a:bodyPr anchor="b"/>
+          <a:bodyPr anchor="b">
+            <a:normAutofit/>
+          </a:bodyPr>
           <a:lstStyle>
             <a:lvl1pPr>
               <a:defRPr sz="3200"/>
@@ -3449,7 +4081,7 @@
               <a:rPr lang="en-US" smtClean="0"/>
               <a:t>Click to edit Master title style</a:t>
             </a:r>
-            <a:endParaRPr lang="en-US"/>
+            <a:endParaRPr lang="en-US" dirty="0"/>
           </a:p>
         </p:txBody>
       </p:sp>
@@ -3457,7 +4089,7 @@
         <p:nvSpPr>
           <p:cNvPr id="3" name="Picture Placeholder 2"/>
           <p:cNvSpPr>
-            <a:spLocks noGrp="1"/>
+            <a:spLocks noGrp="1" noChangeAspect="1"/>
           </p:cNvSpPr>
           <p:nvPr>
             <p:ph type="pic" idx="1"/>
@@ -3465,14 +4097,24 @@
         </p:nvSpPr>
         <p:spPr>
           <a:xfrm>
-            <a:off x="5183188" y="987425"/>
-            <a:ext cx="6172200" cy="4873625"/>
+            <a:off x="8124389" y="1122542"/>
+            <a:ext cx="2791171" cy="3866327"/>
           </a:xfrm>
+          <a:solidFill>
+            <a:schemeClr val="bg1">
+              <a:lumMod val="85000"/>
+            </a:schemeClr>
+          </a:solidFill>
+          <a:ln w="9525" cap="sq">
+            <a:noFill/>
+            <a:miter lim="800000"/>
+          </a:ln>
+          <a:effectLst/>
         </p:spPr>
         <p:txBody>
-          <a:bodyPr/>
+          <a:bodyPr anchor="t"/>
           <a:lstStyle>
-            <a:lvl1pPr marL="0" indent="0">
+            <a:lvl1pPr marL="0" indent="0" algn="ctr">
               <a:buNone/>
               <a:defRPr sz="3200"/>
             </a:lvl1pPr>
@@ -3510,7 +4152,11 @@
             </a:lvl9pPr>
           </a:lstStyle>
           <a:p>
-            <a:endParaRPr lang="en-US"/>
+            <a:r>
+              <a:rPr lang="en-US" smtClean="0"/>
+              <a:t>Drag picture to placeholder or click icon to add</a:t>
+            </a:r>
+            <a:endParaRPr lang="en-US" dirty="0"/>
           </a:p>
         </p:txBody>
       </p:sp>
@@ -3526,16 +4172,18 @@
         </p:nvSpPr>
         <p:spPr>
           <a:xfrm>
-            <a:off x="839788" y="2057400"/>
-            <a:ext cx="3932237" cy="3811588"/>
+            <a:off x="1450329" y="3145992"/>
+            <a:ext cx="5524404" cy="2003742"/>
           </a:xfrm>
         </p:spPr>
         <p:txBody>
-          <a:bodyPr/>
+          <a:bodyPr>
+            <a:normAutofit/>
+          </a:bodyPr>
           <a:lstStyle>
-            <a:lvl1pPr marL="0" indent="0">
-              <a:buNone/>
-              <a:defRPr sz="1600"/>
+            <a:lvl1pPr marL="0" indent="0" algn="l">
+              <a:buNone/>
+              <a:defRPr sz="1800"/>
             </a:lvl1pPr>
             <a:lvl2pPr marL="457200" indent="0">
               <a:buNone/>
@@ -3589,14 +4237,23 @@
             <p:ph type="dt" sz="half" idx="10"/>
           </p:nvPr>
         </p:nvSpPr>
-        <p:spPr/>
-        <p:txBody>
-          <a:bodyPr/>
-          <a:lstStyle/>
+        <p:spPr>
+          <a:xfrm>
+            <a:off x="1447382" y="5469856"/>
+            <a:ext cx="5527351" cy="320123"/>
+          </a:xfrm>
+        </p:spPr>
+        <p:txBody>
+          <a:bodyPr/>
+          <a:lstStyle>
+            <a:lvl1pPr algn="l">
+              <a:defRPr/>
+            </a:lvl1pPr>
+          </a:lstStyle>
           <a:p>
             <a:fld id="{6BBEF6B5-29B0-3843-BC6B-0F62F44C2C43}" type="datetimeFigureOut">
               <a:rPr lang="en-US" smtClean="0"/>
-              <a:t>6/22/17</a:t>
+              <a:t>6/23/17</a:t>
             </a:fld>
             <a:endParaRPr lang="en-US"/>
           </a:p>
@@ -3612,7 +4269,12 @@
             <p:ph type="ftr" sz="quarter" idx="11"/>
           </p:nvPr>
         </p:nvSpPr>
-        <p:spPr/>
+        <p:spPr>
+          <a:xfrm>
+            <a:off x="1447382" y="318640"/>
+            <a:ext cx="5541004" cy="320931"/>
+          </a:xfrm>
+        </p:spPr>
         <p:txBody>
           <a:bodyPr/>
           <a:lstStyle/>
@@ -3644,6 +4306,37 @@
           </a:p>
         </p:txBody>
       </p:sp>
+      <p:cxnSp>
+        <p:nvCxnSpPr>
+          <p:cNvPr id="31" name="Straight Connector 30"/>
+          <p:cNvCxnSpPr/>
+          <p:nvPr/>
+        </p:nvCxnSpPr>
+        <p:spPr>
+          <a:xfrm>
+            <a:off x="1447382" y="3143605"/>
+            <a:ext cx="5527351" cy="0"/>
+          </a:xfrm>
+          <a:prstGeom prst="line">
+            <a:avLst/>
+          </a:prstGeom>
+          <a:ln w="31750"/>
+        </p:spPr>
+        <p:style>
+          <a:lnRef idx="3">
+            <a:schemeClr val="accent1"/>
+          </a:lnRef>
+          <a:fillRef idx="0">
+            <a:schemeClr val="accent1"/>
+          </a:fillRef>
+          <a:effectRef idx="2">
+            <a:schemeClr val="accent1"/>
+          </a:effectRef>
+          <a:fontRef idx="minor">
+            <a:schemeClr val="tx1"/>
+          </a:fontRef>
+        </p:style>
+      </p:cxnSp>
     </p:spTree>
   </p:cSld>
   <p:clrMapOvr>
@@ -3656,8 +4349,8 @@
 <p:sldMaster xmlns:a="http://schemas.openxmlformats.org/drawingml/2006/main" xmlns:r="http://schemas.openxmlformats.org/officeDocument/2006/relationships" xmlns:p="http://schemas.openxmlformats.org/presentationml/2006/main">
   <p:cSld>
     <p:bg>
-      <p:bgRef idx="1001">
-        <a:schemeClr val="bg1"/>
+      <p:bgRef idx="1003">
+        <a:schemeClr val="bg2"/>
       </p:bgRef>
     </p:bg>
     <p:spTree>
@@ -3676,123 +4369,200 @@
       </p:grpSpPr>
       <p:sp>
         <p:nvSpPr>
-          <p:cNvPr id="2" name="Title Placeholder 1"/>
-          <p:cNvSpPr>
-            <a:spLocks noGrp="1"/>
-          </p:cNvSpPr>
-          <p:nvPr>
-            <p:ph type="title"/>
-          </p:nvPr>
+          <p:cNvPr id="8" name="Rectangle 7"/>
+          <p:cNvSpPr/>
+          <p:nvPr/>
         </p:nvSpPr>
         <p:spPr>
           <a:xfrm>
-            <a:off x="838200" y="365125"/>
-            <a:ext cx="10515600" cy="1325563"/>
+            <a:off x="0" y="2019476"/>
+            <a:ext cx="12192000" cy="4105941"/>
+          </a:xfrm>
+          <a:prstGeom prst="rect">
+            <a:avLst/>
+          </a:prstGeom>
+          <a:gradFill flip="none" rotWithShape="1">
+            <a:gsLst>
+              <a:gs pos="0">
+                <a:schemeClr val="bg2">
+                  <a:alpha val="0"/>
+                </a:schemeClr>
+              </a:gs>
+              <a:gs pos="100000">
+                <a:schemeClr val="bg2"/>
+              </a:gs>
+            </a:gsLst>
+            <a:lin ang="5400000" scaled="0"/>
+            <a:tileRect/>
+          </a:gradFill>
+          <a:ln>
+            <a:noFill/>
+          </a:ln>
+        </p:spPr>
+        <p:style>
+          <a:lnRef idx="2">
+            <a:schemeClr val="accent1">
+              <a:shade val="50000"/>
+            </a:schemeClr>
+          </a:lnRef>
+          <a:fillRef idx="1">
+            <a:schemeClr val="accent1"/>
+          </a:fillRef>
+          <a:effectRef idx="0">
+            <a:schemeClr val="accent1"/>
+          </a:effectRef>
+          <a:fontRef idx="minor">
+            <a:schemeClr val="lt1"/>
+          </a:fontRef>
+        </p:style>
+      </p:sp>
+      <p:pic>
+        <p:nvPicPr>
+          <p:cNvPr id="7" name="Picture 6"/>
+          <p:cNvPicPr>
+            <a:picLocks noChangeAspect="1"/>
+          </p:cNvPicPr>
+          <p:nvPr/>
+        </p:nvPicPr>
+        <p:blipFill rotWithShape="1">
+          <a:blip r:embed="rId13">
+            <a:extLst>
+              <a:ext uri="{28A0092B-C50C-407E-A947-70E740481C1C}">
+                <a14:useLocalDpi xmlns:a14="http://schemas.microsoft.com/office/drawing/2010/main" val="0"/>
+              </a:ext>
+            </a:extLst>
+          </a:blip>
+          <a:srcRect t="1538" b="-1538"/>
+          <a:stretch/>
+        </p:blipFill>
+        <p:spPr bwMode="black">
+          <a:xfrm>
+            <a:off x="0" y="6126480"/>
+            <a:ext cx="12192000" cy="742950"/>
           </a:xfrm>
           <a:prstGeom prst="rect">
             <a:avLst/>
           </a:prstGeom>
         </p:spPr>
-        <p:txBody>
-          <a:bodyPr vert="horz" lIns="91440" tIns="45720" rIns="91440" bIns="45720" rtlCol="0" anchor="ctr">
-            <a:normAutofit/>
-          </a:bodyPr>
-          <a:lstStyle/>
-          <a:p>
-            <a:r>
-              <a:rPr lang="en-US" smtClean="0"/>
-              <a:t>Click to edit Master title style</a:t>
-            </a:r>
-            <a:endParaRPr lang="en-US"/>
-          </a:p>
-        </p:txBody>
-      </p:sp>
-      <p:sp>
-        <p:nvSpPr>
-          <p:cNvPr id="3" name="Text Placeholder 2"/>
-          <p:cNvSpPr>
-            <a:spLocks noGrp="1"/>
-          </p:cNvSpPr>
-          <p:nvPr>
-            <p:ph type="body" idx="1"/>
+      </p:pic>
+      <p:sp>
+        <p:nvSpPr>
+          <p:cNvPr id="2" name="Title Placeholder 1"/>
+          <p:cNvSpPr>
+            <a:spLocks noGrp="1"/>
+          </p:cNvSpPr>
+          <p:nvPr>
+            <p:ph type="title"/>
           </p:nvPr>
         </p:nvSpPr>
         <p:spPr>
           <a:xfrm>
-            <a:off x="838200" y="1825625"/>
-            <a:ext cx="10515600" cy="4351338"/>
+            <a:off x="1451579" y="804519"/>
+            <a:ext cx="9603275" cy="1049235"/>
           </a:xfrm>
           <a:prstGeom prst="rect">
             <a:avLst/>
           </a:prstGeom>
         </p:spPr>
         <p:txBody>
-          <a:bodyPr vert="horz" lIns="91440" tIns="45720" rIns="91440" bIns="45720" rtlCol="0">
+          <a:bodyPr vert="horz" lIns="91440" tIns="45720" rIns="91440" bIns="45720" rtlCol="0" anchor="t">
             <a:normAutofit/>
           </a:bodyPr>
           <a:lstStyle/>
           <a:p>
-            <a:pPr lvl="0"/>
             <a:r>
               <a:rPr lang="en-US" smtClean="0"/>
-              <a:t>Click to edit Master text styles</a:t>
-            </a:r>
-          </a:p>
-          <a:p>
-            <a:pPr lvl="1"/>
-            <a:r>
-              <a:rPr lang="en-US" smtClean="0"/>
-              <a:t>Second level</a:t>
-            </a:r>
-          </a:p>
-          <a:p>
-            <a:pPr lvl="2"/>
-            <a:r>
-              <a:rPr lang="en-US" smtClean="0"/>
-              <a:t>Third level</a:t>
-            </a:r>
-          </a:p>
-          <a:p>
-            <a:pPr lvl="3"/>
-            <a:r>
-              <a:rPr lang="en-US" smtClean="0"/>
-              <a:t>Fourth level</a:t>
-            </a:r>
-          </a:p>
-          <a:p>
-            <a:pPr lvl="4"/>
-            <a:r>
-              <a:rPr lang="en-US" smtClean="0"/>
-              <a:t>Fifth level</a:t>
-            </a:r>
-            <a:endParaRPr lang="en-US"/>
-          </a:p>
-        </p:txBody>
-      </p:sp>
-      <p:sp>
-        <p:nvSpPr>
-          <p:cNvPr id="4" name="Date Placeholder 3"/>
-          <p:cNvSpPr>
-            <a:spLocks noGrp="1"/>
-          </p:cNvSpPr>
-          <p:nvPr>
-            <p:ph type="dt" sz="half" idx="2"/>
+              <a:t>Click to edit Master title style</a:t>
+            </a:r>
+            <a:endParaRPr lang="en-US" dirty="0"/>
+          </a:p>
+        </p:txBody>
+      </p:sp>
+      <p:sp>
+        <p:nvSpPr>
+          <p:cNvPr id="3" name="Text Placeholder 2"/>
+          <p:cNvSpPr>
+            <a:spLocks noGrp="1"/>
+          </p:cNvSpPr>
+          <p:nvPr>
+            <p:ph type="body" idx="1"/>
           </p:nvPr>
         </p:nvSpPr>
         <p:spPr>
           <a:xfrm>
-            <a:off x="838200" y="6356350"/>
-            <a:ext cx="2743200" cy="365125"/>
+            <a:off x="1451579" y="2015732"/>
+            <a:ext cx="9603275" cy="3450613"/>
           </a:xfrm>
           <a:prstGeom prst="rect">
             <a:avLst/>
           </a:prstGeom>
         </p:spPr>
         <p:txBody>
+          <a:bodyPr vert="horz" lIns="91440" tIns="45720" rIns="91440" bIns="45720" rtlCol="0">
+            <a:normAutofit/>
+          </a:bodyPr>
+          <a:lstStyle/>
+          <a:p>
+            <a:pPr lvl="0"/>
+            <a:r>
+              <a:rPr lang="en-US" dirty="0"/>
+              <a:t>Edit Master text styles</a:t>
+            </a:r>
+          </a:p>
+          <a:p>
+            <a:pPr lvl="1"/>
+            <a:r>
+              <a:rPr lang="en-US" dirty="0"/>
+              <a:t>Second level</a:t>
+            </a:r>
+          </a:p>
+          <a:p>
+            <a:pPr lvl="2"/>
+            <a:r>
+              <a:rPr lang="en-US" dirty="0"/>
+              <a:t>Third level</a:t>
+            </a:r>
+          </a:p>
+          <a:p>
+            <a:pPr lvl="3"/>
+            <a:r>
+              <a:rPr lang="en-US" dirty="0"/>
+              <a:t>Fourth level</a:t>
+            </a:r>
+          </a:p>
+          <a:p>
+            <a:pPr lvl="4"/>
+            <a:r>
+              <a:rPr lang="en-US" dirty="0"/>
+              <a:t>Fifth level</a:t>
+            </a:r>
+          </a:p>
+        </p:txBody>
+      </p:sp>
+      <p:sp>
+        <p:nvSpPr>
+          <p:cNvPr id="4" name="Date Placeholder 3"/>
+          <p:cNvSpPr>
+            <a:spLocks noGrp="1"/>
+          </p:cNvSpPr>
+          <p:nvPr>
+            <p:ph type="dt" sz="half" idx="2"/>
+          </p:nvPr>
+        </p:nvSpPr>
+        <p:spPr>
+          <a:xfrm>
+            <a:off x="7554138" y="330370"/>
+            <a:ext cx="3500715" cy="309201"/>
+          </a:xfrm>
+          <a:prstGeom prst="rect">
+            <a:avLst/>
+          </a:prstGeom>
+        </p:spPr>
+        <p:txBody>
           <a:bodyPr vert="horz" lIns="91440" tIns="45720" rIns="91440" bIns="45720" rtlCol="0" anchor="ctr"/>
           <a:lstStyle>
-            <a:lvl1pPr algn="l">
-              <a:defRPr sz="1200">
+            <a:lvl1pPr algn="r">
+              <a:defRPr sz="1000">
                 <a:solidFill>
                   <a:schemeClr val="tx1">
                     <a:tint val="75000"/>
@@ -3804,7 +4574,7 @@
           <a:p>
             <a:fld id="{6BBEF6B5-29B0-3843-BC6B-0F62F44C2C43}" type="datetimeFigureOut">
               <a:rPr lang="en-US" smtClean="0"/>
-              <a:t>6/22/17</a:t>
+              <a:t>6/23/17</a:t>
             </a:fld>
             <a:endParaRPr lang="en-US"/>
           </a:p>
@@ -3822,8 +4592,8 @@
         </p:nvSpPr>
         <p:spPr>
           <a:xfrm>
-            <a:off x="4038600" y="6356350"/>
-            <a:ext cx="4114800" cy="365125"/>
+            <a:off x="1451579" y="329307"/>
+            <a:ext cx="5938836" cy="309201"/>
           </a:xfrm>
           <a:prstGeom prst="rect">
             <a:avLst/>
@@ -3832,8 +4602,8 @@
         <p:txBody>
           <a:bodyPr vert="horz" lIns="91440" tIns="45720" rIns="91440" bIns="45720" rtlCol="0" anchor="ctr"/>
           <a:lstStyle>
-            <a:lvl1pPr algn="ctr">
-              <a:defRPr sz="1200">
+            <a:lvl1pPr algn="l">
+              <a:defRPr sz="1000">
                 <a:solidFill>
                   <a:schemeClr val="tx1">
                     <a:tint val="75000"/>
@@ -3859,22 +4629,20 @@
         </p:nvSpPr>
         <p:spPr>
           <a:xfrm>
-            <a:off x="8610600" y="6356350"/>
-            <a:ext cx="2743200" cy="365125"/>
+            <a:off x="480060" y="798973"/>
+            <a:ext cx="811019" cy="503578"/>
           </a:xfrm>
           <a:prstGeom prst="rect">
             <a:avLst/>
           </a:prstGeom>
         </p:spPr>
         <p:txBody>
-          <a:bodyPr vert="horz" lIns="91440" tIns="45720" rIns="91440" bIns="45720" rtlCol="0" anchor="ctr"/>
+          <a:bodyPr vert="horz" lIns="91440" tIns="45720" rIns="91440" bIns="45720" rtlCol="0" anchor="t"/>
           <a:lstStyle>
             <a:lvl1pPr algn="r">
-              <a:defRPr sz="1200">
+              <a:defRPr sz="2800">
                 <a:solidFill>
-                  <a:schemeClr val="tx1">
-                    <a:tint val="75000"/>
-                  </a:schemeClr>
+                  <a:schemeClr val="accent1"/>
                 </a:solidFill>
               </a:defRPr>
             </a:lvl1pPr>
@@ -3888,26 +4656,63 @@
           </a:p>
         </p:txBody>
       </p:sp>
+      <p:cxnSp>
+        <p:nvCxnSpPr>
+          <p:cNvPr id="10" name="Straight Connector 9"/>
+          <p:cNvCxnSpPr/>
+          <p:nvPr/>
+        </p:nvCxnSpPr>
+        <p:spPr>
+          <a:xfrm>
+            <a:off x="0" y="6128413"/>
+            <a:ext cx="12192000" cy="0"/>
+          </a:xfrm>
+          <a:prstGeom prst="line">
+            <a:avLst/>
+          </a:prstGeom>
+          <a:ln w="12700">
+            <a:solidFill>
+              <a:srgbClr val="000001">
+                <a:alpha val="20000"/>
+              </a:srgbClr>
+            </a:solidFill>
+          </a:ln>
+        </p:spPr>
+        <p:style>
+          <a:lnRef idx="1">
+            <a:schemeClr val="accent1"/>
+          </a:lnRef>
+          <a:fillRef idx="0">
+            <a:schemeClr val="accent1"/>
+          </a:fillRef>
+          <a:effectRef idx="0">
+            <a:schemeClr val="accent1"/>
+          </a:effectRef>
+          <a:fontRef idx="minor">
+            <a:schemeClr val="tx1"/>
+          </a:fontRef>
+        </p:style>
+      </p:cxnSp>
     </p:spTree>
     <p:extLst>
       <p:ext uri="{BB962C8B-B14F-4D97-AF65-F5344CB8AC3E}">
-        <p14:creationId xmlns:p14="http://schemas.microsoft.com/office/powerpoint/2010/main" val="1867566307"/>
+        <p14:creationId xmlns:p14="http://schemas.microsoft.com/office/powerpoint/2010/main" val="1017419497"/>
       </p:ext>
     </p:extLst>
   </p:cSld>
   <p:clrMap bg1="lt1" tx1="dk1" bg2="lt2" tx2="dk2" accent1="accent1" accent2="accent2" accent3="accent3" accent4="accent4" accent5="accent5" accent6="accent6" hlink="hlink" folHlink="folHlink"/>
   <p:sldLayoutIdLst>
-    <p:sldLayoutId id="2147483685" r:id="rId1"/>
-    <p:sldLayoutId id="2147483686" r:id="rId2"/>
-    <p:sldLayoutId id="2147483687" r:id="rId3"/>
-    <p:sldLayoutId id="2147483688" r:id="rId4"/>
-    <p:sldLayoutId id="2147483689" r:id="rId5"/>
-    <p:sldLayoutId id="2147483690" r:id="rId6"/>
-    <p:sldLayoutId id="2147483691" r:id="rId7"/>
-    <p:sldLayoutId id="2147483692" r:id="rId8"/>
-    <p:sldLayoutId id="2147483693" r:id="rId9"/>
-    <p:sldLayoutId id="2147483694" r:id="rId10"/>
-    <p:sldLayoutId id="2147483695" r:id="rId11"/>
+    <p:sldLayoutId id="2147483697" r:id="rId1"/>
+    <p:sldLayoutId id="2147483698" r:id="rId2"/>
+    <p:sldLayoutId id="2147483699" r:id="rId3"/>
+    <p:sldLayoutId id="2147483700" r:id="rId4"/>
+    <p:sldLayoutId id="2147483701" r:id="rId5"/>
+    <p:sldLayoutId id="2147483702" r:id="rId6"/>
+    <p:sldLayoutId id="2147483703" r:id="rId7"/>
+    <p:sldLayoutId id="2147483704" r:id="rId8"/>
+    <p:sldLayoutId id="2147483705" r:id="rId9"/>
+    <p:sldLayoutId id="2147483706" r:id="rId10"/>
+    <p:sldLayoutId id="2147483707" r:id="rId11"/>
   </p:sldLayoutIdLst>
   <p:txStyles>
     <p:titleStyle>
@@ -3919,10 +4724,11 @@
           <a:spcPct val="0"/>
         </a:spcBef>
         <a:buNone/>
-        <a:defRPr sz="4400" kern="1200">
+        <a:defRPr sz="3200" b="0" i="0" kern="1200" cap="all">
           <a:solidFill>
             <a:schemeClr val="tx1"/>
           </a:solidFill>
+          <a:effectLst/>
           <a:latin typeface="+mj-lt"/>
           <a:ea typeface="+mj-ea"/>
           <a:cs typeface="+mj-cs"/>
@@ -3932,17 +4738,22 @@
     <p:bodyStyle>
       <a:lvl1pPr marL="228600" indent="-228600" algn="l" defTabSz="914400" rtl="0" eaLnBrk="1" latinLnBrk="0" hangingPunct="1">
         <a:lnSpc>
-          <a:spcPct val="90000"/>
+          <a:spcPct val="120000"/>
         </a:lnSpc>
         <a:spcBef>
           <a:spcPts val="1000"/>
         </a:spcBef>
-        <a:buFont typeface="Arial"/>
+        <a:buClr>
+          <a:schemeClr val="accent1"/>
+        </a:buClr>
+        <a:buSzPct val="100000"/>
+        <a:buFont typeface="Arial" panose="020B0604020202020204" pitchFamily="34" charset="0"/>
         <a:buChar char="•"/>
-        <a:defRPr sz="2800" kern="1200">
+        <a:defRPr sz="2000" kern="1200">
           <a:solidFill>
             <a:schemeClr val="tx1"/>
           </a:solidFill>
+          <a:effectLst/>
           <a:latin typeface="+mn-lt"/>
           <a:ea typeface="+mn-ea"/>
           <a:cs typeface="+mn-cs"/>
@@ -3950,17 +4761,22 @@
       </a:lvl1pPr>
       <a:lvl2pPr marL="685800" indent="-228600" algn="l" defTabSz="914400" rtl="0" eaLnBrk="1" latinLnBrk="0" hangingPunct="1">
         <a:lnSpc>
-          <a:spcPct val="90000"/>
+          <a:spcPct val="120000"/>
         </a:lnSpc>
         <a:spcBef>
           <a:spcPts val="500"/>
         </a:spcBef>
-        <a:buFont typeface="Arial"/>
+        <a:buClr>
+          <a:schemeClr val="accent1"/>
+        </a:buClr>
+        <a:buSzPct val="100000"/>
+        <a:buFont typeface="Arial" panose="020B0604020202020204" pitchFamily="34" charset="0"/>
         <a:buChar char="•"/>
-        <a:defRPr sz="2400" kern="1200">
+        <a:defRPr sz="1800" kern="1200" cap="none" baseline="0">
           <a:solidFill>
             <a:schemeClr val="tx1"/>
           </a:solidFill>
+          <a:effectLst/>
           <a:latin typeface="+mn-lt"/>
           <a:ea typeface="+mn-ea"/>
           <a:cs typeface="+mn-cs"/>
@@ -3968,17 +4784,22 @@
       </a:lvl2pPr>
       <a:lvl3pPr marL="1143000" indent="-228600" algn="l" defTabSz="914400" rtl="0" eaLnBrk="1" latinLnBrk="0" hangingPunct="1">
         <a:lnSpc>
-          <a:spcPct val="90000"/>
+          <a:spcPct val="120000"/>
         </a:lnSpc>
         <a:spcBef>
           <a:spcPts val="500"/>
         </a:spcBef>
-        <a:buFont typeface="Arial"/>
+        <a:buClr>
+          <a:schemeClr val="accent1"/>
+        </a:buClr>
+        <a:buSzPct val="100000"/>
+        <a:buFont typeface="Arial" panose="020B0604020202020204" pitchFamily="34" charset="0"/>
         <a:buChar char="•"/>
-        <a:defRPr sz="2000" kern="1200">
+        <a:defRPr sz="1600" kern="1200">
           <a:solidFill>
             <a:schemeClr val="tx1"/>
           </a:solidFill>
+          <a:effectLst/>
           <a:latin typeface="+mn-lt"/>
           <a:ea typeface="+mn-ea"/>
           <a:cs typeface="+mn-cs"/>
@@ -3986,17 +4807,22 @@
       </a:lvl3pPr>
       <a:lvl4pPr marL="1600200" indent="-228600" algn="l" defTabSz="914400" rtl="0" eaLnBrk="1" latinLnBrk="0" hangingPunct="1">
         <a:lnSpc>
-          <a:spcPct val="90000"/>
+          <a:spcPct val="120000"/>
         </a:lnSpc>
         <a:spcBef>
           <a:spcPts val="500"/>
         </a:spcBef>
-        <a:buFont typeface="Arial"/>
+        <a:buClr>
+          <a:schemeClr val="accent1"/>
+        </a:buClr>
+        <a:buSzPct val="100000"/>
+        <a:buFont typeface="Arial" panose="020B0604020202020204" pitchFamily="34" charset="0"/>
         <a:buChar char="•"/>
-        <a:defRPr sz="1800" kern="1200">
+        <a:defRPr sz="1400" kern="1200" cap="none" baseline="0">
           <a:solidFill>
             <a:schemeClr val="tx1"/>
           </a:solidFill>
+          <a:effectLst/>
           <a:latin typeface="+mn-lt"/>
           <a:ea typeface="+mn-ea"/>
           <a:cs typeface="+mn-cs"/>
@@ -4004,17 +4830,22 @@
       </a:lvl4pPr>
       <a:lvl5pPr marL="2057400" indent="-228600" algn="l" defTabSz="914400" rtl="0" eaLnBrk="1" latinLnBrk="0" hangingPunct="1">
         <a:lnSpc>
-          <a:spcPct val="90000"/>
+          <a:spcPct val="120000"/>
         </a:lnSpc>
         <a:spcBef>
           <a:spcPts val="500"/>
         </a:spcBef>
-        <a:buFont typeface="Arial"/>
+        <a:buClr>
+          <a:schemeClr val="accent1"/>
+        </a:buClr>
+        <a:buSzPct val="100000"/>
+        <a:buFont typeface="Arial" panose="020B0604020202020204" pitchFamily="34" charset="0"/>
         <a:buChar char="•"/>
-        <a:defRPr sz="1800" kern="1200">
+        <a:defRPr sz="1200" kern="1200">
           <a:solidFill>
             <a:schemeClr val="tx1"/>
           </a:solidFill>
+          <a:effectLst/>
           <a:latin typeface="+mn-lt"/>
           <a:ea typeface="+mn-ea"/>
           <a:cs typeface="+mn-cs"/>
@@ -4022,17 +4853,22 @@
       </a:lvl5pPr>
       <a:lvl6pPr marL="2514600" indent="-228600" algn="l" defTabSz="914400" rtl="0" eaLnBrk="1" latinLnBrk="0" hangingPunct="1">
         <a:lnSpc>
-          <a:spcPct val="90000"/>
+          <a:spcPct val="120000"/>
         </a:lnSpc>
         <a:spcBef>
           <a:spcPts val="500"/>
         </a:spcBef>
-        <a:buFont typeface="Arial"/>
+        <a:buClr>
+          <a:schemeClr val="accent1"/>
+        </a:buClr>
+        <a:buSzPct val="100000"/>
+        <a:buFont typeface="Arial" panose="020B0604020202020204" pitchFamily="34" charset="0"/>
         <a:buChar char="•"/>
-        <a:defRPr sz="1800" kern="1200">
+        <a:defRPr sz="1200" kern="1200">
           <a:solidFill>
             <a:schemeClr val="tx1"/>
           </a:solidFill>
+          <a:effectLst/>
           <a:latin typeface="+mn-lt"/>
           <a:ea typeface="+mn-ea"/>
           <a:cs typeface="+mn-cs"/>
@@ -4040,17 +4876,22 @@
       </a:lvl6pPr>
       <a:lvl7pPr marL="2971800" indent="-228600" algn="l" defTabSz="914400" rtl="0" eaLnBrk="1" latinLnBrk="0" hangingPunct="1">
         <a:lnSpc>
-          <a:spcPct val="90000"/>
+          <a:spcPct val="120000"/>
         </a:lnSpc>
         <a:spcBef>
           <a:spcPts val="500"/>
         </a:spcBef>
-        <a:buFont typeface="Arial"/>
+        <a:buClr>
+          <a:schemeClr val="accent1"/>
+        </a:buClr>
+        <a:buSzPct val="100000"/>
+        <a:buFont typeface="Arial" panose="020B0604020202020204" pitchFamily="34" charset="0"/>
         <a:buChar char="•"/>
-        <a:defRPr sz="1800" kern="1200">
+        <a:defRPr sz="1200" kern="1200">
           <a:solidFill>
             <a:schemeClr val="tx1"/>
           </a:solidFill>
+          <a:effectLst/>
           <a:latin typeface="+mn-lt"/>
           <a:ea typeface="+mn-ea"/>
           <a:cs typeface="+mn-cs"/>
@@ -4058,17 +4899,22 @@
       </a:lvl7pPr>
       <a:lvl8pPr marL="3429000" indent="-228600" algn="l" defTabSz="914400" rtl="0" eaLnBrk="1" latinLnBrk="0" hangingPunct="1">
         <a:lnSpc>
-          <a:spcPct val="90000"/>
+          <a:spcPct val="120000"/>
         </a:lnSpc>
         <a:spcBef>
           <a:spcPts val="500"/>
         </a:spcBef>
-        <a:buFont typeface="Arial"/>
+        <a:buClr>
+          <a:schemeClr val="accent1"/>
+        </a:buClr>
+        <a:buSzPct val="100000"/>
+        <a:buFont typeface="Arial" panose="020B0604020202020204" pitchFamily="34" charset="0"/>
         <a:buChar char="•"/>
-        <a:defRPr sz="1800" kern="1200">
+        <a:defRPr sz="1200" kern="1200" baseline="0">
           <a:solidFill>
             <a:schemeClr val="tx1"/>
           </a:solidFill>
+          <a:effectLst/>
           <a:latin typeface="+mn-lt"/>
           <a:ea typeface="+mn-ea"/>
           <a:cs typeface="+mn-cs"/>
@@ -4076,17 +4922,22 @@
       </a:lvl8pPr>
       <a:lvl9pPr marL="3886200" indent="-228600" algn="l" defTabSz="914400" rtl="0" eaLnBrk="1" latinLnBrk="0" hangingPunct="1">
         <a:lnSpc>
-          <a:spcPct val="90000"/>
+          <a:spcPct val="120000"/>
         </a:lnSpc>
         <a:spcBef>
           <a:spcPts val="500"/>
         </a:spcBef>
-        <a:buFont typeface="Arial"/>
+        <a:buClr>
+          <a:schemeClr val="accent1"/>
+        </a:buClr>
+        <a:buSzPct val="100000"/>
+        <a:buFont typeface="Arial" panose="020B0604020202020204" pitchFamily="34" charset="0"/>
         <a:buChar char="•"/>
-        <a:defRPr sz="1800" kern="1200">
+        <a:defRPr sz="1200" kern="1200" baseline="0">
           <a:solidFill>
             <a:schemeClr val="tx1"/>
           </a:solidFill>
+          <a:effectLst/>
           <a:latin typeface="+mn-lt"/>
           <a:ea typeface="+mn-ea"/>
           <a:cs typeface="+mn-cs"/>
@@ -4337,7 +5188,15 @@
           <a:p>
             <a:r>
               <a:rPr lang="en-US" dirty="0" smtClean="0"/>
-              <a:t>demo - contributions</a:t>
+              <a:t>demo </a:t>
+            </a:r>
+            <a:r>
+              <a:rPr lang="mr-IN" dirty="0" smtClean="0"/>
+              <a:t>–</a:t>
+            </a:r>
+            <a:r>
+              <a:rPr lang="en-US" dirty="0" smtClean="0"/>
+              <a:t> creating commands</a:t>
             </a:r>
             <a:endParaRPr lang="en-US" dirty="0"/>
           </a:p>
@@ -4360,7 +5219,7 @@
           <a:p>
             <a:r>
               <a:rPr lang="en-US" dirty="0" smtClean="0"/>
-              <a:t>my extension contributes a new snippet to the product</a:t>
+              <a:t>create a custom command that responds to being triggered </a:t>
             </a:r>
           </a:p>
         </p:txBody>
@@ -4368,7 +5227,7 @@
     </p:spTree>
     <p:extLst>
       <p:ext uri="{BB962C8B-B14F-4D97-AF65-F5344CB8AC3E}">
-        <p14:creationId xmlns:p14="http://schemas.microsoft.com/office/powerpoint/2010/main" val="1415727568"/>
+        <p14:creationId xmlns:p14="http://schemas.microsoft.com/office/powerpoint/2010/main" val="1655672410"/>
       </p:ext>
     </p:extLst>
   </p:cSld>
@@ -4422,7 +5281,15 @@
           <a:p>
             <a:r>
               <a:rPr lang="en-US" dirty="0" smtClean="0"/>
-              <a:t>commands</a:t>
+              <a:t>demo </a:t>
+            </a:r>
+            <a:r>
+              <a:rPr lang="mr-IN" dirty="0" smtClean="0"/>
+              <a:t>–</a:t>
+            </a:r>
+            <a:r>
+              <a:rPr lang="en-US" dirty="0" smtClean="0"/>
+              <a:t> contributing commands</a:t>
             </a:r>
             <a:endParaRPr lang="en-US" dirty="0"/>
           </a:p>
@@ -4445,7 +5312,7 @@
           <a:p>
             <a:r>
               <a:rPr lang="en-US" dirty="0" smtClean="0"/>
-              <a:t>how vs code extensions know when and how to respond</a:t>
+              <a:t>contributing commands to the running instance of visual studio code</a:t>
             </a:r>
           </a:p>
         </p:txBody>
@@ -4453,7 +5320,7 @@
     </p:spTree>
     <p:extLst>
       <p:ext uri="{BB962C8B-B14F-4D97-AF65-F5344CB8AC3E}">
-        <p14:creationId xmlns:p14="http://schemas.microsoft.com/office/powerpoint/2010/main" val="244165674"/>
+        <p14:creationId xmlns:p14="http://schemas.microsoft.com/office/powerpoint/2010/main" val="307452370"/>
       </p:ext>
     </p:extLst>
   </p:cSld>
@@ -4515,7 +5382,7 @@
             </a:r>
             <a:r>
               <a:rPr lang="en-US" dirty="0" smtClean="0"/>
-              <a:t> creating commands</a:t>
+              <a:t> registering commands</a:t>
             </a:r>
             <a:endParaRPr lang="en-US" dirty="0"/>
           </a:p>
@@ -4538,7 +5405,7 @@
           <a:p>
             <a:r>
               <a:rPr lang="en-US" dirty="0" smtClean="0"/>
-              <a:t>create a custom command that responds to being triggered </a:t>
+              <a:t>wiring custom commands up to the custom extension’s context</a:t>
             </a:r>
           </a:p>
         </p:txBody>
@@ -4546,7 +5413,7 @@
     </p:spTree>
     <p:extLst>
       <p:ext uri="{BB962C8B-B14F-4D97-AF65-F5344CB8AC3E}">
-        <p14:creationId xmlns:p14="http://schemas.microsoft.com/office/powerpoint/2010/main" val="1655672410"/>
+        <p14:creationId xmlns:p14="http://schemas.microsoft.com/office/powerpoint/2010/main" val="742084374"/>
       </p:ext>
     </p:extLst>
   </p:cSld>
@@ -4600,15 +5467,7 @@
           <a:p>
             <a:r>
               <a:rPr lang="en-US" dirty="0" smtClean="0"/>
-              <a:t>demo </a:t>
-            </a:r>
-            <a:r>
-              <a:rPr lang="mr-IN" dirty="0" smtClean="0"/>
-              <a:t>–</a:t>
-            </a:r>
-            <a:r>
-              <a:rPr lang="en-US" dirty="0" smtClean="0"/>
-              <a:t> contributing commands</a:t>
+              <a:t>user experience</a:t>
             </a:r>
             <a:endParaRPr lang="en-US" dirty="0"/>
           </a:p>
@@ -4629,17 +5488,14 @@
           <a:bodyPr/>
           <a:lstStyle/>
           <a:p>
-            <a:r>
-              <a:rPr lang="en-US" dirty="0" smtClean="0"/>
-              <a:t>contributing commands to the running instance of visual studio code</a:t>
-            </a:r>
+            <a:endParaRPr lang="en-US" dirty="0" smtClean="0"/>
           </a:p>
         </p:txBody>
       </p:sp>
     </p:spTree>
     <p:extLst>
       <p:ext uri="{BB962C8B-B14F-4D97-AF65-F5344CB8AC3E}">
-        <p14:creationId xmlns:p14="http://schemas.microsoft.com/office/powerpoint/2010/main" val="307452370"/>
+        <p14:creationId xmlns:p14="http://schemas.microsoft.com/office/powerpoint/2010/main" val="804474398"/>
       </p:ext>
     </p:extLst>
   </p:cSld>
@@ -4647,7 +5503,7 @@
     <a:masterClrMapping/>
   </p:clrMapOvr>
   <p:transition spd="slow">
-    <p:push/>
+    <p:push dir="u"/>
   </p:transition>
   <p:timing>
     <p:tnLst>
@@ -4693,15 +5549,35 @@
           <a:p>
             <a:r>
               <a:rPr lang="en-US" dirty="0" smtClean="0"/>
-              <a:t>demo </a:t>
-            </a:r>
-            <a:r>
-              <a:rPr lang="mr-IN" dirty="0" smtClean="0"/>
-              <a:t>–</a:t>
-            </a:r>
+              <a:t>user experience in vs code</a:t>
+            </a:r>
+            <a:endParaRPr lang="en-US" dirty="0"/>
+          </a:p>
+        </p:txBody>
+      </p:sp>
+      <p:sp>
+        <p:nvSpPr>
+          <p:cNvPr id="7" name="Text Placeholder 6"/>
+          <p:cNvSpPr>
+            <a:spLocks noGrp="1"/>
+          </p:cNvSpPr>
+          <p:nvPr>
+            <p:ph type="body" idx="1"/>
+          </p:nvPr>
+        </p:nvSpPr>
+        <p:spPr>
+          <a:xfrm>
+            <a:off x="1364579" y="1585746"/>
+            <a:ext cx="5157787" cy="823912"/>
+          </a:xfrm>
+        </p:spPr>
+        <p:txBody>
+          <a:bodyPr/>
+          <a:lstStyle/>
+          <a:p>
             <a:r>
               <a:rPr lang="en-US" dirty="0" smtClean="0"/>
-              <a:t> registering commands</a:t>
+              <a:t>purpose</a:t>
             </a:r>
             <a:endParaRPr lang="en-US" dirty="0"/>
           </a:p>
@@ -4709,30 +5585,195 @@
       </p:sp>
       <p:sp>
         <p:nvSpPr>
-          <p:cNvPr id="5" name="Text Placeholder 4"/>
-          <p:cNvSpPr>
-            <a:spLocks noGrp="1"/>
-          </p:cNvSpPr>
-          <p:nvPr>
-            <p:ph type="body" idx="1"/>
-          </p:nvPr>
-        </p:nvSpPr>
-        <p:spPr/>
-        <p:txBody>
-          <a:bodyPr/>
-          <a:lstStyle/>
-          <a:p>
-            <a:r>
-              <a:rPr lang="en-US" dirty="0" smtClean="0"/>
-              <a:t>wiring custom commands up to the custom extension’s context</a:t>
-            </a:r>
+          <p:cNvPr id="8" name="Content Placeholder 7"/>
+          <p:cNvSpPr>
+            <a:spLocks noGrp="1"/>
+          </p:cNvSpPr>
+          <p:nvPr>
+            <p:ph sz="half" idx="2"/>
+          </p:nvPr>
+        </p:nvSpPr>
+        <p:spPr>
+          <a:xfrm>
+            <a:off x="1364579" y="2417609"/>
+            <a:ext cx="5157787" cy="3684588"/>
+          </a:xfrm>
+        </p:spPr>
+        <p:txBody>
+          <a:bodyPr/>
+          <a:lstStyle/>
+          <a:p>
+            <a:pPr marL="0" indent="0">
+              <a:buNone/>
+            </a:pPr>
+            <a:r>
+              <a:rPr lang="en-US" sz="2000" dirty="0" smtClean="0"/>
+              <a:t>progress updates</a:t>
+            </a:r>
+          </a:p>
+          <a:p>
+            <a:pPr marL="0" indent="0">
+              <a:buNone/>
+            </a:pPr>
+            <a:r>
+              <a:rPr lang="en-US" sz="2000" dirty="0" smtClean="0"/>
+              <a:t>toolbar buttons</a:t>
+            </a:r>
+          </a:p>
+          <a:p>
+            <a:pPr marL="0" indent="0">
+              <a:buNone/>
+            </a:pPr>
+            <a:r>
+              <a:rPr lang="en-US" sz="2000" dirty="0" smtClean="0"/>
+              <a:t>select lists or combo boxes</a:t>
+            </a:r>
+          </a:p>
+          <a:p>
+            <a:pPr marL="0" indent="0">
+              <a:buNone/>
+            </a:pPr>
+            <a:r>
+              <a:rPr lang="en-US" sz="2000" dirty="0" smtClean="0"/>
+              <a:t>collecting input</a:t>
+            </a:r>
+          </a:p>
+          <a:p>
+            <a:pPr marL="0" indent="0">
+              <a:buNone/>
+            </a:pPr>
+            <a:r>
+              <a:rPr lang="en-US" sz="2000" dirty="0" smtClean="0"/>
+              <a:t>tell the customer something happened</a:t>
+            </a:r>
+          </a:p>
+          <a:p>
+            <a:pPr marL="0" indent="0">
+              <a:buNone/>
+            </a:pPr>
+            <a:r>
+              <a:rPr lang="en-US" sz="2000" dirty="0" smtClean="0"/>
+              <a:t>tell the customer something broke</a:t>
+            </a:r>
+            <a:endParaRPr lang="en-US" sz="2000" dirty="0"/>
+          </a:p>
+        </p:txBody>
+      </p:sp>
+      <p:sp>
+        <p:nvSpPr>
+          <p:cNvPr id="9" name="Text Placeholder 8"/>
+          <p:cNvSpPr>
+            <a:spLocks noGrp="1"/>
+          </p:cNvSpPr>
+          <p:nvPr>
+            <p:ph type="body" sz="quarter" idx="3"/>
+          </p:nvPr>
+        </p:nvSpPr>
+        <p:spPr>
+          <a:xfrm>
+            <a:off x="6696991" y="1585746"/>
+            <a:ext cx="5183188" cy="823912"/>
+          </a:xfrm>
+        </p:spPr>
+        <p:txBody>
+          <a:bodyPr/>
+          <a:lstStyle/>
+          <a:p>
+            <a:r>
+              <a:rPr lang="en-US" dirty="0" err="1" smtClean="0"/>
+              <a:t>api</a:t>
+            </a:r>
+            <a:endParaRPr lang="en-US" dirty="0"/>
+          </a:p>
+        </p:txBody>
+      </p:sp>
+      <p:sp>
+        <p:nvSpPr>
+          <p:cNvPr id="10" name="Content Placeholder 9"/>
+          <p:cNvSpPr>
+            <a:spLocks noGrp="1"/>
+          </p:cNvSpPr>
+          <p:nvPr>
+            <p:ph sz="quarter" idx="4"/>
+          </p:nvPr>
+        </p:nvSpPr>
+        <p:spPr>
+          <a:xfrm>
+            <a:off x="6696991" y="2417609"/>
+            <a:ext cx="5183188" cy="3684588"/>
+          </a:xfrm>
+        </p:spPr>
+        <p:txBody>
+          <a:bodyPr>
+            <a:normAutofit/>
+          </a:bodyPr>
+          <a:lstStyle/>
+          <a:p>
+            <a:pPr marL="0" indent="0">
+              <a:buNone/>
+            </a:pPr>
+            <a:r>
+              <a:rPr lang="en-US" sz="2000" dirty="0" err="1" smtClean="0"/>
+              <a:t>window.createOutputChannel</a:t>
+            </a:r>
+            <a:endParaRPr lang="en-US" sz="2000" dirty="0" smtClean="0"/>
+          </a:p>
+          <a:p>
+            <a:pPr marL="0" indent="0">
+              <a:buNone/>
+            </a:pPr>
+            <a:r>
+              <a:rPr lang="en-US" sz="2000" dirty="0" err="1"/>
+              <a:t>window.createStatusBarItem</a:t>
+            </a:r>
+            <a:endParaRPr lang="en-US" sz="2000" dirty="0"/>
+          </a:p>
+          <a:p>
+            <a:pPr marL="0" indent="0">
+              <a:buNone/>
+            </a:pPr>
+            <a:r>
+              <a:rPr lang="en-US" sz="2000" dirty="0" err="1" smtClean="0"/>
+              <a:t>window.showQuickPick</a:t>
+            </a:r>
+            <a:endParaRPr lang="en-US" sz="2000" dirty="0" smtClean="0"/>
+          </a:p>
+          <a:p>
+            <a:pPr marL="0" indent="0">
+              <a:buNone/>
+            </a:pPr>
+            <a:r>
+              <a:rPr lang="en-US" sz="2000" dirty="0" err="1" smtClean="0"/>
+              <a:t>window.showInputBox</a:t>
+            </a:r>
+            <a:endParaRPr lang="en-US" sz="2000" dirty="0" smtClean="0"/>
+          </a:p>
+          <a:p>
+            <a:pPr marL="0" indent="0">
+              <a:buNone/>
+            </a:pPr>
+            <a:r>
+              <a:rPr lang="en-US" sz="2000" dirty="0" err="1" smtClean="0"/>
+              <a:t>window.showInformationMessage</a:t>
+            </a:r>
+            <a:endParaRPr lang="en-US" sz="2000" dirty="0" smtClean="0"/>
+          </a:p>
+          <a:p>
+            <a:pPr marL="0" indent="0">
+              <a:buNone/>
+            </a:pPr>
+            <a:r>
+              <a:rPr lang="en-US" sz="2000" dirty="0" err="1" smtClean="0"/>
+              <a:t>window.showErrorMessage</a:t>
+            </a:r>
+            <a:endParaRPr lang="en-US" sz="2000" dirty="0"/>
           </a:p>
         </p:txBody>
       </p:sp>
     </p:spTree>
     <p:extLst>
       <p:ext uri="{BB962C8B-B14F-4D97-AF65-F5344CB8AC3E}">
-        <p14:creationId xmlns:p14="http://schemas.microsoft.com/office/powerpoint/2010/main" val="742084374"/>
+        <p14:creationId xmlns:p14="http://schemas.microsoft.com/office/powerpoint/2010/main" val="1796135866"/>
       </p:ext>
     </p:extLst>
   </p:cSld>
@@ -4740,7 +5781,7 @@
     <a:masterClrMapping/>
   </p:clrMapOvr>
   <p:transition spd="slow">
-    <p:push/>
+    <p:push dir="u"/>
   </p:transition>
   <p:timing>
     <p:tnLst>
@@ -4786,7 +5827,15 @@
           <a:p>
             <a:r>
               <a:rPr lang="en-US" dirty="0" smtClean="0"/>
-              <a:t>user experience</a:t>
+              <a:t>demo </a:t>
+            </a:r>
+            <a:r>
+              <a:rPr lang="mr-IN" dirty="0" smtClean="0"/>
+              <a:t>–</a:t>
+            </a:r>
+            <a:r>
+              <a:rPr lang="en-US" dirty="0" smtClean="0"/>
+              <a:t> outputting messages</a:t>
             </a:r>
             <a:endParaRPr lang="en-US" dirty="0"/>
           </a:p>
@@ -4807,14 +5856,17 @@
           <a:bodyPr/>
           <a:lstStyle/>
           <a:p>
-            <a:endParaRPr lang="en-US" dirty="0" smtClean="0"/>
+            <a:r>
+              <a:rPr lang="en-US" dirty="0" smtClean="0"/>
+              <a:t>don’t forget to keep the user informed on progress and activity</a:t>
+            </a:r>
           </a:p>
         </p:txBody>
       </p:sp>
     </p:spTree>
     <p:extLst>
       <p:ext uri="{BB962C8B-B14F-4D97-AF65-F5344CB8AC3E}">
-        <p14:creationId xmlns:p14="http://schemas.microsoft.com/office/powerpoint/2010/main" val="804474398"/>
+        <p14:creationId xmlns:p14="http://schemas.microsoft.com/office/powerpoint/2010/main" val="2075093695"/>
       </p:ext>
     </p:extLst>
   </p:cSld>
@@ -4868,7 +5920,15 @@
           <a:p>
             <a:r>
               <a:rPr lang="en-US" dirty="0" smtClean="0"/>
-              <a:t>user experience in vs code</a:t>
+              <a:t>demo </a:t>
+            </a:r>
+            <a:r>
+              <a:rPr lang="mr-IN" dirty="0" smtClean="0"/>
+              <a:t>–</a:t>
+            </a:r>
+            <a:r>
+              <a:rPr lang="en-US" dirty="0" smtClean="0"/>
+              <a:t> toolbars &amp; buttons</a:t>
             </a:r>
             <a:endParaRPr lang="en-US" dirty="0"/>
           </a:p>
@@ -4876,7 +5936,7 @@
       </p:sp>
       <p:sp>
         <p:nvSpPr>
-          <p:cNvPr id="7" name="Text Placeholder 6"/>
+          <p:cNvPr id="5" name="Text Placeholder 4"/>
           <p:cNvSpPr>
             <a:spLocks noGrp="1"/>
           </p:cNvSpPr>
@@ -4884,221 +5944,31 @@
             <p:ph type="body" idx="1"/>
           </p:nvPr>
         </p:nvSpPr>
-        <p:spPr>
-          <a:xfrm>
-            <a:off x="839788" y="1243840"/>
-            <a:ext cx="5157787" cy="823912"/>
-          </a:xfrm>
-        </p:spPr>
+        <p:spPr/>
         <p:txBody>
           <a:bodyPr/>
           <a:lstStyle/>
           <a:p>
             <a:r>
               <a:rPr lang="en-US" dirty="0" smtClean="0"/>
-              <a:t>purpose</a:t>
-            </a:r>
-            <a:endParaRPr lang="en-US" dirty="0"/>
-          </a:p>
-        </p:txBody>
-      </p:sp>
-      <p:sp>
-        <p:nvSpPr>
-          <p:cNvPr id="8" name="Content Placeholder 7"/>
-          <p:cNvSpPr>
-            <a:spLocks noGrp="1"/>
-          </p:cNvSpPr>
-          <p:nvPr>
-            <p:ph sz="half" idx="2"/>
-          </p:nvPr>
-        </p:nvSpPr>
-        <p:spPr>
-          <a:xfrm>
-            <a:off x="839788" y="2067752"/>
-            <a:ext cx="5157787" cy="3684588"/>
-          </a:xfrm>
-        </p:spPr>
-        <p:txBody>
-          <a:bodyPr/>
-          <a:lstStyle/>
-          <a:p>
-            <a:pPr marL="0" indent="0">
-              <a:buNone/>
-            </a:pPr>
-            <a:r>
-              <a:rPr lang="en-US" sz="2000" dirty="0" smtClean="0"/>
-              <a:t>progress updates</a:t>
-            </a:r>
-          </a:p>
-          <a:p>
-            <a:pPr marL="0" indent="0">
-              <a:buNone/>
-            </a:pPr>
-            <a:r>
-              <a:rPr lang="en-US" sz="2000" dirty="0" smtClean="0"/>
-              <a:t>toolbar buttons</a:t>
-            </a:r>
-          </a:p>
-          <a:p>
-            <a:pPr marL="0" indent="0">
-              <a:buNone/>
-            </a:pPr>
-            <a:r>
-              <a:rPr lang="en-US" sz="2000" dirty="0" smtClean="0"/>
-              <a:t>select lists or combo boxes</a:t>
-            </a:r>
-          </a:p>
-          <a:p>
-            <a:pPr marL="0" indent="0">
-              <a:buNone/>
-            </a:pPr>
-            <a:r>
-              <a:rPr lang="en-US" sz="2000" dirty="0" smtClean="0"/>
-              <a:t>collecting input</a:t>
-            </a:r>
-          </a:p>
-          <a:p>
-            <a:pPr marL="0" indent="0">
-              <a:buNone/>
-            </a:pPr>
-            <a:r>
-              <a:rPr lang="en-US" sz="2000" dirty="0" smtClean="0"/>
-              <a:t>tell the customer something happened</a:t>
-            </a:r>
-          </a:p>
-          <a:p>
-            <a:pPr marL="0" indent="0">
-              <a:buNone/>
-            </a:pPr>
-            <a:r>
-              <a:rPr lang="en-US" sz="2000" dirty="0" smtClean="0"/>
-              <a:t>tell the customer something broke</a:t>
-            </a:r>
-            <a:endParaRPr lang="en-US" sz="2000" dirty="0"/>
-          </a:p>
-        </p:txBody>
-      </p:sp>
-      <p:sp>
-        <p:nvSpPr>
-          <p:cNvPr id="9" name="Text Placeholder 8"/>
-          <p:cNvSpPr>
-            <a:spLocks noGrp="1"/>
-          </p:cNvSpPr>
-          <p:nvPr>
-            <p:ph type="body" sz="quarter" idx="3"/>
-          </p:nvPr>
-        </p:nvSpPr>
-        <p:spPr>
-          <a:xfrm>
-            <a:off x="6172200" y="1243840"/>
-            <a:ext cx="5183188" cy="823912"/>
-          </a:xfrm>
-        </p:spPr>
-        <p:txBody>
-          <a:bodyPr/>
-          <a:lstStyle/>
-          <a:p>
-            <a:r>
-              <a:rPr lang="en-US" dirty="0" err="1" smtClean="0"/>
-              <a:t>api</a:t>
-            </a:r>
-            <a:endParaRPr lang="en-US" dirty="0"/>
-          </a:p>
-        </p:txBody>
-      </p:sp>
-      <p:sp>
-        <p:nvSpPr>
-          <p:cNvPr id="10" name="Content Placeholder 9"/>
-          <p:cNvSpPr>
-            <a:spLocks noGrp="1"/>
-          </p:cNvSpPr>
-          <p:nvPr>
-            <p:ph sz="quarter" idx="4"/>
-          </p:nvPr>
-        </p:nvSpPr>
-        <p:spPr>
-          <a:xfrm>
-            <a:off x="6172200" y="2067752"/>
-            <a:ext cx="5183188" cy="3684588"/>
-          </a:xfrm>
-        </p:spPr>
-        <p:txBody>
-          <a:bodyPr>
-            <a:normAutofit/>
-          </a:bodyPr>
-          <a:lstStyle/>
-          <a:p>
-            <a:pPr marL="0" indent="0">
-              <a:buNone/>
-            </a:pPr>
-            <a:r>
-              <a:rPr lang="en-US" sz="2000" dirty="0" err="1" smtClean="0"/>
-              <a:t>window.createOutputChannel</a:t>
-            </a:r>
-            <a:endParaRPr lang="en-US" sz="2000" dirty="0" smtClean="0"/>
-          </a:p>
-          <a:p>
-            <a:pPr marL="0" indent="0">
-              <a:buNone/>
-            </a:pPr>
-            <a:r>
-              <a:rPr lang="en-US" sz="2000" dirty="0" err="1"/>
-              <a:t>window.createStatusBarItem</a:t>
-            </a:r>
-            <a:endParaRPr lang="en-US" sz="2000" dirty="0"/>
-          </a:p>
-          <a:p>
-            <a:pPr marL="0" indent="0">
-              <a:buNone/>
-            </a:pPr>
-            <a:r>
-              <a:rPr lang="en-US" sz="2000" dirty="0" err="1" smtClean="0"/>
-              <a:t>window.showQuickPick</a:t>
-            </a:r>
-            <a:endParaRPr lang="en-US" sz="2000" dirty="0" smtClean="0"/>
-          </a:p>
-          <a:p>
-            <a:pPr marL="0" indent="0">
-              <a:buNone/>
-            </a:pPr>
-            <a:r>
-              <a:rPr lang="en-US" sz="2000" dirty="0" err="1" smtClean="0"/>
-              <a:t>window.showInputBox</a:t>
-            </a:r>
-            <a:endParaRPr lang="en-US" sz="2000" dirty="0" smtClean="0"/>
-          </a:p>
-          <a:p>
-            <a:pPr marL="0" indent="0">
-              <a:buNone/>
-            </a:pPr>
-            <a:r>
-              <a:rPr lang="en-US" sz="2000" dirty="0" err="1" smtClean="0"/>
-              <a:t>window.showInformationMessage</a:t>
-            </a:r>
-            <a:endParaRPr lang="en-US" sz="2000" dirty="0" smtClean="0"/>
-          </a:p>
-          <a:p>
-            <a:pPr marL="0" indent="0">
-              <a:buNone/>
-            </a:pPr>
-            <a:r>
-              <a:rPr lang="en-US" sz="2000" dirty="0" err="1" smtClean="0"/>
-              <a:t>window.showErrorMessage</a:t>
-            </a:r>
-            <a:endParaRPr lang="en-US" sz="2000" dirty="0"/>
+              <a:t>add a button to the toolbar to make it easy for users to discover commands</a:t>
+            </a:r>
           </a:p>
         </p:txBody>
       </p:sp>
     </p:spTree>
     <p:extLst>
       <p:ext uri="{BB962C8B-B14F-4D97-AF65-F5344CB8AC3E}">
-        <p14:creationId xmlns:p14="http://schemas.microsoft.com/office/powerpoint/2010/main" val="1796135866"/>
+        <p14:creationId xmlns:p14="http://schemas.microsoft.com/office/powerpoint/2010/main" val="1804641110"/>
       </p:ext>
     </p:extLst>
   </p:cSld>
   <p:clrMapOvr>
     <a:masterClrMapping/>
   </p:clrMapOvr>
+  <p:transition spd="slow">
+    <p:push/>
+  </p:transition>
   <p:timing>
     <p:tnLst>
       <p:par>
@@ -5151,7 +6021,7 @@
             </a:r>
             <a:r>
               <a:rPr lang="en-US" dirty="0" smtClean="0"/>
-              <a:t> outputting messages</a:t>
+              <a:t> input, inform, error</a:t>
             </a:r>
             <a:endParaRPr lang="en-US" dirty="0"/>
           </a:p>
@@ -5174,7 +6044,7 @@
           <a:p>
             <a:r>
               <a:rPr lang="en-US" dirty="0" smtClean="0"/>
-              <a:t>don’t forget to keep the user informed on progress and activity</a:t>
+              <a:t>confirm when things complete, report when things break, and collect input</a:t>
             </a:r>
           </a:p>
         </p:txBody>
@@ -5182,7 +6052,7 @@
     </p:spTree>
     <p:extLst>
       <p:ext uri="{BB962C8B-B14F-4D97-AF65-F5344CB8AC3E}">
-        <p14:creationId xmlns:p14="http://schemas.microsoft.com/office/powerpoint/2010/main" val="2075093695"/>
+        <p14:creationId xmlns:p14="http://schemas.microsoft.com/office/powerpoint/2010/main" val="1775799534"/>
       </p:ext>
     </p:extLst>
   </p:cSld>
@@ -5236,19 +6106,7 @@
           <a:p>
             <a:r>
               <a:rPr lang="en-US" dirty="0" smtClean="0"/>
-              <a:t>demo </a:t>
-            </a:r>
-            <a:r>
-              <a:rPr lang="mr-IN" dirty="0" smtClean="0"/>
-              <a:t>–</a:t>
-            </a:r>
-            <a:r>
-              <a:rPr lang="en-US" dirty="0" smtClean="0"/>
-              <a:t> </a:t>
-            </a:r>
-            <a:r>
-              <a:rPr lang="en-US" dirty="0" smtClean="0"/>
-              <a:t>toolbars &amp; buttons</a:t>
+              <a:t>editor interaction</a:t>
             </a:r>
             <a:endParaRPr lang="en-US" dirty="0"/>
           </a:p>
@@ -5269,10 +6127,6 @@
           <a:bodyPr/>
           <a:lstStyle/>
           <a:p>
-            <a:r>
-              <a:rPr lang="en-US" dirty="0" smtClean="0"/>
-              <a:t>add a button to the toolbar to make it easy for users to discover commands</a:t>
-            </a:r>
             <a:endParaRPr lang="en-US" dirty="0" smtClean="0"/>
           </a:p>
         </p:txBody>
@@ -5280,7 +6134,7 @@
     </p:spTree>
     <p:extLst>
       <p:ext uri="{BB962C8B-B14F-4D97-AF65-F5344CB8AC3E}">
-        <p14:creationId xmlns:p14="http://schemas.microsoft.com/office/powerpoint/2010/main" val="1804641110"/>
+        <p14:creationId xmlns:p14="http://schemas.microsoft.com/office/powerpoint/2010/main" val="1998717148"/>
       </p:ext>
     </p:extLst>
   </p:cSld>
@@ -5288,7 +6142,7 @@
     <a:masterClrMapping/>
   </p:clrMapOvr>
   <p:transition spd="slow">
-    <p:push/>
+    <p:push dir="u"/>
   </p:transition>
   <p:timing>
     <p:tnLst>
@@ -5327,10 +6181,37 @@
             <p:ph type="title"/>
           </p:nvPr>
         </p:nvSpPr>
+        <p:spPr/>
+        <p:txBody>
+          <a:bodyPr/>
+          <a:lstStyle/>
+          <a:p>
+            <a:r>
+              <a:rPr lang="en-US" dirty="0" smtClean="0"/>
+              <a:t>some editor interaction </a:t>
+            </a:r>
+            <a:r>
+              <a:rPr lang="en-US" dirty="0" err="1" smtClean="0"/>
+              <a:t>apis</a:t>
+            </a:r>
+            <a:endParaRPr lang="en-US" dirty="0"/>
+          </a:p>
+        </p:txBody>
+      </p:sp>
+      <p:sp>
+        <p:nvSpPr>
+          <p:cNvPr id="7" name="Text Placeholder 6"/>
+          <p:cNvSpPr>
+            <a:spLocks noGrp="1"/>
+          </p:cNvSpPr>
+          <p:nvPr>
+            <p:ph type="body" idx="1"/>
+          </p:nvPr>
+        </p:nvSpPr>
         <p:spPr>
           <a:xfrm>
-            <a:off x="831850" y="1709738"/>
-            <a:ext cx="11103058" cy="2852737"/>
+            <a:off x="1340721" y="1625503"/>
+            <a:ext cx="5157787" cy="823912"/>
           </a:xfrm>
         </p:spPr>
         <p:txBody>
@@ -5339,19 +6220,7 @@
           <a:p>
             <a:r>
               <a:rPr lang="en-US" dirty="0" smtClean="0"/>
-              <a:t>demo </a:t>
-            </a:r>
-            <a:r>
-              <a:rPr lang="mr-IN" dirty="0" smtClean="0"/>
-              <a:t>–</a:t>
-            </a:r>
-            <a:r>
-              <a:rPr lang="en-US" dirty="0" smtClean="0"/>
-              <a:t> </a:t>
-            </a:r>
-            <a:r>
-              <a:rPr lang="en-US" dirty="0" smtClean="0"/>
-              <a:t>input, inform, error</a:t>
+              <a:t>purpose</a:t>
             </a:r>
             <a:endParaRPr lang="en-US" dirty="0"/>
           </a:p>
@@ -5359,31 +6228,176 @@
       </p:sp>
       <p:sp>
         <p:nvSpPr>
-          <p:cNvPr id="5" name="Text Placeholder 4"/>
-          <p:cNvSpPr>
-            <a:spLocks noGrp="1"/>
-          </p:cNvSpPr>
-          <p:nvPr>
-            <p:ph type="body" idx="1"/>
-          </p:nvPr>
-        </p:nvSpPr>
-        <p:spPr/>
-        <p:txBody>
-          <a:bodyPr/>
-          <a:lstStyle/>
-          <a:p>
-            <a:r>
-              <a:rPr lang="en-US" dirty="0" smtClean="0"/>
-              <a:t>confirm when things complete, report when things break, and collect input</a:t>
-            </a:r>
-            <a:endParaRPr lang="en-US" dirty="0" smtClean="0"/>
+          <p:cNvPr id="8" name="Content Placeholder 7"/>
+          <p:cNvSpPr>
+            <a:spLocks noGrp="1"/>
+          </p:cNvSpPr>
+          <p:nvPr>
+            <p:ph sz="half" idx="2"/>
+          </p:nvPr>
+        </p:nvSpPr>
+        <p:spPr>
+          <a:xfrm>
+            <a:off x="1340721" y="2449415"/>
+            <a:ext cx="5157787" cy="3684588"/>
+          </a:xfrm>
+        </p:spPr>
+        <p:txBody>
+          <a:bodyPr/>
+          <a:lstStyle/>
+          <a:p>
+            <a:pPr marL="0" indent="0">
+              <a:buNone/>
+            </a:pPr>
+            <a:r>
+              <a:rPr lang="en-US" sz="2000" dirty="0" smtClean="0"/>
+              <a:t>create a new text editor decoration</a:t>
+            </a:r>
+          </a:p>
+          <a:p>
+            <a:pPr marL="0" indent="0">
+              <a:buNone/>
+            </a:pPr>
+            <a:r>
+              <a:rPr lang="en-US" sz="2000" dirty="0" smtClean="0"/>
+              <a:t>get a reference to the active editor </a:t>
+            </a:r>
+          </a:p>
+          <a:p>
+            <a:pPr marL="0" indent="0">
+              <a:buNone/>
+            </a:pPr>
+            <a:r>
+              <a:rPr lang="en-US" sz="2000" dirty="0" smtClean="0"/>
+              <a:t>activate a text decoration</a:t>
+            </a:r>
+          </a:p>
+          <a:p>
+            <a:pPr marL="0" indent="0">
+              <a:buNone/>
+            </a:pPr>
+            <a:r>
+              <a:rPr lang="en-US" sz="2000" dirty="0" smtClean="0"/>
+              <a:t>handle when the text of the document changes</a:t>
+            </a:r>
+          </a:p>
+          <a:p>
+            <a:pPr marL="0" indent="0">
+              <a:buNone/>
+            </a:pPr>
+            <a:r>
+              <a:rPr lang="en-US" sz="2000" dirty="0" smtClean="0"/>
+              <a:t>handle when the active document changes</a:t>
+            </a:r>
+            <a:endParaRPr lang="en-US" sz="2000" dirty="0"/>
+          </a:p>
+        </p:txBody>
+      </p:sp>
+      <p:sp>
+        <p:nvSpPr>
+          <p:cNvPr id="9" name="Text Placeholder 8"/>
+          <p:cNvSpPr>
+            <a:spLocks noGrp="1"/>
+          </p:cNvSpPr>
+          <p:nvPr>
+            <p:ph type="body" sz="quarter" idx="3"/>
+          </p:nvPr>
+        </p:nvSpPr>
+        <p:spPr>
+          <a:xfrm>
+            <a:off x="6673133" y="1625503"/>
+            <a:ext cx="5183188" cy="823912"/>
+          </a:xfrm>
+        </p:spPr>
+        <p:txBody>
+          <a:bodyPr/>
+          <a:lstStyle/>
+          <a:p>
+            <a:r>
+              <a:rPr lang="en-US" dirty="0" err="1" smtClean="0"/>
+              <a:t>api</a:t>
+            </a:r>
+            <a:endParaRPr lang="en-US" dirty="0"/>
+          </a:p>
+        </p:txBody>
+      </p:sp>
+      <p:sp>
+        <p:nvSpPr>
+          <p:cNvPr id="10" name="Content Placeholder 9"/>
+          <p:cNvSpPr>
+            <a:spLocks noGrp="1"/>
+          </p:cNvSpPr>
+          <p:nvPr>
+            <p:ph sz="quarter" idx="4"/>
+          </p:nvPr>
+        </p:nvSpPr>
+        <p:spPr>
+          <a:xfrm>
+            <a:off x="6673133" y="2449415"/>
+            <a:ext cx="5183188" cy="3684588"/>
+          </a:xfrm>
+        </p:spPr>
+        <p:txBody>
+          <a:bodyPr>
+            <a:normAutofit/>
+          </a:bodyPr>
+          <a:lstStyle/>
+          <a:p>
+            <a:pPr marL="0" indent="0">
+              <a:buNone/>
+            </a:pPr>
+            <a:r>
+              <a:rPr lang="en-US" sz="2000" dirty="0" err="1"/>
+              <a:t>window.createTextEditorDecorationType</a:t>
+            </a:r>
+            <a:endParaRPr lang="en-US" sz="2000" dirty="0"/>
+          </a:p>
+          <a:p>
+            <a:pPr marL="0" indent="0">
+              <a:buNone/>
+            </a:pPr>
+            <a:r>
+              <a:rPr lang="en-US" sz="2000" dirty="0" err="1"/>
+              <a:t>window.activeTextEditor</a:t>
+            </a:r>
+            <a:endParaRPr lang="en-US" sz="2000" dirty="0"/>
+          </a:p>
+          <a:p>
+            <a:pPr marL="0" indent="0">
+              <a:buNone/>
+            </a:pPr>
+            <a:r>
+              <a:rPr lang="en-US" sz="2000" dirty="0" err="1" smtClean="0"/>
+              <a:t>window.activeTextEditor.setDecorations</a:t>
+            </a:r>
+            <a:endParaRPr lang="en-US" sz="2000" dirty="0" smtClean="0"/>
+          </a:p>
+          <a:p>
+            <a:pPr marL="0" indent="0">
+              <a:buNone/>
+            </a:pPr>
+            <a:r>
+              <a:rPr lang="en-US" sz="2000" dirty="0" err="1" smtClean="0"/>
+              <a:t>window.onDidChangeActiveTextEditor</a:t>
+            </a:r>
+            <a:endParaRPr lang="en-US" sz="2000" dirty="0"/>
+          </a:p>
+          <a:p>
+            <a:pPr marL="0" indent="0">
+              <a:buNone/>
+            </a:pPr>
+            <a:r>
+              <a:rPr lang="en-US" sz="2000" dirty="0" err="1" smtClean="0"/>
+              <a:t>workspace.onDidChangeTextDocument</a:t>
+            </a:r>
+            <a:endParaRPr lang="en-US" sz="2000" dirty="0"/>
           </a:p>
         </p:txBody>
       </p:sp>
     </p:spTree>
     <p:extLst>
       <p:ext uri="{BB962C8B-B14F-4D97-AF65-F5344CB8AC3E}">
-        <p14:creationId xmlns:p14="http://schemas.microsoft.com/office/powerpoint/2010/main" val="1775799534"/>
+        <p14:creationId xmlns:p14="http://schemas.microsoft.com/office/powerpoint/2010/main" val="2118261730"/>
       </p:ext>
     </p:extLst>
   </p:cSld>
@@ -5391,7 +6405,7 @@
     <a:masterClrMapping/>
   </p:clrMapOvr>
   <p:transition spd="slow">
-    <p:push/>
+    <p:push dir="u"/>
   </p:transition>
   <p:timing>
     <p:tnLst>
@@ -5459,7 +6473,9 @@
         </p:nvSpPr>
         <p:spPr/>
         <p:txBody>
-          <a:bodyPr/>
+          <a:bodyPr>
+            <a:normAutofit fontScale="92500" lnSpcReduction="20000"/>
+          </a:bodyPr>
           <a:lstStyle/>
           <a:p>
             <a:r>
@@ -5542,6 +6558,9 @@
   <p:clrMapOvr>
     <a:masterClrMapping/>
   </p:clrMapOvr>
+  <p:transition spd="slow">
+    <p:push dir="d"/>
+  </p:transition>
   <p:timing>
     <p:tnLst>
       <p:par>
@@ -5586,7 +6605,15 @@
           <a:p>
             <a:r>
               <a:rPr lang="en-US" dirty="0" smtClean="0"/>
-              <a:t>editor interaction</a:t>
+              <a:t>demo </a:t>
+            </a:r>
+            <a:r>
+              <a:rPr lang="mr-IN" dirty="0" smtClean="0"/>
+              <a:t>–</a:t>
+            </a:r>
+            <a:r>
+              <a:rPr lang="en-US" dirty="0" smtClean="0"/>
+              <a:t> decorate important text</a:t>
             </a:r>
             <a:endParaRPr lang="en-US" dirty="0"/>
           </a:p>
@@ -5607,14 +6634,17 @@
           <a:bodyPr/>
           <a:lstStyle/>
           <a:p>
-            <a:endParaRPr lang="en-US" dirty="0" smtClean="0"/>
+            <a:r>
+              <a:rPr lang="en-US" dirty="0" smtClean="0"/>
+              <a:t>highlight relevant text segments using decorations</a:t>
+            </a:r>
           </a:p>
         </p:txBody>
       </p:sp>
     </p:spTree>
     <p:extLst>
       <p:ext uri="{BB962C8B-B14F-4D97-AF65-F5344CB8AC3E}">
-        <p14:creationId xmlns:p14="http://schemas.microsoft.com/office/powerpoint/2010/main" val="1998717148"/>
+        <p14:creationId xmlns:p14="http://schemas.microsoft.com/office/powerpoint/2010/main" val="1038947819"/>
       </p:ext>
     </p:extLst>
   </p:cSld>
@@ -5668,11 +6698,7 @@
           <a:p>
             <a:r>
               <a:rPr lang="en-US" dirty="0" smtClean="0"/>
-              <a:t>some editor interaction </a:t>
-            </a:r>
-            <a:r>
-              <a:rPr lang="en-US" dirty="0" err="1" smtClean="0"/>
-              <a:t>apis</a:t>
+              <a:t>publishing</a:t>
             </a:r>
             <a:endParaRPr lang="en-US" dirty="0"/>
           </a:p>
@@ -5680,7 +6706,7 @@
       </p:sp>
       <p:sp>
         <p:nvSpPr>
-          <p:cNvPr id="7" name="Text Placeholder 6"/>
+          <p:cNvPr id="5" name="Text Placeholder 4"/>
           <p:cNvSpPr>
             <a:spLocks noGrp="1"/>
           </p:cNvSpPr>
@@ -5688,202 +6714,28 @@
             <p:ph type="body" idx="1"/>
           </p:nvPr>
         </p:nvSpPr>
-        <p:spPr>
-          <a:xfrm>
-            <a:off x="839788" y="1243840"/>
-            <a:ext cx="5157787" cy="823912"/>
-          </a:xfrm>
-        </p:spPr>
-        <p:txBody>
-          <a:bodyPr/>
-          <a:lstStyle/>
-          <a:p>
-            <a:r>
-              <a:rPr lang="en-US" dirty="0" smtClean="0"/>
-              <a:t>purpose</a:t>
-            </a:r>
-            <a:endParaRPr lang="en-US" dirty="0"/>
-          </a:p>
-        </p:txBody>
-      </p:sp>
-      <p:sp>
-        <p:nvSpPr>
-          <p:cNvPr id="8" name="Content Placeholder 7"/>
-          <p:cNvSpPr>
-            <a:spLocks noGrp="1"/>
-          </p:cNvSpPr>
-          <p:nvPr>
-            <p:ph sz="half" idx="2"/>
-          </p:nvPr>
-        </p:nvSpPr>
-        <p:spPr>
-          <a:xfrm>
-            <a:off x="839788" y="2067752"/>
-            <a:ext cx="5157787" cy="3684588"/>
-          </a:xfrm>
-        </p:spPr>
-        <p:txBody>
-          <a:bodyPr/>
-          <a:lstStyle/>
-          <a:p>
-            <a:pPr marL="0" indent="0">
-              <a:buNone/>
-            </a:pPr>
-            <a:r>
-              <a:rPr lang="en-US" sz="2000" dirty="0" smtClean="0"/>
-              <a:t>create a new text editor decoration</a:t>
-            </a:r>
-          </a:p>
-          <a:p>
-            <a:pPr marL="0" indent="0">
-              <a:buNone/>
-            </a:pPr>
-            <a:r>
-              <a:rPr lang="en-US" sz="2000" dirty="0" smtClean="0"/>
-              <a:t>get a reference to the active editor </a:t>
-            </a:r>
-          </a:p>
-          <a:p>
-            <a:pPr marL="0" indent="0">
-              <a:buNone/>
-            </a:pPr>
-            <a:r>
-              <a:rPr lang="en-US" sz="2000" dirty="0" smtClean="0"/>
-              <a:t>activate a text decoration</a:t>
-            </a:r>
-          </a:p>
-          <a:p>
-            <a:pPr marL="0" indent="0">
-              <a:buNone/>
-            </a:pPr>
-            <a:r>
-              <a:rPr lang="en-US" sz="2000" dirty="0" smtClean="0"/>
-              <a:t>handle when the text of the document changes</a:t>
-            </a:r>
-          </a:p>
-          <a:p>
-            <a:pPr marL="0" indent="0">
-              <a:buNone/>
-            </a:pPr>
-            <a:r>
-              <a:rPr lang="en-US" sz="2000" dirty="0" smtClean="0"/>
-              <a:t>handle when the active document changes</a:t>
-            </a:r>
-            <a:endParaRPr lang="en-US" sz="2000" dirty="0"/>
-          </a:p>
-        </p:txBody>
-      </p:sp>
-      <p:sp>
-        <p:nvSpPr>
-          <p:cNvPr id="9" name="Text Placeholder 8"/>
-          <p:cNvSpPr>
-            <a:spLocks noGrp="1"/>
-          </p:cNvSpPr>
-          <p:nvPr>
-            <p:ph type="body" sz="quarter" idx="3"/>
-          </p:nvPr>
-        </p:nvSpPr>
-        <p:spPr>
-          <a:xfrm>
-            <a:off x="6172200" y="1243840"/>
-            <a:ext cx="5183188" cy="823912"/>
-          </a:xfrm>
-        </p:spPr>
-        <p:txBody>
-          <a:bodyPr/>
-          <a:lstStyle/>
-          <a:p>
-            <a:r>
-              <a:rPr lang="en-US" dirty="0" err="1" smtClean="0"/>
-              <a:t>api</a:t>
-            </a:r>
-            <a:endParaRPr lang="en-US" dirty="0"/>
-          </a:p>
-        </p:txBody>
-      </p:sp>
-      <p:sp>
-        <p:nvSpPr>
-          <p:cNvPr id="10" name="Content Placeholder 9"/>
-          <p:cNvSpPr>
-            <a:spLocks noGrp="1"/>
-          </p:cNvSpPr>
-          <p:nvPr>
-            <p:ph sz="quarter" idx="4"/>
-          </p:nvPr>
-        </p:nvSpPr>
-        <p:spPr>
-          <a:xfrm>
-            <a:off x="6172200" y="2067752"/>
-            <a:ext cx="5183188" cy="3684588"/>
-          </a:xfrm>
-        </p:spPr>
-        <p:txBody>
-          <a:bodyPr>
-            <a:normAutofit/>
-          </a:bodyPr>
-          <a:lstStyle/>
-          <a:p>
-            <a:pPr marL="0" indent="0">
-              <a:buNone/>
-            </a:pPr>
-            <a:r>
-              <a:rPr lang="en-US" sz="2000" dirty="0" err="1"/>
-              <a:t>window.createTextEditorDecorationType</a:t>
-            </a:r>
-            <a:endParaRPr lang="en-US" sz="2000" dirty="0"/>
-          </a:p>
-          <a:p>
-            <a:pPr marL="0" indent="0">
-              <a:buNone/>
-            </a:pPr>
-            <a:r>
-              <a:rPr lang="en-US" sz="2000" dirty="0" err="1"/>
-              <a:t>window.activeTextEditor</a:t>
-            </a:r>
-            <a:endParaRPr lang="en-US" sz="2000" dirty="0"/>
-          </a:p>
-          <a:p>
-            <a:pPr marL="0" indent="0">
-              <a:buNone/>
-            </a:pPr>
-            <a:r>
-              <a:rPr lang="en-US" sz="2000" dirty="0" err="1" smtClean="0"/>
-              <a:t>window.activeTextEditor.setDecorations</a:t>
-            </a:r>
-            <a:endParaRPr lang="en-US" sz="2000" dirty="0" smtClean="0"/>
-          </a:p>
-          <a:p>
-            <a:pPr marL="0" indent="0">
-              <a:buNone/>
-            </a:pPr>
-            <a:r>
-              <a:rPr lang="en-US" sz="2000" dirty="0" err="1" smtClean="0"/>
-              <a:t>window.onDidChangeActiveTextEditor</a:t>
-            </a:r>
-            <a:endParaRPr lang="en-US" sz="2000" dirty="0"/>
-          </a:p>
-          <a:p>
-            <a:pPr marL="0" indent="0">
-              <a:buNone/>
-            </a:pPr>
-            <a:r>
-              <a:rPr lang="en-US" sz="2000" dirty="0" err="1" smtClean="0"/>
-              <a:t>workspace.onDidChangeTextDocument</a:t>
-            </a:r>
-            <a:endParaRPr lang="en-US" sz="2000" dirty="0"/>
+        <p:spPr/>
+        <p:txBody>
+          <a:bodyPr/>
+          <a:lstStyle/>
+          <a:p>
+            <a:endParaRPr lang="en-US" dirty="0" smtClean="0"/>
           </a:p>
         </p:txBody>
       </p:sp>
     </p:spTree>
     <p:extLst>
       <p:ext uri="{BB962C8B-B14F-4D97-AF65-F5344CB8AC3E}">
-        <p14:creationId xmlns:p14="http://schemas.microsoft.com/office/powerpoint/2010/main" val="2118261730"/>
+        <p14:creationId xmlns:p14="http://schemas.microsoft.com/office/powerpoint/2010/main" val="1499900062"/>
       </p:ext>
     </p:extLst>
   </p:cSld>
   <p:clrMapOvr>
     <a:masterClrMapping/>
   </p:clrMapOvr>
+  <p:transition spd="slow">
+    <p:push dir="u"/>
+  </p:transition>
   <p:timing>
     <p:tnLst>
       <p:par>
@@ -5911,209 +6763,30 @@
           <a:chExt cx="0" cy="0"/>
         </a:xfrm>
       </p:grpSpPr>
-      <p:sp>
-        <p:nvSpPr>
-          <p:cNvPr id="4" name="Title 3"/>
-          <p:cNvSpPr>
-            <a:spLocks noGrp="1"/>
-          </p:cNvSpPr>
-          <p:nvPr>
-            <p:ph type="title"/>
-          </p:nvPr>
-        </p:nvSpPr>
-        <p:spPr>
-          <a:xfrm>
-            <a:off x="831850" y="1709738"/>
-            <a:ext cx="11103058" cy="2852737"/>
-          </a:xfrm>
-        </p:spPr>
-        <p:txBody>
-          <a:bodyPr/>
-          <a:lstStyle/>
-          <a:p>
-            <a:r>
-              <a:rPr lang="en-US" dirty="0" smtClean="0"/>
-              <a:t>demo </a:t>
-            </a:r>
-            <a:r>
-              <a:rPr lang="mr-IN" dirty="0" smtClean="0"/>
-              <a:t>–</a:t>
-            </a:r>
-            <a:r>
-              <a:rPr lang="en-US" dirty="0" smtClean="0"/>
-              <a:t> </a:t>
-            </a:r>
-            <a:r>
-              <a:rPr lang="en-US" dirty="0" smtClean="0"/>
-              <a:t>decorate important text</a:t>
-            </a:r>
-            <a:endParaRPr lang="en-US" dirty="0"/>
-          </a:p>
-        </p:txBody>
-      </p:sp>
-      <p:sp>
-        <p:nvSpPr>
-          <p:cNvPr id="5" name="Text Placeholder 4"/>
-          <p:cNvSpPr>
-            <a:spLocks noGrp="1"/>
-          </p:cNvSpPr>
-          <p:nvPr>
-            <p:ph type="body" idx="1"/>
-          </p:nvPr>
-        </p:nvSpPr>
-        <p:spPr/>
-        <p:txBody>
-          <a:bodyPr/>
-          <a:lstStyle/>
-          <a:p>
-            <a:r>
-              <a:rPr lang="en-US" dirty="0" smtClean="0"/>
-              <a:t>highlight relevant text segments using decorations</a:t>
-            </a:r>
-            <a:endParaRPr lang="en-US" dirty="0" smtClean="0"/>
-          </a:p>
-        </p:txBody>
-      </p:sp>
-    </p:spTree>
-    <p:extLst>
-      <p:ext uri="{BB962C8B-B14F-4D97-AF65-F5344CB8AC3E}">
-        <p14:creationId xmlns:p14="http://schemas.microsoft.com/office/powerpoint/2010/main" val="1038947819"/>
-      </p:ext>
-    </p:extLst>
-  </p:cSld>
-  <p:clrMapOvr>
-    <a:masterClrMapping/>
-  </p:clrMapOvr>
-  <p:transition spd="slow">
-    <p:push/>
-  </p:transition>
-  <p:timing>
-    <p:tnLst>
-      <p:par>
-        <p:cTn id="1" dur="indefinite" restart="never" nodeType="tmRoot"/>
-      </p:par>
-    </p:tnLst>
-  </p:timing>
-</p:sld>
-</file>
-
-<file path=ppt/slides/slide23.xml><?xml version="1.0" encoding="utf-8"?>
-<p:sld xmlns:a="http://schemas.openxmlformats.org/drawingml/2006/main" xmlns:r="http://schemas.openxmlformats.org/officeDocument/2006/relationships" xmlns:p="http://schemas.openxmlformats.org/presentationml/2006/main">
-  <p:cSld>
-    <p:spTree>
-      <p:nvGrpSpPr>
-        <p:cNvPr id="1" name=""/>
-        <p:cNvGrpSpPr/>
-        <p:nvPr/>
-      </p:nvGrpSpPr>
-      <p:grpSpPr>
-        <a:xfrm>
-          <a:off x="0" y="0"/>
-          <a:ext cx="0" cy="0"/>
-          <a:chOff x="0" y="0"/>
-          <a:chExt cx="0" cy="0"/>
-        </a:xfrm>
-      </p:grpSpPr>
-      <p:sp>
-        <p:nvSpPr>
-          <p:cNvPr id="4" name="Title 3"/>
-          <p:cNvSpPr>
-            <a:spLocks noGrp="1"/>
-          </p:cNvSpPr>
-          <p:nvPr>
-            <p:ph type="title"/>
-          </p:nvPr>
-        </p:nvSpPr>
-        <p:spPr/>
-        <p:txBody>
-          <a:bodyPr/>
-          <a:lstStyle/>
-          <a:p>
-            <a:r>
-              <a:rPr lang="en-US" dirty="0" smtClean="0"/>
-              <a:t>publishing</a:t>
-            </a:r>
-            <a:endParaRPr lang="en-US" dirty="0"/>
-          </a:p>
-        </p:txBody>
-      </p:sp>
-      <p:sp>
-        <p:nvSpPr>
-          <p:cNvPr id="5" name="Text Placeholder 4"/>
-          <p:cNvSpPr>
-            <a:spLocks noGrp="1"/>
-          </p:cNvSpPr>
-          <p:nvPr>
-            <p:ph type="body" idx="1"/>
-          </p:nvPr>
-        </p:nvSpPr>
-        <p:spPr/>
-        <p:txBody>
-          <a:bodyPr/>
-          <a:lstStyle/>
-          <a:p>
-            <a:endParaRPr lang="en-US" dirty="0" smtClean="0"/>
-          </a:p>
-        </p:txBody>
-      </p:sp>
-    </p:spTree>
-    <p:extLst>
-      <p:ext uri="{BB962C8B-B14F-4D97-AF65-F5344CB8AC3E}">
-        <p14:creationId xmlns:p14="http://schemas.microsoft.com/office/powerpoint/2010/main" val="1499900062"/>
-      </p:ext>
-    </p:extLst>
-  </p:cSld>
-  <p:clrMapOvr>
-    <a:masterClrMapping/>
-  </p:clrMapOvr>
-  <p:transition spd="slow">
-    <p:push/>
-  </p:transition>
-  <p:timing>
-    <p:tnLst>
-      <p:par>
-        <p:cTn id="1" dur="indefinite" restart="never" nodeType="tmRoot"/>
-      </p:par>
-    </p:tnLst>
-  </p:timing>
-</p:sld>
-</file>
-
-<file path=ppt/slides/slide24.xml><?xml version="1.0" encoding="utf-8"?>
-<p:sld xmlns:a="http://schemas.openxmlformats.org/drawingml/2006/main" xmlns:r="http://schemas.openxmlformats.org/officeDocument/2006/relationships" xmlns:p="http://schemas.openxmlformats.org/presentationml/2006/main">
-  <p:cSld>
-    <p:spTree>
-      <p:nvGrpSpPr>
-        <p:cNvPr id="1" name=""/>
-        <p:cNvGrpSpPr/>
-        <p:nvPr/>
-      </p:nvGrpSpPr>
-      <p:grpSpPr>
-        <a:xfrm>
-          <a:off x="0" y="0"/>
-          <a:ext cx="0" cy="0"/>
-          <a:chOff x="0" y="0"/>
-          <a:chExt cx="0" cy="0"/>
-        </a:xfrm>
-      </p:grpSpPr>
       <p:pic>
         <p:nvPicPr>
-          <p:cNvPr id="14" name="Picture 13"/>
+          <p:cNvPr id="2" name="Picture 1"/>
           <p:cNvPicPr>
             <a:picLocks noChangeAspect="1"/>
           </p:cNvPicPr>
           <p:nvPr/>
         </p:nvPicPr>
         <p:blipFill>
-          <a:blip r:embed="rId2"/>
+          <a:blip r:embed="rId2">
+            <a:extLst>
+              <a:ext uri="{28A0092B-C50C-407E-A947-70E740481C1C}">
+                <a14:useLocalDpi xmlns:a14="http://schemas.microsoft.com/office/drawing/2010/main" val="0"/>
+              </a:ext>
+            </a:extLst>
+          </a:blip>
           <a:stretch>
             <a:fillRect/>
           </a:stretch>
         </p:blipFill>
         <p:spPr>
           <a:xfrm>
-            <a:off x="1781175" y="1756603"/>
-            <a:ext cx="8629650" cy="4298950"/>
+            <a:off x="1224016" y="1689751"/>
+            <a:ext cx="10058400" cy="4828032"/>
           </a:xfrm>
           <a:prstGeom prst="rect">
             <a:avLst/>
@@ -6136,10 +6809,9 @@
           <a:lstStyle/>
           <a:p>
             <a:r>
-              <a:rPr lang="en-US" dirty="0" smtClean="0"/>
-              <a:t>uploading new marketplace entries</a:t>
-            </a:r>
-            <a:endParaRPr lang="en-US" dirty="0"/>
+              <a:rPr lang="en-US" dirty="0"/>
+              <a:t>managing your marketplace entries</a:t>
+            </a:r>
           </a:p>
         </p:txBody>
       </p:sp>
@@ -6155,8 +6827,8 @@
         </p:nvSpPr>
         <p:spPr>
           <a:xfrm>
-            <a:off x="838200" y="1340595"/>
-            <a:ext cx="10515600" cy="4351338"/>
+            <a:off x="1451578" y="1340595"/>
+            <a:ext cx="9902221" cy="4351338"/>
           </a:xfrm>
         </p:spPr>
         <p:txBody>
@@ -6210,7 +6882,7 @@
         </p:nvCxnSpPr>
         <p:spPr>
           <a:xfrm flipH="1" flipV="1">
-            <a:off x="9740348" y="3516264"/>
+            <a:off x="9891314" y="3516264"/>
             <a:ext cx="1741335" cy="1175006"/>
           </a:xfrm>
           <a:prstGeom prst="straightConnector1">
@@ -6337,7 +7009,7 @@
 </p:sld>
 </file>
 
-<file path=ppt/slides/slide25.xml><?xml version="1.0" encoding="utf-8"?>
+<file path=ppt/slides/slide23.xml><?xml version="1.0" encoding="utf-8"?>
 <p:sld xmlns:a="http://schemas.openxmlformats.org/drawingml/2006/main" xmlns:r="http://schemas.openxmlformats.org/officeDocument/2006/relationships" xmlns:p="http://schemas.openxmlformats.org/presentationml/2006/main">
   <p:cSld>
     <p:spTree>
@@ -6356,22 +7028,28 @@
       </p:grpSpPr>
       <p:pic>
         <p:nvPicPr>
-          <p:cNvPr id="14" name="Picture 13"/>
+          <p:cNvPr id="3" name="Picture 2"/>
           <p:cNvPicPr>
             <a:picLocks noChangeAspect="1"/>
           </p:cNvPicPr>
           <p:nvPr/>
         </p:nvPicPr>
         <p:blipFill>
-          <a:blip r:embed="rId2"/>
+          <a:blip r:embed="rId2">
+            <a:extLst>
+              <a:ext uri="{28A0092B-C50C-407E-A947-70E740481C1C}">
+                <a14:useLocalDpi xmlns:a14="http://schemas.microsoft.com/office/drawing/2010/main" val="0"/>
+              </a:ext>
+            </a:extLst>
+          </a:blip>
           <a:stretch>
             <a:fillRect/>
           </a:stretch>
         </p:blipFill>
         <p:spPr>
           <a:xfrm>
-            <a:off x="1781175" y="1756603"/>
-            <a:ext cx="8629650" cy="4298950"/>
+            <a:off x="1224016" y="1689751"/>
+            <a:ext cx="10058400" cy="4828032"/>
           </a:xfrm>
           <a:prstGeom prst="rect">
             <a:avLst/>
@@ -6395,9 +7073,12 @@
           <a:p>
             <a:r>
               <a:rPr lang="en-US" dirty="0" smtClean="0"/>
-              <a:t>managing your marketplace entries</a:t>
-            </a:r>
-            <a:endParaRPr lang="en-US" dirty="0"/>
+              <a:t>Uploading New marketplace </a:t>
+            </a:r>
+            <a:r>
+              <a:rPr lang="en-US" dirty="0"/>
+              <a:t>entries</a:t>
+            </a:r>
           </a:p>
         </p:txBody>
       </p:sp>
@@ -6413,8 +7094,8 @@
         </p:nvSpPr>
         <p:spPr>
           <a:xfrm>
-            <a:off x="838200" y="1340595"/>
-            <a:ext cx="10515600" cy="4351338"/>
+            <a:off x="1451578" y="1340595"/>
+            <a:ext cx="9902221" cy="4351338"/>
           </a:xfrm>
         </p:spPr>
         <p:txBody>
@@ -6460,40 +7141,24 @@
           </a:p>
         </p:txBody>
       </p:sp>
-      <p:pic>
-        <p:nvPicPr>
-          <p:cNvPr id="17" name="Picture 16"/>
-          <p:cNvPicPr>
-            <a:picLocks noChangeAspect="1"/>
-          </p:cNvPicPr>
-          <p:nvPr/>
-        </p:nvPicPr>
-        <p:blipFill>
-          <a:blip r:embed="rId3"/>
-          <a:stretch>
-            <a:fillRect/>
-          </a:stretch>
-        </p:blipFill>
-        <p:spPr>
-          <a:xfrm>
-            <a:off x="1908645" y="1885480"/>
-            <a:ext cx="8915400" cy="4375150"/>
-          </a:xfrm>
-          <a:prstGeom prst="rect">
-            <a:avLst/>
-          </a:prstGeom>
-        </p:spPr>
-      </p:pic>
     </p:spTree>
     <p:extLst>
       <p:ext uri="{BB962C8B-B14F-4D97-AF65-F5344CB8AC3E}">
-        <p14:creationId xmlns:p14="http://schemas.microsoft.com/office/powerpoint/2010/main" val="129482994"/>
+        <p14:creationId xmlns:p14="http://schemas.microsoft.com/office/powerpoint/2010/main" val="2107727311"/>
       </p:ext>
     </p:extLst>
   </p:cSld>
   <p:clrMapOvr>
     <a:masterClrMapping/>
   </p:clrMapOvr>
+  <mc:AlternateContent xmlns:mc="http://schemas.openxmlformats.org/markup-compatibility/2006" xmlns:p14="http://schemas.microsoft.com/office/powerpoint/2010/main">
+    <mc:Choice Requires="p14">
+      <p:transition p14:dur="0"/>
+    </mc:Choice>
+    <mc:Fallback xmlns="">
+      <p:transition/>
+    </mc:Fallback>
+  </mc:AlternateContent>
   <p:timing>
     <p:tnLst>
       <p:par>
@@ -6504,7 +7169,7 @@
 </p:sld>
 </file>
 
-<file path=ppt/slides/slide26.xml><?xml version="1.0" encoding="utf-8"?>
+<file path=ppt/slides/slide24.xml><?xml version="1.0" encoding="utf-8"?>
 <p:sld xmlns:a="http://schemas.openxmlformats.org/drawingml/2006/main" xmlns:r="http://schemas.openxmlformats.org/officeDocument/2006/relationships" xmlns:p="http://schemas.openxmlformats.org/presentationml/2006/main">
   <p:cSld>
     <p:spTree>
@@ -6521,112 +7186,121 @@
           <a:chExt cx="0" cy="0"/>
         </a:xfrm>
       </p:grpSpPr>
+      <p:sp>
+        <p:nvSpPr>
+          <p:cNvPr id="12" name="Title 11"/>
+          <p:cNvSpPr>
+            <a:spLocks noGrp="1"/>
+          </p:cNvSpPr>
+          <p:nvPr>
+            <p:ph type="title"/>
+          </p:nvPr>
+        </p:nvSpPr>
+        <p:spPr/>
+        <p:txBody>
+          <a:bodyPr/>
+          <a:lstStyle/>
+          <a:p>
+            <a:r>
+              <a:rPr lang="en-US" dirty="0" smtClean="0"/>
+              <a:t>Updating your </a:t>
+            </a:r>
+            <a:r>
+              <a:rPr lang="en-US" dirty="0"/>
+              <a:t>marketplace entries</a:t>
+            </a:r>
+          </a:p>
+        </p:txBody>
+      </p:sp>
+      <p:sp>
+        <p:nvSpPr>
+          <p:cNvPr id="13" name="Content Placeholder 12"/>
+          <p:cNvSpPr>
+            <a:spLocks noGrp="1"/>
+          </p:cNvSpPr>
+          <p:nvPr>
+            <p:ph idx="1"/>
+          </p:nvPr>
+        </p:nvSpPr>
+        <p:spPr>
+          <a:xfrm>
+            <a:off x="1451578" y="1340595"/>
+            <a:ext cx="9902221" cy="4351338"/>
+          </a:xfrm>
+        </p:spPr>
+        <p:txBody>
+          <a:bodyPr/>
+          <a:lstStyle/>
+          <a:p>
+            <a:pPr marL="0" indent="0">
+              <a:buNone/>
+            </a:pPr>
+            <a:r>
+              <a:rPr lang="en-US" dirty="0" smtClean="0"/>
+              <a:t>https</a:t>
+            </a:r>
+            <a:r>
+              <a:rPr lang="en-US" dirty="0"/>
+              <a:t>://</a:t>
+            </a:r>
+            <a:r>
+              <a:rPr lang="en-US" dirty="0" err="1"/>
+              <a:t>marketplace.visualstudio.com</a:t>
+            </a:r>
+            <a:r>
+              <a:rPr lang="en-US" dirty="0"/>
+              <a:t>/manage/publishers</a:t>
+            </a:r>
+            <a:r>
+              <a:rPr lang="en-US" dirty="0" smtClean="0"/>
+              <a:t>/</a:t>
+            </a:r>
+            <a:r>
+              <a:rPr lang="en-US" dirty="0" smtClean="0">
+                <a:solidFill>
+                  <a:schemeClr val="accent1"/>
+                </a:solidFill>
+              </a:rPr>
+              <a:t>{publisher}</a:t>
+            </a:r>
+            <a:endParaRPr lang="en-US" dirty="0">
+              <a:solidFill>
+                <a:schemeClr val="accent1"/>
+              </a:solidFill>
+            </a:endParaRPr>
+          </a:p>
+        </p:txBody>
+      </p:sp>
       <p:pic>
         <p:nvPicPr>
-          <p:cNvPr id="14" name="Picture 13"/>
+          <p:cNvPr id="2" name="Picture 1"/>
           <p:cNvPicPr>
             <a:picLocks noChangeAspect="1"/>
           </p:cNvPicPr>
           <p:nvPr/>
         </p:nvPicPr>
         <p:blipFill>
-          <a:blip r:embed="rId2"/>
+          <a:blip r:embed="rId2">
+            <a:extLst>
+              <a:ext uri="{28A0092B-C50C-407E-A947-70E740481C1C}">
+                <a14:useLocalDpi xmlns:a14="http://schemas.microsoft.com/office/drawing/2010/main" val="0"/>
+              </a:ext>
+            </a:extLst>
+          </a:blip>
           <a:stretch>
             <a:fillRect/>
           </a:stretch>
         </p:blipFill>
         <p:spPr>
           <a:xfrm>
-            <a:off x="1781175" y="1756603"/>
-            <a:ext cx="8629650" cy="4298950"/>
+            <a:off x="1224016" y="1689751"/>
+            <a:ext cx="10058400" cy="4828032"/>
           </a:xfrm>
           <a:prstGeom prst="rect">
             <a:avLst/>
           </a:prstGeom>
         </p:spPr>
       </p:pic>
-      <p:sp>
-        <p:nvSpPr>
-          <p:cNvPr id="12" name="Title 11"/>
-          <p:cNvSpPr>
-            <a:spLocks noGrp="1"/>
-          </p:cNvSpPr>
-          <p:nvPr>
-            <p:ph type="title"/>
-          </p:nvPr>
-        </p:nvSpPr>
-        <p:spPr/>
-        <p:txBody>
-          <a:bodyPr/>
-          <a:lstStyle/>
-          <a:p>
-            <a:r>
-              <a:rPr lang="en-US" dirty="0" smtClean="0"/>
-              <a:t>managing your marketplace entries</a:t>
-            </a:r>
-            <a:endParaRPr lang="en-US" dirty="0"/>
-          </a:p>
-        </p:txBody>
-      </p:sp>
-      <p:sp>
-        <p:nvSpPr>
-          <p:cNvPr id="13" name="Content Placeholder 12"/>
-          <p:cNvSpPr>
-            <a:spLocks noGrp="1"/>
-          </p:cNvSpPr>
-          <p:nvPr>
-            <p:ph idx="1"/>
-          </p:nvPr>
-        </p:nvSpPr>
-        <p:spPr>
-          <a:xfrm>
-            <a:off x="838200" y="1340595"/>
-            <a:ext cx="10515600" cy="4351338"/>
-          </a:xfrm>
-        </p:spPr>
-        <p:txBody>
-          <a:bodyPr/>
-          <a:lstStyle/>
-          <a:p>
-            <a:pPr marL="0" indent="0">
-              <a:buNone/>
-            </a:pPr>
-            <a:r>
-              <a:rPr lang="en-US" dirty="0" smtClean="0"/>
-              <a:t>https</a:t>
-            </a:r>
-            <a:r>
-              <a:rPr lang="en-US" dirty="0"/>
-              <a:t>://</a:t>
-            </a:r>
-            <a:r>
-              <a:rPr lang="en-US" dirty="0" err="1"/>
-              <a:t>marketplace.visualstudio.com</a:t>
-            </a:r>
-            <a:r>
-              <a:rPr lang="en-US" dirty="0"/>
-              <a:t>/manage/publishers</a:t>
-            </a:r>
-            <a:r>
-              <a:rPr lang="en-US" dirty="0" smtClean="0"/>
-              <a:t>/</a:t>
-            </a:r>
-            <a:r>
-              <a:rPr lang="en-US" dirty="0" smtClean="0">
-                <a:solidFill>
-                  <a:schemeClr val="accent1"/>
-                </a:solidFill>
-              </a:rPr>
-              <a:t>{publisher}</a:t>
-            </a:r>
-            <a:endParaRPr lang="en-US" dirty="0">
-              <a:solidFill>
-                <a:schemeClr val="accent1"/>
-              </a:solidFill>
-            </a:endParaRPr>
-          </a:p>
-        </p:txBody>
-      </p:sp>
       <p:cxnSp>
         <p:nvCxnSpPr>
           <p:cNvPr id="16" name="Straight Arrow Connector 15"/>
@@ -6635,8 +7309,8 @@
         </p:nvCxnSpPr>
         <p:spPr>
           <a:xfrm flipH="1" flipV="1">
-            <a:off x="4731026" y="4946462"/>
-            <a:ext cx="1741335" cy="1175006"/>
+            <a:off x="5080776" y="4685106"/>
+            <a:ext cx="1487001" cy="1006827"/>
           </a:xfrm>
           <a:prstGeom prst="straightConnector1">
             <a:avLst/>
@@ -6666,13 +7340,21 @@
     </p:spTree>
     <p:extLst>
       <p:ext uri="{BB962C8B-B14F-4D97-AF65-F5344CB8AC3E}">
-        <p14:creationId xmlns:p14="http://schemas.microsoft.com/office/powerpoint/2010/main" val="1163862100"/>
+        <p14:creationId xmlns:p14="http://schemas.microsoft.com/office/powerpoint/2010/main" val="1502486998"/>
       </p:ext>
     </p:extLst>
   </p:cSld>
   <p:clrMapOvr>
     <a:masterClrMapping/>
   </p:clrMapOvr>
+  <mc:AlternateContent xmlns:mc="http://schemas.openxmlformats.org/markup-compatibility/2006" xmlns:p14="http://schemas.microsoft.com/office/powerpoint/2010/main">
+    <mc:Choice Requires="p14">
+      <p:transition p14:dur="0"/>
+    </mc:Choice>
+    <mc:Fallback xmlns="">
+      <p:transition/>
+    </mc:Fallback>
+  </mc:AlternateContent>
   <p:timing>
     <p:tnLst>
       <p:par>
@@ -6685,9 +7367,6 @@
                     <p:cTn id="3" fill="hold">
                       <p:stCondLst>
                         <p:cond delay="indefinite"/>
-                        <p:cond evt="onBegin" delay="0">
-                          <p:tn val="2"/>
-                        </p:cond>
                       </p:stCondLst>
                       <p:childTnLst>
                         <p:par>
@@ -6697,7 +7376,7 @@
                             </p:stCondLst>
                             <p:childTnLst>
                               <p:par>
-                                <p:cTn id="5" presetID="22" presetClass="entr" presetSubtype="2" fill="hold" nodeType="afterEffect">
+                                <p:cTn id="5" presetID="22" presetClass="entr" presetSubtype="2" fill="hold" nodeType="clickEffect">
                                   <p:stCondLst>
                                     <p:cond delay="0"/>
                                   </p:stCondLst>
@@ -6762,7 +7441,7 @@
 </p:sld>
 </file>
 
-<file path=ppt/slides/slide27.xml><?xml version="1.0" encoding="utf-8"?>
+<file path=ppt/slides/slide25.xml><?xml version="1.0" encoding="utf-8"?>
 <p:sld xmlns:a="http://schemas.openxmlformats.org/drawingml/2006/main" xmlns:r="http://schemas.openxmlformats.org/officeDocument/2006/relationships" xmlns:p="http://schemas.openxmlformats.org/presentationml/2006/main">
   <p:cSld>
     <p:spTree>
@@ -6779,91 +7458,9 @@
           <a:chExt cx="0" cy="0"/>
         </a:xfrm>
       </p:grpSpPr>
-      <p:sp>
-        <p:nvSpPr>
-          <p:cNvPr id="12" name="Title 11"/>
-          <p:cNvSpPr>
-            <a:spLocks noGrp="1"/>
-          </p:cNvSpPr>
-          <p:nvPr>
-            <p:ph type="title"/>
-          </p:nvPr>
-        </p:nvSpPr>
-        <p:spPr/>
-        <p:txBody>
-          <a:bodyPr/>
-          <a:lstStyle/>
-          <a:p>
-            <a:r>
-              <a:rPr lang="en-US" dirty="0" smtClean="0"/>
-              <a:t>managing your marketplace entries</a:t>
-            </a:r>
-            <a:endParaRPr lang="en-US" dirty="0"/>
-          </a:p>
-        </p:txBody>
-      </p:sp>
-      <p:sp>
-        <p:nvSpPr>
-          <p:cNvPr id="13" name="Content Placeholder 12"/>
-          <p:cNvSpPr>
-            <a:spLocks noGrp="1"/>
-          </p:cNvSpPr>
-          <p:nvPr>
-            <p:ph idx="1"/>
-          </p:nvPr>
-        </p:nvSpPr>
-        <p:spPr>
-          <a:xfrm>
-            <a:off x="838200" y="1340595"/>
-            <a:ext cx="10515600" cy="4351338"/>
-          </a:xfrm>
-        </p:spPr>
-        <p:txBody>
-          <a:bodyPr/>
-          <a:lstStyle/>
-          <a:p>
-            <a:pPr marL="0" indent="0">
-              <a:buNone/>
-            </a:pPr>
-            <a:r>
-              <a:rPr lang="en-US" dirty="0" smtClean="0"/>
-              <a:t>https</a:t>
-            </a:r>
-            <a:r>
-              <a:rPr lang="en-US" dirty="0"/>
-              <a:t>://</a:t>
-            </a:r>
-            <a:r>
-              <a:rPr lang="en-US" dirty="0" err="1"/>
-              <a:t>marketplace.visualstudio.com</a:t>
-            </a:r>
-            <a:r>
-              <a:rPr lang="en-US" dirty="0"/>
-              <a:t>/manage/publishers</a:t>
-            </a:r>
-            <a:r>
-              <a:rPr lang="en-US" dirty="0" smtClean="0"/>
-              <a:t>/</a:t>
-            </a:r>
-            <a:r>
-              <a:rPr lang="en-US" dirty="0" smtClean="0">
-                <a:solidFill>
-                  <a:schemeClr val="accent1"/>
-                </a:solidFill>
-              </a:rPr>
-              <a:t>{publisher}</a:t>
-            </a:r>
-            <a:endParaRPr lang="en-US" dirty="0">
-              <a:solidFill>
-                <a:schemeClr val="accent1"/>
-              </a:solidFill>
-            </a:endParaRPr>
-          </a:p>
-        </p:txBody>
-      </p:sp>
       <p:pic>
         <p:nvPicPr>
-          <p:cNvPr id="6" name="Picture 5"/>
+          <p:cNvPr id="16" name="Picture 15"/>
           <p:cNvPicPr>
             <a:picLocks noChangeAspect="1"/>
           </p:cNvPicPr>
@@ -6877,194 +7474,14 @@
         </p:blipFill>
         <p:spPr>
           <a:xfrm>
-            <a:off x="1862396" y="1887000"/>
-            <a:ext cx="8769350" cy="4292600"/>
+            <a:off x="1448828" y="3145676"/>
+            <a:ext cx="3289300" cy="196850"/>
           </a:xfrm>
           <a:prstGeom prst="rect">
             <a:avLst/>
           </a:prstGeom>
         </p:spPr>
       </p:pic>
-      <p:cxnSp>
-        <p:nvCxnSpPr>
-          <p:cNvPr id="5" name="Straight Arrow Connector 4"/>
-          <p:cNvCxnSpPr/>
-          <p:nvPr/>
-        </p:nvCxnSpPr>
-        <p:spPr>
-          <a:xfrm flipH="1" flipV="1">
-            <a:off x="2902226" y="4381919"/>
-            <a:ext cx="1741335" cy="1175006"/>
-          </a:xfrm>
-          <a:prstGeom prst="straightConnector1">
-            <a:avLst/>
-          </a:prstGeom>
-          <a:ln w="76200">
-            <a:solidFill>
-              <a:srgbClr val="FF0000"/>
-            </a:solidFill>
-            <a:tailEnd type="triangle"/>
-          </a:ln>
-        </p:spPr>
-        <p:style>
-          <a:lnRef idx="1">
-            <a:schemeClr val="accent1"/>
-          </a:lnRef>
-          <a:fillRef idx="0">
-            <a:schemeClr val="accent1"/>
-          </a:fillRef>
-          <a:effectRef idx="0">
-            <a:schemeClr val="accent1"/>
-          </a:effectRef>
-          <a:fontRef idx="minor">
-            <a:schemeClr val="tx1"/>
-          </a:fontRef>
-        </p:style>
-      </p:cxnSp>
-    </p:spTree>
-    <p:extLst>
-      <p:ext uri="{BB962C8B-B14F-4D97-AF65-F5344CB8AC3E}">
-        <p14:creationId xmlns:p14="http://schemas.microsoft.com/office/powerpoint/2010/main" val="767226676"/>
-      </p:ext>
-    </p:extLst>
-  </p:cSld>
-  <p:clrMapOvr>
-    <a:masterClrMapping/>
-  </p:clrMapOvr>
-  <p:timing>
-    <p:tnLst>
-      <p:par>
-        <p:cTn id="1" dur="indefinite" restart="never" nodeType="tmRoot">
-          <p:childTnLst>
-            <p:seq concurrent="1" nextAc="seek">
-              <p:cTn id="2" dur="indefinite" nodeType="mainSeq">
-                <p:childTnLst>
-                  <p:par>
-                    <p:cTn id="3" fill="hold">
-                      <p:stCondLst>
-                        <p:cond delay="indefinite"/>
-                        <p:cond evt="onBegin" delay="0">
-                          <p:tn val="2"/>
-                        </p:cond>
-                      </p:stCondLst>
-                      <p:childTnLst>
-                        <p:par>
-                          <p:cTn id="4" fill="hold">
-                            <p:stCondLst>
-                              <p:cond delay="0"/>
-                            </p:stCondLst>
-                            <p:childTnLst>
-                              <p:par>
-                                <p:cTn id="5" presetID="22" presetClass="entr" presetSubtype="2" fill="hold" nodeType="afterEffect">
-                                  <p:stCondLst>
-                                    <p:cond delay="0"/>
-                                  </p:stCondLst>
-                                  <p:childTnLst>
-                                    <p:set>
-                                      <p:cBhvr>
-                                        <p:cTn id="6" dur="1" fill="hold">
-                                          <p:stCondLst>
-                                            <p:cond delay="0"/>
-                                          </p:stCondLst>
-                                        </p:cTn>
-                                        <p:tgtEl>
-                                          <p:spTgt spid="5"/>
-                                        </p:tgtEl>
-                                        <p:attrNameLst>
-                                          <p:attrName>style.visibility</p:attrName>
-                                        </p:attrNameLst>
-                                      </p:cBhvr>
-                                      <p:to>
-                                        <p:strVal val="visible"/>
-                                      </p:to>
-                                    </p:set>
-                                    <p:animEffect transition="in" filter="wipe(right)">
-                                      <p:cBhvr>
-                                        <p:cTn id="7" dur="500"/>
-                                        <p:tgtEl>
-                                          <p:spTgt spid="5"/>
-                                        </p:tgtEl>
-                                      </p:cBhvr>
-                                    </p:animEffect>
-                                  </p:childTnLst>
-                                </p:cTn>
-                              </p:par>
-                            </p:childTnLst>
-                          </p:cTn>
-                        </p:par>
-                      </p:childTnLst>
-                    </p:cTn>
-                  </p:par>
-                </p:childTnLst>
-              </p:cTn>
-              <p:prevCondLst>
-                <p:cond evt="onPrev" delay="0">
-                  <p:tgtEl>
-                    <p:sldTgt/>
-                  </p:tgtEl>
-                </p:cond>
-              </p:prevCondLst>
-              <p:nextCondLst>
-                <p:cond evt="onNext" delay="0">
-                  <p:tgtEl>
-                    <p:sldTgt/>
-                  </p:tgtEl>
-                </p:cond>
-              </p:nextCondLst>
-            </p:seq>
-          </p:childTnLst>
-        </p:cTn>
-      </p:par>
-    </p:tnLst>
-  </p:timing>
-</p:sld>
-</file>
-
-<file path=ppt/slides/slide28.xml><?xml version="1.0" encoding="utf-8"?>
-<p:sld xmlns:a="http://schemas.openxmlformats.org/drawingml/2006/main" xmlns:r="http://schemas.openxmlformats.org/officeDocument/2006/relationships" xmlns:p="http://schemas.openxmlformats.org/presentationml/2006/main">
-  <p:cSld>
-    <p:spTree>
-      <p:nvGrpSpPr>
-        <p:cNvPr id="1" name=""/>
-        <p:cNvGrpSpPr/>
-        <p:nvPr/>
-      </p:nvGrpSpPr>
-      <p:grpSpPr>
-        <a:xfrm>
-          <a:off x="0" y="0"/>
-          <a:ext cx="0" cy="0"/>
-          <a:chOff x="0" y="0"/>
-          <a:chExt cx="0" cy="0"/>
-        </a:xfrm>
-      </p:grpSpPr>
-      <p:sp>
-        <p:nvSpPr>
-          <p:cNvPr id="2" name="Title 1"/>
-          <p:cNvSpPr>
-            <a:spLocks noGrp="1"/>
-          </p:cNvSpPr>
-          <p:nvPr>
-            <p:ph type="title"/>
-          </p:nvPr>
-        </p:nvSpPr>
-        <p:spPr>
-          <a:xfrm>
-            <a:off x="1221450" y="711644"/>
-            <a:ext cx="3932237" cy="1600200"/>
-          </a:xfrm>
-        </p:spPr>
-        <p:txBody>
-          <a:bodyPr/>
-          <a:lstStyle/>
-          <a:p>
-            <a:r>
-              <a:rPr lang="en-US" dirty="0" smtClean="0"/>
-              <a:t>command-line focused</a:t>
-            </a:r>
-            <a:endParaRPr lang="en-US" dirty="0"/>
-          </a:p>
-        </p:txBody>
-      </p:sp>
       <p:sp>
         <p:nvSpPr>
           <p:cNvPr id="4" name="Text Placeholder 3"/>
@@ -7880,6 +8297,54 @@
           </a:p>
         </p:txBody>
       </p:sp>
+      <p:sp>
+        <p:nvSpPr>
+          <p:cNvPr id="13" name="Title 1"/>
+          <p:cNvSpPr txBox="1">
+            <a:spLocks/>
+          </p:cNvSpPr>
+          <p:nvPr/>
+        </p:nvSpPr>
+        <p:spPr>
+          <a:xfrm>
+            <a:off x="1221449" y="720243"/>
+            <a:ext cx="3932237" cy="1600200"/>
+          </a:xfrm>
+          <a:prstGeom prst="rect">
+            <a:avLst/>
+          </a:prstGeom>
+        </p:spPr>
+        <p:txBody>
+          <a:bodyPr vert="horz" lIns="91440" tIns="45720" rIns="91440" bIns="45720" rtlCol="0" anchor="b">
+            <a:normAutofit/>
+          </a:bodyPr>
+          <a:lstStyle>
+            <a:lvl1pPr algn="l" defTabSz="914400" rtl="0" eaLnBrk="1" latinLnBrk="0" hangingPunct="1">
+              <a:lnSpc>
+                <a:spcPct val="90000"/>
+              </a:lnSpc>
+              <a:spcBef>
+                <a:spcPct val="0"/>
+              </a:spcBef>
+              <a:buNone/>
+              <a:defRPr sz="3200" kern="1200">
+                <a:solidFill>
+                  <a:schemeClr val="tx1"/>
+                </a:solidFill>
+                <a:latin typeface="+mj-lt"/>
+                <a:ea typeface="+mj-ea"/>
+                <a:cs typeface="+mj-cs"/>
+              </a:defRPr>
+            </a:lvl1pPr>
+          </a:lstStyle>
+          <a:p>
+            <a:r>
+              <a:rPr lang="en-US" dirty="0" smtClean="0"/>
+              <a:t>command line focus</a:t>
+            </a:r>
+          </a:p>
+        </p:txBody>
+      </p:sp>
     </p:spTree>
     <p:extLst>
       <p:ext uri="{BB962C8B-B14F-4D97-AF65-F5344CB8AC3E}">
@@ -7890,718 +8355,20 @@
   <p:clrMapOvr>
     <a:masterClrMapping/>
   </p:clrMapOvr>
+  <p:transition spd="slow">
+    <p:push dir="u"/>
+  </p:transition>
   <p:timing>
     <p:tnLst>
       <p:par>
-        <p:cTn id="1" dur="indefinite" restart="never" nodeType="tmRoot">
-          <p:childTnLst>
-            <p:seq concurrent="1" nextAc="seek">
-              <p:cTn id="2" dur="indefinite" nodeType="mainSeq">
-                <p:childTnLst>
-                  <p:par>
-                    <p:cTn id="3" fill="hold">
-                      <p:stCondLst>
-                        <p:cond delay="indefinite"/>
-                      </p:stCondLst>
-                      <p:childTnLst>
-                        <p:par>
-                          <p:cTn id="4" fill="hold">
-                            <p:stCondLst>
-                              <p:cond delay="0"/>
-                            </p:stCondLst>
-                            <p:childTnLst>
-                              <p:par>
-                                <p:cTn id="5" presetID="2" presetClass="entr" presetSubtype="4" fill="hold" grpId="0" nodeType="clickEffect">
-                                  <p:stCondLst>
-                                    <p:cond delay="0"/>
-                                  </p:stCondLst>
-                                  <p:childTnLst>
-                                    <p:set>
-                                      <p:cBhvr>
-                                        <p:cTn id="6" dur="1" fill="hold">
-                                          <p:stCondLst>
-                                            <p:cond delay="0"/>
-                                          </p:stCondLst>
-                                        </p:cTn>
-                                        <p:tgtEl>
-                                          <p:spTgt spid="2"/>
-                                        </p:tgtEl>
-                                        <p:attrNameLst>
-                                          <p:attrName>style.visibility</p:attrName>
-                                        </p:attrNameLst>
-                                      </p:cBhvr>
-                                      <p:to>
-                                        <p:strVal val="visible"/>
-                                      </p:to>
-                                    </p:set>
-                                    <p:anim calcmode="lin" valueType="num">
-                                      <p:cBhvr additive="base">
-                                        <p:cTn id="7" dur="500" fill="hold"/>
-                                        <p:tgtEl>
-                                          <p:spTgt spid="2"/>
-                                        </p:tgtEl>
-                                        <p:attrNameLst>
-                                          <p:attrName>ppt_x</p:attrName>
-                                        </p:attrNameLst>
-                                      </p:cBhvr>
-                                      <p:tavLst>
-                                        <p:tav tm="0">
-                                          <p:val>
-                                            <p:strVal val="#ppt_x"/>
-                                          </p:val>
-                                        </p:tav>
-                                        <p:tav tm="100000">
-                                          <p:val>
-                                            <p:strVal val="#ppt_x"/>
-                                          </p:val>
-                                        </p:tav>
-                                      </p:tavLst>
-                                    </p:anim>
-                                    <p:anim calcmode="lin" valueType="num">
-                                      <p:cBhvr additive="base">
-                                        <p:cTn id="8" dur="500" fill="hold"/>
-                                        <p:tgtEl>
-                                          <p:spTgt spid="2"/>
-                                        </p:tgtEl>
-                                        <p:attrNameLst>
-                                          <p:attrName>ppt_y</p:attrName>
-                                        </p:attrNameLst>
-                                      </p:cBhvr>
-                                      <p:tavLst>
-                                        <p:tav tm="0">
-                                          <p:val>
-                                            <p:strVal val="1+#ppt_h/2"/>
-                                          </p:val>
-                                        </p:tav>
-                                        <p:tav tm="100000">
-                                          <p:val>
-                                            <p:strVal val="#ppt_y"/>
-                                          </p:val>
-                                        </p:tav>
-                                      </p:tavLst>
-                                    </p:anim>
-                                  </p:childTnLst>
-                                </p:cTn>
-                              </p:par>
-                              <p:par>
-                                <p:cTn id="9" presetID="2" presetClass="entr" presetSubtype="4" fill="hold" grpId="0" nodeType="withEffect">
-                                  <p:stCondLst>
-                                    <p:cond delay="0"/>
-                                  </p:stCondLst>
-                                  <p:childTnLst>
-                                    <p:set>
-                                      <p:cBhvr>
-                                        <p:cTn id="10" dur="1" fill="hold">
-                                          <p:stCondLst>
-                                            <p:cond delay="0"/>
-                                          </p:stCondLst>
-                                        </p:cTn>
-                                        <p:tgtEl>
-                                          <p:spTgt spid="4">
-                                            <p:txEl>
-                                              <p:pRg st="0" end="0"/>
-                                            </p:txEl>
-                                          </p:spTgt>
-                                        </p:tgtEl>
-                                        <p:attrNameLst>
-                                          <p:attrName>style.visibility</p:attrName>
-                                        </p:attrNameLst>
-                                      </p:cBhvr>
-                                      <p:to>
-                                        <p:strVal val="visible"/>
-                                      </p:to>
-                                    </p:set>
-                                    <p:anim calcmode="lin" valueType="num">
-                                      <p:cBhvr additive="base">
-                                        <p:cTn id="11" dur="500" fill="hold"/>
-                                        <p:tgtEl>
-                                          <p:spTgt spid="4">
-                                            <p:txEl>
-                                              <p:pRg st="0" end="0"/>
-                                            </p:txEl>
-                                          </p:spTgt>
-                                        </p:tgtEl>
-                                        <p:attrNameLst>
-                                          <p:attrName>ppt_x</p:attrName>
-                                        </p:attrNameLst>
-                                      </p:cBhvr>
-                                      <p:tavLst>
-                                        <p:tav tm="0">
-                                          <p:val>
-                                            <p:strVal val="#ppt_x"/>
-                                          </p:val>
-                                        </p:tav>
-                                        <p:tav tm="100000">
-                                          <p:val>
-                                            <p:strVal val="#ppt_x"/>
-                                          </p:val>
-                                        </p:tav>
-                                      </p:tavLst>
-                                    </p:anim>
-                                    <p:anim calcmode="lin" valueType="num">
-                                      <p:cBhvr additive="base">
-                                        <p:cTn id="12" dur="500" fill="hold"/>
-                                        <p:tgtEl>
-                                          <p:spTgt spid="4">
-                                            <p:txEl>
-                                              <p:pRg st="0" end="0"/>
-                                            </p:txEl>
-                                          </p:spTgt>
-                                        </p:tgtEl>
-                                        <p:attrNameLst>
-                                          <p:attrName>ppt_y</p:attrName>
-                                        </p:attrNameLst>
-                                      </p:cBhvr>
-                                      <p:tavLst>
-                                        <p:tav tm="0">
-                                          <p:val>
-                                            <p:strVal val="1+#ppt_h/2"/>
-                                          </p:val>
-                                        </p:tav>
-                                        <p:tav tm="100000">
-                                          <p:val>
-                                            <p:strVal val="#ppt_y"/>
-                                          </p:val>
-                                        </p:tav>
-                                      </p:tavLst>
-                                    </p:anim>
-                                  </p:childTnLst>
-                                </p:cTn>
-                              </p:par>
-                            </p:childTnLst>
-                          </p:cTn>
-                        </p:par>
-                      </p:childTnLst>
-                    </p:cTn>
-                  </p:par>
-                  <p:par>
-                    <p:cTn id="13" fill="hold">
-                      <p:stCondLst>
-                        <p:cond delay="indefinite"/>
-                      </p:stCondLst>
-                      <p:childTnLst>
-                        <p:par>
-                          <p:cTn id="14" fill="hold">
-                            <p:stCondLst>
-                              <p:cond delay="0"/>
-                            </p:stCondLst>
-                            <p:childTnLst>
-                              <p:par>
-                                <p:cTn id="15" presetID="2" presetClass="entr" presetSubtype="4" fill="hold" grpId="0" nodeType="clickEffect">
-                                  <p:stCondLst>
-                                    <p:cond delay="0"/>
-                                  </p:stCondLst>
-                                  <p:childTnLst>
-                                    <p:set>
-                                      <p:cBhvr>
-                                        <p:cTn id="16" dur="1" fill="hold">
-                                          <p:stCondLst>
-                                            <p:cond delay="0"/>
-                                          </p:stCondLst>
-                                        </p:cTn>
-                                        <p:tgtEl>
-                                          <p:spTgt spid="6"/>
-                                        </p:tgtEl>
-                                        <p:attrNameLst>
-                                          <p:attrName>style.visibility</p:attrName>
-                                        </p:attrNameLst>
-                                      </p:cBhvr>
-                                      <p:to>
-                                        <p:strVal val="visible"/>
-                                      </p:to>
-                                    </p:set>
-                                    <p:anim calcmode="lin" valueType="num">
-                                      <p:cBhvr additive="base">
-                                        <p:cTn id="17" dur="500" fill="hold"/>
-                                        <p:tgtEl>
-                                          <p:spTgt spid="6"/>
-                                        </p:tgtEl>
-                                        <p:attrNameLst>
-                                          <p:attrName>ppt_x</p:attrName>
-                                        </p:attrNameLst>
-                                      </p:cBhvr>
-                                      <p:tavLst>
-                                        <p:tav tm="0">
-                                          <p:val>
-                                            <p:strVal val="#ppt_x"/>
-                                          </p:val>
-                                        </p:tav>
-                                        <p:tav tm="100000">
-                                          <p:val>
-                                            <p:strVal val="#ppt_x"/>
-                                          </p:val>
-                                        </p:tav>
-                                      </p:tavLst>
-                                    </p:anim>
-                                    <p:anim calcmode="lin" valueType="num">
-                                      <p:cBhvr additive="base">
-                                        <p:cTn id="18" dur="500" fill="hold"/>
-                                        <p:tgtEl>
-                                          <p:spTgt spid="6"/>
-                                        </p:tgtEl>
-                                        <p:attrNameLst>
-                                          <p:attrName>ppt_y</p:attrName>
-                                        </p:attrNameLst>
-                                      </p:cBhvr>
-                                      <p:tavLst>
-                                        <p:tav tm="0">
-                                          <p:val>
-                                            <p:strVal val="1+#ppt_h/2"/>
-                                          </p:val>
-                                        </p:tav>
-                                        <p:tav tm="100000">
-                                          <p:val>
-                                            <p:strVal val="#ppt_y"/>
-                                          </p:val>
-                                        </p:tav>
-                                      </p:tavLst>
-                                    </p:anim>
-                                  </p:childTnLst>
-                                </p:cTn>
-                              </p:par>
-                              <p:par>
-                                <p:cTn id="19" presetID="2" presetClass="entr" presetSubtype="4" fill="hold" grpId="0" nodeType="withEffect">
-                                  <p:stCondLst>
-                                    <p:cond delay="0"/>
-                                  </p:stCondLst>
-                                  <p:childTnLst>
-                                    <p:set>
-                                      <p:cBhvr>
-                                        <p:cTn id="20" dur="1" fill="hold">
-                                          <p:stCondLst>
-                                            <p:cond delay="0"/>
-                                          </p:stCondLst>
-                                        </p:cTn>
-                                        <p:tgtEl>
-                                          <p:spTgt spid="7"/>
-                                        </p:tgtEl>
-                                        <p:attrNameLst>
-                                          <p:attrName>style.visibility</p:attrName>
-                                        </p:attrNameLst>
-                                      </p:cBhvr>
-                                      <p:to>
-                                        <p:strVal val="visible"/>
-                                      </p:to>
-                                    </p:set>
-                                    <p:anim calcmode="lin" valueType="num">
-                                      <p:cBhvr additive="base">
-                                        <p:cTn id="21" dur="500" fill="hold"/>
-                                        <p:tgtEl>
-                                          <p:spTgt spid="7"/>
-                                        </p:tgtEl>
-                                        <p:attrNameLst>
-                                          <p:attrName>ppt_x</p:attrName>
-                                        </p:attrNameLst>
-                                      </p:cBhvr>
-                                      <p:tavLst>
-                                        <p:tav tm="0">
-                                          <p:val>
-                                            <p:strVal val="#ppt_x"/>
-                                          </p:val>
-                                        </p:tav>
-                                        <p:tav tm="100000">
-                                          <p:val>
-                                            <p:strVal val="#ppt_x"/>
-                                          </p:val>
-                                        </p:tav>
-                                      </p:tavLst>
-                                    </p:anim>
-                                    <p:anim calcmode="lin" valueType="num">
-                                      <p:cBhvr additive="base">
-                                        <p:cTn id="22" dur="500" fill="hold"/>
-                                        <p:tgtEl>
-                                          <p:spTgt spid="7"/>
-                                        </p:tgtEl>
-                                        <p:attrNameLst>
-                                          <p:attrName>ppt_y</p:attrName>
-                                        </p:attrNameLst>
-                                      </p:cBhvr>
-                                      <p:tavLst>
-                                        <p:tav tm="0">
-                                          <p:val>
-                                            <p:strVal val="1+#ppt_h/2"/>
-                                          </p:val>
-                                        </p:tav>
-                                        <p:tav tm="100000">
-                                          <p:val>
-                                            <p:strVal val="#ppt_y"/>
-                                          </p:val>
-                                        </p:tav>
-                                      </p:tavLst>
-                                    </p:anim>
-                                  </p:childTnLst>
-                                </p:cTn>
-                              </p:par>
-                            </p:childTnLst>
-                          </p:cTn>
-                        </p:par>
-                      </p:childTnLst>
-                    </p:cTn>
-                  </p:par>
-                  <p:par>
-                    <p:cTn id="23" fill="hold">
-                      <p:stCondLst>
-                        <p:cond delay="indefinite"/>
-                      </p:stCondLst>
-                      <p:childTnLst>
-                        <p:par>
-                          <p:cTn id="24" fill="hold">
-                            <p:stCondLst>
-                              <p:cond delay="0"/>
-                            </p:stCondLst>
-                            <p:childTnLst>
-                              <p:par>
-                                <p:cTn id="25" presetID="2" presetClass="entr" presetSubtype="4" fill="hold" grpId="0" nodeType="clickEffect">
-                                  <p:stCondLst>
-                                    <p:cond delay="0"/>
-                                  </p:stCondLst>
-                                  <p:childTnLst>
-                                    <p:set>
-                                      <p:cBhvr>
-                                        <p:cTn id="26" dur="1" fill="hold">
-                                          <p:stCondLst>
-                                            <p:cond delay="0"/>
-                                          </p:stCondLst>
-                                        </p:cTn>
-                                        <p:tgtEl>
-                                          <p:spTgt spid="8"/>
-                                        </p:tgtEl>
-                                        <p:attrNameLst>
-                                          <p:attrName>style.visibility</p:attrName>
-                                        </p:attrNameLst>
-                                      </p:cBhvr>
-                                      <p:to>
-                                        <p:strVal val="visible"/>
-                                      </p:to>
-                                    </p:set>
-                                    <p:anim calcmode="lin" valueType="num">
-                                      <p:cBhvr additive="base">
-                                        <p:cTn id="27" dur="500" fill="hold"/>
-                                        <p:tgtEl>
-                                          <p:spTgt spid="8"/>
-                                        </p:tgtEl>
-                                        <p:attrNameLst>
-                                          <p:attrName>ppt_x</p:attrName>
-                                        </p:attrNameLst>
-                                      </p:cBhvr>
-                                      <p:tavLst>
-                                        <p:tav tm="0">
-                                          <p:val>
-                                            <p:strVal val="#ppt_x"/>
-                                          </p:val>
-                                        </p:tav>
-                                        <p:tav tm="100000">
-                                          <p:val>
-                                            <p:strVal val="#ppt_x"/>
-                                          </p:val>
-                                        </p:tav>
-                                      </p:tavLst>
-                                    </p:anim>
-                                    <p:anim calcmode="lin" valueType="num">
-                                      <p:cBhvr additive="base">
-                                        <p:cTn id="28" dur="500" fill="hold"/>
-                                        <p:tgtEl>
-                                          <p:spTgt spid="8"/>
-                                        </p:tgtEl>
-                                        <p:attrNameLst>
-                                          <p:attrName>ppt_y</p:attrName>
-                                        </p:attrNameLst>
-                                      </p:cBhvr>
-                                      <p:tavLst>
-                                        <p:tav tm="0">
-                                          <p:val>
-                                            <p:strVal val="1+#ppt_h/2"/>
-                                          </p:val>
-                                        </p:tav>
-                                        <p:tav tm="100000">
-                                          <p:val>
-                                            <p:strVal val="#ppt_y"/>
-                                          </p:val>
-                                        </p:tav>
-                                      </p:tavLst>
-                                    </p:anim>
-                                  </p:childTnLst>
-                                </p:cTn>
-                              </p:par>
-                              <p:par>
-                                <p:cTn id="29" presetID="2" presetClass="entr" presetSubtype="4" fill="hold" grpId="0" nodeType="withEffect">
-                                  <p:stCondLst>
-                                    <p:cond delay="0"/>
-                                  </p:stCondLst>
-                                  <p:childTnLst>
-                                    <p:set>
-                                      <p:cBhvr>
-                                        <p:cTn id="30" dur="1" fill="hold">
-                                          <p:stCondLst>
-                                            <p:cond delay="0"/>
-                                          </p:stCondLst>
-                                        </p:cTn>
-                                        <p:tgtEl>
-                                          <p:spTgt spid="9"/>
-                                        </p:tgtEl>
-                                        <p:attrNameLst>
-                                          <p:attrName>style.visibility</p:attrName>
-                                        </p:attrNameLst>
-                                      </p:cBhvr>
-                                      <p:to>
-                                        <p:strVal val="visible"/>
-                                      </p:to>
-                                    </p:set>
-                                    <p:anim calcmode="lin" valueType="num">
-                                      <p:cBhvr additive="base">
-                                        <p:cTn id="31" dur="500" fill="hold"/>
-                                        <p:tgtEl>
-                                          <p:spTgt spid="9"/>
-                                        </p:tgtEl>
-                                        <p:attrNameLst>
-                                          <p:attrName>ppt_x</p:attrName>
-                                        </p:attrNameLst>
-                                      </p:cBhvr>
-                                      <p:tavLst>
-                                        <p:tav tm="0">
-                                          <p:val>
-                                            <p:strVal val="#ppt_x"/>
-                                          </p:val>
-                                        </p:tav>
-                                        <p:tav tm="100000">
-                                          <p:val>
-                                            <p:strVal val="#ppt_x"/>
-                                          </p:val>
-                                        </p:tav>
-                                      </p:tavLst>
-                                    </p:anim>
-                                    <p:anim calcmode="lin" valueType="num">
-                                      <p:cBhvr additive="base">
-                                        <p:cTn id="32" dur="500" fill="hold"/>
-                                        <p:tgtEl>
-                                          <p:spTgt spid="9"/>
-                                        </p:tgtEl>
-                                        <p:attrNameLst>
-                                          <p:attrName>ppt_y</p:attrName>
-                                        </p:attrNameLst>
-                                      </p:cBhvr>
-                                      <p:tavLst>
-                                        <p:tav tm="0">
-                                          <p:val>
-                                            <p:strVal val="1+#ppt_h/2"/>
-                                          </p:val>
-                                        </p:tav>
-                                        <p:tav tm="100000">
-                                          <p:val>
-                                            <p:strVal val="#ppt_y"/>
-                                          </p:val>
-                                        </p:tav>
-                                      </p:tavLst>
-                                    </p:anim>
-                                  </p:childTnLst>
-                                </p:cTn>
-                              </p:par>
-                            </p:childTnLst>
-                          </p:cTn>
-                        </p:par>
-                      </p:childTnLst>
-                    </p:cTn>
-                  </p:par>
-                  <p:par>
-                    <p:cTn id="33" fill="hold">
-                      <p:stCondLst>
-                        <p:cond delay="indefinite"/>
-                      </p:stCondLst>
-                      <p:childTnLst>
-                        <p:par>
-                          <p:cTn id="34" fill="hold">
-                            <p:stCondLst>
-                              <p:cond delay="0"/>
-                            </p:stCondLst>
-                            <p:childTnLst>
-                              <p:par>
-                                <p:cTn id="35" presetID="2" presetClass="entr" presetSubtype="4" fill="hold" grpId="0" nodeType="clickEffect">
-                                  <p:stCondLst>
-                                    <p:cond delay="0"/>
-                                  </p:stCondLst>
-                                  <p:childTnLst>
-                                    <p:set>
-                                      <p:cBhvr>
-                                        <p:cTn id="36" dur="1" fill="hold">
-                                          <p:stCondLst>
-                                            <p:cond delay="0"/>
-                                          </p:stCondLst>
-                                        </p:cTn>
-                                        <p:tgtEl>
-                                          <p:spTgt spid="10"/>
-                                        </p:tgtEl>
-                                        <p:attrNameLst>
-                                          <p:attrName>style.visibility</p:attrName>
-                                        </p:attrNameLst>
-                                      </p:cBhvr>
-                                      <p:to>
-                                        <p:strVal val="visible"/>
-                                      </p:to>
-                                    </p:set>
-                                    <p:anim calcmode="lin" valueType="num">
-                                      <p:cBhvr additive="base">
-                                        <p:cTn id="37" dur="500" fill="hold"/>
-                                        <p:tgtEl>
-                                          <p:spTgt spid="10"/>
-                                        </p:tgtEl>
-                                        <p:attrNameLst>
-                                          <p:attrName>ppt_x</p:attrName>
-                                        </p:attrNameLst>
-                                      </p:cBhvr>
-                                      <p:tavLst>
-                                        <p:tav tm="0">
-                                          <p:val>
-                                            <p:strVal val="#ppt_x"/>
-                                          </p:val>
-                                        </p:tav>
-                                        <p:tav tm="100000">
-                                          <p:val>
-                                            <p:strVal val="#ppt_x"/>
-                                          </p:val>
-                                        </p:tav>
-                                      </p:tavLst>
-                                    </p:anim>
-                                    <p:anim calcmode="lin" valueType="num">
-                                      <p:cBhvr additive="base">
-                                        <p:cTn id="38" dur="500" fill="hold"/>
-                                        <p:tgtEl>
-                                          <p:spTgt spid="10"/>
-                                        </p:tgtEl>
-                                        <p:attrNameLst>
-                                          <p:attrName>ppt_y</p:attrName>
-                                        </p:attrNameLst>
-                                      </p:cBhvr>
-                                      <p:tavLst>
-                                        <p:tav tm="0">
-                                          <p:val>
-                                            <p:strVal val="1+#ppt_h/2"/>
-                                          </p:val>
-                                        </p:tav>
-                                        <p:tav tm="100000">
-                                          <p:val>
-                                            <p:strVal val="#ppt_y"/>
-                                          </p:val>
-                                        </p:tav>
-                                      </p:tavLst>
-                                    </p:anim>
-                                  </p:childTnLst>
-                                </p:cTn>
-                              </p:par>
-                              <p:par>
-                                <p:cTn id="39" presetID="2" presetClass="entr" presetSubtype="4" fill="hold" grpId="0" nodeType="withEffect">
-                                  <p:stCondLst>
-                                    <p:cond delay="0"/>
-                                  </p:stCondLst>
-                                  <p:childTnLst>
-                                    <p:set>
-                                      <p:cBhvr>
-                                        <p:cTn id="40" dur="1" fill="hold">
-                                          <p:stCondLst>
-                                            <p:cond delay="0"/>
-                                          </p:stCondLst>
-                                        </p:cTn>
-                                        <p:tgtEl>
-                                          <p:spTgt spid="11"/>
-                                        </p:tgtEl>
-                                        <p:attrNameLst>
-                                          <p:attrName>style.visibility</p:attrName>
-                                        </p:attrNameLst>
-                                      </p:cBhvr>
-                                      <p:to>
-                                        <p:strVal val="visible"/>
-                                      </p:to>
-                                    </p:set>
-                                    <p:anim calcmode="lin" valueType="num">
-                                      <p:cBhvr additive="base">
-                                        <p:cTn id="41" dur="500" fill="hold"/>
-                                        <p:tgtEl>
-                                          <p:spTgt spid="11"/>
-                                        </p:tgtEl>
-                                        <p:attrNameLst>
-                                          <p:attrName>ppt_x</p:attrName>
-                                        </p:attrNameLst>
-                                      </p:cBhvr>
-                                      <p:tavLst>
-                                        <p:tav tm="0">
-                                          <p:val>
-                                            <p:strVal val="#ppt_x"/>
-                                          </p:val>
-                                        </p:tav>
-                                        <p:tav tm="100000">
-                                          <p:val>
-                                            <p:strVal val="#ppt_x"/>
-                                          </p:val>
-                                        </p:tav>
-                                      </p:tavLst>
-                                    </p:anim>
-                                    <p:anim calcmode="lin" valueType="num">
-                                      <p:cBhvr additive="base">
-                                        <p:cTn id="42" dur="500" fill="hold"/>
-                                        <p:tgtEl>
-                                          <p:spTgt spid="11"/>
-                                        </p:tgtEl>
-                                        <p:attrNameLst>
-                                          <p:attrName>ppt_y</p:attrName>
-                                        </p:attrNameLst>
-                                      </p:cBhvr>
-                                      <p:tavLst>
-                                        <p:tav tm="0">
-                                          <p:val>
-                                            <p:strVal val="1+#ppt_h/2"/>
-                                          </p:val>
-                                        </p:tav>
-                                        <p:tav tm="100000">
-                                          <p:val>
-                                            <p:strVal val="#ppt_y"/>
-                                          </p:val>
-                                        </p:tav>
-                                      </p:tavLst>
-                                    </p:anim>
-                                  </p:childTnLst>
-                                </p:cTn>
-                              </p:par>
-                            </p:childTnLst>
-                          </p:cTn>
-                        </p:par>
-                      </p:childTnLst>
-                    </p:cTn>
-                  </p:par>
-                </p:childTnLst>
-              </p:cTn>
-              <p:prevCondLst>
-                <p:cond evt="onPrev" delay="0">
-                  <p:tgtEl>
-                    <p:sldTgt/>
-                  </p:tgtEl>
-                </p:cond>
-              </p:prevCondLst>
-              <p:nextCondLst>
-                <p:cond evt="onNext" delay="0">
-                  <p:tgtEl>
-                    <p:sldTgt/>
-                  </p:tgtEl>
-                </p:cond>
-              </p:nextCondLst>
-            </p:seq>
-          </p:childTnLst>
-        </p:cTn>
+        <p:cTn id="1" dur="indefinite" restart="never" nodeType="tmRoot"/>
       </p:par>
     </p:tnLst>
-    <p:bldLst>
-      <p:bldP spid="2" grpId="0"/>
-      <p:bldP spid="4" grpId="0" build="p"/>
-      <p:bldP spid="6" grpId="0"/>
-      <p:bldP spid="7" grpId="0"/>
-      <p:bldP spid="8" grpId="0"/>
-      <p:bldP spid="9" grpId="0"/>
-      <p:bldP spid="10" grpId="0"/>
-      <p:bldP spid="11" grpId="0"/>
-    </p:bldLst>
   </p:timing>
 </p:sld>
 </file>
 
-<file path=ppt/slides/slide29.xml><?xml version="1.0" encoding="utf-8"?>
+<file path=ppt/slides/slide26.xml><?xml version="1.0" encoding="utf-8"?>
 <p:sld xmlns:a="http://schemas.openxmlformats.org/drawingml/2006/main" xmlns:r="http://schemas.openxmlformats.org/officeDocument/2006/relationships" xmlns:p="http://schemas.openxmlformats.org/presentationml/2006/main">
   <p:cSld>
     <p:spTree>
@@ -8651,12 +8418,7 @@
             <p:ph type="body" idx="1"/>
           </p:nvPr>
         </p:nvSpPr>
-        <p:spPr>
-          <a:xfrm>
-            <a:off x="3156667" y="3905651"/>
-            <a:ext cx="8294149" cy="1500187"/>
-          </a:xfrm>
-        </p:spPr>
+        <p:spPr/>
         <p:txBody>
           <a:bodyPr/>
           <a:lstStyle/>
@@ -8823,7 +8585,7 @@
 </p:sld>
 </file>
 
-<file path=ppt/slides/slide3.xml><?xml version="1.0" encoding="utf-8"?>
+<file path=ppt/slides/slide27.xml><?xml version="1.0" encoding="utf-8"?>
 <p:sld xmlns:a="http://schemas.openxmlformats.org/drawingml/2006/main" xmlns:r="http://schemas.openxmlformats.org/officeDocument/2006/relationships" xmlns:p="http://schemas.openxmlformats.org/presentationml/2006/main">
   <p:cSld>
     <p:spTree>
@@ -8840,94 +8602,6 @@
           <a:chExt cx="0" cy="0"/>
         </a:xfrm>
       </p:grpSpPr>
-      <p:pic>
-        <p:nvPicPr>
-          <p:cNvPr id="8" name="Picture 7"/>
-          <p:cNvPicPr>
-            <a:picLocks noChangeAspect="1"/>
-          </p:cNvPicPr>
-          <p:nvPr/>
-        </p:nvPicPr>
-        <p:blipFill>
-          <a:blip r:embed="rId2"/>
-          <a:stretch>
-            <a:fillRect/>
-          </a:stretch>
-        </p:blipFill>
-        <p:spPr>
-          <a:xfrm>
-            <a:off x="1619250" y="1708004"/>
-            <a:ext cx="8839200" cy="4902200"/>
-          </a:xfrm>
-          <a:prstGeom prst="rect">
-            <a:avLst/>
-          </a:prstGeom>
-        </p:spPr>
-      </p:pic>
-      <p:sp>
-        <p:nvSpPr>
-          <p:cNvPr id="2" name="Title 1"/>
-          <p:cNvSpPr>
-            <a:spLocks noGrp="1"/>
-          </p:cNvSpPr>
-          <p:nvPr>
-            <p:ph type="title"/>
-          </p:nvPr>
-        </p:nvSpPr>
-        <p:spPr/>
-        <p:txBody>
-          <a:bodyPr/>
-          <a:lstStyle/>
-          <a:p>
-            <a:r>
-              <a:rPr lang="en-US" dirty="0"/>
-              <a:t>p</a:t>
-            </a:r>
-            <a:r>
-              <a:rPr lang="en-US" dirty="0" smtClean="0"/>
-              <a:t>rerequisites</a:t>
-            </a:r>
-            <a:endParaRPr lang="en-US" dirty="0"/>
-          </a:p>
-        </p:txBody>
-      </p:sp>
-    </p:spTree>
-    <p:extLst>
-      <p:ext uri="{BB962C8B-B14F-4D97-AF65-F5344CB8AC3E}">
-        <p14:creationId xmlns:p14="http://schemas.microsoft.com/office/powerpoint/2010/main" val="1374431568"/>
-      </p:ext>
-    </p:extLst>
-  </p:cSld>
-  <p:clrMapOvr>
-    <a:masterClrMapping/>
-  </p:clrMapOvr>
-  <p:timing>
-    <p:tnLst>
-      <p:par>
-        <p:cTn id="1" dur="indefinite" restart="never" nodeType="tmRoot"/>
-      </p:par>
-    </p:tnLst>
-  </p:timing>
-</p:sld>
-</file>
-
-<file path=ppt/slides/slide30.xml><?xml version="1.0" encoding="utf-8"?>
-<p:sld xmlns:a="http://schemas.openxmlformats.org/drawingml/2006/main" xmlns:r="http://schemas.openxmlformats.org/officeDocument/2006/relationships" xmlns:p="http://schemas.openxmlformats.org/presentationml/2006/main">
-  <p:cSld>
-    <p:spTree>
-      <p:nvGrpSpPr>
-        <p:cNvPr id="1" name=""/>
-        <p:cNvGrpSpPr/>
-        <p:nvPr/>
-      </p:nvGrpSpPr>
-      <p:grpSpPr>
-        <a:xfrm>
-          <a:off x="0" y="0"/>
-          <a:ext cx="0" cy="0"/>
-          <a:chOff x="0" y="0"/>
-          <a:chExt cx="0" cy="0"/>
-        </a:xfrm>
-      </p:grpSpPr>
       <p:sp>
         <p:nvSpPr>
           <p:cNvPr id="2" name="Title 1"/>
@@ -8961,12 +8635,7 @@
             <p:ph type="body" idx="1"/>
           </p:nvPr>
         </p:nvSpPr>
-        <p:spPr>
-          <a:xfrm>
-            <a:off x="4047215" y="3914964"/>
-            <a:ext cx="7300235" cy="1295021"/>
-          </a:xfrm>
-        </p:spPr>
+        <p:spPr/>
         <p:txBody>
           <a:bodyPr/>
           <a:lstStyle/>
@@ -8977,13 +8646,8 @@
             </a:r>
             <a:r>
               <a:rPr lang="en-US" dirty="0" smtClean="0"/>
-              <a:t>f you need the feature, someone else </a:t>
-            </a:r>
-            <a:r>
-              <a:rPr lang="en-US" smtClean="0"/>
-              <a:t>does too!</a:t>
-            </a:r>
-            <a:endParaRPr lang="en-US" dirty="0" smtClean="0"/>
+              <a:t>f you need the feature, someone else does too!</a:t>
+            </a:r>
           </a:p>
         </p:txBody>
       </p:sp>
@@ -9142,7 +8806,7 @@
 </p:sld>
 </file>
 
-<file path=ppt/slides/slide31.xml><?xml version="1.0" encoding="utf-8"?>
+<file path=ppt/slides/slide28.xml><?xml version="1.0" encoding="utf-8"?>
 <p:sld xmlns:a="http://schemas.openxmlformats.org/drawingml/2006/main" xmlns:r="http://schemas.openxmlformats.org/officeDocument/2006/relationships" xmlns:p="http://schemas.openxmlformats.org/presentationml/2006/main">
   <p:cSld>
     <p:spTree>
@@ -9224,7 +8888,7 @@
 </p:sld>
 </file>
 
-<file path=ppt/slides/slide4.xml><?xml version="1.0" encoding="utf-8"?>
+<file path=ppt/slides/slide3.xml><?xml version="1.0" encoding="utf-8"?>
 <p:sld xmlns:a="http://schemas.openxmlformats.org/drawingml/2006/main" xmlns:r="http://schemas.openxmlformats.org/officeDocument/2006/relationships" xmlns:p="http://schemas.openxmlformats.org/presentationml/2006/main">
   <p:cSld>
     <p:spTree>
@@ -9243,22 +8907,28 @@
       </p:grpSpPr>
       <p:pic>
         <p:nvPicPr>
-          <p:cNvPr id="9" name="Picture 8"/>
+          <p:cNvPr id="8" name="Picture 7"/>
           <p:cNvPicPr>
             <a:picLocks noChangeAspect="1"/>
           </p:cNvPicPr>
           <p:nvPr/>
         </p:nvPicPr>
         <p:blipFill>
-          <a:blip r:embed="rId2"/>
+          <a:blip r:embed="rId3">
+            <a:extLst>
+              <a:ext uri="{28A0092B-C50C-407E-A947-70E740481C1C}">
+                <a14:useLocalDpi xmlns:a14="http://schemas.microsoft.com/office/drawing/2010/main" val="0"/>
+              </a:ext>
+            </a:extLst>
+          </a:blip>
           <a:stretch>
             <a:fillRect/>
           </a:stretch>
         </p:blipFill>
         <p:spPr>
           <a:xfrm>
-            <a:off x="1676400" y="1684742"/>
-            <a:ext cx="8782050" cy="4806950"/>
+            <a:off x="120509" y="1894916"/>
+            <a:ext cx="7588471" cy="4590030"/>
           </a:xfrm>
           <a:prstGeom prst="rect">
             <a:avLst/>
@@ -9292,574 +8962,441 @@
           </a:p>
         </p:txBody>
       </p:sp>
-    </p:spTree>
-    <p:extLst>
-      <p:ext uri="{BB962C8B-B14F-4D97-AF65-F5344CB8AC3E}">
-        <p14:creationId xmlns:p14="http://schemas.microsoft.com/office/powerpoint/2010/main" val="491615203"/>
-      </p:ext>
-    </p:extLst>
-  </p:cSld>
-  <p:clrMapOvr>
-    <a:masterClrMapping/>
-  </p:clrMapOvr>
-  <p:timing>
-    <p:tnLst>
-      <p:par>
-        <p:cTn id="1" dur="indefinite" restart="never" nodeType="tmRoot"/>
-      </p:par>
-    </p:tnLst>
-  </p:timing>
-</p:sld>
-</file>
-
-<file path=ppt/slides/slide5.xml><?xml version="1.0" encoding="utf-8"?>
-<p:sld xmlns:a="http://schemas.openxmlformats.org/drawingml/2006/main" xmlns:r="http://schemas.openxmlformats.org/officeDocument/2006/relationships" xmlns:p="http://schemas.openxmlformats.org/presentationml/2006/main">
-  <p:cSld>
-    <p:spTree>
-      <p:nvGrpSpPr>
-        <p:cNvPr id="1" name=""/>
-        <p:cNvGrpSpPr/>
-        <p:nvPr/>
-      </p:nvGrpSpPr>
-      <p:grpSpPr>
-        <a:xfrm>
-          <a:off x="0" y="0"/>
-          <a:ext cx="0" cy="0"/>
-          <a:chOff x="0" y="0"/>
-          <a:chExt cx="0" cy="0"/>
-        </a:xfrm>
-      </p:grpSpPr>
-      <p:pic>
-        <p:nvPicPr>
-          <p:cNvPr id="9" name="Picture 8"/>
-          <p:cNvPicPr>
-            <a:picLocks noChangeAspect="1"/>
-          </p:cNvPicPr>
+      <p:sp>
+        <p:nvSpPr>
+          <p:cNvPr id="3" name="Oval 2"/>
+          <p:cNvSpPr/>
           <p:nvPr/>
-        </p:nvPicPr>
-        <p:blipFill>
-          <a:blip r:embed="rId2"/>
-          <a:stretch>
-            <a:fillRect/>
-          </a:stretch>
-        </p:blipFill>
+        </p:nvSpPr>
         <p:spPr>
           <a:xfrm>
-            <a:off x="-414793" y="1690688"/>
-            <a:ext cx="8782050" cy="4806950"/>
+            <a:off x="1542552" y="4324412"/>
+            <a:ext cx="302149" cy="302149"/>
+          </a:xfrm>
+          <a:prstGeom prst="ellipse">
+            <a:avLst/>
+          </a:prstGeom>
+          <a:solidFill>
+            <a:schemeClr val="accent6"/>
+          </a:solidFill>
+          <a:ln>
+            <a:noFill/>
+          </a:ln>
+        </p:spPr>
+        <p:style>
+          <a:lnRef idx="2">
+            <a:schemeClr val="accent1">
+              <a:shade val="50000"/>
+            </a:schemeClr>
+          </a:lnRef>
+          <a:fillRef idx="1">
+            <a:schemeClr val="accent1"/>
+          </a:fillRef>
+          <a:effectRef idx="0">
+            <a:schemeClr val="accent1"/>
+          </a:effectRef>
+          <a:fontRef idx="minor">
+            <a:schemeClr val="lt1"/>
+          </a:fontRef>
+        </p:style>
+        <p:txBody>
+          <a:bodyPr rtlCol="0" anchor="ctr"/>
+          <a:lstStyle/>
+          <a:p>
+            <a:pPr algn="ctr"/>
+            <a:r>
+              <a:rPr lang="en-US" dirty="0" smtClean="0"/>
+              <a:t>1</a:t>
+            </a:r>
+            <a:endParaRPr lang="en-US" dirty="0"/>
+          </a:p>
+        </p:txBody>
+      </p:sp>
+      <p:sp>
+        <p:nvSpPr>
+          <p:cNvPr id="10" name="Oval 9"/>
+          <p:cNvSpPr/>
+          <p:nvPr/>
+        </p:nvSpPr>
+        <p:spPr>
+          <a:xfrm>
+            <a:off x="7914033" y="2093699"/>
+            <a:ext cx="302149" cy="302149"/>
+          </a:xfrm>
+          <a:prstGeom prst="ellipse">
+            <a:avLst/>
+          </a:prstGeom>
+          <a:solidFill>
+            <a:schemeClr val="accent6"/>
+          </a:solidFill>
+          <a:ln>
+            <a:noFill/>
+          </a:ln>
+        </p:spPr>
+        <p:style>
+          <a:lnRef idx="2">
+            <a:schemeClr val="accent1">
+              <a:shade val="50000"/>
+            </a:schemeClr>
+          </a:lnRef>
+          <a:fillRef idx="1">
+            <a:schemeClr val="accent1"/>
+          </a:fillRef>
+          <a:effectRef idx="0">
+            <a:schemeClr val="accent1"/>
+          </a:effectRef>
+          <a:fontRef idx="minor">
+            <a:schemeClr val="lt1"/>
+          </a:fontRef>
+        </p:style>
+        <p:txBody>
+          <a:bodyPr rtlCol="0" anchor="ctr"/>
+          <a:lstStyle/>
+          <a:p>
+            <a:pPr algn="ctr"/>
+            <a:r>
+              <a:rPr lang="en-US" sz="1600" dirty="0" smtClean="0"/>
+              <a:t>1</a:t>
+            </a:r>
+            <a:endParaRPr lang="en-US" sz="1600" dirty="0"/>
+          </a:p>
+        </p:txBody>
+      </p:sp>
+      <p:sp>
+        <p:nvSpPr>
+          <p:cNvPr id="4" name="TextBox 3"/>
+          <p:cNvSpPr txBox="1"/>
+          <p:nvPr/>
+        </p:nvSpPr>
+        <p:spPr>
+          <a:xfrm>
+            <a:off x="8216181" y="1959427"/>
+            <a:ext cx="3575603" cy="1200329"/>
           </a:xfrm>
           <a:prstGeom prst="rect">
             <a:avLst/>
           </a:prstGeom>
+          <a:noFill/>
         </p:spPr>
-      </p:pic>
-      <p:sp>
-        <p:nvSpPr>
-          <p:cNvPr id="2" name="Title 1"/>
-          <p:cNvSpPr>
-            <a:spLocks noGrp="1"/>
-          </p:cNvSpPr>
-          <p:nvPr>
-            <p:ph type="title"/>
-          </p:nvPr>
-        </p:nvSpPr>
-        <p:spPr/>
-        <p:txBody>
-          <a:bodyPr/>
-          <a:lstStyle/>
-          <a:p>
-            <a:r>
-              <a:rPr lang="en-US" dirty="0"/>
-              <a:t>p</a:t>
-            </a:r>
-            <a:r>
-              <a:rPr lang="en-US" dirty="0" smtClean="0"/>
-              <a:t>rerequisites</a:t>
-            </a:r>
-            <a:endParaRPr lang="en-US" dirty="0"/>
-          </a:p>
-        </p:txBody>
-      </p:sp>
-      <p:grpSp>
-        <p:nvGrpSpPr>
-          <p:cNvPr id="5" name="Group 4"/>
-          <p:cNvGrpSpPr/>
-          <p:nvPr/>
-        </p:nvGrpSpPr>
-        <p:grpSpPr>
-          <a:xfrm>
-            <a:off x="1391478" y="1609570"/>
-            <a:ext cx="10400306" cy="2127543"/>
-            <a:chOff x="1391478" y="1609570"/>
-            <a:chExt cx="10400306" cy="2127543"/>
-          </a:xfrm>
-        </p:grpSpPr>
-        <p:sp>
-          <p:nvSpPr>
-            <p:cNvPr id="3" name="Oval 2"/>
-            <p:cNvSpPr/>
-            <p:nvPr/>
-          </p:nvSpPr>
-          <p:spPr>
-            <a:xfrm>
-              <a:off x="1391478" y="3434964"/>
-              <a:ext cx="302149" cy="302149"/>
-            </a:xfrm>
-            <a:prstGeom prst="ellipse">
-              <a:avLst/>
-            </a:prstGeom>
-            <a:solidFill>
-              <a:schemeClr val="accent6"/>
-            </a:solidFill>
-            <a:ln>
-              <a:noFill/>
-            </a:ln>
-          </p:spPr>
-          <p:style>
-            <a:lnRef idx="2">
-              <a:schemeClr val="accent1">
-                <a:shade val="50000"/>
-              </a:schemeClr>
-            </a:lnRef>
-            <a:fillRef idx="1">
-              <a:schemeClr val="accent1"/>
-            </a:fillRef>
-            <a:effectRef idx="0">
-              <a:schemeClr val="accent1"/>
-            </a:effectRef>
-            <a:fontRef idx="minor">
-              <a:schemeClr val="lt1"/>
-            </a:fontRef>
-          </p:style>
-          <p:txBody>
-            <a:bodyPr rtlCol="0" anchor="ctr"/>
-            <a:lstStyle/>
-            <a:p>
-              <a:pPr algn="ctr"/>
-              <a:r>
-                <a:rPr lang="en-US" dirty="0" smtClean="0"/>
-                <a:t>1</a:t>
-              </a:r>
-              <a:endParaRPr lang="en-US" dirty="0"/>
-            </a:p>
-          </p:txBody>
-        </p:sp>
-        <p:sp>
-          <p:nvSpPr>
-            <p:cNvPr id="10" name="Oval 9"/>
-            <p:cNvSpPr/>
-            <p:nvPr/>
-          </p:nvSpPr>
-          <p:spPr>
-            <a:xfrm>
-              <a:off x="7914033" y="1743842"/>
-              <a:ext cx="302149" cy="302149"/>
-            </a:xfrm>
-            <a:prstGeom prst="ellipse">
-              <a:avLst/>
-            </a:prstGeom>
-            <a:solidFill>
-              <a:schemeClr val="accent6"/>
-            </a:solidFill>
-            <a:ln>
-              <a:noFill/>
-            </a:ln>
-          </p:spPr>
-          <p:style>
-            <a:lnRef idx="2">
-              <a:schemeClr val="accent1">
-                <a:shade val="50000"/>
-              </a:schemeClr>
-            </a:lnRef>
-            <a:fillRef idx="1">
-              <a:schemeClr val="accent1"/>
-            </a:fillRef>
-            <a:effectRef idx="0">
-              <a:schemeClr val="accent1"/>
-            </a:effectRef>
-            <a:fontRef idx="minor">
-              <a:schemeClr val="lt1"/>
-            </a:fontRef>
-          </p:style>
-          <p:txBody>
-            <a:bodyPr rtlCol="0" anchor="ctr"/>
-            <a:lstStyle/>
-            <a:p>
-              <a:pPr algn="ctr"/>
-              <a:r>
-                <a:rPr lang="en-US" dirty="0" smtClean="0"/>
-                <a:t>1</a:t>
-              </a:r>
-              <a:endParaRPr lang="en-US" dirty="0"/>
-            </a:p>
-          </p:txBody>
-        </p:sp>
-        <p:sp>
-          <p:nvSpPr>
-            <p:cNvPr id="4" name="TextBox 3"/>
-            <p:cNvSpPr txBox="1"/>
-            <p:nvPr/>
-          </p:nvSpPr>
-          <p:spPr>
-            <a:xfrm>
-              <a:off x="8216181" y="1609570"/>
-              <a:ext cx="3575603" cy="1354217"/>
-            </a:xfrm>
-            <a:prstGeom prst="rect">
-              <a:avLst/>
-            </a:prstGeom>
-            <a:noFill/>
-          </p:spPr>
-          <p:txBody>
-            <a:bodyPr wrap="square" rtlCol="0">
-              <a:spAutoFit/>
-            </a:bodyPr>
-            <a:lstStyle/>
-            <a:p>
-              <a:r>
-                <a:rPr lang="en-US" sz="2800" dirty="0" smtClean="0">
-                  <a:solidFill>
-                    <a:schemeClr val="accent6"/>
-                  </a:solidFill>
-                </a:rPr>
-                <a:t>Yeoman</a:t>
-              </a:r>
-              <a:endParaRPr lang="en-US" dirty="0" smtClean="0">
+        <p:txBody>
+          <a:bodyPr wrap="square" rtlCol="0">
+            <a:spAutoFit/>
+          </a:bodyPr>
+          <a:lstStyle/>
+          <a:p>
+            <a:r>
+              <a:rPr lang="en-US" sz="2400" dirty="0" smtClean="0">
                 <a:solidFill>
                   <a:schemeClr val="accent6"/>
                 </a:solidFill>
-              </a:endParaRPr>
-            </a:p>
-            <a:p>
-              <a:r>
-                <a:rPr lang="en-US" dirty="0" smtClean="0"/>
-                <a:t>Project scaffolding tool with a rich open-source library of templates useful for developers</a:t>
-              </a:r>
-              <a:endParaRPr lang="en-US" dirty="0"/>
-            </a:p>
-          </p:txBody>
-        </p:sp>
-      </p:grpSp>
-      <p:grpSp>
-        <p:nvGrpSpPr>
-          <p:cNvPr id="15" name="Group 14"/>
-          <p:cNvGrpSpPr/>
+              </a:rPr>
+              <a:t>Yeoman</a:t>
+            </a:r>
+            <a:endParaRPr lang="en-US" sz="1600" dirty="0" smtClean="0">
+              <a:solidFill>
+                <a:schemeClr val="accent6"/>
+              </a:solidFill>
+            </a:endParaRPr>
+          </a:p>
+          <a:p>
+            <a:r>
+              <a:rPr lang="en-US" sz="1600" dirty="0" smtClean="0"/>
+              <a:t>Project scaffolding tool with a rich open-source library of templates useful for developers</a:t>
+            </a:r>
+            <a:endParaRPr lang="en-US" sz="1600" dirty="0"/>
+          </a:p>
+        </p:txBody>
+      </p:sp>
+      <p:sp>
+        <p:nvSpPr>
+          <p:cNvPr id="6" name="Oval 5"/>
+          <p:cNvSpPr/>
           <p:nvPr/>
-        </p:nvGrpSpPr>
-        <p:grpSpPr>
+        </p:nvSpPr>
+        <p:spPr>
           <a:xfrm>
-            <a:off x="2633207" y="2529841"/>
-            <a:ext cx="9031354" cy="2010281"/>
-            <a:chOff x="2633207" y="2529841"/>
-            <a:chExt cx="9031354" cy="2010281"/>
+            <a:off x="2529840" y="2995580"/>
+            <a:ext cx="302149" cy="302149"/>
           </a:xfrm>
-        </p:grpSpPr>
-        <p:sp>
-          <p:nvSpPr>
-            <p:cNvPr id="6" name="Oval 5"/>
-            <p:cNvSpPr/>
-            <p:nvPr/>
-          </p:nvSpPr>
-          <p:spPr>
-            <a:xfrm>
-              <a:off x="2633207" y="2529841"/>
-              <a:ext cx="302149" cy="302149"/>
-            </a:xfrm>
-            <a:prstGeom prst="ellipse">
-              <a:avLst/>
-            </a:prstGeom>
-            <a:solidFill>
-              <a:schemeClr val="accent6"/>
-            </a:solidFill>
-            <a:ln>
-              <a:noFill/>
-            </a:ln>
-          </p:spPr>
-          <p:style>
-            <a:lnRef idx="2">
-              <a:schemeClr val="accent1">
-                <a:shade val="50000"/>
-              </a:schemeClr>
-            </a:lnRef>
-            <a:fillRef idx="1">
-              <a:schemeClr val="accent1"/>
-            </a:fillRef>
-            <a:effectRef idx="0">
-              <a:schemeClr val="accent1"/>
-            </a:effectRef>
-            <a:fontRef idx="minor">
-              <a:schemeClr val="lt1"/>
-            </a:fontRef>
-          </p:style>
-          <p:txBody>
-            <a:bodyPr rtlCol="0" anchor="ctr"/>
-            <a:lstStyle/>
-            <a:p>
-              <a:pPr algn="ctr"/>
-              <a:r>
-                <a:rPr lang="en-US" dirty="0" smtClean="0"/>
-                <a:t>2</a:t>
-              </a:r>
-              <a:endParaRPr lang="en-US" dirty="0"/>
-            </a:p>
-          </p:txBody>
-        </p:sp>
-        <p:sp>
-          <p:nvSpPr>
-            <p:cNvPr id="11" name="Oval 10"/>
-            <p:cNvSpPr/>
-            <p:nvPr/>
-          </p:nvSpPr>
-          <p:spPr>
-            <a:xfrm>
-              <a:off x="7914032" y="3297729"/>
-              <a:ext cx="302149" cy="302149"/>
-            </a:xfrm>
-            <a:prstGeom prst="ellipse">
-              <a:avLst/>
-            </a:prstGeom>
-            <a:solidFill>
-              <a:schemeClr val="accent6"/>
-            </a:solidFill>
-            <a:ln>
-              <a:noFill/>
-            </a:ln>
-          </p:spPr>
-          <p:style>
-            <a:lnRef idx="2">
-              <a:schemeClr val="accent1">
-                <a:shade val="50000"/>
-              </a:schemeClr>
-            </a:lnRef>
-            <a:fillRef idx="1">
-              <a:schemeClr val="accent1"/>
-            </a:fillRef>
-            <a:effectRef idx="0">
-              <a:schemeClr val="accent1"/>
-            </a:effectRef>
-            <a:fontRef idx="minor">
-              <a:schemeClr val="lt1"/>
-            </a:fontRef>
-          </p:style>
-          <p:txBody>
-            <a:bodyPr rtlCol="0" anchor="ctr"/>
-            <a:lstStyle/>
-            <a:p>
-              <a:pPr algn="ctr"/>
-              <a:r>
-                <a:rPr lang="en-US" dirty="0" smtClean="0"/>
-                <a:t>2</a:t>
-              </a:r>
-              <a:endParaRPr lang="en-US" dirty="0"/>
-            </a:p>
-          </p:txBody>
-        </p:sp>
-        <p:sp>
-          <p:nvSpPr>
-            <p:cNvPr id="13" name="TextBox 12"/>
-            <p:cNvSpPr txBox="1"/>
-            <p:nvPr/>
-          </p:nvSpPr>
-          <p:spPr>
-            <a:xfrm>
-              <a:off x="8216180" y="3185905"/>
-              <a:ext cx="3448381" cy="1354217"/>
-            </a:xfrm>
-            <a:prstGeom prst="rect">
-              <a:avLst/>
-            </a:prstGeom>
+          <a:prstGeom prst="ellipse">
+            <a:avLst/>
+          </a:prstGeom>
+          <a:solidFill>
+            <a:schemeClr val="accent6"/>
+          </a:solidFill>
+          <a:ln>
             <a:noFill/>
-          </p:spPr>
-          <p:txBody>
-            <a:bodyPr wrap="square" rtlCol="0">
-              <a:spAutoFit/>
-            </a:bodyPr>
-            <a:lstStyle/>
-            <a:p>
-              <a:r>
-                <a:rPr lang="en-US" sz="2800" dirty="0" smtClean="0">
-                  <a:solidFill>
-                    <a:schemeClr val="accent6"/>
-                  </a:solidFill>
-                </a:rPr>
-                <a:t>VS Code Scaffold</a:t>
-              </a:r>
-              <a:br>
-                <a:rPr lang="en-US" sz="2800" dirty="0" smtClean="0">
-                  <a:solidFill>
-                    <a:schemeClr val="accent6"/>
-                  </a:solidFill>
-                </a:rPr>
-              </a:br>
-              <a:r>
-                <a:rPr lang="en-US" dirty="0" smtClean="0"/>
-                <a:t>A Yeoman template containing boilerplate code to get you started with a new extension</a:t>
-              </a:r>
-              <a:endParaRPr lang="en-US" dirty="0"/>
-            </a:p>
-          </p:txBody>
-        </p:sp>
-      </p:grpSp>
-      <p:grpSp>
-        <p:nvGrpSpPr>
-          <p:cNvPr id="16" name="Group 15"/>
-          <p:cNvGrpSpPr/>
+          </a:ln>
+        </p:spPr>
+        <p:style>
+          <a:lnRef idx="2">
+            <a:schemeClr val="accent1">
+              <a:shade val="50000"/>
+            </a:schemeClr>
+          </a:lnRef>
+          <a:fillRef idx="1">
+            <a:schemeClr val="accent1"/>
+          </a:fillRef>
+          <a:effectRef idx="0">
+            <a:schemeClr val="accent1"/>
+          </a:effectRef>
+          <a:fontRef idx="minor">
+            <a:schemeClr val="lt1"/>
+          </a:fontRef>
+        </p:style>
+        <p:txBody>
+          <a:bodyPr rtlCol="0" anchor="ctr"/>
+          <a:lstStyle/>
+          <a:p>
+            <a:pPr algn="ctr"/>
+            <a:r>
+              <a:rPr lang="en-US" dirty="0" smtClean="0"/>
+              <a:t>2</a:t>
+            </a:r>
+            <a:endParaRPr lang="en-US" dirty="0"/>
+          </a:p>
+        </p:txBody>
+      </p:sp>
+      <p:sp>
+        <p:nvSpPr>
+          <p:cNvPr id="11" name="Oval 10"/>
+          <p:cNvSpPr/>
           <p:nvPr/>
-        </p:nvGrpSpPr>
-        <p:grpSpPr>
+        </p:nvSpPr>
+        <p:spPr>
           <a:xfrm>
-            <a:off x="1693627" y="3132815"/>
-            <a:ext cx="9970934" cy="3015468"/>
-            <a:chOff x="1693627" y="3132815"/>
-            <a:chExt cx="9970934" cy="3015468"/>
+            <a:off x="7914032" y="3544219"/>
+            <a:ext cx="302149" cy="302149"/>
           </a:xfrm>
-        </p:grpSpPr>
-        <p:sp>
-          <p:nvSpPr>
-            <p:cNvPr id="7" name="Oval 6"/>
-            <p:cNvSpPr/>
-            <p:nvPr/>
-          </p:nvSpPr>
-          <p:spPr>
-            <a:xfrm>
-              <a:off x="1693627" y="3132815"/>
-              <a:ext cx="302149" cy="302149"/>
-            </a:xfrm>
-            <a:prstGeom prst="ellipse">
-              <a:avLst/>
-            </a:prstGeom>
-            <a:solidFill>
-              <a:schemeClr val="accent6"/>
-            </a:solidFill>
-            <a:ln>
-              <a:noFill/>
-            </a:ln>
-          </p:spPr>
-          <p:style>
-            <a:lnRef idx="2">
-              <a:schemeClr val="accent1">
-                <a:shade val="50000"/>
-              </a:schemeClr>
-            </a:lnRef>
-            <a:fillRef idx="1">
-              <a:schemeClr val="accent1"/>
-            </a:fillRef>
-            <a:effectRef idx="0">
-              <a:schemeClr val="accent1"/>
-            </a:effectRef>
-            <a:fontRef idx="minor">
-              <a:schemeClr val="lt1"/>
-            </a:fontRef>
-          </p:style>
-          <p:txBody>
-            <a:bodyPr rtlCol="0" anchor="ctr"/>
-            <a:lstStyle/>
-            <a:p>
-              <a:pPr algn="ctr"/>
-              <a:r>
-                <a:rPr lang="en-US" dirty="0" smtClean="0"/>
-                <a:t>3</a:t>
-              </a:r>
-              <a:endParaRPr lang="en-US" dirty="0"/>
-            </a:p>
-          </p:txBody>
-        </p:sp>
-        <p:sp>
-          <p:nvSpPr>
-            <p:cNvPr id="12" name="Oval 11"/>
-            <p:cNvSpPr/>
-            <p:nvPr/>
-          </p:nvSpPr>
-          <p:spPr>
-            <a:xfrm>
-              <a:off x="7914032" y="4923182"/>
-              <a:ext cx="302149" cy="302149"/>
-            </a:xfrm>
-            <a:prstGeom prst="ellipse">
-              <a:avLst/>
-            </a:prstGeom>
-            <a:solidFill>
-              <a:schemeClr val="accent6"/>
-            </a:solidFill>
-            <a:ln>
-              <a:noFill/>
-            </a:ln>
-          </p:spPr>
-          <p:style>
-            <a:lnRef idx="2">
-              <a:schemeClr val="accent1">
-                <a:shade val="50000"/>
-              </a:schemeClr>
-            </a:lnRef>
-            <a:fillRef idx="1">
-              <a:schemeClr val="accent1"/>
-            </a:fillRef>
-            <a:effectRef idx="0">
-              <a:schemeClr val="accent1"/>
-            </a:effectRef>
-            <a:fontRef idx="minor">
-              <a:schemeClr val="lt1"/>
-            </a:fontRef>
-          </p:style>
-          <p:txBody>
-            <a:bodyPr rtlCol="0" anchor="ctr"/>
-            <a:lstStyle/>
-            <a:p>
-              <a:pPr algn="ctr"/>
-              <a:r>
-                <a:rPr lang="en-US" dirty="0" smtClean="0"/>
-                <a:t>3</a:t>
-              </a:r>
-              <a:endParaRPr lang="en-US" dirty="0"/>
-            </a:p>
-          </p:txBody>
-        </p:sp>
-        <p:sp>
-          <p:nvSpPr>
-            <p:cNvPr id="14" name="TextBox 13"/>
-            <p:cNvSpPr txBox="1"/>
-            <p:nvPr/>
-          </p:nvSpPr>
-          <p:spPr>
-            <a:xfrm>
-              <a:off x="8216180" y="4794066"/>
-              <a:ext cx="3448381" cy="1354217"/>
-            </a:xfrm>
-            <a:prstGeom prst="rect">
-              <a:avLst/>
-            </a:prstGeom>
+          <a:prstGeom prst="ellipse">
+            <a:avLst/>
+          </a:prstGeom>
+          <a:solidFill>
+            <a:schemeClr val="accent6"/>
+          </a:solidFill>
+          <a:ln>
             <a:noFill/>
-          </p:spPr>
-          <p:txBody>
-            <a:bodyPr wrap="square" rtlCol="0">
-              <a:spAutoFit/>
-            </a:bodyPr>
-            <a:lstStyle/>
-            <a:p>
-              <a:r>
-                <a:rPr lang="en-US" sz="2800" dirty="0" smtClean="0">
-                  <a:solidFill>
-                    <a:schemeClr val="accent6"/>
-                  </a:solidFill>
-                </a:rPr>
-                <a:t>VSCE</a:t>
-              </a:r>
-              <a:br>
-                <a:rPr lang="en-US" sz="2800" dirty="0" smtClean="0">
-                  <a:solidFill>
-                    <a:schemeClr val="accent6"/>
-                  </a:solidFill>
-                </a:rPr>
-              </a:br>
-              <a:r>
-                <a:rPr lang="en-US" dirty="0" smtClean="0"/>
-                <a:t>Used to package up VS Code extensions for publication in the marketplace</a:t>
-              </a:r>
-              <a:endParaRPr lang="en-US" dirty="0"/>
-            </a:p>
-          </p:txBody>
-        </p:sp>
-      </p:grpSp>
+          </a:ln>
+        </p:spPr>
+        <p:style>
+          <a:lnRef idx="2">
+            <a:schemeClr val="accent1">
+              <a:shade val="50000"/>
+            </a:schemeClr>
+          </a:lnRef>
+          <a:fillRef idx="1">
+            <a:schemeClr val="accent1"/>
+          </a:fillRef>
+          <a:effectRef idx="0">
+            <a:schemeClr val="accent1"/>
+          </a:effectRef>
+          <a:fontRef idx="minor">
+            <a:schemeClr val="lt1"/>
+          </a:fontRef>
+        </p:style>
+        <p:txBody>
+          <a:bodyPr rtlCol="0" anchor="ctr"/>
+          <a:lstStyle/>
+          <a:p>
+            <a:pPr algn="ctr"/>
+            <a:r>
+              <a:rPr lang="en-US" sz="1600" dirty="0" smtClean="0"/>
+              <a:t>2</a:t>
+            </a:r>
+            <a:endParaRPr lang="en-US" sz="1600" dirty="0"/>
+          </a:p>
+        </p:txBody>
+      </p:sp>
+      <p:sp>
+        <p:nvSpPr>
+          <p:cNvPr id="13" name="TextBox 12"/>
+          <p:cNvSpPr txBox="1"/>
+          <p:nvPr/>
+        </p:nvSpPr>
+        <p:spPr>
+          <a:xfrm>
+            <a:off x="8216180" y="3432395"/>
+            <a:ext cx="3448381" cy="1200329"/>
+          </a:xfrm>
+          <a:prstGeom prst="rect">
+            <a:avLst/>
+          </a:prstGeom>
+          <a:noFill/>
+        </p:spPr>
+        <p:txBody>
+          <a:bodyPr wrap="square" rtlCol="0">
+            <a:spAutoFit/>
+          </a:bodyPr>
+          <a:lstStyle/>
+          <a:p>
+            <a:r>
+              <a:rPr lang="en-US" sz="2400" dirty="0" smtClean="0">
+                <a:solidFill>
+                  <a:schemeClr val="accent6"/>
+                </a:solidFill>
+              </a:rPr>
+              <a:t>VS Code Scaffold</a:t>
+            </a:r>
+            <a:br>
+              <a:rPr lang="en-US" sz="2400" dirty="0" smtClean="0">
+                <a:solidFill>
+                  <a:schemeClr val="accent6"/>
+                </a:solidFill>
+              </a:rPr>
+            </a:br>
+            <a:r>
+              <a:rPr lang="en-US" sz="1600" dirty="0" smtClean="0"/>
+              <a:t>A Yeoman template containing boilerplate code to get you started with a new extension</a:t>
+            </a:r>
+            <a:endParaRPr lang="en-US" sz="1600" dirty="0"/>
+          </a:p>
+        </p:txBody>
+      </p:sp>
+      <p:sp>
+        <p:nvSpPr>
+          <p:cNvPr id="7" name="Oval 6"/>
+          <p:cNvSpPr/>
+          <p:nvPr/>
+        </p:nvSpPr>
+        <p:spPr>
+          <a:xfrm>
+            <a:off x="1796153" y="4038856"/>
+            <a:ext cx="302149" cy="302149"/>
+          </a:xfrm>
+          <a:prstGeom prst="ellipse">
+            <a:avLst/>
+          </a:prstGeom>
+          <a:solidFill>
+            <a:schemeClr val="accent6"/>
+          </a:solidFill>
+          <a:ln>
+            <a:noFill/>
+          </a:ln>
+        </p:spPr>
+        <p:style>
+          <a:lnRef idx="2">
+            <a:schemeClr val="accent1">
+              <a:shade val="50000"/>
+            </a:schemeClr>
+          </a:lnRef>
+          <a:fillRef idx="1">
+            <a:schemeClr val="accent1"/>
+          </a:fillRef>
+          <a:effectRef idx="0">
+            <a:schemeClr val="accent1"/>
+          </a:effectRef>
+          <a:fontRef idx="minor">
+            <a:schemeClr val="lt1"/>
+          </a:fontRef>
+        </p:style>
+        <p:txBody>
+          <a:bodyPr rtlCol="0" anchor="ctr"/>
+          <a:lstStyle/>
+          <a:p>
+            <a:pPr algn="ctr"/>
+            <a:r>
+              <a:rPr lang="en-US" dirty="0" smtClean="0"/>
+              <a:t>3</a:t>
+            </a:r>
+            <a:endParaRPr lang="en-US" dirty="0"/>
+          </a:p>
+        </p:txBody>
+      </p:sp>
+      <p:sp>
+        <p:nvSpPr>
+          <p:cNvPr id="12" name="Oval 11"/>
+          <p:cNvSpPr/>
+          <p:nvPr/>
+        </p:nvSpPr>
+        <p:spPr>
+          <a:xfrm>
+            <a:off x="7914032" y="4923182"/>
+            <a:ext cx="302149" cy="302149"/>
+          </a:xfrm>
+          <a:prstGeom prst="ellipse">
+            <a:avLst/>
+          </a:prstGeom>
+          <a:solidFill>
+            <a:schemeClr val="accent6"/>
+          </a:solidFill>
+          <a:ln>
+            <a:noFill/>
+          </a:ln>
+        </p:spPr>
+        <p:style>
+          <a:lnRef idx="2">
+            <a:schemeClr val="accent1">
+              <a:shade val="50000"/>
+            </a:schemeClr>
+          </a:lnRef>
+          <a:fillRef idx="1">
+            <a:schemeClr val="accent1"/>
+          </a:fillRef>
+          <a:effectRef idx="0">
+            <a:schemeClr val="accent1"/>
+          </a:effectRef>
+          <a:fontRef idx="minor">
+            <a:schemeClr val="lt1"/>
+          </a:fontRef>
+        </p:style>
+        <p:txBody>
+          <a:bodyPr rtlCol="0" anchor="ctr"/>
+          <a:lstStyle/>
+          <a:p>
+            <a:pPr algn="ctr"/>
+            <a:r>
+              <a:rPr lang="en-US" sz="1600" dirty="0" smtClean="0"/>
+              <a:t>3</a:t>
+            </a:r>
+            <a:endParaRPr lang="en-US" sz="1600" dirty="0"/>
+          </a:p>
+        </p:txBody>
+      </p:sp>
+      <p:sp>
+        <p:nvSpPr>
+          <p:cNvPr id="14" name="TextBox 13"/>
+          <p:cNvSpPr txBox="1"/>
+          <p:nvPr/>
+        </p:nvSpPr>
+        <p:spPr>
+          <a:xfrm>
+            <a:off x="8216180" y="4794066"/>
+            <a:ext cx="3448381" cy="1200329"/>
+          </a:xfrm>
+          <a:prstGeom prst="rect">
+            <a:avLst/>
+          </a:prstGeom>
+          <a:noFill/>
+        </p:spPr>
+        <p:txBody>
+          <a:bodyPr wrap="square" rtlCol="0">
+            <a:spAutoFit/>
+          </a:bodyPr>
+          <a:lstStyle/>
+          <a:p>
+            <a:r>
+              <a:rPr lang="en-US" sz="2400" dirty="0" smtClean="0">
+                <a:solidFill>
+                  <a:schemeClr val="accent6"/>
+                </a:solidFill>
+              </a:rPr>
+              <a:t>VSCE</a:t>
+            </a:r>
+            <a:br>
+              <a:rPr lang="en-US" sz="2400" dirty="0" smtClean="0">
+                <a:solidFill>
+                  <a:schemeClr val="accent6"/>
+                </a:solidFill>
+              </a:rPr>
+            </a:br>
+            <a:r>
+              <a:rPr lang="en-US" sz="1600" dirty="0" smtClean="0"/>
+              <a:t>Used to package up VS Code extensions for publication in the marketplace</a:t>
+            </a:r>
+            <a:endParaRPr lang="en-US" sz="1600" dirty="0"/>
+          </a:p>
+        </p:txBody>
+      </p:sp>
     </p:spTree>
     <p:extLst>
       <p:ext uri="{BB962C8B-B14F-4D97-AF65-F5344CB8AC3E}">
@@ -9870,14 +9407,14 @@
   <p:clrMapOvr>
     <a:masterClrMapping/>
   </p:clrMapOvr>
-  <mc:AlternateContent xmlns:mc="http://schemas.openxmlformats.org/markup-compatibility/2006" xmlns:p159="http://schemas.microsoft.com/office/powerpoint/2015/09/main">
-    <mc:Choice Requires="p159">
-      <p:transition spd="slow">
-        <p159:morph option="byObject"/>
+  <mc:AlternateContent xmlns:mc="http://schemas.openxmlformats.org/markup-compatibility/2006" xmlns:p14="http://schemas.microsoft.com/office/powerpoint/2010/main">
+    <mc:Choice Requires="p14">
+      <p:transition spd="med" p14:dur="700">
+        <p:fade/>
       </p:transition>
     </mc:Choice>
     <mc:Fallback xmlns="">
-      <p:transition spd="slow">
+      <p:transition spd="med">
         <p:fade/>
       </p:transition>
     </mc:Fallback>
@@ -9894,9 +9431,6 @@
                     <p:cTn id="3" fill="hold">
                       <p:stCondLst>
                         <p:cond delay="indefinite"/>
-                        <p:cond evt="onBegin" delay="0">
-                          <p:tn val="2"/>
-                        </p:cond>
                       </p:stCondLst>
                       <p:childTnLst>
                         <p:par>
@@ -9906,7 +9440,7 @@
                             </p:stCondLst>
                             <p:childTnLst>
                               <p:par>
-                                <p:cTn id="5" presetID="10" presetClass="entr" presetSubtype="0" fill="hold" nodeType="afterEffect">
+                                <p:cTn id="5" presetID="10" presetClass="entr" presetSubtype="0" fill="hold" grpId="0" nodeType="clickEffect">
                                   <p:stCondLst>
                                     <p:cond delay="0"/>
                                   </p:stCondLst>
@@ -9919,7 +9453,7 @@
                                           </p:stCondLst>
                                         </p:cTn>
                                         <p:tgtEl>
-                                          <p:spTgt spid="5"/>
+                                          <p:spTgt spid="3"/>
                                         </p:tgtEl>
                                         <p:attrNameLst>
                                           <p:attrName>style.visibility</p:attrName>
@@ -9933,7 +9467,77 @@
                                       <p:cBhvr>
                                         <p:cTn id="7" dur="500"/>
                                         <p:tgtEl>
-                                          <p:spTgt spid="5"/>
+                                          <p:spTgt spid="3"/>
+                                        </p:tgtEl>
+                                      </p:cBhvr>
+                                    </p:animEffect>
+                                  </p:childTnLst>
+                                </p:cTn>
+                              </p:par>
+                              <p:par>
+                                <p:cTn id="8" presetID="10" presetClass="entr" presetSubtype="0" fill="hold" grpId="0" nodeType="withEffect">
+                                  <p:stCondLst>
+                                    <p:cond delay="0"/>
+                                  </p:stCondLst>
+                                  <p:childTnLst>
+                                    <p:set>
+                                      <p:cBhvr>
+                                        <p:cTn id="9" dur="1" fill="hold">
+                                          <p:stCondLst>
+                                            <p:cond delay="0"/>
+                                          </p:stCondLst>
+                                        </p:cTn>
+                                        <p:tgtEl>
+                                          <p:spTgt spid="10"/>
+                                        </p:tgtEl>
+                                        <p:attrNameLst>
+                                          <p:attrName>style.visibility</p:attrName>
+                                        </p:attrNameLst>
+                                      </p:cBhvr>
+                                      <p:to>
+                                        <p:strVal val="visible"/>
+                                      </p:to>
+                                    </p:set>
+                                    <p:animEffect transition="in" filter="fade">
+                                      <p:cBhvr>
+                                        <p:cTn id="10" dur="500"/>
+                                        <p:tgtEl>
+                                          <p:spTgt spid="10"/>
+                                        </p:tgtEl>
+                                      </p:cBhvr>
+                                    </p:animEffect>
+                                  </p:childTnLst>
+                                </p:cTn>
+                              </p:par>
+                              <p:par>
+                                <p:cTn id="11" presetID="10" presetClass="entr" presetSubtype="0" fill="hold" grpId="0" nodeType="withEffect">
+                                  <p:stCondLst>
+                                    <p:cond delay="0"/>
+                                  </p:stCondLst>
+                                  <p:childTnLst>
+                                    <p:set>
+                                      <p:cBhvr>
+                                        <p:cTn id="12" dur="1" fill="hold">
+                                          <p:stCondLst>
+                                            <p:cond delay="0"/>
+                                          </p:stCondLst>
+                                        </p:cTn>
+                                        <p:tgtEl>
+                                          <p:spTgt spid="4"/>
+                                        </p:tgtEl>
+                                        <p:attrNameLst>
+                                          <p:attrName>style.visibility</p:attrName>
+                                        </p:attrNameLst>
+                                      </p:cBhvr>
+                                      <p:to>
+                                        <p:strVal val="visible"/>
+                                      </p:to>
+                                    </p:set>
+                                    <p:animEffect transition="in" filter="fade">
+                                      <p:cBhvr>
+                                        <p:cTn id="13" dur="500"/>
+                                        <p:tgtEl>
+                                          <p:spTgt spid="4"/>
                                         </p:tgtEl>
                                       </p:cBhvr>
                                     </p:animEffect>
@@ -9947,32 +9551,32 @@
                     </p:cTn>
                   </p:par>
                   <p:par>
-                    <p:cTn id="8" fill="hold">
+                    <p:cTn id="14" fill="hold">
                       <p:stCondLst>
                         <p:cond delay="indefinite"/>
                       </p:stCondLst>
                       <p:childTnLst>
                         <p:par>
-                          <p:cTn id="9" fill="hold">
+                          <p:cTn id="15" fill="hold">
                             <p:stCondLst>
                               <p:cond delay="0"/>
                             </p:stCondLst>
                             <p:childTnLst>
                               <p:par>
-                                <p:cTn id="10" presetID="10" presetClass="entr" presetSubtype="0" fill="hold" nodeType="clickEffect">
+                                <p:cTn id="16" presetID="10" presetClass="entr" presetSubtype="0" fill="hold" grpId="0" nodeType="clickEffect">
                                   <p:stCondLst>
                                     <p:cond delay="0"/>
                                   </p:stCondLst>
                                   <p:childTnLst>
                                     <p:set>
                                       <p:cBhvr>
-                                        <p:cTn id="11" dur="1" fill="hold">
+                                        <p:cTn id="17" dur="1" fill="hold">
                                           <p:stCondLst>
                                             <p:cond delay="0"/>
                                           </p:stCondLst>
                                         </p:cTn>
                                         <p:tgtEl>
-                                          <p:spTgt spid="15"/>
+                                          <p:spTgt spid="6"/>
                                         </p:tgtEl>
                                         <p:attrNameLst>
                                           <p:attrName>style.visibility</p:attrName>
@@ -9984,9 +9588,79 @@
                                     </p:set>
                                     <p:animEffect transition="in" filter="fade">
                                       <p:cBhvr>
-                                        <p:cTn id="12" dur="500"/>
+                                        <p:cTn id="18" dur="500"/>
                                         <p:tgtEl>
-                                          <p:spTgt spid="15"/>
+                                          <p:spTgt spid="6"/>
+                                        </p:tgtEl>
+                                      </p:cBhvr>
+                                    </p:animEffect>
+                                  </p:childTnLst>
+                                </p:cTn>
+                              </p:par>
+                              <p:par>
+                                <p:cTn id="19" presetID="10" presetClass="entr" presetSubtype="0" fill="hold" grpId="0" nodeType="withEffect">
+                                  <p:stCondLst>
+                                    <p:cond delay="0"/>
+                                  </p:stCondLst>
+                                  <p:childTnLst>
+                                    <p:set>
+                                      <p:cBhvr>
+                                        <p:cTn id="20" dur="1" fill="hold">
+                                          <p:stCondLst>
+                                            <p:cond delay="0"/>
+                                          </p:stCondLst>
+                                        </p:cTn>
+                                        <p:tgtEl>
+                                          <p:spTgt spid="11"/>
+                                        </p:tgtEl>
+                                        <p:attrNameLst>
+                                          <p:attrName>style.visibility</p:attrName>
+                                        </p:attrNameLst>
+                                      </p:cBhvr>
+                                      <p:to>
+                                        <p:strVal val="visible"/>
+                                      </p:to>
+                                    </p:set>
+                                    <p:animEffect transition="in" filter="fade">
+                                      <p:cBhvr>
+                                        <p:cTn id="21" dur="500"/>
+                                        <p:tgtEl>
+                                          <p:spTgt spid="11"/>
+                                        </p:tgtEl>
+                                      </p:cBhvr>
+                                    </p:animEffect>
+                                  </p:childTnLst>
+                                </p:cTn>
+                              </p:par>
+                              <p:par>
+                                <p:cTn id="22" presetID="10" presetClass="entr" presetSubtype="0" fill="hold" grpId="0" nodeType="withEffect">
+                                  <p:stCondLst>
+                                    <p:cond delay="0"/>
+                                  </p:stCondLst>
+                                  <p:childTnLst>
+                                    <p:set>
+                                      <p:cBhvr>
+                                        <p:cTn id="23" dur="1" fill="hold">
+                                          <p:stCondLst>
+                                            <p:cond delay="0"/>
+                                          </p:stCondLst>
+                                        </p:cTn>
+                                        <p:tgtEl>
+                                          <p:spTgt spid="13"/>
+                                        </p:tgtEl>
+                                        <p:attrNameLst>
+                                          <p:attrName>style.visibility</p:attrName>
+                                        </p:attrNameLst>
+                                      </p:cBhvr>
+                                      <p:to>
+                                        <p:strVal val="visible"/>
+                                      </p:to>
+                                    </p:set>
+                                    <p:animEffect transition="in" filter="fade">
+                                      <p:cBhvr>
+                                        <p:cTn id="24" dur="500"/>
+                                        <p:tgtEl>
+                                          <p:spTgt spid="13"/>
                                         </p:tgtEl>
                                       </p:cBhvr>
                                     </p:animEffect>
@@ -10000,32 +9674,32 @@
                     </p:cTn>
                   </p:par>
                   <p:par>
-                    <p:cTn id="13" fill="hold">
+                    <p:cTn id="25" fill="hold">
                       <p:stCondLst>
                         <p:cond delay="indefinite"/>
                       </p:stCondLst>
                       <p:childTnLst>
                         <p:par>
-                          <p:cTn id="14" fill="hold">
+                          <p:cTn id="26" fill="hold">
                             <p:stCondLst>
                               <p:cond delay="0"/>
                             </p:stCondLst>
                             <p:childTnLst>
                               <p:par>
-                                <p:cTn id="15" presetID="10" presetClass="entr" presetSubtype="0" fill="hold" nodeType="clickEffect">
+                                <p:cTn id="27" presetID="10" presetClass="entr" presetSubtype="0" fill="hold" grpId="0" nodeType="clickEffect">
                                   <p:stCondLst>
                                     <p:cond delay="0"/>
                                   </p:stCondLst>
                                   <p:childTnLst>
                                     <p:set>
                                       <p:cBhvr>
-                                        <p:cTn id="16" dur="1" fill="hold">
+                                        <p:cTn id="28" dur="1" fill="hold">
                                           <p:stCondLst>
                                             <p:cond delay="0"/>
                                           </p:stCondLst>
                                         </p:cTn>
                                         <p:tgtEl>
-                                          <p:spTgt spid="16"/>
+                                          <p:spTgt spid="7"/>
                                         </p:tgtEl>
                                         <p:attrNameLst>
                                           <p:attrName>style.visibility</p:attrName>
@@ -10037,9 +9711,79 @@
                                     </p:set>
                                     <p:animEffect transition="in" filter="fade">
                                       <p:cBhvr>
-                                        <p:cTn id="17" dur="500"/>
+                                        <p:cTn id="29" dur="500"/>
                                         <p:tgtEl>
-                                          <p:spTgt spid="16"/>
+                                          <p:spTgt spid="7"/>
+                                        </p:tgtEl>
+                                      </p:cBhvr>
+                                    </p:animEffect>
+                                  </p:childTnLst>
+                                </p:cTn>
+                              </p:par>
+                              <p:par>
+                                <p:cTn id="30" presetID="10" presetClass="entr" presetSubtype="0" fill="hold" grpId="0" nodeType="withEffect">
+                                  <p:stCondLst>
+                                    <p:cond delay="0"/>
+                                  </p:stCondLst>
+                                  <p:childTnLst>
+                                    <p:set>
+                                      <p:cBhvr>
+                                        <p:cTn id="31" dur="1" fill="hold">
+                                          <p:stCondLst>
+                                            <p:cond delay="0"/>
+                                          </p:stCondLst>
+                                        </p:cTn>
+                                        <p:tgtEl>
+                                          <p:spTgt spid="12"/>
+                                        </p:tgtEl>
+                                        <p:attrNameLst>
+                                          <p:attrName>style.visibility</p:attrName>
+                                        </p:attrNameLst>
+                                      </p:cBhvr>
+                                      <p:to>
+                                        <p:strVal val="visible"/>
+                                      </p:to>
+                                    </p:set>
+                                    <p:animEffect transition="in" filter="fade">
+                                      <p:cBhvr>
+                                        <p:cTn id="32" dur="500"/>
+                                        <p:tgtEl>
+                                          <p:spTgt spid="12"/>
+                                        </p:tgtEl>
+                                      </p:cBhvr>
+                                    </p:animEffect>
+                                  </p:childTnLst>
+                                </p:cTn>
+                              </p:par>
+                              <p:par>
+                                <p:cTn id="33" presetID="10" presetClass="entr" presetSubtype="0" fill="hold" grpId="0" nodeType="withEffect">
+                                  <p:stCondLst>
+                                    <p:cond delay="0"/>
+                                  </p:stCondLst>
+                                  <p:childTnLst>
+                                    <p:set>
+                                      <p:cBhvr>
+                                        <p:cTn id="34" dur="1" fill="hold">
+                                          <p:stCondLst>
+                                            <p:cond delay="0"/>
+                                          </p:stCondLst>
+                                        </p:cTn>
+                                        <p:tgtEl>
+                                          <p:spTgt spid="14"/>
+                                        </p:tgtEl>
+                                        <p:attrNameLst>
+                                          <p:attrName>style.visibility</p:attrName>
+                                        </p:attrNameLst>
+                                      </p:cBhvr>
+                                      <p:to>
+                                        <p:strVal val="visible"/>
+                                      </p:to>
+                                    </p:set>
+                                    <p:animEffect transition="in" filter="fade">
+                                      <p:cBhvr>
+                                        <p:cTn id="35" dur="500"/>
+                                        <p:tgtEl>
+                                          <p:spTgt spid="14"/>
                                         </p:tgtEl>
                                       </p:cBhvr>
                                     </p:animEffect>
@@ -10073,100 +9817,22 @@
         </p:cTn>
       </p:par>
     </p:tnLst>
+    <p:bldLst>
+      <p:bldP spid="3" grpId="0" animBg="1"/>
+      <p:bldP spid="10" grpId="0" animBg="1"/>
+      <p:bldP spid="4" grpId="0"/>
+      <p:bldP spid="6" grpId="0" animBg="1"/>
+      <p:bldP spid="11" grpId="0" animBg="1"/>
+      <p:bldP spid="13" grpId="0"/>
+      <p:bldP spid="7" grpId="0" animBg="1"/>
+      <p:bldP spid="12" grpId="0" animBg="1"/>
+      <p:bldP spid="14" grpId="0"/>
+    </p:bldLst>
   </p:timing>
 </p:sld>
 </file>
 
-<file path=ppt/slides/slide6.xml><?xml version="1.0" encoding="utf-8"?>
-<p:sld xmlns:a="http://schemas.openxmlformats.org/drawingml/2006/main" xmlns:r="http://schemas.openxmlformats.org/officeDocument/2006/relationships" xmlns:p="http://schemas.openxmlformats.org/presentationml/2006/main">
-  <p:cSld>
-    <p:spTree>
-      <p:nvGrpSpPr>
-        <p:cNvPr id="1" name=""/>
-        <p:cNvGrpSpPr/>
-        <p:nvPr/>
-      </p:nvGrpSpPr>
-      <p:grpSpPr>
-        <a:xfrm>
-          <a:off x="0" y="0"/>
-          <a:ext cx="0" cy="0"/>
-          <a:chOff x="0" y="0"/>
-          <a:chExt cx="0" cy="0"/>
-        </a:xfrm>
-      </p:grpSpPr>
-      <p:sp>
-        <p:nvSpPr>
-          <p:cNvPr id="4" name="Title 3"/>
-          <p:cNvSpPr>
-            <a:spLocks noGrp="1"/>
-          </p:cNvSpPr>
-          <p:nvPr>
-            <p:ph type="title"/>
-          </p:nvPr>
-        </p:nvSpPr>
-        <p:spPr/>
-        <p:txBody>
-          <a:bodyPr/>
-          <a:lstStyle/>
-          <a:p>
-            <a:r>
-              <a:rPr lang="en-US" dirty="0" err="1" smtClean="0"/>
-              <a:t>yo</a:t>
-            </a:r>
-            <a:r>
-              <a:rPr lang="en-US" dirty="0" smtClean="0"/>
-              <a:t> code</a:t>
-            </a:r>
-            <a:endParaRPr lang="en-US" dirty="0"/>
-          </a:p>
-        </p:txBody>
-      </p:sp>
-      <p:sp>
-        <p:nvSpPr>
-          <p:cNvPr id="5" name="Text Placeholder 4"/>
-          <p:cNvSpPr>
-            <a:spLocks noGrp="1"/>
-          </p:cNvSpPr>
-          <p:nvPr>
-            <p:ph type="body" idx="1"/>
-          </p:nvPr>
-        </p:nvSpPr>
-        <p:spPr/>
-        <p:txBody>
-          <a:bodyPr/>
-          <a:lstStyle/>
-          <a:p>
-            <a:r>
-              <a:rPr lang="en-US" dirty="0" smtClean="0"/>
-              <a:t>Using the yeoman vs code extension generator</a:t>
-            </a:r>
-          </a:p>
-        </p:txBody>
-      </p:sp>
-    </p:spTree>
-    <p:extLst>
-      <p:ext uri="{BB962C8B-B14F-4D97-AF65-F5344CB8AC3E}">
-        <p14:creationId xmlns:p14="http://schemas.microsoft.com/office/powerpoint/2010/main" val="1950136308"/>
-      </p:ext>
-    </p:extLst>
-  </p:cSld>
-  <p:clrMapOvr>
-    <a:masterClrMapping/>
-  </p:clrMapOvr>
-  <p:transition spd="slow">
-    <p:push/>
-  </p:transition>
-  <p:timing>
-    <p:tnLst>
-      <p:par>
-        <p:cTn id="1" dur="indefinite" restart="never" nodeType="tmRoot"/>
-      </p:par>
-    </p:tnLst>
-  </p:timing>
-</p:sld>
-</file>
-
-<file path=ppt/slides/slide7.xml><?xml version="1.0" encoding="utf-8"?>
+<file path=ppt/slides/slide4.xml><?xml version="1.0" encoding="utf-8"?>
 <p:sld xmlns:a="http://schemas.openxmlformats.org/drawingml/2006/main" xmlns:r="http://schemas.openxmlformats.org/officeDocument/2006/relationships" xmlns:p="http://schemas.openxmlformats.org/presentationml/2006/main">
   <p:cSld>
     <p:spTree>
@@ -10185,22 +9851,28 @@
       </p:grpSpPr>
       <p:pic>
         <p:nvPicPr>
-          <p:cNvPr id="8" name="Picture 7"/>
+          <p:cNvPr id="3" name="Picture 2"/>
           <p:cNvPicPr>
             <a:picLocks noChangeAspect="1"/>
           </p:cNvPicPr>
           <p:nvPr/>
         </p:nvPicPr>
         <p:blipFill>
-          <a:blip r:embed="rId2"/>
+          <a:blip r:embed="rId2">
+            <a:extLst>
+              <a:ext uri="{28A0092B-C50C-407E-A947-70E740481C1C}">
+                <a14:useLocalDpi xmlns:a14="http://schemas.microsoft.com/office/drawing/2010/main" val="0"/>
+              </a:ext>
+            </a:extLst>
+          </a:blip>
           <a:stretch>
             <a:fillRect/>
           </a:stretch>
         </p:blipFill>
         <p:spPr>
           <a:xfrm>
-            <a:off x="508550" y="1722492"/>
-            <a:ext cx="8153400" cy="4743450"/>
+            <a:off x="2531993" y="1853754"/>
+            <a:ext cx="7442445" cy="4501703"/>
           </a:xfrm>
           <a:prstGeom prst="rect">
             <a:avLst/>
@@ -10286,14 +9958,9 @@
   <p:clrMapOvr>
     <a:masterClrMapping/>
   </p:clrMapOvr>
-  <mc:AlternateContent xmlns:mc="http://schemas.openxmlformats.org/markup-compatibility/2006" xmlns:p14="http://schemas.microsoft.com/office/powerpoint/2010/main">
-    <mc:Choice Requires="p14">
-      <p:transition p14:dur="0"/>
-    </mc:Choice>
-    <mc:Fallback xmlns="">
-      <p:transition/>
-    </mc:Fallback>
-  </mc:AlternateContent>
+  <p:transition spd="slow">
+    <p:push dir="u"/>
+  </p:transition>
   <p:timing>
     <p:tnLst>
       <p:par>
@@ -10418,7 +10085,7 @@
 </p:sld>
 </file>
 
-<file path=ppt/slides/slide8.xml><?xml version="1.0" encoding="utf-8"?>
+<file path=ppt/slides/slide5.xml><?xml version="1.0" encoding="utf-8"?>
 <p:sld xmlns:a="http://schemas.openxmlformats.org/drawingml/2006/main" xmlns:r="http://schemas.openxmlformats.org/officeDocument/2006/relationships" xmlns:p="http://schemas.openxmlformats.org/presentationml/2006/main">
   <p:cSld>
     <p:spTree>
@@ -10437,22 +10104,28 @@
       </p:grpSpPr>
       <p:pic>
         <p:nvPicPr>
-          <p:cNvPr id="8" name="Picture 7"/>
+          <p:cNvPr id="5" name="Picture 4"/>
           <p:cNvPicPr>
             <a:picLocks noChangeAspect="1"/>
           </p:cNvPicPr>
           <p:nvPr/>
         </p:nvPicPr>
         <p:blipFill>
-          <a:blip r:embed="rId2"/>
+          <a:blip r:embed="rId2">
+            <a:extLst>
+              <a:ext uri="{28A0092B-C50C-407E-A947-70E740481C1C}">
+                <a14:useLocalDpi xmlns:a14="http://schemas.microsoft.com/office/drawing/2010/main" val="0"/>
+              </a:ext>
+            </a:extLst>
+          </a:blip>
           <a:stretch>
             <a:fillRect/>
           </a:stretch>
         </p:blipFill>
         <p:spPr>
           <a:xfrm>
-            <a:off x="508550" y="1722492"/>
-            <a:ext cx="8153400" cy="4743450"/>
+            <a:off x="2531993" y="1853754"/>
+            <a:ext cx="7442445" cy="4501703"/>
           </a:xfrm>
           <a:prstGeom prst="rect">
             <a:avLst/>
@@ -10670,7 +10343,7 @@
 </p:sld>
 </file>
 
-<file path=ppt/slides/slide9.xml><?xml version="1.0" encoding="utf-8"?>
+<file path=ppt/slides/slide6.xml><?xml version="1.0" encoding="utf-8"?>
 <p:sld xmlns:a="http://schemas.openxmlformats.org/drawingml/2006/main" xmlns:r="http://schemas.openxmlformats.org/officeDocument/2006/relationships" xmlns:p="http://schemas.openxmlformats.org/presentationml/2006/main">
   <p:cSld>
     <p:spTree>
@@ -10704,7 +10377,15 @@
           <a:p>
             <a:r>
               <a:rPr lang="en-US" dirty="0" smtClean="0"/>
-              <a:t>demo - snippets</a:t>
+              <a:t>demo </a:t>
+            </a:r>
+            <a:r>
+              <a:rPr lang="mr-IN" dirty="0" smtClean="0"/>
+              <a:t>–</a:t>
+            </a:r>
+            <a:r>
+              <a:rPr lang="en-US" dirty="0" smtClean="0"/>
+              <a:t> Scaffold the Extension</a:t>
             </a:r>
             <a:endParaRPr lang="en-US" dirty="0"/>
           </a:p>
@@ -10727,7 +10408,15 @@
           <a:p>
             <a:r>
               <a:rPr lang="en-US" dirty="0" smtClean="0"/>
-              <a:t>authoring custom snippets that are distributed with your extension</a:t>
+              <a:t>create the extension’s skeleton using the </a:t>
+            </a:r>
+            <a:r>
+              <a:rPr lang="en-US" dirty="0" err="1" smtClean="0"/>
+              <a:t>yo</a:t>
+            </a:r>
+            <a:r>
+              <a:rPr lang="en-US" dirty="0" smtClean="0"/>
+              <a:t> generator</a:t>
             </a:r>
           </a:p>
         </p:txBody>
@@ -10755,10 +10444,265 @@
 </p:sld>
 </file>
 
+<file path=ppt/slides/slide7.xml><?xml version="1.0" encoding="utf-8"?>
+<p:sld xmlns:a="http://schemas.openxmlformats.org/drawingml/2006/main" xmlns:r="http://schemas.openxmlformats.org/officeDocument/2006/relationships" xmlns:p="http://schemas.openxmlformats.org/presentationml/2006/main">
+  <p:cSld>
+    <p:spTree>
+      <p:nvGrpSpPr>
+        <p:cNvPr id="1" name=""/>
+        <p:cNvGrpSpPr/>
+        <p:nvPr/>
+      </p:nvGrpSpPr>
+      <p:grpSpPr>
+        <a:xfrm>
+          <a:off x="0" y="0"/>
+          <a:ext cx="0" cy="0"/>
+          <a:chOff x="0" y="0"/>
+          <a:chExt cx="0" cy="0"/>
+        </a:xfrm>
+      </p:grpSpPr>
+      <p:sp>
+        <p:nvSpPr>
+          <p:cNvPr id="4" name="Title 3"/>
+          <p:cNvSpPr>
+            <a:spLocks noGrp="1"/>
+          </p:cNvSpPr>
+          <p:nvPr>
+            <p:ph type="title"/>
+          </p:nvPr>
+        </p:nvSpPr>
+        <p:spPr/>
+        <p:txBody>
+          <a:bodyPr/>
+          <a:lstStyle/>
+          <a:p>
+            <a:r>
+              <a:rPr lang="en-US" dirty="0" smtClean="0"/>
+              <a:t>demo - snippets</a:t>
+            </a:r>
+            <a:endParaRPr lang="en-US" dirty="0"/>
+          </a:p>
+        </p:txBody>
+      </p:sp>
+      <p:sp>
+        <p:nvSpPr>
+          <p:cNvPr id="5" name="Text Placeholder 4"/>
+          <p:cNvSpPr>
+            <a:spLocks noGrp="1"/>
+          </p:cNvSpPr>
+          <p:nvPr>
+            <p:ph type="body" idx="1"/>
+          </p:nvPr>
+        </p:nvSpPr>
+        <p:spPr/>
+        <p:txBody>
+          <a:bodyPr/>
+          <a:lstStyle/>
+          <a:p>
+            <a:r>
+              <a:rPr lang="en-US" dirty="0" smtClean="0"/>
+              <a:t>authoring custom snippets that are distributed with your extension</a:t>
+            </a:r>
+          </a:p>
+        </p:txBody>
+      </p:sp>
+    </p:spTree>
+    <p:extLst>
+      <p:ext uri="{BB962C8B-B14F-4D97-AF65-F5344CB8AC3E}">
+        <p14:creationId xmlns:p14="http://schemas.microsoft.com/office/powerpoint/2010/main" val="346723964"/>
+      </p:ext>
+    </p:extLst>
+  </p:cSld>
+  <p:clrMapOvr>
+    <a:masterClrMapping/>
+  </p:clrMapOvr>
+  <p:transition spd="slow">
+    <p:push/>
+  </p:transition>
+  <p:timing>
+    <p:tnLst>
+      <p:par>
+        <p:cTn id="1" dur="indefinite" restart="never" nodeType="tmRoot"/>
+      </p:par>
+    </p:tnLst>
+  </p:timing>
+</p:sld>
+</file>
+
+<file path=ppt/slides/slide8.xml><?xml version="1.0" encoding="utf-8"?>
+<p:sld xmlns:a="http://schemas.openxmlformats.org/drawingml/2006/main" xmlns:r="http://schemas.openxmlformats.org/officeDocument/2006/relationships" xmlns:p="http://schemas.openxmlformats.org/presentationml/2006/main">
+  <p:cSld>
+    <p:spTree>
+      <p:nvGrpSpPr>
+        <p:cNvPr id="1" name=""/>
+        <p:cNvGrpSpPr/>
+        <p:nvPr/>
+      </p:nvGrpSpPr>
+      <p:grpSpPr>
+        <a:xfrm>
+          <a:off x="0" y="0"/>
+          <a:ext cx="0" cy="0"/>
+          <a:chOff x="0" y="0"/>
+          <a:chExt cx="0" cy="0"/>
+        </a:xfrm>
+      </p:grpSpPr>
+      <p:sp>
+        <p:nvSpPr>
+          <p:cNvPr id="4" name="Title 3"/>
+          <p:cNvSpPr>
+            <a:spLocks noGrp="1"/>
+          </p:cNvSpPr>
+          <p:nvPr>
+            <p:ph type="title"/>
+          </p:nvPr>
+        </p:nvSpPr>
+        <p:spPr/>
+        <p:txBody>
+          <a:bodyPr/>
+          <a:lstStyle/>
+          <a:p>
+            <a:r>
+              <a:rPr lang="en-US" dirty="0" smtClean="0"/>
+              <a:t>demo - contributions</a:t>
+            </a:r>
+            <a:endParaRPr lang="en-US" dirty="0"/>
+          </a:p>
+        </p:txBody>
+      </p:sp>
+      <p:sp>
+        <p:nvSpPr>
+          <p:cNvPr id="5" name="Text Placeholder 4"/>
+          <p:cNvSpPr>
+            <a:spLocks noGrp="1"/>
+          </p:cNvSpPr>
+          <p:nvPr>
+            <p:ph type="body" idx="1"/>
+          </p:nvPr>
+        </p:nvSpPr>
+        <p:spPr/>
+        <p:txBody>
+          <a:bodyPr/>
+          <a:lstStyle/>
+          <a:p>
+            <a:r>
+              <a:rPr lang="en-US" dirty="0" smtClean="0"/>
+              <a:t>my extension contributes a new snippet to the product</a:t>
+            </a:r>
+          </a:p>
+        </p:txBody>
+      </p:sp>
+    </p:spTree>
+    <p:extLst>
+      <p:ext uri="{BB962C8B-B14F-4D97-AF65-F5344CB8AC3E}">
+        <p14:creationId xmlns:p14="http://schemas.microsoft.com/office/powerpoint/2010/main" val="1415727568"/>
+      </p:ext>
+    </p:extLst>
+  </p:cSld>
+  <p:clrMapOvr>
+    <a:masterClrMapping/>
+  </p:clrMapOvr>
+  <p:transition spd="slow">
+    <p:push/>
+  </p:transition>
+  <p:timing>
+    <p:tnLst>
+      <p:par>
+        <p:cTn id="1" dur="indefinite" restart="never" nodeType="tmRoot"/>
+      </p:par>
+    </p:tnLst>
+  </p:timing>
+</p:sld>
+</file>
+
+<file path=ppt/slides/slide9.xml><?xml version="1.0" encoding="utf-8"?>
+<p:sld xmlns:a="http://schemas.openxmlformats.org/drawingml/2006/main" xmlns:r="http://schemas.openxmlformats.org/officeDocument/2006/relationships" xmlns:p="http://schemas.openxmlformats.org/presentationml/2006/main">
+  <p:cSld>
+    <p:spTree>
+      <p:nvGrpSpPr>
+        <p:cNvPr id="1" name=""/>
+        <p:cNvGrpSpPr/>
+        <p:nvPr/>
+      </p:nvGrpSpPr>
+      <p:grpSpPr>
+        <a:xfrm>
+          <a:off x="0" y="0"/>
+          <a:ext cx="0" cy="0"/>
+          <a:chOff x="0" y="0"/>
+          <a:chExt cx="0" cy="0"/>
+        </a:xfrm>
+      </p:grpSpPr>
+      <p:sp>
+        <p:nvSpPr>
+          <p:cNvPr id="4" name="Title 3"/>
+          <p:cNvSpPr>
+            <a:spLocks noGrp="1"/>
+          </p:cNvSpPr>
+          <p:nvPr>
+            <p:ph type="title"/>
+          </p:nvPr>
+        </p:nvSpPr>
+        <p:spPr/>
+        <p:txBody>
+          <a:bodyPr/>
+          <a:lstStyle/>
+          <a:p>
+            <a:r>
+              <a:rPr lang="en-US" dirty="0" smtClean="0"/>
+              <a:t>commands</a:t>
+            </a:r>
+            <a:endParaRPr lang="en-US" dirty="0"/>
+          </a:p>
+        </p:txBody>
+      </p:sp>
+      <p:sp>
+        <p:nvSpPr>
+          <p:cNvPr id="5" name="Text Placeholder 4"/>
+          <p:cNvSpPr>
+            <a:spLocks noGrp="1"/>
+          </p:cNvSpPr>
+          <p:nvPr>
+            <p:ph type="body" idx="1"/>
+          </p:nvPr>
+        </p:nvSpPr>
+        <p:spPr/>
+        <p:txBody>
+          <a:bodyPr/>
+          <a:lstStyle/>
+          <a:p>
+            <a:r>
+              <a:rPr lang="en-US" dirty="0" smtClean="0"/>
+              <a:t>how vs code extensions know when and how to respond</a:t>
+            </a:r>
+          </a:p>
+        </p:txBody>
+      </p:sp>
+    </p:spTree>
+    <p:extLst>
+      <p:ext uri="{BB962C8B-B14F-4D97-AF65-F5344CB8AC3E}">
+        <p14:creationId xmlns:p14="http://schemas.microsoft.com/office/powerpoint/2010/main" val="244165674"/>
+      </p:ext>
+    </p:extLst>
+  </p:cSld>
+  <p:clrMapOvr>
+    <a:masterClrMapping/>
+  </p:clrMapOvr>
+  <p:transition spd="slow">
+    <p:push dir="u"/>
+  </p:transition>
+  <p:timing>
+    <p:tnLst>
+      <p:par>
+        <p:cTn id="1" dur="indefinite" restart="never" nodeType="tmRoot"/>
+      </p:par>
+    </p:tnLst>
+  </p:timing>
+</p:sld>
+</file>
+
 <file path=ppt/theme/theme1.xml><?xml version="1.0" encoding="utf-8"?>
-<a:theme xmlns:a="http://schemas.openxmlformats.org/drawingml/2006/main" name="Office Theme">
+<a:theme xmlns:a="http://schemas.openxmlformats.org/drawingml/2006/main" name="Gallery">
   <a:themeElements>
-    <a:clrScheme name="Office">
+    <a:clrScheme name="Gallery">
       <a:dk1>
         <a:sysClr val="windowText" lastClr="000000"/>
       </a:dk1>
@@ -10766,44 +10710,44 @@
         <a:sysClr val="window" lastClr="FFFFFF"/>
       </a:lt1>
       <a:dk2>
-        <a:srgbClr val="44546A"/>
+        <a:srgbClr val="454545"/>
       </a:dk2>
       <a:lt2>
-        <a:srgbClr val="E7E6E6"/>
+        <a:srgbClr val="DFDBD5"/>
       </a:lt2>
       <a:accent1>
-        <a:srgbClr val="4472C4"/>
+        <a:srgbClr val="B71E42"/>
       </a:accent1>
       <a:accent2>
-        <a:srgbClr val="ED7D31"/>
+        <a:srgbClr val="DE478E"/>
       </a:accent2>
       <a:accent3>
-        <a:srgbClr val="A5A5A5"/>
+        <a:srgbClr val="BC72F0"/>
       </a:accent3>
       <a:accent4>
-        <a:srgbClr val="FFC000"/>
+        <a:srgbClr val="795FAF"/>
       </a:accent4>
       <a:accent5>
-        <a:srgbClr val="5B9BD5"/>
+        <a:srgbClr val="586EA6"/>
       </a:accent5>
       <a:accent6>
-        <a:srgbClr val="70AD47"/>
+        <a:srgbClr val="6892A0"/>
       </a:accent6>
       <a:hlink>
-        <a:srgbClr val="0563C1"/>
+        <a:srgbClr val="FA2B5C"/>
       </a:hlink>
       <a:folHlink>
-        <a:srgbClr val="954F72"/>
+        <a:srgbClr val="BC658E"/>
       </a:folHlink>
     </a:clrScheme>
-    <a:fontScheme name="Office">
+    <a:fontScheme name="Gallery">
       <a:majorFont>
-        <a:latin typeface="Calibri Light" panose="020F0302020204030204"/>
+        <a:latin typeface="Gill Sans MT" panose="020B0502020104020203"/>
         <a:ea typeface=""/>
         <a:cs typeface=""/>
-        <a:font script="Jpan" typeface="Yu Gothic Light"/>
+        <a:font script="Jpan" typeface="游ゴシック Light"/>
         <a:font script="Hang" typeface="맑은 고딕"/>
-        <a:font script="Hans" typeface="DengXian Light"/>
+        <a:font script="Hans" typeface="等线 Light"/>
         <a:font script="Hant" typeface="新細明體"/>
         <a:font script="Arab" typeface="Times New Roman"/>
         <a:font script="Hebr" typeface="Times New Roman"/>
@@ -10833,12 +10777,12 @@
         <a:font script="Geor" typeface="Sylfaen"/>
       </a:majorFont>
       <a:minorFont>
-        <a:latin typeface="Calibri" panose="020F0502020204030204"/>
+        <a:latin typeface="Gill Sans MT" panose="020B0502020104020203"/>
         <a:ea typeface=""/>
         <a:cs typeface=""/>
-        <a:font script="Jpan" typeface="Yu Gothic"/>
+        <a:font script="Jpan" typeface="游ゴシック"/>
         <a:font script="Hang" typeface="맑은 고딕"/>
-        <a:font script="Hans" typeface="DengXian"/>
+        <a:font script="Hans" typeface="等线"/>
         <a:font script="Hant" typeface="新細明體"/>
         <a:font script="Arab" typeface="Arial"/>
         <a:font script="Hebr" typeface="Arial"/>
@@ -10868,7 +10812,7 @@
         <a:font script="Geor" typeface="Sylfaen"/>
       </a:minorFont>
     </a:fontScheme>
-    <a:fmtScheme name="Office">
+    <a:fmtScheme name="Gallery">
       <a:fillStyleLst>
         <a:solidFill>
           <a:schemeClr val="phClr"/>
@@ -10877,23 +10821,18 @@
           <a:gsLst>
             <a:gs pos="0">
               <a:schemeClr val="phClr">
+                <a:tint val="54000"/>
+                <a:alpha val="100000"/>
+                <a:satMod val="105000"/>
                 <a:lumMod val="110000"/>
-                <a:satMod val="105000"/>
-                <a:tint val="67000"/>
-              </a:schemeClr>
-            </a:gs>
-            <a:gs pos="50000">
-              <a:schemeClr val="phClr">
-                <a:lumMod val="105000"/>
-                <a:satMod val="103000"/>
-                <a:tint val="73000"/>
               </a:schemeClr>
             </a:gs>
             <a:gs pos="100000">
               <a:schemeClr val="phClr">
-                <a:lumMod val="105000"/>
+                <a:tint val="78000"/>
+                <a:alpha val="92000"/>
                 <a:satMod val="109000"/>
-                <a:tint val="81000"/>
+                <a:lumMod val="100000"/>
               </a:schemeClr>
             </a:gs>
           </a:gsLst>
@@ -10903,23 +10842,23 @@
           <a:gsLst>
             <a:gs pos="0">
               <a:schemeClr val="phClr">
-                <a:satMod val="103000"/>
-                <a:lumMod val="102000"/>
-                <a:tint val="94000"/>
+                <a:tint val="98000"/>
+                <a:satMod val="110000"/>
+                <a:lumMod val="104000"/>
               </a:schemeClr>
             </a:gs>
-            <a:gs pos="50000">
+            <a:gs pos="69000">
               <a:schemeClr val="phClr">
-                <a:satMod val="110000"/>
-                <a:lumMod val="100000"/>
-                <a:shade val="100000"/>
+                <a:shade val="88000"/>
+                <a:satMod val="130000"/>
+                <a:lumMod val="92000"/>
               </a:schemeClr>
             </a:gs>
             <a:gs pos="100000">
               <a:schemeClr val="phClr">
-                <a:lumMod val="99000"/>
-                <a:satMod val="120000"/>
                 <a:shade val="78000"/>
+                <a:satMod val="130000"/>
+                <a:lumMod val="92000"/>
               </a:schemeClr>
             </a:gs>
           </a:gsLst>
@@ -10927,26 +10866,23 @@
         </a:gradFill>
       </a:fillStyleLst>
       <a:lnStyleLst>
-        <a:ln w="6350" cap="flat" cmpd="sng" algn="ctr">
+        <a:ln w="9525" cap="flat" cmpd="sng" algn="ctr">
           <a:solidFill>
             <a:schemeClr val="phClr"/>
           </a:solidFill>
           <a:prstDash val="solid"/>
-          <a:miter lim="800000"/>
         </a:ln>
-        <a:ln w="12700" cap="flat" cmpd="sng" algn="ctr">
+        <a:ln w="15875" cap="flat" cmpd="sng" algn="ctr">
           <a:solidFill>
             <a:schemeClr val="phClr"/>
           </a:solidFill>
           <a:prstDash val="solid"/>
-          <a:miter lim="800000"/>
         </a:ln>
-        <a:ln w="19050" cap="flat" cmpd="sng" algn="ctr">
+        <a:ln w="22225" cap="flat" cmpd="sng" algn="ctr">
           <a:solidFill>
             <a:schemeClr val="phClr"/>
           </a:solidFill>
           <a:prstDash val="solid"/>
-          <a:miter lim="800000"/>
         </a:ln>
       </a:lnStyleLst>
       <a:effectStyleLst>
@@ -10958,12 +10894,23 @@
         </a:effectStyle>
         <a:effectStyle>
           <a:effectLst>
-            <a:outerShdw blurRad="57150" dist="19050" dir="5400000" algn="ctr" rotWithShape="0">
+            <a:outerShdw blurRad="50800" dist="50800" dir="5400000" sx="96000" sy="96000" rotWithShape="0">
               <a:srgbClr val="000000">
-                <a:alpha val="63000"/>
+                <a:alpha val="48000"/>
               </a:srgbClr>
             </a:outerShdw>
           </a:effectLst>
+          <a:scene3d>
+            <a:camera prst="orthographicFront">
+              <a:rot lat="0" lon="0" rev="0"/>
+            </a:camera>
+            <a:lightRig rig="balanced" dir="t">
+              <a:rot lat="0" lon="0" rev="1080000"/>
+            </a:lightRig>
+          </a:scene3d>
+          <a:sp3d>
+            <a:bevelT w="38100" h="12700" prst="softRound"/>
+          </a:sp3d>
         </a:effectStyle>
       </a:effectStyleLst>
       <a:bgFillStyleLst>
@@ -10971,37 +10918,26 @@
           <a:schemeClr val="phClr"/>
         </a:solidFill>
         <a:solidFill>
-          <a:schemeClr val="phClr">
-            <a:tint val="95000"/>
-            <a:satMod val="170000"/>
-          </a:schemeClr>
+          <a:schemeClr val="phClr"/>
         </a:solidFill>
         <a:gradFill rotWithShape="1">
           <a:gsLst>
             <a:gs pos="0">
               <a:schemeClr val="phClr">
-                <a:tint val="93000"/>
-                <a:satMod val="150000"/>
-                <a:shade val="98000"/>
-                <a:lumMod val="102000"/>
-              </a:schemeClr>
-            </a:gs>
-            <a:gs pos="50000">
-              <a:schemeClr val="phClr">
-                <a:tint val="98000"/>
-                <a:satMod val="130000"/>
-                <a:shade val="90000"/>
-                <a:lumMod val="103000"/>
+                <a:tint val="94000"/>
+                <a:satMod val="80000"/>
+                <a:lumMod val="106000"/>
               </a:schemeClr>
             </a:gs>
             <a:gs pos="100000">
               <a:schemeClr val="phClr">
-                <a:shade val="63000"/>
-                <a:satMod val="120000"/>
+                <a:shade val="80000"/>
               </a:schemeClr>
             </a:gs>
           </a:gsLst>
-          <a:lin ang="5400000" scaled="0"/>
+          <a:path path="circle">
+            <a:fillToRect l="50000" t="50000" r="50000" b="50000"/>
+          </a:path>
         </a:gradFill>
       </a:bgFillStyleLst>
     </a:fmtScheme>
@@ -11010,7 +10946,7 @@
   <a:extraClrSchemeLst/>
   <a:extLst>
     <a:ext uri="{05A4C25C-085E-4340-85A3-A5531E510DB2}">
-      <thm15:themeFamily xmlns:thm15="http://schemas.microsoft.com/office/thememl/2012/main" name="Office Theme" id="{62F939B6-93AF-4DB8-9C6B-D6C7DFDC589F}" vid="{4A3C46E8-61CC-4603-A589-7422A47A8E4A}"/>
+      <thm15:themeFamily xmlns:thm15="http://schemas.microsoft.com/office/thememl/2012/main" name="Gallery" id="{BBFCD31E-59A1-489D-B089-A3EAD7CAE12E}" vid="{F5E91637-A7B6-4E27-B710-77DA7014EE1E}"/>
     </a:ext>
   </a:extLst>
 </a:theme>
